--- a/Java/Java #1/TR/Java #1.pptx
+++ b/Java/Java #1/TR/Java #1.pptx
@@ -9,6 +9,8 @@
     <p:sldId id="257" r:id="rId4"/>
     <p:sldId id="258" r:id="rId5"/>
     <p:sldId id="259" r:id="rId6"/>
+    <p:sldId id="260" r:id="rId7"/>
+    <p:sldId id="261" r:id="rId8"/>
   </p:sldIdLst>
   <p:sldSz cx="10080625" cy="7559675"/>
   <p:notesSz cx="7772400" cy="10058400"/>
@@ -66,7 +68,7 @@
         <p:txBody>
           <a:bodyPr/>
           <a:p>
-            <a:fld id="{CFE3E87F-2409-44BF-A91F-F49FF1C9DFEB}" type="slidenum">
+            <a:fld id="{7E1E1530-95C4-425A-8468-514829151C99}" type="slidenum">
               <a:t>&lt;#&gt;</a:t>
             </a:fld>
           </a:p>
@@ -275,7 +277,7 @@
         <p:txBody>
           <a:bodyPr/>
           <a:p>
-            <a:fld id="{897F09E6-3D3D-45BB-A3DD-4DA5439F5520}" type="slidenum">
+            <a:fld id="{DBD507F9-A916-4DF3-A61A-30DB37E2C799}" type="slidenum">
               <a:t>&lt;#&gt;</a:t>
             </a:fld>
           </a:p>
@@ -570,7 +572,7 @@
         <p:txBody>
           <a:bodyPr/>
           <a:p>
-            <a:fld id="{F1F2C7D7-A4D3-41EA-9F96-428E58F56073}" type="slidenum">
+            <a:fld id="{301F230F-7697-47AC-8007-D5E28CD937D1}" type="slidenum">
               <a:t>&lt;#&gt;</a:t>
             </a:fld>
           </a:p>
@@ -951,7 +953,7 @@
         <p:txBody>
           <a:bodyPr/>
           <a:p>
-            <a:fld id="{367B7043-1DFC-4C57-AD61-C44D4F8ED293}" type="slidenum">
+            <a:fld id="{9CBF397B-30D9-47F4-B22F-B43E74A51411}" type="slidenum">
               <a:t>&lt;#&gt;</a:t>
             </a:fld>
           </a:p>
@@ -1114,7 +1116,7 @@
         <p:txBody>
           <a:bodyPr/>
           <a:p>
-            <a:fld id="{6FE223A0-B697-4AA2-9318-E0753C475F21}" type="slidenum">
+            <a:fld id="{EC5531A2-0585-4B4C-88CB-6C6828695943}" type="slidenum">
               <a:t>&lt;#&gt;</a:t>
             </a:fld>
           </a:p>
@@ -1280,7 +1282,7 @@
         <p:txBody>
           <a:bodyPr/>
           <a:p>
-            <a:fld id="{959A4087-1FD7-4D0A-9EF4-E45B6629D977}" type="slidenum">
+            <a:fld id="{3685131C-A4FB-4795-B255-D1AEBCEF3ECC}" type="slidenum">
               <a:t>&lt;#&gt;</a:t>
             </a:fld>
           </a:p>
@@ -1489,7 +1491,7 @@
         <p:txBody>
           <a:bodyPr/>
           <a:p>
-            <a:fld id="{0976BB8E-3735-4EBD-B021-2A8DE6438919}" type="slidenum">
+            <a:fld id="{63D15633-16B9-47D2-BEC6-03ECDCC9D158}" type="slidenum">
               <a:t>&lt;#&gt;</a:t>
             </a:fld>
           </a:p>
@@ -1612,7 +1614,7 @@
         <p:txBody>
           <a:bodyPr/>
           <a:p>
-            <a:fld id="{BD0C4725-1DCE-4488-B240-3523DB9D0BBB}" type="slidenum">
+            <a:fld id="{5E6CE624-F2EC-44F9-88AD-D6ADF473DD69}" type="slidenum">
               <a:t>&lt;#&gt;</a:t>
             </a:fld>
           </a:p>
@@ -1733,7 +1735,7 @@
         <p:txBody>
           <a:bodyPr/>
           <a:p>
-            <a:fld id="{8DBDCFA4-C95A-46FD-9829-397A34A448E1}" type="slidenum">
+            <a:fld id="{02240399-81E4-42F4-88A8-696CCAC24666}" type="slidenum">
               <a:t>&lt;#&gt;</a:t>
             </a:fld>
           </a:p>
@@ -1985,7 +1987,7 @@
         <p:txBody>
           <a:bodyPr/>
           <a:p>
-            <a:fld id="{7B69911E-0F79-4C63-9473-297BEF19AE3F}" type="slidenum">
+            <a:fld id="{22D61E1F-3D00-4A5C-A626-171D220367B0}" type="slidenum">
               <a:t>&lt;#&gt;</a:t>
             </a:fld>
           </a:p>
@@ -2237,7 +2239,7 @@
         <p:txBody>
           <a:bodyPr/>
           <a:p>
-            <a:fld id="{2B6B76DA-B537-425B-9883-E20A7EAFCD31}" type="slidenum">
+            <a:fld id="{11C2F3EC-FBBC-4C19-972F-72EF2CF691AA}" type="slidenum">
               <a:t>&lt;#&gt;</a:t>
             </a:fld>
           </a:p>
@@ -2489,7 +2491,7 @@
         <p:txBody>
           <a:bodyPr/>
           <a:p>
-            <a:fld id="{41C7C5E8-2786-45DE-91EF-BB7A191064F4}" type="slidenum">
+            <a:fld id="{EFE797D2-3F11-48F6-91B9-BEF8978E363C}" type="slidenum">
               <a:t>&lt;#&gt;</a:t>
             </a:fld>
           </a:p>
@@ -2558,7 +2560,7 @@
         <p:spPr>
           <a:xfrm>
             <a:off x="3442320" y="7005240"/>
-            <a:ext cx="3185640" cy="396000"/>
+            <a:ext cx="3185280" cy="395640"/>
           </a:xfrm>
           <a:prstGeom prst="rect">
             <a:avLst/>
@@ -2630,7 +2632,7 @@
         <p:spPr>
           <a:xfrm>
             <a:off x="7223040" y="7005240"/>
-            <a:ext cx="2346120" cy="396000"/>
+            <a:ext cx="2345760" cy="395640"/>
           </a:xfrm>
           <a:prstGeom prst="rect">
             <a:avLst/>
@@ -2671,7 +2673,7 @@
                 <a:tab algn="l" pos="0"/>
               </a:tabLst>
             </a:pPr>
-            <a:fld id="{B72FE1B0-6840-4B3A-8FA8-1FEF0E21BEB1}" type="slidenum">
+            <a:fld id="{EE15CD11-66A5-4993-9B90-821A59F08393}" type="slidenum">
               <a:rPr b="0" lang="en-US" sz="1200" spc="-1" strike="noStrike">
                 <a:solidFill>
                   <a:srgbClr val="8b8b8b"/>
@@ -2702,7 +2704,7 @@
         <p:spPr>
           <a:xfrm>
             <a:off x="502920" y="7005240"/>
-            <a:ext cx="2346120" cy="396000"/>
+            <a:ext cx="2345760" cy="395640"/>
           </a:xfrm>
           <a:prstGeom prst="rect">
             <a:avLst/>
@@ -3069,7 +3071,7 @@
         <p:spPr>
           <a:xfrm>
             <a:off x="1440" y="1800"/>
-            <a:ext cx="13430520" cy="7553880"/>
+            <a:ext cx="13430160" cy="7553520"/>
           </a:xfrm>
           <a:prstGeom prst="rect">
             <a:avLst/>
@@ -3129,7 +3131,7 @@
         <p:spPr>
           <a:xfrm>
             <a:off x="1440" y="1800"/>
-            <a:ext cx="14760" cy="7553880"/>
+            <a:ext cx="14400" cy="7553520"/>
           </a:xfrm>
           <a:prstGeom prst="rect">
             <a:avLst/>
@@ -3189,7 +3191,7 @@
         <p:spPr>
           <a:xfrm>
             <a:off x="1005480" y="1800"/>
-            <a:ext cx="14760" cy="7553880"/>
+            <a:ext cx="14400" cy="7553520"/>
           </a:xfrm>
           <a:prstGeom prst="rect">
             <a:avLst/>
@@ -3249,7 +3251,7 @@
         <p:spPr>
           <a:xfrm>
             <a:off x="2013480" y="1800"/>
-            <a:ext cx="14760" cy="7553880"/>
+            <a:ext cx="14400" cy="7553520"/>
           </a:xfrm>
           <a:prstGeom prst="rect">
             <a:avLst/>
@@ -3309,7 +3311,7 @@
         <p:spPr>
           <a:xfrm>
             <a:off x="3021480" y="1800"/>
-            <a:ext cx="14760" cy="7553880"/>
+            <a:ext cx="14400" cy="7553520"/>
           </a:xfrm>
           <a:prstGeom prst="rect">
             <a:avLst/>
@@ -3369,7 +3371,7 @@
         <p:spPr>
           <a:xfrm>
             <a:off x="4029480" y="1800"/>
-            <a:ext cx="14760" cy="7553880"/>
+            <a:ext cx="14400" cy="7553520"/>
           </a:xfrm>
           <a:prstGeom prst="rect">
             <a:avLst/>
@@ -3429,7 +3431,7 @@
         <p:spPr>
           <a:xfrm>
             <a:off x="5037480" y="1800"/>
-            <a:ext cx="14760" cy="7553880"/>
+            <a:ext cx="14400" cy="7553520"/>
           </a:xfrm>
           <a:prstGeom prst="rect">
             <a:avLst/>
@@ -3489,7 +3491,7 @@
         <p:spPr>
           <a:xfrm>
             <a:off x="6045480" y="1800"/>
-            <a:ext cx="14760" cy="7553880"/>
+            <a:ext cx="14400" cy="7553520"/>
           </a:xfrm>
           <a:prstGeom prst="rect">
             <a:avLst/>
@@ -3549,7 +3551,7 @@
         <p:spPr>
           <a:xfrm>
             <a:off x="7053480" y="1800"/>
-            <a:ext cx="14760" cy="7553880"/>
+            <a:ext cx="14400" cy="7553520"/>
           </a:xfrm>
           <a:prstGeom prst="rect">
             <a:avLst/>
@@ -3609,7 +3611,7 @@
         <p:spPr>
           <a:xfrm>
             <a:off x="8061480" y="1800"/>
-            <a:ext cx="14760" cy="7553880"/>
+            <a:ext cx="14400" cy="7553520"/>
           </a:xfrm>
           <a:prstGeom prst="rect">
             <a:avLst/>
@@ -3669,7 +3671,7 @@
         <p:spPr>
           <a:xfrm>
             <a:off x="9069480" y="1800"/>
-            <a:ext cx="14760" cy="7553880"/>
+            <a:ext cx="14400" cy="7553520"/>
           </a:xfrm>
           <a:prstGeom prst="rect">
             <a:avLst/>
@@ -3729,7 +3731,7 @@
         <p:spPr>
           <a:xfrm>
             <a:off x="10077480" y="1800"/>
-            <a:ext cx="14760" cy="7553880"/>
+            <a:ext cx="14400" cy="7553520"/>
           </a:xfrm>
           <a:prstGeom prst="rect">
             <a:avLst/>
@@ -3789,7 +3791,7 @@
         <p:spPr>
           <a:xfrm>
             <a:off x="11085480" y="1800"/>
-            <a:ext cx="14760" cy="7553880"/>
+            <a:ext cx="14400" cy="7553520"/>
           </a:xfrm>
           <a:prstGeom prst="rect">
             <a:avLst/>
@@ -3849,7 +3851,7 @@
         <p:spPr>
           <a:xfrm>
             <a:off x="12093480" y="1800"/>
-            <a:ext cx="14760" cy="7553880"/>
+            <a:ext cx="14400" cy="7553520"/>
           </a:xfrm>
           <a:prstGeom prst="rect">
             <a:avLst/>
@@ -3909,7 +3911,7 @@
         <p:spPr>
           <a:xfrm>
             <a:off x="13101480" y="1800"/>
-            <a:ext cx="14760" cy="7553880"/>
+            <a:ext cx="14400" cy="7553520"/>
           </a:xfrm>
           <a:prstGeom prst="rect">
             <a:avLst/>
@@ -3969,7 +3971,7 @@
         <p:spPr>
           <a:xfrm>
             <a:off x="1440" y="1800"/>
-            <a:ext cx="346680" cy="7553880"/>
+            <a:ext cx="346320" cy="7553520"/>
           </a:xfrm>
           <a:prstGeom prst="rect">
             <a:avLst/>
@@ -4029,7 +4031,7 @@
         <p:spPr>
           <a:xfrm>
             <a:off x="10884960" y="401400"/>
-            <a:ext cx="2211120" cy="547200"/>
+            <a:ext cx="2210760" cy="546840"/>
           </a:xfrm>
           <a:prstGeom prst="roundRect">
             <a:avLst>
@@ -4103,7 +4105,7 @@
         <p:spPr>
           <a:xfrm>
             <a:off x="5379480" y="1107000"/>
-            <a:ext cx="1328760" cy="820800"/>
+            <a:ext cx="1328400" cy="820800"/>
           </a:xfrm>
           <a:prstGeom prst="rect">
             <a:avLst/>
@@ -4157,7 +4159,7 @@
         <p:spPr>
           <a:xfrm>
             <a:off x="2611080" y="2266200"/>
-            <a:ext cx="7520760" cy="379800"/>
+            <a:ext cx="7520400" cy="379080"/>
           </a:xfrm>
           <a:prstGeom prst="rect">
             <a:avLst/>
@@ -4211,7 +4213,7 @@
         <p:spPr>
           <a:xfrm>
             <a:off x="1086840" y="3506040"/>
-            <a:ext cx="3622680" cy="3017880"/>
+            <a:ext cx="3622320" cy="3017520"/>
           </a:xfrm>
           <a:prstGeom prst="roundRect">
             <a:avLst>
@@ -4273,7 +4275,7 @@
         <p:spPr>
           <a:xfrm>
             <a:off x="1020240" y="3425760"/>
-            <a:ext cx="3623040" cy="3018240"/>
+            <a:ext cx="3622680" cy="3017880"/>
           </a:xfrm>
           <a:prstGeom prst="roundRect">
             <a:avLst>
@@ -4423,7 +4425,7 @@
         <p:spPr>
           <a:xfrm>
             <a:off x="4968360" y="3506040"/>
-            <a:ext cx="3622680" cy="3017880"/>
+            <a:ext cx="3622320" cy="3017520"/>
           </a:xfrm>
           <a:prstGeom prst="roundRect">
             <a:avLst>
@@ -4485,7 +4487,7 @@
         <p:spPr>
           <a:xfrm>
             <a:off x="4886640" y="3425760"/>
-            <a:ext cx="3623040" cy="3018240"/>
+            <a:ext cx="3622680" cy="3017880"/>
           </a:xfrm>
           <a:prstGeom prst="roundRect">
             <a:avLst>
@@ -4697,7 +4699,7 @@
         <p:spPr>
           <a:xfrm>
             <a:off x="8849160" y="3506040"/>
-            <a:ext cx="3622680" cy="3017880"/>
+            <a:ext cx="3622320" cy="3017520"/>
           </a:xfrm>
           <a:prstGeom prst="roundRect">
             <a:avLst>
@@ -4759,7 +4761,7 @@
         <p:spPr>
           <a:xfrm>
             <a:off x="8767440" y="3425760"/>
-            <a:ext cx="3623040" cy="3018240"/>
+            <a:ext cx="3622680" cy="3017880"/>
           </a:xfrm>
           <a:prstGeom prst="roundRect">
             <a:avLst>
@@ -4917,7 +4919,7 @@
         <p:spPr>
           <a:xfrm>
             <a:off x="1440" y="1800"/>
-            <a:ext cx="13430520" cy="7553880"/>
+            <a:ext cx="13430160" cy="7553520"/>
           </a:xfrm>
           <a:prstGeom prst="rect">
             <a:avLst/>
@@ -4977,7 +4979,7 @@
         <p:spPr>
           <a:xfrm>
             <a:off x="1440" y="1800"/>
-            <a:ext cx="14760" cy="7553880"/>
+            <a:ext cx="14400" cy="7553520"/>
           </a:xfrm>
           <a:prstGeom prst="rect">
             <a:avLst/>
@@ -5037,7 +5039,7 @@
         <p:spPr>
           <a:xfrm>
             <a:off x="1005480" y="1800"/>
-            <a:ext cx="14760" cy="7553880"/>
+            <a:ext cx="14400" cy="7553520"/>
           </a:xfrm>
           <a:prstGeom prst="rect">
             <a:avLst/>
@@ -5097,7 +5099,7 @@
         <p:spPr>
           <a:xfrm>
             <a:off x="2013480" y="1800"/>
-            <a:ext cx="14760" cy="7553880"/>
+            <a:ext cx="14400" cy="7553520"/>
           </a:xfrm>
           <a:prstGeom prst="rect">
             <a:avLst/>
@@ -5157,7 +5159,7 @@
         <p:spPr>
           <a:xfrm>
             <a:off x="3021480" y="1800"/>
-            <a:ext cx="14760" cy="7553880"/>
+            <a:ext cx="14400" cy="7553520"/>
           </a:xfrm>
           <a:prstGeom prst="rect">
             <a:avLst/>
@@ -5217,7 +5219,7 @@
         <p:spPr>
           <a:xfrm>
             <a:off x="4029480" y="1800"/>
-            <a:ext cx="14760" cy="7553880"/>
+            <a:ext cx="14400" cy="7553520"/>
           </a:xfrm>
           <a:prstGeom prst="rect">
             <a:avLst/>
@@ -5277,7 +5279,7 @@
         <p:spPr>
           <a:xfrm>
             <a:off x="5037480" y="1800"/>
-            <a:ext cx="14760" cy="7553880"/>
+            <a:ext cx="14400" cy="7553520"/>
           </a:xfrm>
           <a:prstGeom prst="rect">
             <a:avLst/>
@@ -5337,7 +5339,7 @@
         <p:spPr>
           <a:xfrm>
             <a:off x="6045480" y="1800"/>
-            <a:ext cx="14760" cy="7553880"/>
+            <a:ext cx="14400" cy="7553520"/>
           </a:xfrm>
           <a:prstGeom prst="rect">
             <a:avLst/>
@@ -5397,7 +5399,7 @@
         <p:spPr>
           <a:xfrm>
             <a:off x="7053480" y="1800"/>
-            <a:ext cx="14760" cy="7553880"/>
+            <a:ext cx="14400" cy="7553520"/>
           </a:xfrm>
           <a:prstGeom prst="rect">
             <a:avLst/>
@@ -5457,7 +5459,7 @@
         <p:spPr>
           <a:xfrm>
             <a:off x="8061480" y="1800"/>
-            <a:ext cx="14760" cy="7553880"/>
+            <a:ext cx="14400" cy="7553520"/>
           </a:xfrm>
           <a:prstGeom prst="rect">
             <a:avLst/>
@@ -5517,7 +5519,7 @@
         <p:spPr>
           <a:xfrm>
             <a:off x="9069480" y="1800"/>
-            <a:ext cx="14760" cy="7553880"/>
+            <a:ext cx="14400" cy="7553520"/>
           </a:xfrm>
           <a:prstGeom prst="rect">
             <a:avLst/>
@@ -5577,7 +5579,7 @@
         <p:spPr>
           <a:xfrm>
             <a:off x="10077480" y="1800"/>
-            <a:ext cx="14760" cy="7553880"/>
+            <a:ext cx="14400" cy="7553520"/>
           </a:xfrm>
           <a:prstGeom prst="rect">
             <a:avLst/>
@@ -5637,7 +5639,7 @@
         <p:spPr>
           <a:xfrm>
             <a:off x="11085480" y="1800"/>
-            <a:ext cx="14760" cy="7553880"/>
+            <a:ext cx="14400" cy="7553520"/>
           </a:xfrm>
           <a:prstGeom prst="rect">
             <a:avLst/>
@@ -5697,7 +5699,7 @@
         <p:spPr>
           <a:xfrm>
             <a:off x="12093480" y="1800"/>
-            <a:ext cx="14760" cy="7553880"/>
+            <a:ext cx="14400" cy="7553520"/>
           </a:xfrm>
           <a:prstGeom prst="rect">
             <a:avLst/>
@@ -5757,7 +5759,7 @@
         <p:spPr>
           <a:xfrm>
             <a:off x="13101480" y="1800"/>
-            <a:ext cx="14760" cy="7553880"/>
+            <a:ext cx="14400" cy="7553520"/>
           </a:xfrm>
           <a:prstGeom prst="rect">
             <a:avLst/>
@@ -5817,7 +5819,7 @@
         <p:spPr>
           <a:xfrm>
             <a:off x="1440" y="1800"/>
-            <a:ext cx="346680" cy="7553880"/>
+            <a:ext cx="346320" cy="7553520"/>
           </a:xfrm>
           <a:prstGeom prst="rect">
             <a:avLst/>
@@ -5877,7 +5879,7 @@
         <p:spPr>
           <a:xfrm>
             <a:off x="10884960" y="401400"/>
-            <a:ext cx="2211120" cy="547200"/>
+            <a:ext cx="2210760" cy="546840"/>
           </a:xfrm>
           <a:prstGeom prst="roundRect">
             <a:avLst>
@@ -5951,7 +5953,7 @@
         <p:spPr>
           <a:xfrm>
             <a:off x="4507920" y="1107000"/>
-            <a:ext cx="3073680" cy="820800"/>
+            <a:ext cx="3073320" cy="820800"/>
           </a:xfrm>
           <a:prstGeom prst="rect">
             <a:avLst/>
@@ -6005,7 +6007,7 @@
         <p:spPr>
           <a:xfrm>
             <a:off x="3048840" y="2266200"/>
-            <a:ext cx="6641280" cy="669240"/>
+            <a:ext cx="6641280" cy="668520"/>
           </a:xfrm>
           <a:prstGeom prst="rect">
             <a:avLst/>
@@ -6082,7 +6084,7 @@
         <p:spPr>
           <a:xfrm>
             <a:off x="1086840" y="3506040"/>
-            <a:ext cx="3622680" cy="3017880"/>
+            <a:ext cx="3622320" cy="3017520"/>
           </a:xfrm>
           <a:prstGeom prst="roundRect">
             <a:avLst>
@@ -6144,7 +6146,7 @@
         <p:spPr>
           <a:xfrm>
             <a:off x="1006560" y="3425040"/>
-            <a:ext cx="3623040" cy="3018240"/>
+            <a:ext cx="3622680" cy="3017880"/>
           </a:xfrm>
           <a:prstGeom prst="roundRect">
             <a:avLst>
@@ -6335,7 +6337,7 @@
         <p:spPr>
           <a:xfrm>
             <a:off x="4968360" y="3506040"/>
-            <a:ext cx="3622680" cy="3017880"/>
+            <a:ext cx="3622320" cy="3017520"/>
           </a:xfrm>
           <a:prstGeom prst="roundRect">
             <a:avLst>
@@ -6397,7 +6399,7 @@
         <p:spPr>
           <a:xfrm>
             <a:off x="4886640" y="3425040"/>
-            <a:ext cx="3623040" cy="3018240"/>
+            <a:ext cx="3622680" cy="3017880"/>
           </a:xfrm>
           <a:prstGeom prst="roundRect">
             <a:avLst>
@@ -6750,7 +6752,7 @@
         <p:spPr>
           <a:xfrm>
             <a:off x="8849160" y="3506040"/>
-            <a:ext cx="3622680" cy="3017880"/>
+            <a:ext cx="3622320" cy="3017520"/>
           </a:xfrm>
           <a:prstGeom prst="roundRect">
             <a:avLst>
@@ -6812,7 +6814,7 @@
         <p:spPr>
           <a:xfrm>
             <a:off x="8767440" y="3425760"/>
-            <a:ext cx="3623040" cy="3018240"/>
+            <a:ext cx="3622680" cy="3017880"/>
           </a:xfrm>
           <a:prstGeom prst="roundRect">
             <a:avLst>
@@ -7118,7 +7120,7 @@
         <p:spPr>
           <a:xfrm>
             <a:off x="1440" y="1800"/>
-            <a:ext cx="13430520" cy="7553880"/>
+            <a:ext cx="13430160" cy="7553520"/>
           </a:xfrm>
           <a:prstGeom prst="rect">
             <a:avLst/>
@@ -7178,7 +7180,7 @@
         <p:spPr>
           <a:xfrm>
             <a:off x="1440" y="1800"/>
-            <a:ext cx="14760" cy="7553880"/>
+            <a:ext cx="14400" cy="7553520"/>
           </a:xfrm>
           <a:prstGeom prst="rect">
             <a:avLst/>
@@ -7238,7 +7240,7 @@
         <p:spPr>
           <a:xfrm>
             <a:off x="1005480" y="1800"/>
-            <a:ext cx="14760" cy="7553880"/>
+            <a:ext cx="14400" cy="7553520"/>
           </a:xfrm>
           <a:prstGeom prst="rect">
             <a:avLst/>
@@ -7298,7 +7300,7 @@
         <p:spPr>
           <a:xfrm>
             <a:off x="2013480" y="1800"/>
-            <a:ext cx="14760" cy="7553880"/>
+            <a:ext cx="14400" cy="7553520"/>
           </a:xfrm>
           <a:prstGeom prst="rect">
             <a:avLst/>
@@ -7358,7 +7360,7 @@
         <p:spPr>
           <a:xfrm>
             <a:off x="3021480" y="1800"/>
-            <a:ext cx="14760" cy="7553880"/>
+            <a:ext cx="14400" cy="7553520"/>
           </a:xfrm>
           <a:prstGeom prst="rect">
             <a:avLst/>
@@ -7418,7 +7420,7 @@
         <p:spPr>
           <a:xfrm>
             <a:off x="4029480" y="1800"/>
-            <a:ext cx="14760" cy="7553880"/>
+            <a:ext cx="14400" cy="7553520"/>
           </a:xfrm>
           <a:prstGeom prst="rect">
             <a:avLst/>
@@ -7478,7 +7480,7 @@
         <p:spPr>
           <a:xfrm>
             <a:off x="5037480" y="1800"/>
-            <a:ext cx="14760" cy="7553880"/>
+            <a:ext cx="14400" cy="7553520"/>
           </a:xfrm>
           <a:prstGeom prst="rect">
             <a:avLst/>
@@ -7538,7 +7540,7 @@
         <p:spPr>
           <a:xfrm>
             <a:off x="6045480" y="1800"/>
-            <a:ext cx="14760" cy="7553880"/>
+            <a:ext cx="14400" cy="7553520"/>
           </a:xfrm>
           <a:prstGeom prst="rect">
             <a:avLst/>
@@ -7598,7 +7600,7 @@
         <p:spPr>
           <a:xfrm>
             <a:off x="7053480" y="1800"/>
-            <a:ext cx="14760" cy="7553880"/>
+            <a:ext cx="14400" cy="7553520"/>
           </a:xfrm>
           <a:prstGeom prst="rect">
             <a:avLst/>
@@ -7658,7 +7660,7 @@
         <p:spPr>
           <a:xfrm>
             <a:off x="8061480" y="1800"/>
-            <a:ext cx="14760" cy="7553880"/>
+            <a:ext cx="14400" cy="7553520"/>
           </a:xfrm>
           <a:prstGeom prst="rect">
             <a:avLst/>
@@ -7718,7 +7720,7 @@
         <p:spPr>
           <a:xfrm>
             <a:off x="9069480" y="1800"/>
-            <a:ext cx="14760" cy="7553880"/>
+            <a:ext cx="14400" cy="7553520"/>
           </a:xfrm>
           <a:prstGeom prst="rect">
             <a:avLst/>
@@ -7778,7 +7780,7 @@
         <p:spPr>
           <a:xfrm>
             <a:off x="10077480" y="1800"/>
-            <a:ext cx="14760" cy="7553880"/>
+            <a:ext cx="14400" cy="7553520"/>
           </a:xfrm>
           <a:prstGeom prst="rect">
             <a:avLst/>
@@ -7838,7 +7840,7 @@
         <p:spPr>
           <a:xfrm>
             <a:off x="11085480" y="1800"/>
-            <a:ext cx="14760" cy="7553880"/>
+            <a:ext cx="14400" cy="7553520"/>
           </a:xfrm>
           <a:prstGeom prst="rect">
             <a:avLst/>
@@ -7898,7 +7900,7 @@
         <p:spPr>
           <a:xfrm>
             <a:off x="12093480" y="1800"/>
-            <a:ext cx="14760" cy="7553880"/>
+            <a:ext cx="14400" cy="7553520"/>
           </a:xfrm>
           <a:prstGeom prst="rect">
             <a:avLst/>
@@ -7958,7 +7960,7 @@
         <p:spPr>
           <a:xfrm>
             <a:off x="13101480" y="1800"/>
-            <a:ext cx="14760" cy="7553880"/>
+            <a:ext cx="14400" cy="7553520"/>
           </a:xfrm>
           <a:prstGeom prst="rect">
             <a:avLst/>
@@ -8018,7 +8020,7 @@
         <p:spPr>
           <a:xfrm>
             <a:off x="1440" y="1800"/>
-            <a:ext cx="346680" cy="7553880"/>
+            <a:ext cx="346320" cy="7553520"/>
           </a:xfrm>
           <a:prstGeom prst="rect">
             <a:avLst/>
@@ -8078,7 +8080,7 @@
         <p:spPr>
           <a:xfrm>
             <a:off x="10884960" y="401400"/>
-            <a:ext cx="2211120" cy="547200"/>
+            <a:ext cx="2210760" cy="546840"/>
           </a:xfrm>
           <a:prstGeom prst="roundRect">
             <a:avLst>
@@ -8152,7 +8154,7 @@
         <p:spPr>
           <a:xfrm>
             <a:off x="3484440" y="1107000"/>
-            <a:ext cx="5121720" cy="820800"/>
+            <a:ext cx="5121360" cy="820800"/>
           </a:xfrm>
           <a:prstGeom prst="rect">
             <a:avLst/>
@@ -8206,7 +8208,7 @@
         <p:spPr>
           <a:xfrm>
             <a:off x="2706840" y="2266200"/>
-            <a:ext cx="7325640" cy="379800"/>
+            <a:ext cx="7325640" cy="379080"/>
           </a:xfrm>
           <a:prstGeom prst="rect">
             <a:avLst/>
@@ -8260,7 +8262,7 @@
         <p:spPr>
           <a:xfrm>
             <a:off x="1086840" y="3506040"/>
-            <a:ext cx="3622680" cy="3017880"/>
+            <a:ext cx="3622320" cy="3017520"/>
           </a:xfrm>
           <a:prstGeom prst="roundRect">
             <a:avLst>
@@ -8322,7 +8324,7 @@
         <p:spPr>
           <a:xfrm>
             <a:off x="1006560" y="3425760"/>
-            <a:ext cx="3623040" cy="3018240"/>
+            <a:ext cx="3622680" cy="3017880"/>
           </a:xfrm>
           <a:prstGeom prst="roundRect">
             <a:avLst>
@@ -8485,7 +8487,7 @@
         <p:spPr>
           <a:xfrm>
             <a:off x="4968360" y="3506040"/>
-            <a:ext cx="3622680" cy="3017880"/>
+            <a:ext cx="3622320" cy="3017520"/>
           </a:xfrm>
           <a:prstGeom prst="roundRect">
             <a:avLst>
@@ -8547,7 +8549,7 @@
         <p:spPr>
           <a:xfrm>
             <a:off x="4886640" y="3424320"/>
-            <a:ext cx="3623040" cy="3018240"/>
+            <a:ext cx="3622680" cy="3017880"/>
           </a:xfrm>
           <a:prstGeom prst="roundRect">
             <a:avLst>
@@ -8805,7 +8807,7 @@
         <p:spPr>
           <a:xfrm>
             <a:off x="8849160" y="3506040"/>
-            <a:ext cx="3622680" cy="3017880"/>
+            <a:ext cx="3622320" cy="3017520"/>
           </a:xfrm>
           <a:prstGeom prst="roundRect">
             <a:avLst>
@@ -8867,7 +8869,7 @@
         <p:spPr>
           <a:xfrm>
             <a:off x="8767440" y="3425040"/>
-            <a:ext cx="3623040" cy="3018240"/>
+            <a:ext cx="3622680" cy="3017880"/>
           </a:xfrm>
           <a:prstGeom prst="roundRect">
             <a:avLst>
@@ -9235,7 +9237,7 @@
         <p:spPr>
           <a:xfrm>
             <a:off x="1440" y="1800"/>
-            <a:ext cx="13430520" cy="7553880"/>
+            <a:ext cx="13430160" cy="7553520"/>
           </a:xfrm>
           <a:prstGeom prst="rect">
             <a:avLst/>
@@ -9295,7 +9297,7 @@
         <p:spPr>
           <a:xfrm>
             <a:off x="1440" y="1800"/>
-            <a:ext cx="14760" cy="7553880"/>
+            <a:ext cx="14400" cy="7553520"/>
           </a:xfrm>
           <a:prstGeom prst="rect">
             <a:avLst/>
@@ -9355,7 +9357,7 @@
         <p:spPr>
           <a:xfrm>
             <a:off x="1005480" y="1800"/>
-            <a:ext cx="14760" cy="7553880"/>
+            <a:ext cx="14400" cy="7553520"/>
           </a:xfrm>
           <a:prstGeom prst="rect">
             <a:avLst/>
@@ -9415,7 +9417,7 @@
         <p:spPr>
           <a:xfrm>
             <a:off x="2013480" y="1800"/>
-            <a:ext cx="14760" cy="7553880"/>
+            <a:ext cx="14400" cy="7553520"/>
           </a:xfrm>
           <a:prstGeom prst="rect">
             <a:avLst/>
@@ -9475,7 +9477,7 @@
         <p:spPr>
           <a:xfrm>
             <a:off x="3021480" y="1800"/>
-            <a:ext cx="14760" cy="7553880"/>
+            <a:ext cx="14400" cy="7553520"/>
           </a:xfrm>
           <a:prstGeom prst="rect">
             <a:avLst/>
@@ -9535,7 +9537,7 @@
         <p:spPr>
           <a:xfrm>
             <a:off x="4029480" y="1800"/>
-            <a:ext cx="14760" cy="7553880"/>
+            <a:ext cx="14400" cy="7553520"/>
           </a:xfrm>
           <a:prstGeom prst="rect">
             <a:avLst/>
@@ -9595,7 +9597,7 @@
         <p:spPr>
           <a:xfrm>
             <a:off x="5037480" y="1800"/>
-            <a:ext cx="14760" cy="7553880"/>
+            <a:ext cx="14400" cy="7553520"/>
           </a:xfrm>
           <a:prstGeom prst="rect">
             <a:avLst/>
@@ -9655,7 +9657,7 @@
         <p:spPr>
           <a:xfrm>
             <a:off x="6045480" y="1800"/>
-            <a:ext cx="14760" cy="7553880"/>
+            <a:ext cx="14400" cy="7553520"/>
           </a:xfrm>
           <a:prstGeom prst="rect">
             <a:avLst/>
@@ -9715,7 +9717,7 @@
         <p:spPr>
           <a:xfrm>
             <a:off x="7053480" y="1800"/>
-            <a:ext cx="14760" cy="7553880"/>
+            <a:ext cx="14400" cy="7553520"/>
           </a:xfrm>
           <a:prstGeom prst="rect">
             <a:avLst/>
@@ -9775,7 +9777,7 @@
         <p:spPr>
           <a:xfrm>
             <a:off x="8061480" y="1800"/>
-            <a:ext cx="14760" cy="7553880"/>
+            <a:ext cx="14400" cy="7553520"/>
           </a:xfrm>
           <a:prstGeom prst="rect">
             <a:avLst/>
@@ -9835,7 +9837,7 @@
         <p:spPr>
           <a:xfrm>
             <a:off x="9069480" y="1800"/>
-            <a:ext cx="14760" cy="7553880"/>
+            <a:ext cx="14400" cy="7553520"/>
           </a:xfrm>
           <a:prstGeom prst="rect">
             <a:avLst/>
@@ -9895,7 +9897,7 @@
         <p:spPr>
           <a:xfrm>
             <a:off x="10077480" y="1800"/>
-            <a:ext cx="14760" cy="7553880"/>
+            <a:ext cx="14400" cy="7553520"/>
           </a:xfrm>
           <a:prstGeom prst="rect">
             <a:avLst/>
@@ -9955,7 +9957,7 @@
         <p:spPr>
           <a:xfrm>
             <a:off x="11085480" y="1800"/>
-            <a:ext cx="14760" cy="7553880"/>
+            <a:ext cx="14400" cy="7553520"/>
           </a:xfrm>
           <a:prstGeom prst="rect">
             <a:avLst/>
@@ -10015,7 +10017,7 @@
         <p:spPr>
           <a:xfrm>
             <a:off x="12093480" y="1800"/>
-            <a:ext cx="14760" cy="7553880"/>
+            <a:ext cx="14400" cy="7553520"/>
           </a:xfrm>
           <a:prstGeom prst="rect">
             <a:avLst/>
@@ -10075,7 +10077,7 @@
         <p:spPr>
           <a:xfrm>
             <a:off x="13101480" y="1800"/>
-            <a:ext cx="14760" cy="7553880"/>
+            <a:ext cx="14400" cy="7553520"/>
           </a:xfrm>
           <a:prstGeom prst="rect">
             <a:avLst/>
@@ -10135,7 +10137,7 @@
         <p:spPr>
           <a:xfrm>
             <a:off x="1440" y="1800"/>
-            <a:ext cx="346680" cy="7553880"/>
+            <a:ext cx="346320" cy="7553520"/>
           </a:xfrm>
           <a:prstGeom prst="rect">
             <a:avLst/>
@@ -10195,7 +10197,7 @@
         <p:spPr>
           <a:xfrm>
             <a:off x="10884960" y="401400"/>
-            <a:ext cx="2211120" cy="547200"/>
+            <a:ext cx="2210760" cy="546840"/>
           </a:xfrm>
           <a:prstGeom prst="roundRect">
             <a:avLst>
@@ -10323,7 +10325,7 @@
         <p:spPr>
           <a:xfrm>
             <a:off x="1952280" y="2266200"/>
-            <a:ext cx="8839080" cy="379080"/>
+            <a:ext cx="8838720" cy="379080"/>
           </a:xfrm>
           <a:prstGeom prst="rect">
             <a:avLst/>
@@ -10377,7 +10379,7 @@
         <p:spPr>
           <a:xfrm>
             <a:off x="1086840" y="3506040"/>
-            <a:ext cx="3622680" cy="3017880"/>
+            <a:ext cx="3622320" cy="3017520"/>
           </a:xfrm>
           <a:prstGeom prst="roundRect">
             <a:avLst>
@@ -10439,7 +10441,7 @@
         <p:spPr>
           <a:xfrm>
             <a:off x="1006560" y="3425040"/>
-            <a:ext cx="3623040" cy="3018240"/>
+            <a:ext cx="3622680" cy="3017880"/>
           </a:xfrm>
           <a:prstGeom prst="roundRect">
             <a:avLst>
@@ -10769,7 +10771,7 @@
         <p:spPr>
           <a:xfrm>
             <a:off x="4968360" y="3506040"/>
-            <a:ext cx="3622680" cy="3017880"/>
+            <a:ext cx="3622320" cy="3017520"/>
           </a:xfrm>
           <a:prstGeom prst="roundRect">
             <a:avLst>
@@ -10831,7 +10833,7 @@
         <p:spPr>
           <a:xfrm>
             <a:off x="4886640" y="3425040"/>
-            <a:ext cx="3623040" cy="3018240"/>
+            <a:ext cx="3622680" cy="3017880"/>
           </a:xfrm>
           <a:prstGeom prst="roundRect">
             <a:avLst>
@@ -11154,7 +11156,7 @@
         <p:spPr>
           <a:xfrm>
             <a:off x="8849160" y="3506040"/>
-            <a:ext cx="3622680" cy="3017880"/>
+            <a:ext cx="3622320" cy="3017520"/>
           </a:xfrm>
           <a:prstGeom prst="roundRect">
             <a:avLst>
@@ -11216,7 +11218,7 @@
         <p:spPr>
           <a:xfrm>
             <a:off x="8767440" y="3425040"/>
-            <a:ext cx="3623040" cy="3018240"/>
+            <a:ext cx="3622680" cy="3017880"/>
           </a:xfrm>
           <a:prstGeom prst="roundRect">
             <a:avLst>
@@ -11661,6 +11663,4613 @@
             <a:endParaRPr b="0" lang="en-US" sz="1800" spc="-1" strike="noStrike">
               <a:solidFill>
                 <a:srgbClr val="000000"/>
+              </a:solidFill>
+              <a:latin typeface="Arial"/>
+            </a:endParaRPr>
+          </a:p>
+        </p:txBody>
+      </p:sp>
+    </p:spTree>
+  </p:cSld>
+  <mc:AlternateContent>
+    <mc:Choice Requires="p14">
+      <p:transition spd="slow" p14:dur="2000"/>
+    </mc:Choice>
+    <mc:Fallback>
+      <p:transition spd="slow"/>
+    </mc:Fallback>
+  </mc:AlternateContent>
+</p:sld>
+</file>
+
+<file path=ppt/slides/slide5.xml><?xml version="1.0" encoding="utf-8"?>
+<p:sld xmlns:a="http://schemas.openxmlformats.org/drawingml/2006/main" xmlns:p="http://schemas.openxmlformats.org/presentationml/2006/main" xmlns:r="http://schemas.openxmlformats.org/officeDocument/2006/relationships" xmlns:p14="http://schemas.microsoft.com/office/powerpoint/2010/main" xmlns:p15="http://schemas.microsoft.com/office/powerpoint/2012/main" xmlns:mc="http://schemas.openxmlformats.org/markup-compatibility/2006">
+  <p:cSld>
+    <p:spTree>
+      <p:nvGrpSpPr>
+        <p:cNvPr id="1" name=""/>
+        <p:cNvGrpSpPr/>
+        <p:nvPr/>
+      </p:nvGrpSpPr>
+      <p:grpSpPr>
+        <a:xfrm>
+          <a:off x="0" y="0"/>
+          <a:ext cx="0" cy="0"/>
+          <a:chOff x="0" y="0"/>
+          <a:chExt cx="0" cy="0"/>
+        </a:xfrm>
+      </p:grpSpPr>
+      <p:sp>
+        <p:nvSpPr>
+          <p:cNvPr id="145" name="Rectangle 65"/>
+          <p:cNvSpPr/>
+          <p:nvPr/>
+        </p:nvSpPr>
+        <p:spPr>
+          <a:xfrm>
+            <a:off x="1440" y="1800"/>
+            <a:ext cx="13430520" cy="7553880"/>
+          </a:xfrm>
+          <a:prstGeom prst="rect">
+            <a:avLst/>
+          </a:prstGeom>
+          <a:solidFill>
+            <a:srgbClr val="0b0b0d"/>
+          </a:solidFill>
+          <a:ln>
+            <a:noFill/>
+          </a:ln>
+          <a:effectLst>
+            <a:outerShdw blurRad="39960" dir="5400000" dist="23040" rotWithShape="0">
+              <a:srgbClr val="000000">
+                <a:alpha val="35000"/>
+              </a:srgbClr>
+            </a:outerShdw>
+          </a:effectLst>
+        </p:spPr>
+        <p:style>
+          <a:lnRef idx="1">
+            <a:schemeClr val="accent1"/>
+          </a:lnRef>
+          <a:fillRef idx="3">
+            <a:schemeClr val="accent1"/>
+          </a:fillRef>
+          <a:effectRef idx="2">
+            <a:schemeClr val="accent1"/>
+          </a:effectRef>
+          <a:fontRef idx="minor"/>
+        </p:style>
+        <p:txBody>
+          <a:bodyPr lIns="90000" rIns="90000" tIns="45000" bIns="45000" anchor="ctr">
+            <a:noAutofit/>
+          </a:bodyPr>
+          <a:p>
+            <a:endParaRPr b="0" lang="en-US" sz="1800" spc="-1" strike="noStrike">
+              <a:solidFill>
+                <a:schemeClr val="lt1"/>
+              </a:solidFill>
+              <a:latin typeface="Calibri"/>
+              <a:ea typeface="DejaVu Sans"/>
+            </a:endParaRPr>
+          </a:p>
+        </p:txBody>
+      </p:sp>
+      <p:sp>
+        <p:nvSpPr>
+          <p:cNvPr id="146" name="Rectangle 66"/>
+          <p:cNvSpPr/>
+          <p:nvPr/>
+        </p:nvSpPr>
+        <p:spPr>
+          <a:xfrm>
+            <a:off x="1440" y="1800"/>
+            <a:ext cx="14760" cy="7553880"/>
+          </a:xfrm>
+          <a:prstGeom prst="rect">
+            <a:avLst/>
+          </a:prstGeom>
+          <a:solidFill>
+            <a:srgbClr val="121216"/>
+          </a:solidFill>
+          <a:ln>
+            <a:noFill/>
+          </a:ln>
+          <a:effectLst>
+            <a:outerShdw blurRad="39960" dir="5400000" dist="23040" rotWithShape="0">
+              <a:srgbClr val="000000">
+                <a:alpha val="35000"/>
+              </a:srgbClr>
+            </a:outerShdw>
+          </a:effectLst>
+        </p:spPr>
+        <p:style>
+          <a:lnRef idx="1">
+            <a:schemeClr val="accent1"/>
+          </a:lnRef>
+          <a:fillRef idx="3">
+            <a:schemeClr val="accent1"/>
+          </a:fillRef>
+          <a:effectRef idx="2">
+            <a:schemeClr val="accent1"/>
+          </a:effectRef>
+          <a:fontRef idx="minor"/>
+        </p:style>
+        <p:txBody>
+          <a:bodyPr lIns="90000" rIns="90000" tIns="45000" bIns="45000" anchor="ctr">
+            <a:noAutofit/>
+          </a:bodyPr>
+          <a:p>
+            <a:endParaRPr b="0" lang="en-US" sz="1800" spc="-1" strike="noStrike">
+              <a:solidFill>
+                <a:schemeClr val="lt1"/>
+              </a:solidFill>
+              <a:latin typeface="Calibri"/>
+              <a:ea typeface="DejaVu Sans"/>
+            </a:endParaRPr>
+          </a:p>
+        </p:txBody>
+      </p:sp>
+      <p:sp>
+        <p:nvSpPr>
+          <p:cNvPr id="147" name="Rectangle 67"/>
+          <p:cNvSpPr/>
+          <p:nvPr/>
+        </p:nvSpPr>
+        <p:spPr>
+          <a:xfrm>
+            <a:off x="1005480" y="1800"/>
+            <a:ext cx="14760" cy="7553880"/>
+          </a:xfrm>
+          <a:prstGeom prst="rect">
+            <a:avLst/>
+          </a:prstGeom>
+          <a:solidFill>
+            <a:srgbClr val="121216"/>
+          </a:solidFill>
+          <a:ln>
+            <a:noFill/>
+          </a:ln>
+          <a:effectLst>
+            <a:outerShdw blurRad="39960" dir="5400000" dist="23040" rotWithShape="0">
+              <a:srgbClr val="000000">
+                <a:alpha val="35000"/>
+              </a:srgbClr>
+            </a:outerShdw>
+          </a:effectLst>
+        </p:spPr>
+        <p:style>
+          <a:lnRef idx="1">
+            <a:schemeClr val="accent1"/>
+          </a:lnRef>
+          <a:fillRef idx="3">
+            <a:schemeClr val="accent1"/>
+          </a:fillRef>
+          <a:effectRef idx="2">
+            <a:schemeClr val="accent1"/>
+          </a:effectRef>
+          <a:fontRef idx="minor"/>
+        </p:style>
+        <p:txBody>
+          <a:bodyPr lIns="90000" rIns="90000" tIns="45000" bIns="45000" anchor="ctr">
+            <a:noAutofit/>
+          </a:bodyPr>
+          <a:p>
+            <a:endParaRPr b="0" lang="en-US" sz="1800" spc="-1" strike="noStrike">
+              <a:solidFill>
+                <a:schemeClr val="lt1"/>
+              </a:solidFill>
+              <a:latin typeface="Calibri"/>
+              <a:ea typeface="DejaVu Sans"/>
+            </a:endParaRPr>
+          </a:p>
+        </p:txBody>
+      </p:sp>
+      <p:sp>
+        <p:nvSpPr>
+          <p:cNvPr id="148" name="Rectangle 68"/>
+          <p:cNvSpPr/>
+          <p:nvPr/>
+        </p:nvSpPr>
+        <p:spPr>
+          <a:xfrm>
+            <a:off x="2013480" y="1800"/>
+            <a:ext cx="14760" cy="7553880"/>
+          </a:xfrm>
+          <a:prstGeom prst="rect">
+            <a:avLst/>
+          </a:prstGeom>
+          <a:solidFill>
+            <a:srgbClr val="121216"/>
+          </a:solidFill>
+          <a:ln>
+            <a:noFill/>
+          </a:ln>
+          <a:effectLst>
+            <a:outerShdw blurRad="39960" dir="5400000" dist="23040" rotWithShape="0">
+              <a:srgbClr val="000000">
+                <a:alpha val="35000"/>
+              </a:srgbClr>
+            </a:outerShdw>
+          </a:effectLst>
+        </p:spPr>
+        <p:style>
+          <a:lnRef idx="1">
+            <a:schemeClr val="accent1"/>
+          </a:lnRef>
+          <a:fillRef idx="3">
+            <a:schemeClr val="accent1"/>
+          </a:fillRef>
+          <a:effectRef idx="2">
+            <a:schemeClr val="accent1"/>
+          </a:effectRef>
+          <a:fontRef idx="minor"/>
+        </p:style>
+        <p:txBody>
+          <a:bodyPr lIns="90000" rIns="90000" tIns="45000" bIns="45000" anchor="ctr">
+            <a:noAutofit/>
+          </a:bodyPr>
+          <a:p>
+            <a:endParaRPr b="0" lang="en-US" sz="1800" spc="-1" strike="noStrike">
+              <a:solidFill>
+                <a:schemeClr val="lt1"/>
+              </a:solidFill>
+              <a:latin typeface="Calibri"/>
+              <a:ea typeface="DejaVu Sans"/>
+            </a:endParaRPr>
+          </a:p>
+        </p:txBody>
+      </p:sp>
+      <p:sp>
+        <p:nvSpPr>
+          <p:cNvPr id="149" name="Rectangle 69"/>
+          <p:cNvSpPr/>
+          <p:nvPr/>
+        </p:nvSpPr>
+        <p:spPr>
+          <a:xfrm>
+            <a:off x="3021480" y="1800"/>
+            <a:ext cx="14760" cy="7553880"/>
+          </a:xfrm>
+          <a:prstGeom prst="rect">
+            <a:avLst/>
+          </a:prstGeom>
+          <a:solidFill>
+            <a:srgbClr val="121216"/>
+          </a:solidFill>
+          <a:ln>
+            <a:noFill/>
+          </a:ln>
+          <a:effectLst>
+            <a:outerShdw blurRad="39960" dir="5400000" dist="23040" rotWithShape="0">
+              <a:srgbClr val="000000">
+                <a:alpha val="35000"/>
+              </a:srgbClr>
+            </a:outerShdw>
+          </a:effectLst>
+        </p:spPr>
+        <p:style>
+          <a:lnRef idx="1">
+            <a:schemeClr val="accent1"/>
+          </a:lnRef>
+          <a:fillRef idx="3">
+            <a:schemeClr val="accent1"/>
+          </a:fillRef>
+          <a:effectRef idx="2">
+            <a:schemeClr val="accent1"/>
+          </a:effectRef>
+          <a:fontRef idx="minor"/>
+        </p:style>
+        <p:txBody>
+          <a:bodyPr lIns="90000" rIns="90000" tIns="45000" bIns="45000" anchor="ctr">
+            <a:noAutofit/>
+          </a:bodyPr>
+          <a:p>
+            <a:endParaRPr b="0" lang="en-US" sz="1800" spc="-1" strike="noStrike">
+              <a:solidFill>
+                <a:schemeClr val="lt1"/>
+              </a:solidFill>
+              <a:latin typeface="Calibri"/>
+              <a:ea typeface="DejaVu Sans"/>
+            </a:endParaRPr>
+          </a:p>
+        </p:txBody>
+      </p:sp>
+      <p:sp>
+        <p:nvSpPr>
+          <p:cNvPr id="150" name="Rectangle 70"/>
+          <p:cNvSpPr/>
+          <p:nvPr/>
+        </p:nvSpPr>
+        <p:spPr>
+          <a:xfrm>
+            <a:off x="4029480" y="1800"/>
+            <a:ext cx="14760" cy="7553880"/>
+          </a:xfrm>
+          <a:prstGeom prst="rect">
+            <a:avLst/>
+          </a:prstGeom>
+          <a:solidFill>
+            <a:srgbClr val="121216"/>
+          </a:solidFill>
+          <a:ln>
+            <a:noFill/>
+          </a:ln>
+          <a:effectLst>
+            <a:outerShdw blurRad="39960" dir="5400000" dist="23040" rotWithShape="0">
+              <a:srgbClr val="000000">
+                <a:alpha val="35000"/>
+              </a:srgbClr>
+            </a:outerShdw>
+          </a:effectLst>
+        </p:spPr>
+        <p:style>
+          <a:lnRef idx="1">
+            <a:schemeClr val="accent1"/>
+          </a:lnRef>
+          <a:fillRef idx="3">
+            <a:schemeClr val="accent1"/>
+          </a:fillRef>
+          <a:effectRef idx="2">
+            <a:schemeClr val="accent1"/>
+          </a:effectRef>
+          <a:fontRef idx="minor"/>
+        </p:style>
+        <p:txBody>
+          <a:bodyPr lIns="90000" rIns="90000" tIns="45000" bIns="45000" anchor="ctr">
+            <a:noAutofit/>
+          </a:bodyPr>
+          <a:p>
+            <a:endParaRPr b="0" lang="en-US" sz="1800" spc="-1" strike="noStrike">
+              <a:solidFill>
+                <a:schemeClr val="lt1"/>
+              </a:solidFill>
+              <a:latin typeface="Calibri"/>
+              <a:ea typeface="DejaVu Sans"/>
+            </a:endParaRPr>
+          </a:p>
+        </p:txBody>
+      </p:sp>
+      <p:sp>
+        <p:nvSpPr>
+          <p:cNvPr id="151" name="Rectangle 71"/>
+          <p:cNvSpPr/>
+          <p:nvPr/>
+        </p:nvSpPr>
+        <p:spPr>
+          <a:xfrm>
+            <a:off x="5037480" y="1800"/>
+            <a:ext cx="14760" cy="7553880"/>
+          </a:xfrm>
+          <a:prstGeom prst="rect">
+            <a:avLst/>
+          </a:prstGeom>
+          <a:solidFill>
+            <a:srgbClr val="121216"/>
+          </a:solidFill>
+          <a:ln>
+            <a:noFill/>
+          </a:ln>
+          <a:effectLst>
+            <a:outerShdw blurRad="39960" dir="5400000" dist="23040" rotWithShape="0">
+              <a:srgbClr val="000000">
+                <a:alpha val="35000"/>
+              </a:srgbClr>
+            </a:outerShdw>
+          </a:effectLst>
+        </p:spPr>
+        <p:style>
+          <a:lnRef idx="1">
+            <a:schemeClr val="accent1"/>
+          </a:lnRef>
+          <a:fillRef idx="3">
+            <a:schemeClr val="accent1"/>
+          </a:fillRef>
+          <a:effectRef idx="2">
+            <a:schemeClr val="accent1"/>
+          </a:effectRef>
+          <a:fontRef idx="minor"/>
+        </p:style>
+        <p:txBody>
+          <a:bodyPr lIns="90000" rIns="90000" tIns="45000" bIns="45000" anchor="ctr">
+            <a:noAutofit/>
+          </a:bodyPr>
+          <a:p>
+            <a:endParaRPr b="0" lang="en-US" sz="1800" spc="-1" strike="noStrike">
+              <a:solidFill>
+                <a:schemeClr val="lt1"/>
+              </a:solidFill>
+              <a:latin typeface="Calibri"/>
+              <a:ea typeface="DejaVu Sans"/>
+            </a:endParaRPr>
+          </a:p>
+        </p:txBody>
+      </p:sp>
+      <p:sp>
+        <p:nvSpPr>
+          <p:cNvPr id="152" name="Rectangle 72"/>
+          <p:cNvSpPr/>
+          <p:nvPr/>
+        </p:nvSpPr>
+        <p:spPr>
+          <a:xfrm>
+            <a:off x="6045480" y="1800"/>
+            <a:ext cx="14760" cy="7553880"/>
+          </a:xfrm>
+          <a:prstGeom prst="rect">
+            <a:avLst/>
+          </a:prstGeom>
+          <a:solidFill>
+            <a:srgbClr val="121216"/>
+          </a:solidFill>
+          <a:ln>
+            <a:noFill/>
+          </a:ln>
+          <a:effectLst>
+            <a:outerShdw blurRad="39960" dir="5400000" dist="23040" rotWithShape="0">
+              <a:srgbClr val="000000">
+                <a:alpha val="35000"/>
+              </a:srgbClr>
+            </a:outerShdw>
+          </a:effectLst>
+        </p:spPr>
+        <p:style>
+          <a:lnRef idx="1">
+            <a:schemeClr val="accent1"/>
+          </a:lnRef>
+          <a:fillRef idx="3">
+            <a:schemeClr val="accent1"/>
+          </a:fillRef>
+          <a:effectRef idx="2">
+            <a:schemeClr val="accent1"/>
+          </a:effectRef>
+          <a:fontRef idx="minor"/>
+        </p:style>
+        <p:txBody>
+          <a:bodyPr lIns="90000" rIns="90000" tIns="45000" bIns="45000" anchor="ctr">
+            <a:noAutofit/>
+          </a:bodyPr>
+          <a:p>
+            <a:endParaRPr b="0" lang="en-US" sz="1800" spc="-1" strike="noStrike">
+              <a:solidFill>
+                <a:schemeClr val="lt1"/>
+              </a:solidFill>
+              <a:latin typeface="Calibri"/>
+              <a:ea typeface="DejaVu Sans"/>
+            </a:endParaRPr>
+          </a:p>
+        </p:txBody>
+      </p:sp>
+      <p:sp>
+        <p:nvSpPr>
+          <p:cNvPr id="153" name="Rectangle 73"/>
+          <p:cNvSpPr/>
+          <p:nvPr/>
+        </p:nvSpPr>
+        <p:spPr>
+          <a:xfrm>
+            <a:off x="7053480" y="1800"/>
+            <a:ext cx="14760" cy="7553880"/>
+          </a:xfrm>
+          <a:prstGeom prst="rect">
+            <a:avLst/>
+          </a:prstGeom>
+          <a:solidFill>
+            <a:srgbClr val="121216"/>
+          </a:solidFill>
+          <a:ln>
+            <a:noFill/>
+          </a:ln>
+          <a:effectLst>
+            <a:outerShdw blurRad="39960" dir="5400000" dist="23040" rotWithShape="0">
+              <a:srgbClr val="000000">
+                <a:alpha val="35000"/>
+              </a:srgbClr>
+            </a:outerShdw>
+          </a:effectLst>
+        </p:spPr>
+        <p:style>
+          <a:lnRef idx="1">
+            <a:schemeClr val="accent1"/>
+          </a:lnRef>
+          <a:fillRef idx="3">
+            <a:schemeClr val="accent1"/>
+          </a:fillRef>
+          <a:effectRef idx="2">
+            <a:schemeClr val="accent1"/>
+          </a:effectRef>
+          <a:fontRef idx="minor"/>
+        </p:style>
+        <p:txBody>
+          <a:bodyPr lIns="90000" rIns="90000" tIns="45000" bIns="45000" anchor="ctr">
+            <a:noAutofit/>
+          </a:bodyPr>
+          <a:p>
+            <a:endParaRPr b="0" lang="en-US" sz="1800" spc="-1" strike="noStrike">
+              <a:solidFill>
+                <a:schemeClr val="lt1"/>
+              </a:solidFill>
+              <a:latin typeface="Calibri"/>
+              <a:ea typeface="DejaVu Sans"/>
+            </a:endParaRPr>
+          </a:p>
+        </p:txBody>
+      </p:sp>
+      <p:sp>
+        <p:nvSpPr>
+          <p:cNvPr id="154" name="Rectangle 74"/>
+          <p:cNvSpPr/>
+          <p:nvPr/>
+        </p:nvSpPr>
+        <p:spPr>
+          <a:xfrm>
+            <a:off x="8061480" y="1800"/>
+            <a:ext cx="14760" cy="7553880"/>
+          </a:xfrm>
+          <a:prstGeom prst="rect">
+            <a:avLst/>
+          </a:prstGeom>
+          <a:solidFill>
+            <a:srgbClr val="121216"/>
+          </a:solidFill>
+          <a:ln>
+            <a:noFill/>
+          </a:ln>
+          <a:effectLst>
+            <a:outerShdw blurRad="39960" dir="5400000" dist="23040" rotWithShape="0">
+              <a:srgbClr val="000000">
+                <a:alpha val="35000"/>
+              </a:srgbClr>
+            </a:outerShdw>
+          </a:effectLst>
+        </p:spPr>
+        <p:style>
+          <a:lnRef idx="1">
+            <a:schemeClr val="accent1"/>
+          </a:lnRef>
+          <a:fillRef idx="3">
+            <a:schemeClr val="accent1"/>
+          </a:fillRef>
+          <a:effectRef idx="2">
+            <a:schemeClr val="accent1"/>
+          </a:effectRef>
+          <a:fontRef idx="minor"/>
+        </p:style>
+        <p:txBody>
+          <a:bodyPr lIns="90000" rIns="90000" tIns="45000" bIns="45000" anchor="ctr">
+            <a:noAutofit/>
+          </a:bodyPr>
+          <a:p>
+            <a:endParaRPr b="0" lang="en-US" sz="1800" spc="-1" strike="noStrike">
+              <a:solidFill>
+                <a:schemeClr val="lt1"/>
+              </a:solidFill>
+              <a:latin typeface="Calibri"/>
+              <a:ea typeface="DejaVu Sans"/>
+            </a:endParaRPr>
+          </a:p>
+        </p:txBody>
+      </p:sp>
+      <p:sp>
+        <p:nvSpPr>
+          <p:cNvPr id="155" name="Rectangle 75"/>
+          <p:cNvSpPr/>
+          <p:nvPr/>
+        </p:nvSpPr>
+        <p:spPr>
+          <a:xfrm>
+            <a:off x="9069480" y="1800"/>
+            <a:ext cx="14760" cy="7553880"/>
+          </a:xfrm>
+          <a:prstGeom prst="rect">
+            <a:avLst/>
+          </a:prstGeom>
+          <a:solidFill>
+            <a:srgbClr val="121216"/>
+          </a:solidFill>
+          <a:ln>
+            <a:noFill/>
+          </a:ln>
+          <a:effectLst>
+            <a:outerShdw blurRad="39960" dir="5400000" dist="23040" rotWithShape="0">
+              <a:srgbClr val="000000">
+                <a:alpha val="35000"/>
+              </a:srgbClr>
+            </a:outerShdw>
+          </a:effectLst>
+        </p:spPr>
+        <p:style>
+          <a:lnRef idx="1">
+            <a:schemeClr val="accent1"/>
+          </a:lnRef>
+          <a:fillRef idx="3">
+            <a:schemeClr val="accent1"/>
+          </a:fillRef>
+          <a:effectRef idx="2">
+            <a:schemeClr val="accent1"/>
+          </a:effectRef>
+          <a:fontRef idx="minor"/>
+        </p:style>
+        <p:txBody>
+          <a:bodyPr lIns="90000" rIns="90000" tIns="45000" bIns="45000" anchor="ctr">
+            <a:noAutofit/>
+          </a:bodyPr>
+          <a:p>
+            <a:endParaRPr b="0" lang="en-US" sz="1800" spc="-1" strike="noStrike">
+              <a:solidFill>
+                <a:schemeClr val="lt1"/>
+              </a:solidFill>
+              <a:latin typeface="Calibri"/>
+              <a:ea typeface="DejaVu Sans"/>
+            </a:endParaRPr>
+          </a:p>
+        </p:txBody>
+      </p:sp>
+      <p:sp>
+        <p:nvSpPr>
+          <p:cNvPr id="156" name="Rectangle 76"/>
+          <p:cNvSpPr/>
+          <p:nvPr/>
+        </p:nvSpPr>
+        <p:spPr>
+          <a:xfrm>
+            <a:off x="10077480" y="1800"/>
+            <a:ext cx="14760" cy="7553880"/>
+          </a:xfrm>
+          <a:prstGeom prst="rect">
+            <a:avLst/>
+          </a:prstGeom>
+          <a:solidFill>
+            <a:srgbClr val="121216"/>
+          </a:solidFill>
+          <a:ln>
+            <a:noFill/>
+          </a:ln>
+          <a:effectLst>
+            <a:outerShdw blurRad="39960" dir="5400000" dist="23040" rotWithShape="0">
+              <a:srgbClr val="000000">
+                <a:alpha val="35000"/>
+              </a:srgbClr>
+            </a:outerShdw>
+          </a:effectLst>
+        </p:spPr>
+        <p:style>
+          <a:lnRef idx="1">
+            <a:schemeClr val="accent1"/>
+          </a:lnRef>
+          <a:fillRef idx="3">
+            <a:schemeClr val="accent1"/>
+          </a:fillRef>
+          <a:effectRef idx="2">
+            <a:schemeClr val="accent1"/>
+          </a:effectRef>
+          <a:fontRef idx="minor"/>
+        </p:style>
+        <p:txBody>
+          <a:bodyPr lIns="90000" rIns="90000" tIns="45000" bIns="45000" anchor="ctr">
+            <a:noAutofit/>
+          </a:bodyPr>
+          <a:p>
+            <a:endParaRPr b="0" lang="en-US" sz="1800" spc="-1" strike="noStrike">
+              <a:solidFill>
+                <a:schemeClr val="lt1"/>
+              </a:solidFill>
+              <a:latin typeface="Calibri"/>
+              <a:ea typeface="DejaVu Sans"/>
+            </a:endParaRPr>
+          </a:p>
+        </p:txBody>
+      </p:sp>
+      <p:sp>
+        <p:nvSpPr>
+          <p:cNvPr id="157" name="Rectangle 77"/>
+          <p:cNvSpPr/>
+          <p:nvPr/>
+        </p:nvSpPr>
+        <p:spPr>
+          <a:xfrm>
+            <a:off x="11085480" y="1800"/>
+            <a:ext cx="14760" cy="7553880"/>
+          </a:xfrm>
+          <a:prstGeom prst="rect">
+            <a:avLst/>
+          </a:prstGeom>
+          <a:solidFill>
+            <a:srgbClr val="121216"/>
+          </a:solidFill>
+          <a:ln>
+            <a:noFill/>
+          </a:ln>
+          <a:effectLst>
+            <a:outerShdw blurRad="39960" dir="5400000" dist="23040" rotWithShape="0">
+              <a:srgbClr val="000000">
+                <a:alpha val="35000"/>
+              </a:srgbClr>
+            </a:outerShdw>
+          </a:effectLst>
+        </p:spPr>
+        <p:style>
+          <a:lnRef idx="1">
+            <a:schemeClr val="accent1"/>
+          </a:lnRef>
+          <a:fillRef idx="3">
+            <a:schemeClr val="accent1"/>
+          </a:fillRef>
+          <a:effectRef idx="2">
+            <a:schemeClr val="accent1"/>
+          </a:effectRef>
+          <a:fontRef idx="minor"/>
+        </p:style>
+        <p:txBody>
+          <a:bodyPr lIns="90000" rIns="90000" tIns="45000" bIns="45000" anchor="ctr">
+            <a:noAutofit/>
+          </a:bodyPr>
+          <a:p>
+            <a:endParaRPr b="0" lang="en-US" sz="1800" spc="-1" strike="noStrike">
+              <a:solidFill>
+                <a:schemeClr val="lt1"/>
+              </a:solidFill>
+              <a:latin typeface="Calibri"/>
+              <a:ea typeface="DejaVu Sans"/>
+            </a:endParaRPr>
+          </a:p>
+        </p:txBody>
+      </p:sp>
+      <p:sp>
+        <p:nvSpPr>
+          <p:cNvPr id="158" name="Rectangle 78"/>
+          <p:cNvSpPr/>
+          <p:nvPr/>
+        </p:nvSpPr>
+        <p:spPr>
+          <a:xfrm>
+            <a:off x="12093480" y="1800"/>
+            <a:ext cx="14760" cy="7553880"/>
+          </a:xfrm>
+          <a:prstGeom prst="rect">
+            <a:avLst/>
+          </a:prstGeom>
+          <a:solidFill>
+            <a:srgbClr val="121216"/>
+          </a:solidFill>
+          <a:ln>
+            <a:noFill/>
+          </a:ln>
+          <a:effectLst>
+            <a:outerShdw blurRad="39960" dir="5400000" dist="23040" rotWithShape="0">
+              <a:srgbClr val="000000">
+                <a:alpha val="35000"/>
+              </a:srgbClr>
+            </a:outerShdw>
+          </a:effectLst>
+        </p:spPr>
+        <p:style>
+          <a:lnRef idx="1">
+            <a:schemeClr val="accent1"/>
+          </a:lnRef>
+          <a:fillRef idx="3">
+            <a:schemeClr val="accent1"/>
+          </a:fillRef>
+          <a:effectRef idx="2">
+            <a:schemeClr val="accent1"/>
+          </a:effectRef>
+          <a:fontRef idx="minor"/>
+        </p:style>
+        <p:txBody>
+          <a:bodyPr lIns="90000" rIns="90000" tIns="45000" bIns="45000" anchor="ctr">
+            <a:noAutofit/>
+          </a:bodyPr>
+          <a:p>
+            <a:endParaRPr b="0" lang="en-US" sz="1800" spc="-1" strike="noStrike">
+              <a:solidFill>
+                <a:schemeClr val="lt1"/>
+              </a:solidFill>
+              <a:latin typeface="Calibri"/>
+              <a:ea typeface="DejaVu Sans"/>
+            </a:endParaRPr>
+          </a:p>
+        </p:txBody>
+      </p:sp>
+      <p:sp>
+        <p:nvSpPr>
+          <p:cNvPr id="159" name="Rectangle 79"/>
+          <p:cNvSpPr/>
+          <p:nvPr/>
+        </p:nvSpPr>
+        <p:spPr>
+          <a:xfrm>
+            <a:off x="13101480" y="1800"/>
+            <a:ext cx="14760" cy="7553880"/>
+          </a:xfrm>
+          <a:prstGeom prst="rect">
+            <a:avLst/>
+          </a:prstGeom>
+          <a:solidFill>
+            <a:srgbClr val="121216"/>
+          </a:solidFill>
+          <a:ln>
+            <a:noFill/>
+          </a:ln>
+          <a:effectLst>
+            <a:outerShdw blurRad="39960" dir="5400000" dist="23040" rotWithShape="0">
+              <a:srgbClr val="000000">
+                <a:alpha val="35000"/>
+              </a:srgbClr>
+            </a:outerShdw>
+          </a:effectLst>
+        </p:spPr>
+        <p:style>
+          <a:lnRef idx="1">
+            <a:schemeClr val="accent1"/>
+          </a:lnRef>
+          <a:fillRef idx="3">
+            <a:schemeClr val="accent1"/>
+          </a:fillRef>
+          <a:effectRef idx="2">
+            <a:schemeClr val="accent1"/>
+          </a:effectRef>
+          <a:fontRef idx="minor"/>
+        </p:style>
+        <p:txBody>
+          <a:bodyPr lIns="90000" rIns="90000" tIns="45000" bIns="45000" anchor="ctr">
+            <a:noAutofit/>
+          </a:bodyPr>
+          <a:p>
+            <a:endParaRPr b="0" lang="en-US" sz="1800" spc="-1" strike="noStrike">
+              <a:solidFill>
+                <a:schemeClr val="lt1"/>
+              </a:solidFill>
+              <a:latin typeface="Calibri"/>
+              <a:ea typeface="DejaVu Sans"/>
+            </a:endParaRPr>
+          </a:p>
+        </p:txBody>
+      </p:sp>
+      <p:sp>
+        <p:nvSpPr>
+          <p:cNvPr id="160" name="Rectangle 80"/>
+          <p:cNvSpPr/>
+          <p:nvPr/>
+        </p:nvSpPr>
+        <p:spPr>
+          <a:xfrm>
+            <a:off x="1440" y="1800"/>
+            <a:ext cx="346680" cy="7553880"/>
+          </a:xfrm>
+          <a:prstGeom prst="rect">
+            <a:avLst/>
+          </a:prstGeom>
+          <a:solidFill>
+            <a:srgbClr val="ff8c00"/>
+          </a:solidFill>
+          <a:ln>
+            <a:noFill/>
+          </a:ln>
+          <a:effectLst>
+            <a:outerShdw blurRad="39960" dir="5400000" dist="23040" rotWithShape="0">
+              <a:srgbClr val="000000">
+                <a:alpha val="35000"/>
+              </a:srgbClr>
+            </a:outerShdw>
+          </a:effectLst>
+        </p:spPr>
+        <p:style>
+          <a:lnRef idx="1">
+            <a:schemeClr val="accent1"/>
+          </a:lnRef>
+          <a:fillRef idx="3">
+            <a:schemeClr val="accent1"/>
+          </a:fillRef>
+          <a:effectRef idx="2">
+            <a:schemeClr val="accent1"/>
+          </a:effectRef>
+          <a:fontRef idx="minor"/>
+        </p:style>
+        <p:txBody>
+          <a:bodyPr lIns="90000" rIns="90000" tIns="45000" bIns="45000" anchor="ctr">
+            <a:noAutofit/>
+          </a:bodyPr>
+          <a:p>
+            <a:endParaRPr b="0" lang="en-US" sz="1800" spc="-1" strike="noStrike">
+              <a:solidFill>
+                <a:schemeClr val="lt1"/>
+              </a:solidFill>
+              <a:latin typeface="Calibri"/>
+              <a:ea typeface="DejaVu Sans"/>
+            </a:endParaRPr>
+          </a:p>
+        </p:txBody>
+      </p:sp>
+      <p:sp>
+        <p:nvSpPr>
+          <p:cNvPr id="161" name="Rounded Rectangle 36"/>
+          <p:cNvSpPr/>
+          <p:nvPr/>
+        </p:nvSpPr>
+        <p:spPr>
+          <a:xfrm>
+            <a:off x="10884960" y="401400"/>
+            <a:ext cx="2211120" cy="547200"/>
+          </a:xfrm>
+          <a:prstGeom prst="roundRect">
+            <a:avLst>
+              <a:gd name="adj" fmla="val 16667"/>
+            </a:avLst>
+          </a:prstGeom>
+          <a:solidFill>
+            <a:srgbClr val="1e1e24"/>
+          </a:solidFill>
+          <a:ln>
+            <a:solidFill>
+              <a:srgbClr val="ff8c00"/>
+            </a:solidFill>
+            <a:round/>
+          </a:ln>
+          <a:effectLst>
+            <a:outerShdw blurRad="39960" dir="5400000" dist="23040" rotWithShape="0">
+              <a:srgbClr val="000000">
+                <a:alpha val="35000"/>
+              </a:srgbClr>
+            </a:outerShdw>
+          </a:effectLst>
+        </p:spPr>
+        <p:style>
+          <a:lnRef idx="1">
+            <a:schemeClr val="accent1"/>
+          </a:lnRef>
+          <a:fillRef idx="3">
+            <a:schemeClr val="accent1"/>
+          </a:fillRef>
+          <a:effectRef idx="2">
+            <a:schemeClr val="accent1"/>
+          </a:effectRef>
+          <a:fontRef idx="minor"/>
+        </p:style>
+        <p:txBody>
+          <a:bodyPr lIns="90000" rIns="90000" tIns="45000" bIns="45000" anchor="ctr">
+            <a:noAutofit/>
+          </a:bodyPr>
+          <a:p>
+            <a:pPr algn="ctr">
+              <a:lnSpc>
+                <a:spcPct val="100000"/>
+              </a:lnSpc>
+            </a:pPr>
+            <a:r>
+              <a:rPr b="1" lang="en-US" sz="1400" spc="-1" strike="noStrike">
+                <a:solidFill>
+                  <a:srgbClr val="ffb45a"/>
+                </a:solidFill>
+                <a:latin typeface="Calibri"/>
+                <a:ea typeface="DejaVu Sans"/>
+              </a:rPr>
+              <a:t>JAVA TEMELLERİ</a:t>
+            </a:r>
+            <a:endParaRPr b="0" lang="en-US" sz="1400" spc="-1" strike="noStrike">
+              <a:solidFill>
+                <a:srgbClr val="ffffff"/>
+              </a:solidFill>
+              <a:latin typeface="Arial"/>
+            </a:endParaRPr>
+          </a:p>
+        </p:txBody>
+      </p:sp>
+      <p:sp>
+        <p:nvSpPr>
+          <p:cNvPr id="162" name="TextBox 13"/>
+          <p:cNvSpPr/>
+          <p:nvPr/>
+        </p:nvSpPr>
+        <p:spPr>
+          <a:xfrm>
+            <a:off x="2803320" y="1107000"/>
+            <a:ext cx="6484320" cy="820800"/>
+          </a:xfrm>
+          <a:prstGeom prst="rect">
+            <a:avLst/>
+          </a:prstGeom>
+          <a:noFill/>
+          <a:ln w="0">
+            <a:noFill/>
+          </a:ln>
+        </p:spPr>
+        <p:style>
+          <a:lnRef idx="0"/>
+          <a:fillRef idx="0"/>
+          <a:effectRef idx="0"/>
+          <a:fontRef idx="minor"/>
+        </p:style>
+        <p:txBody>
+          <a:bodyPr wrap="none" lIns="90000" rIns="90000" tIns="45000" bIns="45000" anchor="t">
+            <a:spAutoFit/>
+          </a:bodyPr>
+          <a:p>
+            <a:pPr>
+              <a:lnSpc>
+                <a:spcPct val="100000"/>
+              </a:lnSpc>
+            </a:pPr>
+            <a:r>
+              <a:rPr b="1" lang="en-US" sz="4800" spc="-1" strike="noStrike">
+                <a:solidFill>
+                  <a:srgbClr val="f5f5f5"/>
+                </a:solidFill>
+                <a:latin typeface="Calibri"/>
+                <a:ea typeface="DejaVu Sans"/>
+              </a:rPr>
+              <a:t>Java’dan Önceki Problem</a:t>
+            </a:r>
+            <a:endParaRPr b="0" lang="en-US" sz="4800" spc="-1" strike="noStrike">
+              <a:solidFill>
+                <a:srgbClr val="000000"/>
+              </a:solidFill>
+              <a:latin typeface="Arial"/>
+            </a:endParaRPr>
+          </a:p>
+        </p:txBody>
+      </p:sp>
+      <p:sp>
+        <p:nvSpPr>
+          <p:cNvPr id="163" name="TextBox 14"/>
+          <p:cNvSpPr/>
+          <p:nvPr/>
+        </p:nvSpPr>
+        <p:spPr>
+          <a:xfrm>
+            <a:off x="2823480" y="2266200"/>
+            <a:ext cx="7094160" cy="379080"/>
+          </a:xfrm>
+          <a:prstGeom prst="rect">
+            <a:avLst/>
+          </a:prstGeom>
+          <a:noFill/>
+          <a:ln w="0">
+            <a:noFill/>
+          </a:ln>
+        </p:spPr>
+        <p:style>
+          <a:lnRef idx="0"/>
+          <a:fillRef idx="0"/>
+          <a:effectRef idx="0"/>
+          <a:fontRef idx="minor"/>
+        </p:style>
+        <p:txBody>
+          <a:bodyPr wrap="none" lIns="90000" rIns="90000" tIns="45000" bIns="45000" anchor="t">
+            <a:spAutoFit/>
+          </a:bodyPr>
+          <a:p>
+            <a:pPr>
+              <a:lnSpc>
+                <a:spcPct val="100000"/>
+              </a:lnSpc>
+            </a:pPr>
+            <a:r>
+              <a:rPr b="0" lang="en-US" sz="1900" spc="-1" strike="noStrike">
+                <a:solidFill>
+                  <a:srgbClr val="aaaaaa"/>
+                </a:solidFill>
+                <a:latin typeface="Calibri"/>
+                <a:ea typeface="DejaVu Sans"/>
+              </a:rPr>
+              <a:t>Dünyanın neden yeni bir programlama diline ihtiyaç duyduğunu anlatır.</a:t>
+            </a:r>
+            <a:endParaRPr b="0" lang="en-US" sz="1900" spc="-1" strike="noStrike">
+              <a:solidFill>
+                <a:srgbClr val="000000"/>
+              </a:solidFill>
+              <a:latin typeface="Arial"/>
+            </a:endParaRPr>
+          </a:p>
+        </p:txBody>
+      </p:sp>
+      <p:sp>
+        <p:nvSpPr>
+          <p:cNvPr id="164" name="Rounded Rectangle 37"/>
+          <p:cNvSpPr/>
+          <p:nvPr/>
+        </p:nvSpPr>
+        <p:spPr>
+          <a:xfrm>
+            <a:off x="1086840" y="3506040"/>
+            <a:ext cx="3622680" cy="3017880"/>
+          </a:xfrm>
+          <a:prstGeom prst="roundRect">
+            <a:avLst>
+              <a:gd name="adj" fmla="val 16667"/>
+            </a:avLst>
+          </a:prstGeom>
+          <a:solidFill>
+            <a:srgbClr val="08080a"/>
+          </a:solidFill>
+          <a:ln>
+            <a:noFill/>
+          </a:ln>
+          <a:effectLst>
+            <a:outerShdw blurRad="39960" dir="5400000" dist="23040" rotWithShape="0">
+              <a:srgbClr val="000000">
+                <a:alpha val="35000"/>
+              </a:srgbClr>
+            </a:outerShdw>
+          </a:effectLst>
+        </p:spPr>
+        <p:style>
+          <a:lnRef idx="1">
+            <a:schemeClr val="accent1"/>
+          </a:lnRef>
+          <a:fillRef idx="3">
+            <a:schemeClr val="accent1"/>
+          </a:fillRef>
+          <a:effectRef idx="2">
+            <a:schemeClr val="accent1"/>
+          </a:effectRef>
+          <a:fontRef idx="minor"/>
+        </p:style>
+        <p:txBody>
+          <a:bodyPr lIns="90000" rIns="90000" tIns="45000" bIns="45000" anchor="ctr">
+            <a:noAutofit/>
+          </a:bodyPr>
+          <a:p>
+            <a:endParaRPr b="0" lang="en-US" sz="1800" spc="-1" strike="noStrike">
+              <a:solidFill>
+                <a:schemeClr val="lt1"/>
+              </a:solidFill>
+              <a:latin typeface="Calibri"/>
+              <a:ea typeface="DejaVu Sans"/>
+            </a:endParaRPr>
+          </a:p>
+        </p:txBody>
+      </p:sp>
+      <p:sp>
+        <p:nvSpPr>
+          <p:cNvPr id="165" name="Rounded Rectangle 38"/>
+          <p:cNvSpPr/>
+          <p:nvPr/>
+        </p:nvSpPr>
+        <p:spPr>
+          <a:xfrm>
+            <a:off x="679680" y="3273840"/>
+            <a:ext cx="4030200" cy="3168360"/>
+          </a:xfrm>
+          <a:prstGeom prst="roundRect">
+            <a:avLst>
+              <a:gd name="adj" fmla="val 16667"/>
+            </a:avLst>
+          </a:prstGeom>
+          <a:solidFill>
+            <a:srgbClr val="16161c"/>
+          </a:solidFill>
+          <a:ln>
+            <a:solidFill>
+              <a:srgbClr val="464655"/>
+            </a:solidFill>
+            <a:round/>
+          </a:ln>
+          <a:effectLst>
+            <a:outerShdw blurRad="39960" dir="5400000" dist="23040" rotWithShape="0">
+              <a:srgbClr val="000000">
+                <a:alpha val="35000"/>
+              </a:srgbClr>
+            </a:outerShdw>
+          </a:effectLst>
+        </p:spPr>
+        <p:style>
+          <a:lnRef idx="1">
+            <a:schemeClr val="accent1"/>
+          </a:lnRef>
+          <a:fillRef idx="3">
+            <a:schemeClr val="accent1"/>
+          </a:fillRef>
+          <a:effectRef idx="2">
+            <a:schemeClr val="accent1"/>
+          </a:effectRef>
+          <a:fontRef idx="minor"/>
+        </p:style>
+        <p:txBody>
+          <a:bodyPr lIns="90000" rIns="90000" tIns="45000" bIns="45000" anchor="ctr">
+            <a:noAutofit/>
+          </a:bodyPr>
+          <a:p>
+            <a:pPr>
+              <a:lnSpc>
+                <a:spcPct val="100000"/>
+              </a:lnSpc>
+            </a:pPr>
+            <a:r>
+              <a:rPr b="1" lang="en-US" sz="1400" spc="-1" strike="noStrike">
+                <a:solidFill>
+                  <a:schemeClr val="lt1"/>
+                </a:solidFill>
+                <a:latin typeface="Calibri"/>
+                <a:ea typeface="DejaVu Sans"/>
+              </a:rPr>
+              <a:t>Yazılım Kaosu (1990’ların başı)</a:t>
+            </a:r>
+            <a:endParaRPr b="0" lang="en-US" sz="1400" spc="-1" strike="noStrike">
+              <a:solidFill>
+                <a:srgbClr val="ffffff"/>
+              </a:solidFill>
+              <a:latin typeface="Arial"/>
+            </a:endParaRPr>
+          </a:p>
+          <a:p>
+            <a:pPr>
+              <a:lnSpc>
+                <a:spcPct val="100000"/>
+              </a:lnSpc>
+            </a:pPr>
+            <a:r>
+              <a:rPr b="0" lang="en-US" sz="1400" spc="-1" strike="noStrike">
+                <a:solidFill>
+                  <a:schemeClr val="lt1"/>
+                </a:solidFill>
+                <a:latin typeface="Calibri"/>
+                <a:ea typeface="DejaVu Sans"/>
+              </a:rPr>
+              <a:t>Durum:</a:t>
+            </a:r>
+            <a:endParaRPr b="0" lang="en-US" sz="1400" spc="-1" strike="noStrike">
+              <a:solidFill>
+                <a:srgbClr val="ffffff"/>
+              </a:solidFill>
+              <a:latin typeface="Arial"/>
+            </a:endParaRPr>
+          </a:p>
+          <a:p>
+            <a:pPr marL="216000" indent="-216000">
+              <a:lnSpc>
+                <a:spcPct val="100000"/>
+              </a:lnSpc>
+              <a:buClr>
+                <a:srgbClr val="ffffff"/>
+              </a:buClr>
+              <a:buFont typeface="Wingdings" charset="2"/>
+              <a:buChar char=""/>
+            </a:pPr>
+            <a:r>
+              <a:rPr b="0" lang="en-US" sz="1400" spc="-1" strike="noStrike">
+                <a:solidFill>
+                  <a:schemeClr val="lt1"/>
+                </a:solidFill>
+                <a:latin typeface="Calibri"/>
+                <a:ea typeface="DejaVu Sans"/>
+              </a:rPr>
+              <a:t>Farklı bilgisayarlar</a:t>
+            </a:r>
+            <a:endParaRPr b="0" lang="en-US" sz="1400" spc="-1" strike="noStrike">
+              <a:solidFill>
+                <a:srgbClr val="ffffff"/>
+              </a:solidFill>
+              <a:latin typeface="Arial"/>
+            </a:endParaRPr>
+          </a:p>
+          <a:p>
+            <a:pPr marL="216000" indent="-216000">
+              <a:lnSpc>
+                <a:spcPct val="100000"/>
+              </a:lnSpc>
+              <a:buClr>
+                <a:srgbClr val="ffffff"/>
+              </a:buClr>
+              <a:buFont typeface="Wingdings" charset="2"/>
+              <a:buChar char=""/>
+            </a:pPr>
+            <a:r>
+              <a:rPr b="0" lang="en-US" sz="1400" spc="-1" strike="noStrike">
+                <a:solidFill>
+                  <a:schemeClr val="lt1"/>
+                </a:solidFill>
+                <a:latin typeface="Calibri"/>
+                <a:ea typeface="DejaVu Sans"/>
+              </a:rPr>
+              <a:t>Farklı işlemciler</a:t>
+            </a:r>
+            <a:endParaRPr b="0" lang="en-US" sz="1400" spc="-1" strike="noStrike">
+              <a:solidFill>
+                <a:srgbClr val="ffffff"/>
+              </a:solidFill>
+              <a:latin typeface="Arial"/>
+            </a:endParaRPr>
+          </a:p>
+          <a:p>
+            <a:pPr marL="216000" indent="-216000">
+              <a:lnSpc>
+                <a:spcPct val="100000"/>
+              </a:lnSpc>
+              <a:buClr>
+                <a:srgbClr val="ffffff"/>
+              </a:buClr>
+              <a:buFont typeface="Wingdings" charset="2"/>
+              <a:buChar char=""/>
+            </a:pPr>
+            <a:r>
+              <a:rPr b="0" lang="en-US" sz="1400" spc="-1" strike="noStrike">
+                <a:solidFill>
+                  <a:schemeClr val="lt1"/>
+                </a:solidFill>
+                <a:latin typeface="Calibri"/>
+                <a:ea typeface="DejaVu Sans"/>
+              </a:rPr>
+              <a:t>Farklı işletim sistemleri</a:t>
+            </a:r>
+            <a:endParaRPr b="0" lang="en-US" sz="1400" spc="-1" strike="noStrike">
+              <a:solidFill>
+                <a:srgbClr val="ffffff"/>
+              </a:solidFill>
+              <a:latin typeface="Arial"/>
+            </a:endParaRPr>
+          </a:p>
+          <a:p>
+            <a:pPr>
+              <a:lnSpc>
+                <a:spcPct val="100000"/>
+              </a:lnSpc>
+            </a:pPr>
+            <a:r>
+              <a:rPr b="1" lang="en-US" sz="1400" spc="-1" strike="noStrike">
+                <a:solidFill>
+                  <a:schemeClr val="lt1"/>
+                </a:solidFill>
+                <a:latin typeface="Calibri"/>
+                <a:ea typeface="DejaVu Sans"/>
+              </a:rPr>
+              <a:t>Sonuç:</a:t>
+            </a:r>
+            <a:endParaRPr b="0" lang="en-US" sz="1400" spc="-1" strike="noStrike">
+              <a:solidFill>
+                <a:srgbClr val="ffffff"/>
+              </a:solidFill>
+              <a:latin typeface="Arial"/>
+            </a:endParaRPr>
+          </a:p>
+          <a:p>
+            <a:pPr marL="216000" indent="-216000">
+              <a:lnSpc>
+                <a:spcPct val="100000"/>
+              </a:lnSpc>
+              <a:buClr>
+                <a:srgbClr val="ffffff"/>
+              </a:buClr>
+              <a:buFont typeface="Wingdings" charset="2"/>
+              <a:buChar char=""/>
+            </a:pPr>
+            <a:r>
+              <a:rPr b="0" lang="en-US" sz="1400" spc="-1" strike="noStrike">
+                <a:solidFill>
+                  <a:schemeClr val="lt1"/>
+                </a:solidFill>
+                <a:latin typeface="Calibri"/>
+                <a:ea typeface="DejaVu Sans"/>
+              </a:rPr>
+              <a:t>Programs worked on one machine</a:t>
+            </a:r>
+            <a:endParaRPr b="0" lang="en-US" sz="1400" spc="-1" strike="noStrike">
+              <a:solidFill>
+                <a:srgbClr val="ffffff"/>
+              </a:solidFill>
+              <a:latin typeface="Arial"/>
+            </a:endParaRPr>
+          </a:p>
+          <a:p>
+            <a:pPr marL="216000" indent="-216000">
+              <a:lnSpc>
+                <a:spcPct val="100000"/>
+              </a:lnSpc>
+              <a:buClr>
+                <a:srgbClr val="ffffff"/>
+              </a:buClr>
+              <a:buFont typeface="Wingdings" charset="2"/>
+              <a:buChar char=""/>
+            </a:pPr>
+            <a:r>
+              <a:rPr b="0" lang="en-US" sz="1400" spc="-1" strike="noStrike">
+                <a:solidFill>
+                  <a:schemeClr val="lt1"/>
+                </a:solidFill>
+                <a:latin typeface="Calibri"/>
+                <a:ea typeface="DejaVu Sans"/>
+              </a:rPr>
+              <a:t>Başka bir makinede çalışmıyordu ❌</a:t>
+            </a:r>
+            <a:endParaRPr b="0" lang="en-US" sz="1400" spc="-1" strike="noStrike">
+              <a:solidFill>
+                <a:srgbClr val="ffffff"/>
+              </a:solidFill>
+              <a:latin typeface="Arial"/>
+            </a:endParaRPr>
+          </a:p>
+          <a:p>
+            <a:pPr>
+              <a:lnSpc>
+                <a:spcPct val="100000"/>
+              </a:lnSpc>
+            </a:pPr>
+            <a:r>
+              <a:rPr b="1" lang="en-US" sz="1400" spc="-1" strike="noStrike">
+                <a:solidFill>
+                  <a:schemeClr val="lt1"/>
+                </a:solidFill>
+                <a:latin typeface="Calibri"/>
+                <a:ea typeface="DejaVu Sans"/>
+              </a:rPr>
+              <a:t>Büyük sorun:</a:t>
+            </a:r>
+            <a:endParaRPr b="0" lang="en-US" sz="1400" spc="-1" strike="noStrike">
+              <a:solidFill>
+                <a:srgbClr val="ffffff"/>
+              </a:solidFill>
+              <a:latin typeface="Arial"/>
+            </a:endParaRPr>
+          </a:p>
+          <a:p>
+            <a:pPr>
+              <a:lnSpc>
+                <a:spcPct val="100000"/>
+              </a:lnSpc>
+            </a:pPr>
+            <a:r>
+              <a:rPr b="0" lang="en-US" sz="1400" spc="-1" strike="noStrike">
+                <a:solidFill>
+                  <a:schemeClr val="lt1"/>
+                </a:solidFill>
+                <a:latin typeface="Calibri"/>
+                <a:ea typeface="DejaVu Sans"/>
+              </a:rPr>
+              <a:t>Geliştiriciler aynı yazılımı</a:t>
+            </a:r>
+            <a:endParaRPr b="0" lang="en-US" sz="1400" spc="-1" strike="noStrike">
+              <a:solidFill>
+                <a:srgbClr val="ffffff"/>
+              </a:solidFill>
+              <a:latin typeface="Arial"/>
+            </a:endParaRPr>
+          </a:p>
+          <a:p>
+            <a:pPr>
+              <a:lnSpc>
+                <a:spcPct val="100000"/>
+              </a:lnSpc>
+            </a:pPr>
+            <a:r>
+              <a:rPr b="0" lang="en-US" sz="1400" spc="-1" strike="noStrike">
+                <a:solidFill>
+                  <a:schemeClr val="lt1"/>
+                </a:solidFill>
+                <a:latin typeface="Calibri"/>
+                <a:ea typeface="DejaVu Sans"/>
+              </a:rPr>
+              <a:t>tekrar tekrar baştan yazmak zorundaydı.</a:t>
+            </a:r>
+            <a:endParaRPr b="0" lang="en-US" sz="1400" spc="-1" strike="noStrike">
+              <a:solidFill>
+                <a:srgbClr val="ffffff"/>
+              </a:solidFill>
+              <a:latin typeface="Arial"/>
+            </a:endParaRPr>
+          </a:p>
+          <a:p>
+            <a:pPr>
+              <a:lnSpc>
+                <a:spcPct val="100000"/>
+              </a:lnSpc>
+            </a:pPr>
+            <a:endParaRPr b="0" lang="en-US" sz="1400" spc="-1" strike="noStrike">
+              <a:solidFill>
+                <a:srgbClr val="ffffff"/>
+              </a:solidFill>
+              <a:latin typeface="Arial"/>
+            </a:endParaRPr>
+          </a:p>
+          <a:p>
+            <a:pPr>
+              <a:lnSpc>
+                <a:spcPct val="100000"/>
+              </a:lnSpc>
+            </a:pPr>
+            <a:r>
+              <a:rPr b="0" lang="en-US" sz="1400" spc="-1" strike="noStrike">
+                <a:solidFill>
+                  <a:schemeClr val="lt1"/>
+                </a:solidFill>
+                <a:latin typeface="Calibri"/>
+                <a:ea typeface="DejaVu Sans"/>
+              </a:rPr>
+              <a:t>“</a:t>
+            </a:r>
+            <a:r>
+              <a:rPr b="0" lang="en-US" sz="1400" spc="-1" strike="noStrike">
+                <a:solidFill>
+                  <a:schemeClr val="lt1"/>
+                </a:solidFill>
+                <a:latin typeface="Calibri"/>
+                <a:ea typeface="DejaVu Sans"/>
+              </a:rPr>
+              <a:t>Bir kez yaz, her yerde çalıştır” henüz yoktu.</a:t>
+            </a:r>
+            <a:endParaRPr b="0" lang="en-US" sz="1400" spc="-1" strike="noStrike">
+              <a:solidFill>
+                <a:srgbClr val="ffffff"/>
+              </a:solidFill>
+              <a:latin typeface="Arial"/>
+            </a:endParaRPr>
+          </a:p>
+        </p:txBody>
+      </p:sp>
+      <p:sp>
+        <p:nvSpPr>
+          <p:cNvPr id="166" name="Rounded Rectangle 39"/>
+          <p:cNvSpPr/>
+          <p:nvPr/>
+        </p:nvSpPr>
+        <p:spPr>
+          <a:xfrm>
+            <a:off x="4968360" y="3506040"/>
+            <a:ext cx="3622680" cy="3017880"/>
+          </a:xfrm>
+          <a:prstGeom prst="roundRect">
+            <a:avLst>
+              <a:gd name="adj" fmla="val 16667"/>
+            </a:avLst>
+          </a:prstGeom>
+          <a:solidFill>
+            <a:srgbClr val="08080a"/>
+          </a:solidFill>
+          <a:ln>
+            <a:noFill/>
+          </a:ln>
+          <a:effectLst>
+            <a:outerShdw blurRad="39960" dir="5400000" dist="23040" rotWithShape="0">
+              <a:srgbClr val="000000">
+                <a:alpha val="35000"/>
+              </a:srgbClr>
+            </a:outerShdw>
+          </a:effectLst>
+        </p:spPr>
+        <p:style>
+          <a:lnRef idx="1">
+            <a:schemeClr val="accent1"/>
+          </a:lnRef>
+          <a:fillRef idx="3">
+            <a:schemeClr val="accent1"/>
+          </a:fillRef>
+          <a:effectRef idx="2">
+            <a:schemeClr val="accent1"/>
+          </a:effectRef>
+          <a:fontRef idx="minor"/>
+        </p:style>
+        <p:txBody>
+          <a:bodyPr lIns="90000" rIns="90000" tIns="45000" bIns="45000" anchor="ctr">
+            <a:noAutofit/>
+          </a:bodyPr>
+          <a:p>
+            <a:endParaRPr b="0" lang="en-US" sz="1800" spc="-1" strike="noStrike">
+              <a:solidFill>
+                <a:schemeClr val="lt1"/>
+              </a:solidFill>
+              <a:latin typeface="Calibri"/>
+              <a:ea typeface="DejaVu Sans"/>
+            </a:endParaRPr>
+          </a:p>
+        </p:txBody>
+      </p:sp>
+      <p:sp>
+        <p:nvSpPr>
+          <p:cNvPr id="167" name="Rounded Rectangle 40"/>
+          <p:cNvSpPr/>
+          <p:nvPr/>
+        </p:nvSpPr>
+        <p:spPr>
+          <a:xfrm>
+            <a:off x="4886640" y="3425760"/>
+            <a:ext cx="3623040" cy="3018240"/>
+          </a:xfrm>
+          <a:prstGeom prst="roundRect">
+            <a:avLst>
+              <a:gd name="adj" fmla="val 16667"/>
+            </a:avLst>
+          </a:prstGeom>
+          <a:solidFill>
+            <a:srgbClr val="16161c"/>
+          </a:solidFill>
+          <a:ln>
+            <a:solidFill>
+              <a:srgbClr val="464655"/>
+            </a:solidFill>
+            <a:round/>
+          </a:ln>
+          <a:effectLst>
+            <a:outerShdw blurRad="39960" dir="5400000" dist="23040" rotWithShape="0">
+              <a:srgbClr val="000000">
+                <a:alpha val="35000"/>
+              </a:srgbClr>
+            </a:outerShdw>
+          </a:effectLst>
+        </p:spPr>
+        <p:style>
+          <a:lnRef idx="1">
+            <a:schemeClr val="accent1"/>
+          </a:lnRef>
+          <a:fillRef idx="3">
+            <a:schemeClr val="accent1"/>
+          </a:fillRef>
+          <a:effectRef idx="2">
+            <a:schemeClr val="accent1"/>
+          </a:effectRef>
+          <a:fontRef idx="minor"/>
+        </p:style>
+        <p:txBody>
+          <a:bodyPr lIns="90000" rIns="90000" tIns="45000" bIns="45000" anchor="ctr">
+            <a:noAutofit/>
+          </a:bodyPr>
+          <a:p>
+            <a:pPr>
+              <a:lnSpc>
+                <a:spcPct val="100000"/>
+              </a:lnSpc>
+            </a:pPr>
+            <a:r>
+              <a:rPr b="1" lang="en-US" sz="1500" spc="-1" strike="noStrike">
+                <a:solidFill>
+                  <a:schemeClr val="lt1"/>
+                </a:solidFill>
+                <a:latin typeface="Calibri"/>
+                <a:ea typeface="DejaVu Sans"/>
+              </a:rPr>
+              <a:t>Mevcut Diller Neden Başarısız Oldu</a:t>
+            </a:r>
+            <a:endParaRPr b="0" lang="en-US" sz="1500" spc="-1" strike="noStrike">
+              <a:solidFill>
+                <a:srgbClr val="ffffff"/>
+              </a:solidFill>
+              <a:latin typeface="Arial"/>
+            </a:endParaRPr>
+          </a:p>
+          <a:p>
+            <a:pPr>
+              <a:lnSpc>
+                <a:spcPct val="100000"/>
+              </a:lnSpc>
+            </a:pPr>
+            <a:endParaRPr b="0" lang="en-US" sz="1500" spc="-1" strike="noStrike">
+              <a:solidFill>
+                <a:srgbClr val="ffffff"/>
+              </a:solidFill>
+              <a:latin typeface="Arial"/>
+            </a:endParaRPr>
+          </a:p>
+          <a:p>
+            <a:pPr marL="216000" indent="-216000">
+              <a:lnSpc>
+                <a:spcPct val="100000"/>
+              </a:lnSpc>
+              <a:buClr>
+                <a:srgbClr val="ffffff"/>
+              </a:buClr>
+              <a:buFont typeface="Wingdings" charset="2"/>
+              <a:buChar char=""/>
+            </a:pPr>
+            <a:r>
+              <a:rPr b="0" lang="en-US" sz="1500" spc="-1" strike="noStrike">
+                <a:solidFill>
+                  <a:schemeClr val="lt1"/>
+                </a:solidFill>
+                <a:latin typeface="Calibri"/>
+                <a:ea typeface="DejaVu Sans"/>
+              </a:rPr>
+              <a:t>C / C++ → Donanıma bağımlı</a:t>
+            </a:r>
+            <a:endParaRPr b="0" lang="en-US" sz="1500" spc="-1" strike="noStrike">
+              <a:solidFill>
+                <a:srgbClr val="ffffff"/>
+              </a:solidFill>
+              <a:latin typeface="Arial"/>
+            </a:endParaRPr>
+          </a:p>
+          <a:p>
+            <a:pPr marL="216000" indent="-216000">
+              <a:lnSpc>
+                <a:spcPct val="100000"/>
+              </a:lnSpc>
+              <a:buClr>
+                <a:srgbClr val="ffffff"/>
+              </a:buClr>
+              <a:buFont typeface="Wingdings" charset="2"/>
+              <a:buChar char=""/>
+            </a:pPr>
+            <a:r>
+              <a:rPr b="0" lang="en-US" sz="1500" spc="-1" strike="noStrike">
+                <a:solidFill>
+                  <a:schemeClr val="lt1"/>
+                </a:solidFill>
+                <a:latin typeface="Calibri"/>
+                <a:ea typeface="DejaVu Sans"/>
+              </a:rPr>
+              <a:t>Platforma özel derlenmiş dosyalar</a:t>
+            </a:r>
+            <a:endParaRPr b="0" lang="en-US" sz="1500" spc="-1" strike="noStrike">
+              <a:solidFill>
+                <a:srgbClr val="ffffff"/>
+              </a:solidFill>
+              <a:latin typeface="Arial"/>
+            </a:endParaRPr>
+          </a:p>
+          <a:p>
+            <a:pPr marL="216000" indent="-216000">
+              <a:lnSpc>
+                <a:spcPct val="100000"/>
+              </a:lnSpc>
+              <a:buClr>
+                <a:srgbClr val="ffffff"/>
+              </a:buClr>
+              <a:buFont typeface="Wingdings" charset="2"/>
+              <a:buChar char=""/>
+            </a:pPr>
+            <a:r>
+              <a:rPr b="0" lang="en-US" sz="1500" spc="-1" strike="noStrike">
+                <a:solidFill>
+                  <a:schemeClr val="lt1"/>
+                </a:solidFill>
+                <a:latin typeface="Calibri"/>
+                <a:ea typeface="DejaVu Sans"/>
+              </a:rPr>
+              <a:t>Bellek yönetimi problemleri</a:t>
+            </a:r>
+            <a:endParaRPr b="0" lang="en-US" sz="1500" spc="-1" strike="noStrike">
+              <a:solidFill>
+                <a:srgbClr val="ffffff"/>
+              </a:solidFill>
+              <a:latin typeface="Arial"/>
+            </a:endParaRPr>
+          </a:p>
+          <a:p>
+            <a:pPr marL="216000" indent="-216000">
+              <a:lnSpc>
+                <a:spcPct val="100000"/>
+              </a:lnSpc>
+              <a:buClr>
+                <a:srgbClr val="ffffff"/>
+              </a:buClr>
+              <a:buFont typeface="Wingdings" charset="2"/>
+              <a:buChar char=""/>
+            </a:pPr>
+            <a:r>
+              <a:rPr b="0" lang="en-US" sz="1500" spc="-1" strike="noStrike">
+                <a:solidFill>
+                  <a:schemeClr val="lt1"/>
+                </a:solidFill>
+                <a:latin typeface="Calibri"/>
+                <a:ea typeface="DejaVu Sans"/>
+              </a:rPr>
+              <a:t>Güvenlik sorunları</a:t>
+            </a:r>
+            <a:endParaRPr b="0" lang="en-US" sz="1500" spc="-1" strike="noStrike">
+              <a:solidFill>
+                <a:srgbClr val="ffffff"/>
+              </a:solidFill>
+              <a:latin typeface="Arial"/>
+            </a:endParaRPr>
+          </a:p>
+          <a:p>
+            <a:pPr>
+              <a:lnSpc>
+                <a:spcPct val="100000"/>
+              </a:lnSpc>
+            </a:pPr>
+            <a:endParaRPr b="0" lang="en-US" sz="1500" spc="-1" strike="noStrike">
+              <a:solidFill>
+                <a:srgbClr val="ffffff"/>
+              </a:solidFill>
+              <a:latin typeface="Arial"/>
+            </a:endParaRPr>
+          </a:p>
+          <a:p>
+            <a:pPr>
+              <a:lnSpc>
+                <a:spcPct val="100000"/>
+              </a:lnSpc>
+            </a:pPr>
+            <a:r>
+              <a:rPr b="1" lang="en-US" sz="1500" spc="-1" strike="noStrike">
+                <a:solidFill>
+                  <a:schemeClr val="lt1"/>
+                </a:solidFill>
+                <a:latin typeface="Calibri"/>
+                <a:ea typeface="DejaVu Sans"/>
+              </a:rPr>
+              <a:t>Ana sıkıntı:</a:t>
+            </a:r>
+            <a:endParaRPr b="0" lang="en-US" sz="1500" spc="-1" strike="noStrike">
+              <a:solidFill>
+                <a:srgbClr val="ffffff"/>
+              </a:solidFill>
+              <a:latin typeface="Arial"/>
+            </a:endParaRPr>
+          </a:p>
+          <a:p>
+            <a:pPr>
+              <a:lnSpc>
+                <a:spcPct val="100000"/>
+              </a:lnSpc>
+            </a:pPr>
+            <a:r>
+              <a:rPr b="0" lang="en-US" sz="1500" spc="-1" strike="noStrike">
+                <a:solidFill>
+                  <a:schemeClr val="lt1"/>
+                </a:solidFill>
+                <a:latin typeface="Calibri"/>
+                <a:ea typeface="DejaVu Sans"/>
+              </a:rPr>
+              <a:t>Bir sistem = bir derleme</a:t>
+            </a:r>
+            <a:endParaRPr b="0" lang="en-US" sz="1500" spc="-1" strike="noStrike">
+              <a:solidFill>
+                <a:srgbClr val="ffffff"/>
+              </a:solidFill>
+              <a:latin typeface="Arial"/>
+            </a:endParaRPr>
+          </a:p>
+          <a:p>
+            <a:pPr>
+              <a:lnSpc>
+                <a:spcPct val="100000"/>
+              </a:lnSpc>
+            </a:pPr>
+            <a:endParaRPr b="0" lang="en-US" sz="1500" spc="-1" strike="noStrike">
+              <a:solidFill>
+                <a:srgbClr val="ffffff"/>
+              </a:solidFill>
+              <a:latin typeface="Arial"/>
+            </a:endParaRPr>
+          </a:p>
+          <a:p>
+            <a:pPr>
+              <a:lnSpc>
+                <a:spcPct val="100000"/>
+              </a:lnSpc>
+            </a:pPr>
+            <a:r>
+              <a:rPr b="1" i="1" lang="en-US" sz="1500" spc="-1" strike="noStrike">
+                <a:solidFill>
+                  <a:schemeClr val="lt1"/>
+                </a:solidFill>
+                <a:latin typeface="Calibri"/>
+                <a:ea typeface="DejaVu Sans"/>
+              </a:rPr>
+              <a:t>Evrensel bir çözüm yoktu.</a:t>
+            </a:r>
+            <a:endParaRPr b="0" lang="en-US" sz="1500" spc="-1" strike="noStrike">
+              <a:solidFill>
+                <a:srgbClr val="ffffff"/>
+              </a:solidFill>
+              <a:latin typeface="Arial"/>
+            </a:endParaRPr>
+          </a:p>
+        </p:txBody>
+      </p:sp>
+      <p:sp>
+        <p:nvSpPr>
+          <p:cNvPr id="168" name="Rounded Rectangle 41"/>
+          <p:cNvSpPr/>
+          <p:nvPr/>
+        </p:nvSpPr>
+        <p:spPr>
+          <a:xfrm>
+            <a:off x="8849160" y="3506040"/>
+            <a:ext cx="3622680" cy="3017880"/>
+          </a:xfrm>
+          <a:prstGeom prst="roundRect">
+            <a:avLst>
+              <a:gd name="adj" fmla="val 16667"/>
+            </a:avLst>
+          </a:prstGeom>
+          <a:solidFill>
+            <a:srgbClr val="08080a"/>
+          </a:solidFill>
+          <a:ln>
+            <a:noFill/>
+          </a:ln>
+          <a:effectLst>
+            <a:outerShdw blurRad="39960" dir="5400000" dist="23040" rotWithShape="0">
+              <a:srgbClr val="000000">
+                <a:alpha val="35000"/>
+              </a:srgbClr>
+            </a:outerShdw>
+          </a:effectLst>
+        </p:spPr>
+        <p:style>
+          <a:lnRef idx="1">
+            <a:schemeClr val="accent1"/>
+          </a:lnRef>
+          <a:fillRef idx="3">
+            <a:schemeClr val="accent1"/>
+          </a:fillRef>
+          <a:effectRef idx="2">
+            <a:schemeClr val="accent1"/>
+          </a:effectRef>
+          <a:fontRef idx="minor"/>
+        </p:style>
+        <p:txBody>
+          <a:bodyPr lIns="90000" rIns="90000" tIns="45000" bIns="45000" anchor="ctr">
+            <a:noAutofit/>
+          </a:bodyPr>
+          <a:p>
+            <a:endParaRPr b="0" lang="en-US" sz="1800" spc="-1" strike="noStrike">
+              <a:solidFill>
+                <a:schemeClr val="lt1"/>
+              </a:solidFill>
+              <a:latin typeface="Calibri"/>
+              <a:ea typeface="DejaVu Sans"/>
+            </a:endParaRPr>
+          </a:p>
+        </p:txBody>
+      </p:sp>
+      <p:sp>
+        <p:nvSpPr>
+          <p:cNvPr id="169" name="Rounded Rectangle 42"/>
+          <p:cNvSpPr/>
+          <p:nvPr/>
+        </p:nvSpPr>
+        <p:spPr>
+          <a:xfrm>
+            <a:off x="8767440" y="3425040"/>
+            <a:ext cx="3623040" cy="3018240"/>
+          </a:xfrm>
+          <a:prstGeom prst="roundRect">
+            <a:avLst>
+              <a:gd name="adj" fmla="val 16667"/>
+            </a:avLst>
+          </a:prstGeom>
+          <a:solidFill>
+            <a:srgbClr val="16161c"/>
+          </a:solidFill>
+          <a:ln>
+            <a:solidFill>
+              <a:srgbClr val="464655"/>
+            </a:solidFill>
+            <a:round/>
+          </a:ln>
+          <a:effectLst>
+            <a:outerShdw blurRad="39960" dir="5400000" dist="23040" rotWithShape="0">
+              <a:srgbClr val="000000">
+                <a:alpha val="35000"/>
+              </a:srgbClr>
+            </a:outerShdw>
+          </a:effectLst>
+        </p:spPr>
+        <p:style>
+          <a:lnRef idx="1">
+            <a:schemeClr val="accent1"/>
+          </a:lnRef>
+          <a:fillRef idx="3">
+            <a:schemeClr val="accent1"/>
+          </a:fillRef>
+          <a:effectRef idx="2">
+            <a:schemeClr val="accent1"/>
+          </a:effectRef>
+          <a:fontRef idx="minor"/>
+        </p:style>
+        <p:txBody>
+          <a:bodyPr lIns="90000" rIns="90000" tIns="45000" bIns="45000" anchor="ctr">
+            <a:noAutofit/>
+          </a:bodyPr>
+          <a:p>
+            <a:pPr algn="ctr">
+              <a:lnSpc>
+                <a:spcPct val="100000"/>
+              </a:lnSpc>
+            </a:pPr>
+            <a:endParaRPr b="0" lang="en-US" sz="1400" spc="-1" strike="noStrike">
+              <a:solidFill>
+                <a:srgbClr val="ffffff"/>
+              </a:solidFill>
+              <a:latin typeface="Arial"/>
+            </a:endParaRPr>
+          </a:p>
+          <a:p>
+            <a:pPr algn="ctr">
+              <a:lnSpc>
+                <a:spcPct val="100000"/>
+              </a:lnSpc>
+            </a:pPr>
+            <a:r>
+              <a:rPr b="0" lang="en-US" sz="1400" spc="-1" strike="noStrike">
+                <a:solidFill>
+                  <a:srgbClr val="78ffc8"/>
+                </a:solidFill>
+                <a:latin typeface="Consolas"/>
+                <a:ea typeface="DejaVu Sans"/>
+              </a:rPr>
+              <a:t>// Kod donanıma bağımlıydı</a:t>
+            </a:r>
+            <a:br>
+              <a:rPr sz="1400"/>
+            </a:br>
+            <a:r>
+              <a:rPr b="0" lang="en-US" sz="1400" spc="-1" strike="noStrike">
+                <a:solidFill>
+                  <a:srgbClr val="78ffc8"/>
+                </a:solidFill>
+                <a:latin typeface="Consolas"/>
+                <a:ea typeface="DejaVu Sans"/>
+              </a:rPr>
+              <a:t>// Java’dan Önceki Felsefe</a:t>
+            </a:r>
+            <a:endParaRPr b="0" lang="en-US" sz="1400" spc="-1" strike="noStrike">
+              <a:solidFill>
+                <a:srgbClr val="ffffff"/>
+              </a:solidFill>
+              <a:latin typeface="Arial"/>
+            </a:endParaRPr>
+          </a:p>
+          <a:p>
+            <a:pPr algn="ctr">
+              <a:lnSpc>
+                <a:spcPct val="100000"/>
+              </a:lnSpc>
+            </a:pPr>
+            <a:endParaRPr b="0" lang="en-US" sz="1400" spc="-1" strike="noStrike">
+              <a:solidFill>
+                <a:srgbClr val="ffffff"/>
+              </a:solidFill>
+              <a:latin typeface="Arial"/>
+            </a:endParaRPr>
+          </a:p>
+          <a:p>
+            <a:pPr algn="ctr">
+              <a:lnSpc>
+                <a:spcPct val="100000"/>
+              </a:lnSpc>
+            </a:pPr>
+            <a:r>
+              <a:rPr b="0" lang="en-US" sz="1400" spc="-1" strike="noStrike">
+                <a:solidFill>
+                  <a:srgbClr val="78ffc8"/>
+                </a:solidFill>
+                <a:latin typeface="Consolas"/>
+                <a:ea typeface="DejaVu Sans"/>
+              </a:rPr>
+              <a:t>int device = 1991;</a:t>
+            </a:r>
+            <a:endParaRPr b="0" lang="en-US" sz="1400" spc="-1" strike="noStrike">
+              <a:solidFill>
+                <a:srgbClr val="ffffff"/>
+              </a:solidFill>
+              <a:latin typeface="Arial"/>
+            </a:endParaRPr>
+          </a:p>
+          <a:p>
+            <a:pPr algn="ctr">
+              <a:lnSpc>
+                <a:spcPct val="100000"/>
+              </a:lnSpc>
+            </a:pPr>
+            <a:endParaRPr b="0" lang="en-US" sz="1400" spc="-1" strike="noStrike">
+              <a:solidFill>
+                <a:srgbClr val="ffffff"/>
+              </a:solidFill>
+              <a:latin typeface="Arial"/>
+            </a:endParaRPr>
+          </a:p>
+          <a:p>
+            <a:pPr algn="ctr">
+              <a:lnSpc>
+                <a:spcPct val="100000"/>
+              </a:lnSpc>
+            </a:pPr>
+            <a:r>
+              <a:rPr b="0" lang="en-US" sz="1400" spc="-1" strike="noStrike">
+                <a:solidFill>
+                  <a:srgbClr val="78ffc8"/>
+                </a:solidFill>
+                <a:latin typeface="Consolas"/>
+                <a:ea typeface="DejaVu Sans"/>
+              </a:rPr>
+              <a:t>if (device != 1995) {</a:t>
+            </a:r>
+            <a:endParaRPr b="0" lang="en-US" sz="1400" spc="-1" strike="noStrike">
+              <a:solidFill>
+                <a:srgbClr val="ffffff"/>
+              </a:solidFill>
+              <a:latin typeface="Arial"/>
+            </a:endParaRPr>
+          </a:p>
+          <a:p>
+            <a:pPr algn="ctr">
+              <a:lnSpc>
+                <a:spcPct val="100000"/>
+              </a:lnSpc>
+            </a:pPr>
+            <a:r>
+              <a:rPr b="0" lang="en-US" sz="1400" spc="-1" strike="noStrike">
+                <a:solidFill>
+                  <a:srgbClr val="78ffc8"/>
+                </a:solidFill>
+                <a:latin typeface="Consolas"/>
+                <a:ea typeface="DejaVu Sans"/>
+              </a:rPr>
+              <a:t>    </a:t>
+            </a:r>
+            <a:r>
+              <a:rPr b="0" lang="en-US" sz="1400" spc="-1" strike="noStrike">
+                <a:solidFill>
+                  <a:srgbClr val="78ffc8"/>
+                </a:solidFill>
+                <a:latin typeface="Consolas"/>
+                <a:ea typeface="DejaVu Sans"/>
+              </a:rPr>
+              <a:t>System.out.println("Yazılımı yeniden yaz!");</a:t>
+            </a:r>
+            <a:endParaRPr b="0" lang="en-US" sz="1400" spc="-1" strike="noStrike">
+              <a:solidFill>
+                <a:srgbClr val="ffffff"/>
+              </a:solidFill>
+              <a:latin typeface="Arial"/>
+            </a:endParaRPr>
+          </a:p>
+          <a:p>
+            <a:pPr algn="ctr">
+              <a:lnSpc>
+                <a:spcPct val="100000"/>
+              </a:lnSpc>
+            </a:pPr>
+            <a:r>
+              <a:rPr b="0" lang="en-US" sz="1400" spc="-1" strike="noStrike">
+                <a:solidFill>
+                  <a:srgbClr val="78ffc8"/>
+                </a:solidFill>
+                <a:latin typeface="Consolas"/>
+                <a:ea typeface="DejaVu Sans"/>
+              </a:rPr>
+              <a:t>}</a:t>
+            </a:r>
+            <a:endParaRPr b="0" lang="en-US" sz="1400" spc="-1" strike="noStrike">
+              <a:solidFill>
+                <a:srgbClr val="ffffff"/>
+              </a:solidFill>
+              <a:latin typeface="Arial"/>
+            </a:endParaRPr>
+          </a:p>
+          <a:p>
+            <a:pPr algn="ctr">
+              <a:lnSpc>
+                <a:spcPct val="100000"/>
+              </a:lnSpc>
+            </a:pPr>
+            <a:endParaRPr b="0" lang="en-US" sz="1400" spc="-1" strike="noStrike">
+              <a:solidFill>
+                <a:srgbClr val="ffffff"/>
+              </a:solidFill>
+              <a:latin typeface="Arial"/>
+            </a:endParaRPr>
+          </a:p>
+          <a:p>
+            <a:pPr algn="ctr">
+              <a:lnSpc>
+                <a:spcPct val="100000"/>
+              </a:lnSpc>
+            </a:pPr>
+            <a:endParaRPr b="0" lang="en-US" sz="1800" spc="-1" strike="noStrike">
+              <a:solidFill>
+                <a:srgbClr val="ffffff"/>
+              </a:solidFill>
+              <a:latin typeface="Arial"/>
+            </a:endParaRPr>
+          </a:p>
+        </p:txBody>
+      </p:sp>
+      <p:sp>
+        <p:nvSpPr>
+          <p:cNvPr id="170" name="TextBox 15"/>
+          <p:cNvSpPr/>
+          <p:nvPr/>
+        </p:nvSpPr>
+        <p:spPr>
+          <a:xfrm>
+            <a:off x="5224320" y="7104600"/>
+            <a:ext cx="3051000" cy="363960"/>
+          </a:xfrm>
+          <a:prstGeom prst="rect">
+            <a:avLst/>
+          </a:prstGeom>
+          <a:noFill/>
+          <a:ln w="0">
+            <a:noFill/>
+          </a:ln>
+        </p:spPr>
+        <p:style>
+          <a:lnRef idx="0"/>
+          <a:fillRef idx="0"/>
+          <a:effectRef idx="0"/>
+          <a:fontRef idx="minor"/>
+        </p:style>
+        <p:txBody>
+          <a:bodyPr wrap="none" lIns="90000" rIns="90000" tIns="45000" bIns="45000" anchor="t">
+            <a:spAutoFit/>
+          </a:bodyPr>
+          <a:p>
+            <a:pPr>
+              <a:lnSpc>
+                <a:spcPct val="100000"/>
+              </a:lnSpc>
+            </a:pPr>
+            <a:r>
+              <a:rPr b="0" lang="en-US" sz="1800" spc="-1" strike="noStrike">
+                <a:solidFill>
+                  <a:srgbClr val="000000"/>
+                </a:solidFill>
+                <a:latin typeface="Calibri"/>
+                <a:ea typeface="DejaVu Sans"/>
+              </a:rPr>
+              <a:t>Java • Ultra Premium Template</a:t>
+            </a:r>
+            <a:endParaRPr b="0" lang="en-US" sz="1800" spc="-1" strike="noStrike">
+              <a:solidFill>
+                <a:srgbClr val="000000"/>
+              </a:solidFill>
+              <a:latin typeface="Arial"/>
+            </a:endParaRPr>
+          </a:p>
+        </p:txBody>
+      </p:sp>
+    </p:spTree>
+  </p:cSld>
+  <mc:AlternateContent>
+    <mc:Choice Requires="p14">
+      <p:transition spd="slow" p14:dur="2000"/>
+    </mc:Choice>
+    <mc:Fallback>
+      <p:transition spd="slow"/>
+    </mc:Fallback>
+  </mc:AlternateContent>
+</p:sld>
+</file>
+
+<file path=ppt/slides/slide6.xml><?xml version="1.0" encoding="utf-8"?>
+<p:sld xmlns:a="http://schemas.openxmlformats.org/drawingml/2006/main" xmlns:p="http://schemas.openxmlformats.org/presentationml/2006/main" xmlns:r="http://schemas.openxmlformats.org/officeDocument/2006/relationships" xmlns:p14="http://schemas.microsoft.com/office/powerpoint/2010/main" xmlns:p15="http://schemas.microsoft.com/office/powerpoint/2012/main" xmlns:mc="http://schemas.openxmlformats.org/markup-compatibility/2006">
+  <p:cSld>
+    <p:spTree>
+      <p:nvGrpSpPr>
+        <p:cNvPr id="1" name=""/>
+        <p:cNvGrpSpPr/>
+        <p:nvPr/>
+      </p:nvGrpSpPr>
+      <p:grpSpPr>
+        <a:xfrm>
+          <a:off x="0" y="0"/>
+          <a:ext cx="0" cy="0"/>
+          <a:chOff x="0" y="0"/>
+          <a:chExt cx="0" cy="0"/>
+        </a:xfrm>
+      </p:grpSpPr>
+      <p:sp>
+        <p:nvSpPr>
+          <p:cNvPr id="171" name="Rectangle 81"/>
+          <p:cNvSpPr/>
+          <p:nvPr/>
+        </p:nvSpPr>
+        <p:spPr>
+          <a:xfrm>
+            <a:off x="1440" y="1800"/>
+            <a:ext cx="13430520" cy="7553880"/>
+          </a:xfrm>
+          <a:prstGeom prst="rect">
+            <a:avLst/>
+          </a:prstGeom>
+          <a:solidFill>
+            <a:srgbClr val="0b0b0d"/>
+          </a:solidFill>
+          <a:ln>
+            <a:noFill/>
+          </a:ln>
+          <a:effectLst>
+            <a:outerShdw blurRad="39960" dir="5400000" dist="23040" rotWithShape="0">
+              <a:srgbClr val="000000">
+                <a:alpha val="35000"/>
+              </a:srgbClr>
+            </a:outerShdw>
+          </a:effectLst>
+        </p:spPr>
+        <p:style>
+          <a:lnRef idx="1">
+            <a:schemeClr val="accent1"/>
+          </a:lnRef>
+          <a:fillRef idx="3">
+            <a:schemeClr val="accent1"/>
+          </a:fillRef>
+          <a:effectRef idx="2">
+            <a:schemeClr val="accent1"/>
+          </a:effectRef>
+          <a:fontRef idx="minor"/>
+        </p:style>
+        <p:txBody>
+          <a:bodyPr lIns="90000" rIns="90000" tIns="45000" bIns="45000" anchor="ctr">
+            <a:noAutofit/>
+          </a:bodyPr>
+          <a:p>
+            <a:endParaRPr b="0" lang="en-US" sz="1800" spc="-1" strike="noStrike">
+              <a:solidFill>
+                <a:schemeClr val="lt1"/>
+              </a:solidFill>
+              <a:latin typeface="Calibri"/>
+              <a:ea typeface="DejaVu Sans"/>
+            </a:endParaRPr>
+          </a:p>
+        </p:txBody>
+      </p:sp>
+      <p:sp>
+        <p:nvSpPr>
+          <p:cNvPr id="172" name="Rectangle 82"/>
+          <p:cNvSpPr/>
+          <p:nvPr/>
+        </p:nvSpPr>
+        <p:spPr>
+          <a:xfrm>
+            <a:off x="1440" y="1800"/>
+            <a:ext cx="14760" cy="7553880"/>
+          </a:xfrm>
+          <a:prstGeom prst="rect">
+            <a:avLst/>
+          </a:prstGeom>
+          <a:solidFill>
+            <a:srgbClr val="121216"/>
+          </a:solidFill>
+          <a:ln>
+            <a:noFill/>
+          </a:ln>
+          <a:effectLst>
+            <a:outerShdw blurRad="39960" dir="5400000" dist="23040" rotWithShape="0">
+              <a:srgbClr val="000000">
+                <a:alpha val="35000"/>
+              </a:srgbClr>
+            </a:outerShdw>
+          </a:effectLst>
+        </p:spPr>
+        <p:style>
+          <a:lnRef idx="1">
+            <a:schemeClr val="accent1"/>
+          </a:lnRef>
+          <a:fillRef idx="3">
+            <a:schemeClr val="accent1"/>
+          </a:fillRef>
+          <a:effectRef idx="2">
+            <a:schemeClr val="accent1"/>
+          </a:effectRef>
+          <a:fontRef idx="minor"/>
+        </p:style>
+        <p:txBody>
+          <a:bodyPr lIns="90000" rIns="90000" tIns="45000" bIns="45000" anchor="ctr">
+            <a:noAutofit/>
+          </a:bodyPr>
+          <a:p>
+            <a:endParaRPr b="0" lang="en-US" sz="1800" spc="-1" strike="noStrike">
+              <a:solidFill>
+                <a:schemeClr val="lt1"/>
+              </a:solidFill>
+              <a:latin typeface="Calibri"/>
+              <a:ea typeface="DejaVu Sans"/>
+            </a:endParaRPr>
+          </a:p>
+        </p:txBody>
+      </p:sp>
+      <p:sp>
+        <p:nvSpPr>
+          <p:cNvPr id="173" name="Rectangle 83"/>
+          <p:cNvSpPr/>
+          <p:nvPr/>
+        </p:nvSpPr>
+        <p:spPr>
+          <a:xfrm>
+            <a:off x="1005480" y="1800"/>
+            <a:ext cx="14760" cy="7553880"/>
+          </a:xfrm>
+          <a:prstGeom prst="rect">
+            <a:avLst/>
+          </a:prstGeom>
+          <a:solidFill>
+            <a:srgbClr val="121216"/>
+          </a:solidFill>
+          <a:ln>
+            <a:noFill/>
+          </a:ln>
+          <a:effectLst>
+            <a:outerShdw blurRad="39960" dir="5400000" dist="23040" rotWithShape="0">
+              <a:srgbClr val="000000">
+                <a:alpha val="35000"/>
+              </a:srgbClr>
+            </a:outerShdw>
+          </a:effectLst>
+        </p:spPr>
+        <p:style>
+          <a:lnRef idx="1">
+            <a:schemeClr val="accent1"/>
+          </a:lnRef>
+          <a:fillRef idx="3">
+            <a:schemeClr val="accent1"/>
+          </a:fillRef>
+          <a:effectRef idx="2">
+            <a:schemeClr val="accent1"/>
+          </a:effectRef>
+          <a:fontRef idx="minor"/>
+        </p:style>
+        <p:txBody>
+          <a:bodyPr lIns="90000" rIns="90000" tIns="45000" bIns="45000" anchor="ctr">
+            <a:noAutofit/>
+          </a:bodyPr>
+          <a:p>
+            <a:endParaRPr b="0" lang="en-US" sz="1800" spc="-1" strike="noStrike">
+              <a:solidFill>
+                <a:schemeClr val="lt1"/>
+              </a:solidFill>
+              <a:latin typeface="Calibri"/>
+              <a:ea typeface="DejaVu Sans"/>
+            </a:endParaRPr>
+          </a:p>
+        </p:txBody>
+      </p:sp>
+      <p:sp>
+        <p:nvSpPr>
+          <p:cNvPr id="174" name="Rectangle 84"/>
+          <p:cNvSpPr/>
+          <p:nvPr/>
+        </p:nvSpPr>
+        <p:spPr>
+          <a:xfrm>
+            <a:off x="2013480" y="1800"/>
+            <a:ext cx="14760" cy="7553880"/>
+          </a:xfrm>
+          <a:prstGeom prst="rect">
+            <a:avLst/>
+          </a:prstGeom>
+          <a:solidFill>
+            <a:srgbClr val="121216"/>
+          </a:solidFill>
+          <a:ln>
+            <a:noFill/>
+          </a:ln>
+          <a:effectLst>
+            <a:outerShdw blurRad="39960" dir="5400000" dist="23040" rotWithShape="0">
+              <a:srgbClr val="000000">
+                <a:alpha val="35000"/>
+              </a:srgbClr>
+            </a:outerShdw>
+          </a:effectLst>
+        </p:spPr>
+        <p:style>
+          <a:lnRef idx="1">
+            <a:schemeClr val="accent1"/>
+          </a:lnRef>
+          <a:fillRef idx="3">
+            <a:schemeClr val="accent1"/>
+          </a:fillRef>
+          <a:effectRef idx="2">
+            <a:schemeClr val="accent1"/>
+          </a:effectRef>
+          <a:fontRef idx="minor"/>
+        </p:style>
+        <p:txBody>
+          <a:bodyPr lIns="90000" rIns="90000" tIns="45000" bIns="45000" anchor="ctr">
+            <a:noAutofit/>
+          </a:bodyPr>
+          <a:p>
+            <a:endParaRPr b="0" lang="en-US" sz="1800" spc="-1" strike="noStrike">
+              <a:solidFill>
+                <a:schemeClr val="lt1"/>
+              </a:solidFill>
+              <a:latin typeface="Calibri"/>
+              <a:ea typeface="DejaVu Sans"/>
+            </a:endParaRPr>
+          </a:p>
+        </p:txBody>
+      </p:sp>
+      <p:sp>
+        <p:nvSpPr>
+          <p:cNvPr id="175" name="Rectangle 85"/>
+          <p:cNvSpPr/>
+          <p:nvPr/>
+        </p:nvSpPr>
+        <p:spPr>
+          <a:xfrm>
+            <a:off x="3021480" y="1800"/>
+            <a:ext cx="14760" cy="7553880"/>
+          </a:xfrm>
+          <a:prstGeom prst="rect">
+            <a:avLst/>
+          </a:prstGeom>
+          <a:solidFill>
+            <a:srgbClr val="121216"/>
+          </a:solidFill>
+          <a:ln>
+            <a:noFill/>
+          </a:ln>
+          <a:effectLst>
+            <a:outerShdw blurRad="39960" dir="5400000" dist="23040" rotWithShape="0">
+              <a:srgbClr val="000000">
+                <a:alpha val="35000"/>
+              </a:srgbClr>
+            </a:outerShdw>
+          </a:effectLst>
+        </p:spPr>
+        <p:style>
+          <a:lnRef idx="1">
+            <a:schemeClr val="accent1"/>
+          </a:lnRef>
+          <a:fillRef idx="3">
+            <a:schemeClr val="accent1"/>
+          </a:fillRef>
+          <a:effectRef idx="2">
+            <a:schemeClr val="accent1"/>
+          </a:effectRef>
+          <a:fontRef idx="minor"/>
+        </p:style>
+        <p:txBody>
+          <a:bodyPr lIns="90000" rIns="90000" tIns="45000" bIns="45000" anchor="ctr">
+            <a:noAutofit/>
+          </a:bodyPr>
+          <a:p>
+            <a:endParaRPr b="0" lang="en-US" sz="1800" spc="-1" strike="noStrike">
+              <a:solidFill>
+                <a:schemeClr val="lt1"/>
+              </a:solidFill>
+              <a:latin typeface="Calibri"/>
+              <a:ea typeface="DejaVu Sans"/>
+            </a:endParaRPr>
+          </a:p>
+        </p:txBody>
+      </p:sp>
+      <p:sp>
+        <p:nvSpPr>
+          <p:cNvPr id="176" name="Rectangle 86"/>
+          <p:cNvSpPr/>
+          <p:nvPr/>
+        </p:nvSpPr>
+        <p:spPr>
+          <a:xfrm>
+            <a:off x="4029480" y="1800"/>
+            <a:ext cx="14760" cy="7553880"/>
+          </a:xfrm>
+          <a:prstGeom prst="rect">
+            <a:avLst/>
+          </a:prstGeom>
+          <a:solidFill>
+            <a:srgbClr val="121216"/>
+          </a:solidFill>
+          <a:ln>
+            <a:noFill/>
+          </a:ln>
+          <a:effectLst>
+            <a:outerShdw blurRad="39960" dir="5400000" dist="23040" rotWithShape="0">
+              <a:srgbClr val="000000">
+                <a:alpha val="35000"/>
+              </a:srgbClr>
+            </a:outerShdw>
+          </a:effectLst>
+        </p:spPr>
+        <p:style>
+          <a:lnRef idx="1">
+            <a:schemeClr val="accent1"/>
+          </a:lnRef>
+          <a:fillRef idx="3">
+            <a:schemeClr val="accent1"/>
+          </a:fillRef>
+          <a:effectRef idx="2">
+            <a:schemeClr val="accent1"/>
+          </a:effectRef>
+          <a:fontRef idx="minor"/>
+        </p:style>
+        <p:txBody>
+          <a:bodyPr lIns="90000" rIns="90000" tIns="45000" bIns="45000" anchor="ctr">
+            <a:noAutofit/>
+          </a:bodyPr>
+          <a:p>
+            <a:endParaRPr b="0" lang="en-US" sz="1800" spc="-1" strike="noStrike">
+              <a:solidFill>
+                <a:schemeClr val="lt1"/>
+              </a:solidFill>
+              <a:latin typeface="Calibri"/>
+              <a:ea typeface="DejaVu Sans"/>
+            </a:endParaRPr>
+          </a:p>
+        </p:txBody>
+      </p:sp>
+      <p:sp>
+        <p:nvSpPr>
+          <p:cNvPr id="177" name="Rectangle 87"/>
+          <p:cNvSpPr/>
+          <p:nvPr/>
+        </p:nvSpPr>
+        <p:spPr>
+          <a:xfrm>
+            <a:off x="5037480" y="1800"/>
+            <a:ext cx="14760" cy="7553880"/>
+          </a:xfrm>
+          <a:prstGeom prst="rect">
+            <a:avLst/>
+          </a:prstGeom>
+          <a:solidFill>
+            <a:srgbClr val="121216"/>
+          </a:solidFill>
+          <a:ln>
+            <a:noFill/>
+          </a:ln>
+          <a:effectLst>
+            <a:outerShdw blurRad="39960" dir="5400000" dist="23040" rotWithShape="0">
+              <a:srgbClr val="000000">
+                <a:alpha val="35000"/>
+              </a:srgbClr>
+            </a:outerShdw>
+          </a:effectLst>
+        </p:spPr>
+        <p:style>
+          <a:lnRef idx="1">
+            <a:schemeClr val="accent1"/>
+          </a:lnRef>
+          <a:fillRef idx="3">
+            <a:schemeClr val="accent1"/>
+          </a:fillRef>
+          <a:effectRef idx="2">
+            <a:schemeClr val="accent1"/>
+          </a:effectRef>
+          <a:fontRef idx="minor"/>
+        </p:style>
+        <p:txBody>
+          <a:bodyPr lIns="90000" rIns="90000" tIns="45000" bIns="45000" anchor="ctr">
+            <a:noAutofit/>
+          </a:bodyPr>
+          <a:p>
+            <a:endParaRPr b="0" lang="en-US" sz="1800" spc="-1" strike="noStrike">
+              <a:solidFill>
+                <a:schemeClr val="lt1"/>
+              </a:solidFill>
+              <a:latin typeface="Calibri"/>
+              <a:ea typeface="DejaVu Sans"/>
+            </a:endParaRPr>
+          </a:p>
+        </p:txBody>
+      </p:sp>
+      <p:sp>
+        <p:nvSpPr>
+          <p:cNvPr id="178" name="Rectangle 88"/>
+          <p:cNvSpPr/>
+          <p:nvPr/>
+        </p:nvSpPr>
+        <p:spPr>
+          <a:xfrm>
+            <a:off x="6045480" y="1800"/>
+            <a:ext cx="14760" cy="7553880"/>
+          </a:xfrm>
+          <a:prstGeom prst="rect">
+            <a:avLst/>
+          </a:prstGeom>
+          <a:solidFill>
+            <a:srgbClr val="121216"/>
+          </a:solidFill>
+          <a:ln>
+            <a:noFill/>
+          </a:ln>
+          <a:effectLst>
+            <a:outerShdw blurRad="39960" dir="5400000" dist="23040" rotWithShape="0">
+              <a:srgbClr val="000000">
+                <a:alpha val="35000"/>
+              </a:srgbClr>
+            </a:outerShdw>
+          </a:effectLst>
+        </p:spPr>
+        <p:style>
+          <a:lnRef idx="1">
+            <a:schemeClr val="accent1"/>
+          </a:lnRef>
+          <a:fillRef idx="3">
+            <a:schemeClr val="accent1"/>
+          </a:fillRef>
+          <a:effectRef idx="2">
+            <a:schemeClr val="accent1"/>
+          </a:effectRef>
+          <a:fontRef idx="minor"/>
+        </p:style>
+        <p:txBody>
+          <a:bodyPr lIns="90000" rIns="90000" tIns="45000" bIns="45000" anchor="ctr">
+            <a:noAutofit/>
+          </a:bodyPr>
+          <a:p>
+            <a:endParaRPr b="0" lang="en-US" sz="1800" spc="-1" strike="noStrike">
+              <a:solidFill>
+                <a:schemeClr val="lt1"/>
+              </a:solidFill>
+              <a:latin typeface="Calibri"/>
+              <a:ea typeface="DejaVu Sans"/>
+            </a:endParaRPr>
+          </a:p>
+        </p:txBody>
+      </p:sp>
+      <p:sp>
+        <p:nvSpPr>
+          <p:cNvPr id="179" name="Rectangle 89"/>
+          <p:cNvSpPr/>
+          <p:nvPr/>
+        </p:nvSpPr>
+        <p:spPr>
+          <a:xfrm>
+            <a:off x="7053480" y="1800"/>
+            <a:ext cx="14760" cy="7553880"/>
+          </a:xfrm>
+          <a:prstGeom prst="rect">
+            <a:avLst/>
+          </a:prstGeom>
+          <a:solidFill>
+            <a:srgbClr val="121216"/>
+          </a:solidFill>
+          <a:ln>
+            <a:noFill/>
+          </a:ln>
+          <a:effectLst>
+            <a:outerShdw blurRad="39960" dir="5400000" dist="23040" rotWithShape="0">
+              <a:srgbClr val="000000">
+                <a:alpha val="35000"/>
+              </a:srgbClr>
+            </a:outerShdw>
+          </a:effectLst>
+        </p:spPr>
+        <p:style>
+          <a:lnRef idx="1">
+            <a:schemeClr val="accent1"/>
+          </a:lnRef>
+          <a:fillRef idx="3">
+            <a:schemeClr val="accent1"/>
+          </a:fillRef>
+          <a:effectRef idx="2">
+            <a:schemeClr val="accent1"/>
+          </a:effectRef>
+          <a:fontRef idx="minor"/>
+        </p:style>
+        <p:txBody>
+          <a:bodyPr lIns="90000" rIns="90000" tIns="45000" bIns="45000" anchor="ctr">
+            <a:noAutofit/>
+          </a:bodyPr>
+          <a:p>
+            <a:endParaRPr b="0" lang="en-US" sz="1800" spc="-1" strike="noStrike">
+              <a:solidFill>
+                <a:schemeClr val="lt1"/>
+              </a:solidFill>
+              <a:latin typeface="Calibri"/>
+              <a:ea typeface="DejaVu Sans"/>
+            </a:endParaRPr>
+          </a:p>
+        </p:txBody>
+      </p:sp>
+      <p:sp>
+        <p:nvSpPr>
+          <p:cNvPr id="180" name="Rectangle 90"/>
+          <p:cNvSpPr/>
+          <p:nvPr/>
+        </p:nvSpPr>
+        <p:spPr>
+          <a:xfrm>
+            <a:off x="8061480" y="1800"/>
+            <a:ext cx="14760" cy="7553880"/>
+          </a:xfrm>
+          <a:prstGeom prst="rect">
+            <a:avLst/>
+          </a:prstGeom>
+          <a:solidFill>
+            <a:srgbClr val="121216"/>
+          </a:solidFill>
+          <a:ln>
+            <a:noFill/>
+          </a:ln>
+          <a:effectLst>
+            <a:outerShdw blurRad="39960" dir="5400000" dist="23040" rotWithShape="0">
+              <a:srgbClr val="000000">
+                <a:alpha val="35000"/>
+              </a:srgbClr>
+            </a:outerShdw>
+          </a:effectLst>
+        </p:spPr>
+        <p:style>
+          <a:lnRef idx="1">
+            <a:schemeClr val="accent1"/>
+          </a:lnRef>
+          <a:fillRef idx="3">
+            <a:schemeClr val="accent1"/>
+          </a:fillRef>
+          <a:effectRef idx="2">
+            <a:schemeClr val="accent1"/>
+          </a:effectRef>
+          <a:fontRef idx="minor"/>
+        </p:style>
+        <p:txBody>
+          <a:bodyPr lIns="90000" rIns="90000" tIns="45000" bIns="45000" anchor="ctr">
+            <a:noAutofit/>
+          </a:bodyPr>
+          <a:p>
+            <a:endParaRPr b="0" lang="en-US" sz="1800" spc="-1" strike="noStrike">
+              <a:solidFill>
+                <a:schemeClr val="lt1"/>
+              </a:solidFill>
+              <a:latin typeface="Calibri"/>
+              <a:ea typeface="DejaVu Sans"/>
+            </a:endParaRPr>
+          </a:p>
+        </p:txBody>
+      </p:sp>
+      <p:sp>
+        <p:nvSpPr>
+          <p:cNvPr id="181" name="Rectangle 91"/>
+          <p:cNvSpPr/>
+          <p:nvPr/>
+        </p:nvSpPr>
+        <p:spPr>
+          <a:xfrm>
+            <a:off x="9069480" y="1800"/>
+            <a:ext cx="14760" cy="7553880"/>
+          </a:xfrm>
+          <a:prstGeom prst="rect">
+            <a:avLst/>
+          </a:prstGeom>
+          <a:solidFill>
+            <a:srgbClr val="121216"/>
+          </a:solidFill>
+          <a:ln>
+            <a:noFill/>
+          </a:ln>
+          <a:effectLst>
+            <a:outerShdw blurRad="39960" dir="5400000" dist="23040" rotWithShape="0">
+              <a:srgbClr val="000000">
+                <a:alpha val="35000"/>
+              </a:srgbClr>
+            </a:outerShdw>
+          </a:effectLst>
+        </p:spPr>
+        <p:style>
+          <a:lnRef idx="1">
+            <a:schemeClr val="accent1"/>
+          </a:lnRef>
+          <a:fillRef idx="3">
+            <a:schemeClr val="accent1"/>
+          </a:fillRef>
+          <a:effectRef idx="2">
+            <a:schemeClr val="accent1"/>
+          </a:effectRef>
+          <a:fontRef idx="minor"/>
+        </p:style>
+        <p:txBody>
+          <a:bodyPr lIns="90000" rIns="90000" tIns="45000" bIns="45000" anchor="ctr">
+            <a:noAutofit/>
+          </a:bodyPr>
+          <a:p>
+            <a:endParaRPr b="0" lang="en-US" sz="1800" spc="-1" strike="noStrike">
+              <a:solidFill>
+                <a:schemeClr val="lt1"/>
+              </a:solidFill>
+              <a:latin typeface="Calibri"/>
+              <a:ea typeface="DejaVu Sans"/>
+            </a:endParaRPr>
+          </a:p>
+        </p:txBody>
+      </p:sp>
+      <p:sp>
+        <p:nvSpPr>
+          <p:cNvPr id="182" name="Rectangle 92"/>
+          <p:cNvSpPr/>
+          <p:nvPr/>
+        </p:nvSpPr>
+        <p:spPr>
+          <a:xfrm>
+            <a:off x="10077480" y="1800"/>
+            <a:ext cx="14760" cy="7553880"/>
+          </a:xfrm>
+          <a:prstGeom prst="rect">
+            <a:avLst/>
+          </a:prstGeom>
+          <a:solidFill>
+            <a:srgbClr val="121216"/>
+          </a:solidFill>
+          <a:ln>
+            <a:noFill/>
+          </a:ln>
+          <a:effectLst>
+            <a:outerShdw blurRad="39960" dir="5400000" dist="23040" rotWithShape="0">
+              <a:srgbClr val="000000">
+                <a:alpha val="35000"/>
+              </a:srgbClr>
+            </a:outerShdw>
+          </a:effectLst>
+        </p:spPr>
+        <p:style>
+          <a:lnRef idx="1">
+            <a:schemeClr val="accent1"/>
+          </a:lnRef>
+          <a:fillRef idx="3">
+            <a:schemeClr val="accent1"/>
+          </a:fillRef>
+          <a:effectRef idx="2">
+            <a:schemeClr val="accent1"/>
+          </a:effectRef>
+          <a:fontRef idx="minor"/>
+        </p:style>
+        <p:txBody>
+          <a:bodyPr lIns="90000" rIns="90000" tIns="45000" bIns="45000" anchor="ctr">
+            <a:noAutofit/>
+          </a:bodyPr>
+          <a:p>
+            <a:endParaRPr b="0" lang="en-US" sz="1800" spc="-1" strike="noStrike">
+              <a:solidFill>
+                <a:schemeClr val="lt1"/>
+              </a:solidFill>
+              <a:latin typeface="Calibri"/>
+              <a:ea typeface="DejaVu Sans"/>
+            </a:endParaRPr>
+          </a:p>
+        </p:txBody>
+      </p:sp>
+      <p:sp>
+        <p:nvSpPr>
+          <p:cNvPr id="183" name="Rectangle 93"/>
+          <p:cNvSpPr/>
+          <p:nvPr/>
+        </p:nvSpPr>
+        <p:spPr>
+          <a:xfrm>
+            <a:off x="11085480" y="1800"/>
+            <a:ext cx="14760" cy="7553880"/>
+          </a:xfrm>
+          <a:prstGeom prst="rect">
+            <a:avLst/>
+          </a:prstGeom>
+          <a:solidFill>
+            <a:srgbClr val="121216"/>
+          </a:solidFill>
+          <a:ln>
+            <a:noFill/>
+          </a:ln>
+          <a:effectLst>
+            <a:outerShdw blurRad="39960" dir="5400000" dist="23040" rotWithShape="0">
+              <a:srgbClr val="000000">
+                <a:alpha val="35000"/>
+              </a:srgbClr>
+            </a:outerShdw>
+          </a:effectLst>
+        </p:spPr>
+        <p:style>
+          <a:lnRef idx="1">
+            <a:schemeClr val="accent1"/>
+          </a:lnRef>
+          <a:fillRef idx="3">
+            <a:schemeClr val="accent1"/>
+          </a:fillRef>
+          <a:effectRef idx="2">
+            <a:schemeClr val="accent1"/>
+          </a:effectRef>
+          <a:fontRef idx="minor"/>
+        </p:style>
+        <p:txBody>
+          <a:bodyPr lIns="90000" rIns="90000" tIns="45000" bIns="45000" anchor="ctr">
+            <a:noAutofit/>
+          </a:bodyPr>
+          <a:p>
+            <a:endParaRPr b="0" lang="en-US" sz="1800" spc="-1" strike="noStrike">
+              <a:solidFill>
+                <a:schemeClr val="lt1"/>
+              </a:solidFill>
+              <a:latin typeface="Calibri"/>
+              <a:ea typeface="DejaVu Sans"/>
+            </a:endParaRPr>
+          </a:p>
+        </p:txBody>
+      </p:sp>
+      <p:sp>
+        <p:nvSpPr>
+          <p:cNvPr id="184" name="Rectangle 94"/>
+          <p:cNvSpPr/>
+          <p:nvPr/>
+        </p:nvSpPr>
+        <p:spPr>
+          <a:xfrm>
+            <a:off x="12093480" y="1800"/>
+            <a:ext cx="14760" cy="7553880"/>
+          </a:xfrm>
+          <a:prstGeom prst="rect">
+            <a:avLst/>
+          </a:prstGeom>
+          <a:solidFill>
+            <a:srgbClr val="121216"/>
+          </a:solidFill>
+          <a:ln>
+            <a:noFill/>
+          </a:ln>
+          <a:effectLst>
+            <a:outerShdw blurRad="39960" dir="5400000" dist="23040" rotWithShape="0">
+              <a:srgbClr val="000000">
+                <a:alpha val="35000"/>
+              </a:srgbClr>
+            </a:outerShdw>
+          </a:effectLst>
+        </p:spPr>
+        <p:style>
+          <a:lnRef idx="1">
+            <a:schemeClr val="accent1"/>
+          </a:lnRef>
+          <a:fillRef idx="3">
+            <a:schemeClr val="accent1"/>
+          </a:fillRef>
+          <a:effectRef idx="2">
+            <a:schemeClr val="accent1"/>
+          </a:effectRef>
+          <a:fontRef idx="minor"/>
+        </p:style>
+        <p:txBody>
+          <a:bodyPr lIns="90000" rIns="90000" tIns="45000" bIns="45000" anchor="ctr">
+            <a:noAutofit/>
+          </a:bodyPr>
+          <a:p>
+            <a:endParaRPr b="0" lang="en-US" sz="1800" spc="-1" strike="noStrike">
+              <a:solidFill>
+                <a:schemeClr val="lt1"/>
+              </a:solidFill>
+              <a:latin typeface="Calibri"/>
+              <a:ea typeface="DejaVu Sans"/>
+            </a:endParaRPr>
+          </a:p>
+        </p:txBody>
+      </p:sp>
+      <p:sp>
+        <p:nvSpPr>
+          <p:cNvPr id="185" name="Rectangle 95"/>
+          <p:cNvSpPr/>
+          <p:nvPr/>
+        </p:nvSpPr>
+        <p:spPr>
+          <a:xfrm>
+            <a:off x="13101480" y="1800"/>
+            <a:ext cx="14760" cy="7553880"/>
+          </a:xfrm>
+          <a:prstGeom prst="rect">
+            <a:avLst/>
+          </a:prstGeom>
+          <a:solidFill>
+            <a:srgbClr val="121216"/>
+          </a:solidFill>
+          <a:ln>
+            <a:noFill/>
+          </a:ln>
+          <a:effectLst>
+            <a:outerShdw blurRad="39960" dir="5400000" dist="23040" rotWithShape="0">
+              <a:srgbClr val="000000">
+                <a:alpha val="35000"/>
+              </a:srgbClr>
+            </a:outerShdw>
+          </a:effectLst>
+        </p:spPr>
+        <p:style>
+          <a:lnRef idx="1">
+            <a:schemeClr val="accent1"/>
+          </a:lnRef>
+          <a:fillRef idx="3">
+            <a:schemeClr val="accent1"/>
+          </a:fillRef>
+          <a:effectRef idx="2">
+            <a:schemeClr val="accent1"/>
+          </a:effectRef>
+          <a:fontRef idx="minor"/>
+        </p:style>
+        <p:txBody>
+          <a:bodyPr lIns="90000" rIns="90000" tIns="45000" bIns="45000" anchor="ctr">
+            <a:noAutofit/>
+          </a:bodyPr>
+          <a:p>
+            <a:endParaRPr b="0" lang="en-US" sz="1800" spc="-1" strike="noStrike">
+              <a:solidFill>
+                <a:schemeClr val="lt1"/>
+              </a:solidFill>
+              <a:latin typeface="Calibri"/>
+              <a:ea typeface="DejaVu Sans"/>
+            </a:endParaRPr>
+          </a:p>
+        </p:txBody>
+      </p:sp>
+      <p:sp>
+        <p:nvSpPr>
+          <p:cNvPr id="186" name="Rectangle 96"/>
+          <p:cNvSpPr/>
+          <p:nvPr/>
+        </p:nvSpPr>
+        <p:spPr>
+          <a:xfrm>
+            <a:off x="1440" y="1800"/>
+            <a:ext cx="346680" cy="7553880"/>
+          </a:xfrm>
+          <a:prstGeom prst="rect">
+            <a:avLst/>
+          </a:prstGeom>
+          <a:solidFill>
+            <a:srgbClr val="ff8c00"/>
+          </a:solidFill>
+          <a:ln>
+            <a:noFill/>
+          </a:ln>
+          <a:effectLst>
+            <a:outerShdw blurRad="39960" dir="5400000" dist="23040" rotWithShape="0">
+              <a:srgbClr val="000000">
+                <a:alpha val="35000"/>
+              </a:srgbClr>
+            </a:outerShdw>
+          </a:effectLst>
+        </p:spPr>
+        <p:style>
+          <a:lnRef idx="1">
+            <a:schemeClr val="accent1"/>
+          </a:lnRef>
+          <a:fillRef idx="3">
+            <a:schemeClr val="accent1"/>
+          </a:fillRef>
+          <a:effectRef idx="2">
+            <a:schemeClr val="accent1"/>
+          </a:effectRef>
+          <a:fontRef idx="minor"/>
+        </p:style>
+        <p:txBody>
+          <a:bodyPr lIns="90000" rIns="90000" tIns="45000" bIns="45000" anchor="ctr">
+            <a:noAutofit/>
+          </a:bodyPr>
+          <a:p>
+            <a:endParaRPr b="0" lang="en-US" sz="1800" spc="-1" strike="noStrike">
+              <a:solidFill>
+                <a:schemeClr val="lt1"/>
+              </a:solidFill>
+              <a:latin typeface="Calibri"/>
+              <a:ea typeface="DejaVu Sans"/>
+            </a:endParaRPr>
+          </a:p>
+        </p:txBody>
+      </p:sp>
+      <p:sp>
+        <p:nvSpPr>
+          <p:cNvPr id="187" name="Rounded Rectangle 1"/>
+          <p:cNvSpPr/>
+          <p:nvPr/>
+        </p:nvSpPr>
+        <p:spPr>
+          <a:xfrm>
+            <a:off x="10884960" y="401400"/>
+            <a:ext cx="2211120" cy="547200"/>
+          </a:xfrm>
+          <a:prstGeom prst="roundRect">
+            <a:avLst>
+              <a:gd name="adj" fmla="val 16667"/>
+            </a:avLst>
+          </a:prstGeom>
+          <a:solidFill>
+            <a:srgbClr val="1e1e24"/>
+          </a:solidFill>
+          <a:ln>
+            <a:solidFill>
+              <a:srgbClr val="ff8c00"/>
+            </a:solidFill>
+            <a:round/>
+          </a:ln>
+          <a:effectLst>
+            <a:outerShdw blurRad="39960" dir="5400000" dist="23040" rotWithShape="0">
+              <a:srgbClr val="000000">
+                <a:alpha val="35000"/>
+              </a:srgbClr>
+            </a:outerShdw>
+          </a:effectLst>
+        </p:spPr>
+        <p:style>
+          <a:lnRef idx="1">
+            <a:schemeClr val="accent1"/>
+          </a:lnRef>
+          <a:fillRef idx="3">
+            <a:schemeClr val="accent1"/>
+          </a:fillRef>
+          <a:effectRef idx="2">
+            <a:schemeClr val="accent1"/>
+          </a:effectRef>
+          <a:fontRef idx="minor"/>
+        </p:style>
+        <p:txBody>
+          <a:bodyPr lIns="90000" rIns="90000" tIns="45000" bIns="45000" anchor="ctr">
+            <a:noAutofit/>
+          </a:bodyPr>
+          <a:p>
+            <a:pPr algn="ctr">
+              <a:lnSpc>
+                <a:spcPct val="100000"/>
+              </a:lnSpc>
+            </a:pPr>
+            <a:r>
+              <a:rPr b="1" lang="en-US" sz="1400" spc="-1" strike="noStrike">
+                <a:solidFill>
+                  <a:srgbClr val="ffb45a"/>
+                </a:solidFill>
+                <a:latin typeface="Calibri"/>
+                <a:ea typeface="DejaVu Sans"/>
+              </a:rPr>
+              <a:t>JAVA TEMELLERİ</a:t>
+            </a:r>
+            <a:endParaRPr b="0" lang="en-US" sz="1400" spc="-1" strike="noStrike">
+              <a:solidFill>
+                <a:srgbClr val="ffffff"/>
+              </a:solidFill>
+              <a:latin typeface="Arial"/>
+            </a:endParaRPr>
+          </a:p>
+        </p:txBody>
+      </p:sp>
+      <p:sp>
+        <p:nvSpPr>
+          <p:cNvPr id="188" name="TextBox 16"/>
+          <p:cNvSpPr/>
+          <p:nvPr/>
+        </p:nvSpPr>
+        <p:spPr>
+          <a:xfrm>
+            <a:off x="2594880" y="1107000"/>
+            <a:ext cx="6911280" cy="820800"/>
+          </a:xfrm>
+          <a:prstGeom prst="rect">
+            <a:avLst/>
+          </a:prstGeom>
+          <a:noFill/>
+          <a:ln w="0">
+            <a:noFill/>
+          </a:ln>
+        </p:spPr>
+        <p:style>
+          <a:lnRef idx="0"/>
+          <a:fillRef idx="0"/>
+          <a:effectRef idx="0"/>
+          <a:fontRef idx="minor"/>
+        </p:style>
+        <p:txBody>
+          <a:bodyPr wrap="none" lIns="90000" rIns="90000" tIns="45000" bIns="45000" anchor="t">
+            <a:spAutoFit/>
+          </a:bodyPr>
+          <a:p>
+            <a:pPr>
+              <a:lnSpc>
+                <a:spcPct val="100000"/>
+              </a:lnSpc>
+            </a:pPr>
+            <a:r>
+              <a:rPr b="1" lang="en-US" sz="4800" spc="-1" strike="noStrike">
+                <a:solidFill>
+                  <a:srgbClr val="f5f5f5"/>
+                </a:solidFill>
+                <a:latin typeface="Calibri"/>
+                <a:ea typeface="DejaVu Sans"/>
+              </a:rPr>
+              <a:t>     </a:t>
+            </a:r>
+            <a:r>
+              <a:rPr b="1" lang="en-US" sz="4800" spc="-1" strike="noStrike">
+                <a:solidFill>
+                  <a:srgbClr val="f5f5f5"/>
+                </a:solidFill>
+                <a:latin typeface="Calibri"/>
+                <a:ea typeface="DejaVu Sans"/>
+              </a:rPr>
+              <a:t>Java Tarihi – Oak Projesi</a:t>
+            </a:r>
+            <a:endParaRPr b="0" lang="en-US" sz="4800" spc="-1" strike="noStrike">
+              <a:solidFill>
+                <a:srgbClr val="000000"/>
+              </a:solidFill>
+              <a:latin typeface="Arial"/>
+            </a:endParaRPr>
+          </a:p>
+        </p:txBody>
+      </p:sp>
+      <p:sp>
+        <p:nvSpPr>
+          <p:cNvPr id="189" name="TextBox 17"/>
+          <p:cNvSpPr/>
+          <p:nvPr/>
+        </p:nvSpPr>
+        <p:spPr>
+          <a:xfrm>
+            <a:off x="4431240" y="2266200"/>
+            <a:ext cx="3876840" cy="363960"/>
+          </a:xfrm>
+          <a:prstGeom prst="rect">
+            <a:avLst/>
+          </a:prstGeom>
+          <a:noFill/>
+          <a:ln w="0">
+            <a:noFill/>
+          </a:ln>
+        </p:spPr>
+        <p:style>
+          <a:lnRef idx="0"/>
+          <a:fillRef idx="0"/>
+          <a:effectRef idx="0"/>
+          <a:fontRef idx="minor"/>
+        </p:style>
+        <p:txBody>
+          <a:bodyPr wrap="none" lIns="90000" rIns="90000" tIns="45000" bIns="45000" anchor="t">
+            <a:spAutoFit/>
+          </a:bodyPr>
+          <a:p>
+            <a:pPr>
+              <a:lnSpc>
+                <a:spcPct val="100000"/>
+              </a:lnSpc>
+            </a:pPr>
+            <a:r>
+              <a:rPr b="0" lang="en-US" sz="1800" spc="-1" strike="noStrike">
+                <a:solidFill>
+                  <a:srgbClr val="aaaaaa"/>
+                </a:solidFill>
+                <a:latin typeface="Calibri"/>
+                <a:ea typeface="DejaVu Sans"/>
+              </a:rPr>
+              <a:t>Daha sonra Java’ya dönüşecek olan fikir.</a:t>
+            </a:r>
+            <a:endParaRPr b="0" lang="en-US" sz="1800" spc="-1" strike="noStrike">
+              <a:solidFill>
+                <a:srgbClr val="000000"/>
+              </a:solidFill>
+              <a:latin typeface="Arial"/>
+            </a:endParaRPr>
+          </a:p>
+        </p:txBody>
+      </p:sp>
+      <p:sp>
+        <p:nvSpPr>
+          <p:cNvPr id="190" name="Rounded Rectangle 43"/>
+          <p:cNvSpPr/>
+          <p:nvPr/>
+        </p:nvSpPr>
+        <p:spPr>
+          <a:xfrm>
+            <a:off x="1086840" y="3506040"/>
+            <a:ext cx="3622680" cy="3017880"/>
+          </a:xfrm>
+          <a:prstGeom prst="roundRect">
+            <a:avLst>
+              <a:gd name="adj" fmla="val 16667"/>
+            </a:avLst>
+          </a:prstGeom>
+          <a:solidFill>
+            <a:srgbClr val="08080a"/>
+          </a:solidFill>
+          <a:ln>
+            <a:noFill/>
+          </a:ln>
+          <a:effectLst>
+            <a:outerShdw blurRad="39960" dir="5400000" dist="23040" rotWithShape="0">
+              <a:srgbClr val="000000">
+                <a:alpha val="35000"/>
+              </a:srgbClr>
+            </a:outerShdw>
+          </a:effectLst>
+        </p:spPr>
+        <p:style>
+          <a:lnRef idx="1">
+            <a:schemeClr val="accent1"/>
+          </a:lnRef>
+          <a:fillRef idx="3">
+            <a:schemeClr val="accent1"/>
+          </a:fillRef>
+          <a:effectRef idx="2">
+            <a:schemeClr val="accent1"/>
+          </a:effectRef>
+          <a:fontRef idx="minor"/>
+        </p:style>
+        <p:txBody>
+          <a:bodyPr lIns="90000" rIns="90000" tIns="45000" bIns="45000" anchor="ctr">
+            <a:noAutofit/>
+          </a:bodyPr>
+          <a:p>
+            <a:endParaRPr b="0" lang="en-US" sz="1800" spc="-1" strike="noStrike">
+              <a:solidFill>
+                <a:schemeClr val="lt1"/>
+              </a:solidFill>
+              <a:latin typeface="Calibri"/>
+              <a:ea typeface="DejaVu Sans"/>
+            </a:endParaRPr>
+          </a:p>
+        </p:txBody>
+      </p:sp>
+      <p:sp>
+        <p:nvSpPr>
+          <p:cNvPr id="191" name="Rounded Rectangle 44"/>
+          <p:cNvSpPr/>
+          <p:nvPr/>
+        </p:nvSpPr>
+        <p:spPr>
+          <a:xfrm>
+            <a:off x="1006560" y="3424320"/>
+            <a:ext cx="3623040" cy="3018240"/>
+          </a:xfrm>
+          <a:prstGeom prst="roundRect">
+            <a:avLst>
+              <a:gd name="adj" fmla="val 16667"/>
+            </a:avLst>
+          </a:prstGeom>
+          <a:solidFill>
+            <a:srgbClr val="16161c"/>
+          </a:solidFill>
+          <a:ln>
+            <a:solidFill>
+              <a:srgbClr val="464655"/>
+            </a:solidFill>
+            <a:round/>
+          </a:ln>
+          <a:effectLst>
+            <a:outerShdw blurRad="39960" dir="5400000" dist="23040" rotWithShape="0">
+              <a:srgbClr val="000000">
+                <a:alpha val="35000"/>
+              </a:srgbClr>
+            </a:outerShdw>
+          </a:effectLst>
+        </p:spPr>
+        <p:style>
+          <a:lnRef idx="1">
+            <a:schemeClr val="accent1"/>
+          </a:lnRef>
+          <a:fillRef idx="3">
+            <a:schemeClr val="accent1"/>
+          </a:fillRef>
+          <a:effectRef idx="2">
+            <a:schemeClr val="accent1"/>
+          </a:effectRef>
+          <a:fontRef idx="minor"/>
+        </p:style>
+        <p:txBody>
+          <a:bodyPr lIns="90000" rIns="90000" tIns="45000" bIns="45000" anchor="ctr">
+            <a:noAutofit/>
+          </a:bodyPr>
+          <a:p>
+            <a:pPr>
+              <a:lnSpc>
+                <a:spcPct val="100000"/>
+              </a:lnSpc>
+            </a:pPr>
+            <a:r>
+              <a:rPr b="1" lang="en-US" sz="1600" spc="-1" strike="noStrike">
+                <a:solidFill>
+                  <a:schemeClr val="lt1"/>
+                </a:solidFill>
+                <a:latin typeface="Calibri"/>
+                <a:ea typeface="DejaVu Sans"/>
+              </a:rPr>
+              <a:t>Oak Projesi (1991)</a:t>
+            </a:r>
+            <a:endParaRPr b="0" lang="en-US" sz="1600" spc="-1" strike="noStrike">
+              <a:solidFill>
+                <a:srgbClr val="ffffff"/>
+              </a:solidFill>
+              <a:latin typeface="Arial"/>
+            </a:endParaRPr>
+          </a:p>
+          <a:p>
+            <a:pPr>
+              <a:lnSpc>
+                <a:spcPct val="100000"/>
+              </a:lnSpc>
+            </a:pPr>
+            <a:r>
+              <a:rPr b="1" lang="en-US" sz="1600" spc="-1" strike="noStrike">
+                <a:solidFill>
+                  <a:schemeClr val="lt1"/>
+                </a:solidFill>
+                <a:latin typeface="Calibri"/>
+                <a:ea typeface="DejaVu Sans"/>
+              </a:rPr>
+              <a:t>Sun Microsystems’in dahili projesi</a:t>
+            </a:r>
+            <a:endParaRPr b="0" lang="en-US" sz="1600" spc="-1" strike="noStrike">
+              <a:solidFill>
+                <a:srgbClr val="ffffff"/>
+              </a:solidFill>
+              <a:latin typeface="Arial"/>
+            </a:endParaRPr>
+          </a:p>
+          <a:p>
+            <a:pPr marL="216000" indent="-216000">
+              <a:lnSpc>
+                <a:spcPct val="100000"/>
+              </a:lnSpc>
+              <a:buClr>
+                <a:srgbClr val="ffffff"/>
+              </a:buClr>
+              <a:buFont typeface="Wingdings" charset="2"/>
+              <a:buChar char=""/>
+            </a:pPr>
+            <a:r>
+              <a:rPr b="0" lang="en-US" sz="1600" spc="-1" strike="noStrike">
+                <a:solidFill>
+                  <a:schemeClr val="lt1"/>
+                </a:solidFill>
+                <a:latin typeface="Calibri"/>
+                <a:ea typeface="DejaVu Sans"/>
+              </a:rPr>
+              <a:t>James Gosling liderliğinde</a:t>
+            </a:r>
+            <a:endParaRPr b="0" lang="en-US" sz="1600" spc="-1" strike="noStrike">
+              <a:solidFill>
+                <a:srgbClr val="ffffff"/>
+              </a:solidFill>
+              <a:latin typeface="Arial"/>
+            </a:endParaRPr>
+          </a:p>
+          <a:p>
+            <a:pPr marL="216000" indent="-216000">
+              <a:lnSpc>
+                <a:spcPct val="100000"/>
+              </a:lnSpc>
+              <a:buClr>
+                <a:srgbClr val="ffffff"/>
+              </a:buClr>
+              <a:buFont typeface="Wingdings" charset="2"/>
+              <a:buChar char=""/>
+            </a:pPr>
+            <a:r>
+              <a:rPr b="0" lang="en-US" sz="1600" spc="-1" strike="noStrike">
+                <a:solidFill>
+                  <a:schemeClr val="lt1"/>
+                </a:solidFill>
+                <a:latin typeface="Calibri"/>
+                <a:ea typeface="DejaVu Sans"/>
+              </a:rPr>
+              <a:t>Küçük ve odaklanmış bir ekip</a:t>
+            </a:r>
+            <a:endParaRPr b="0" lang="en-US" sz="1600" spc="-1" strike="noStrike">
+              <a:solidFill>
+                <a:srgbClr val="ffffff"/>
+              </a:solidFill>
+              <a:latin typeface="Arial"/>
+            </a:endParaRPr>
+          </a:p>
+          <a:p>
+            <a:pPr marL="216000" indent="-216000">
+              <a:lnSpc>
+                <a:spcPct val="100000"/>
+              </a:lnSpc>
+              <a:buClr>
+                <a:srgbClr val="ffffff"/>
+              </a:buClr>
+              <a:buFont typeface="Wingdings" charset="2"/>
+              <a:buChar char=""/>
+            </a:pPr>
+            <a:r>
+              <a:rPr b="0" lang="en-US" sz="1600" spc="-1" strike="noStrike">
+                <a:solidFill>
+                  <a:schemeClr val="lt1"/>
+                </a:solidFill>
+                <a:latin typeface="Calibri"/>
+                <a:ea typeface="DejaVu Sans"/>
+              </a:rPr>
+              <a:t>İlk adı: Oak</a:t>
+            </a:r>
+            <a:endParaRPr b="0" lang="en-US" sz="1600" spc="-1" strike="noStrike">
+              <a:solidFill>
+                <a:srgbClr val="ffffff"/>
+              </a:solidFill>
+              <a:latin typeface="Arial"/>
+            </a:endParaRPr>
+          </a:p>
+          <a:p>
+            <a:pPr>
+              <a:lnSpc>
+                <a:spcPct val="100000"/>
+              </a:lnSpc>
+            </a:pPr>
+            <a:endParaRPr b="0" lang="en-US" sz="1600" spc="-1" strike="noStrike">
+              <a:solidFill>
+                <a:srgbClr val="ffffff"/>
+              </a:solidFill>
+              <a:latin typeface="Arial"/>
+            </a:endParaRPr>
+          </a:p>
+          <a:p>
+            <a:pPr>
+              <a:lnSpc>
+                <a:spcPct val="100000"/>
+              </a:lnSpc>
+            </a:pPr>
+            <a:r>
+              <a:rPr b="0" lang="en-US" sz="1600" spc="-1" strike="noStrike">
+                <a:solidFill>
+                  <a:schemeClr val="lt1"/>
+                </a:solidFill>
+                <a:latin typeface="Calibri"/>
+                <a:ea typeface="DejaVu Sans"/>
+              </a:rPr>
+              <a:t>Amaç:</a:t>
+            </a:r>
+            <a:endParaRPr b="0" lang="en-US" sz="1600" spc="-1" strike="noStrike">
+              <a:solidFill>
+                <a:srgbClr val="ffffff"/>
+              </a:solidFill>
+              <a:latin typeface="Arial"/>
+            </a:endParaRPr>
+          </a:p>
+          <a:p>
+            <a:pPr>
+              <a:lnSpc>
+                <a:spcPct val="100000"/>
+              </a:lnSpc>
+            </a:pPr>
+            <a:r>
+              <a:rPr b="0" lang="en-US" sz="1600" spc="-1" strike="noStrike">
+                <a:solidFill>
+                  <a:schemeClr val="lt1"/>
+                </a:solidFill>
+                <a:latin typeface="Calibri"/>
+                <a:ea typeface="DejaVu Sans"/>
+              </a:rPr>
+              <a:t>Akıllı cihazlar için yazılım geliştirmek</a:t>
+            </a:r>
+            <a:endParaRPr b="0" lang="en-US" sz="1600" spc="-1" strike="noStrike">
+              <a:solidFill>
+                <a:srgbClr val="ffffff"/>
+              </a:solidFill>
+              <a:latin typeface="Arial"/>
+            </a:endParaRPr>
+          </a:p>
+          <a:p>
+            <a:pPr marL="216000" indent="-216000">
+              <a:lnSpc>
+                <a:spcPct val="100000"/>
+              </a:lnSpc>
+              <a:buClr>
+                <a:srgbClr val="ffffff"/>
+              </a:buClr>
+              <a:buFont typeface="Wingdings" charset="2"/>
+              <a:buChar char=""/>
+            </a:pPr>
+            <a:r>
+              <a:rPr b="0" lang="en-US" sz="1600" spc="-1" strike="noStrike">
+                <a:solidFill>
+                  <a:schemeClr val="lt1"/>
+                </a:solidFill>
+                <a:latin typeface="Calibri"/>
+                <a:ea typeface="DejaVu Sans"/>
+              </a:rPr>
+              <a:t>Televizyonlar</a:t>
+            </a:r>
+            <a:endParaRPr b="0" lang="en-US" sz="1600" spc="-1" strike="noStrike">
+              <a:solidFill>
+                <a:srgbClr val="ffffff"/>
+              </a:solidFill>
+              <a:latin typeface="Arial"/>
+            </a:endParaRPr>
+          </a:p>
+          <a:p>
+            <a:pPr marL="216000" indent="-216000">
+              <a:lnSpc>
+                <a:spcPct val="100000"/>
+              </a:lnSpc>
+              <a:buClr>
+                <a:srgbClr val="ffffff"/>
+              </a:buClr>
+              <a:buFont typeface="Wingdings" charset="2"/>
+              <a:buChar char=""/>
+            </a:pPr>
+            <a:r>
+              <a:rPr b="0" lang="en-US" sz="1600" spc="-1" strike="noStrike">
+                <a:solidFill>
+                  <a:schemeClr val="lt1"/>
+                </a:solidFill>
+                <a:latin typeface="Calibri"/>
+                <a:ea typeface="DejaVu Sans"/>
+              </a:rPr>
+              <a:t>Set-top box’lar</a:t>
+            </a:r>
+            <a:endParaRPr b="0" lang="en-US" sz="1600" spc="-1" strike="noStrike">
+              <a:solidFill>
+                <a:srgbClr val="ffffff"/>
+              </a:solidFill>
+              <a:latin typeface="Arial"/>
+            </a:endParaRPr>
+          </a:p>
+          <a:p>
+            <a:pPr marL="216000" indent="-216000">
+              <a:lnSpc>
+                <a:spcPct val="100000"/>
+              </a:lnSpc>
+              <a:buClr>
+                <a:srgbClr val="ffffff"/>
+              </a:buClr>
+              <a:buFont typeface="Wingdings" charset="2"/>
+              <a:buChar char=""/>
+            </a:pPr>
+            <a:r>
+              <a:rPr b="0" lang="en-US" sz="1600" spc="-1" strike="noStrike">
+                <a:solidFill>
+                  <a:schemeClr val="lt1"/>
+                </a:solidFill>
+                <a:latin typeface="Calibri"/>
+                <a:ea typeface="DejaVu Sans"/>
+              </a:rPr>
+              <a:t>Gömülü sistemler</a:t>
+            </a:r>
+            <a:endParaRPr b="0" lang="en-US" sz="1600" spc="-1" strike="noStrike">
+              <a:solidFill>
+                <a:srgbClr val="ffffff"/>
+              </a:solidFill>
+              <a:latin typeface="Arial"/>
+            </a:endParaRPr>
+          </a:p>
+        </p:txBody>
+      </p:sp>
+      <p:sp>
+        <p:nvSpPr>
+          <p:cNvPr id="192" name="Rounded Rectangle 45"/>
+          <p:cNvSpPr/>
+          <p:nvPr/>
+        </p:nvSpPr>
+        <p:spPr>
+          <a:xfrm>
+            <a:off x="4968360" y="3506040"/>
+            <a:ext cx="3622680" cy="3017880"/>
+          </a:xfrm>
+          <a:prstGeom prst="roundRect">
+            <a:avLst>
+              <a:gd name="adj" fmla="val 16667"/>
+            </a:avLst>
+          </a:prstGeom>
+          <a:solidFill>
+            <a:srgbClr val="08080a"/>
+          </a:solidFill>
+          <a:ln>
+            <a:noFill/>
+          </a:ln>
+          <a:effectLst>
+            <a:outerShdw blurRad="39960" dir="5400000" dist="23040" rotWithShape="0">
+              <a:srgbClr val="000000">
+                <a:alpha val="35000"/>
+              </a:srgbClr>
+            </a:outerShdw>
+          </a:effectLst>
+        </p:spPr>
+        <p:style>
+          <a:lnRef idx="1">
+            <a:schemeClr val="accent1"/>
+          </a:lnRef>
+          <a:fillRef idx="3">
+            <a:schemeClr val="accent1"/>
+          </a:fillRef>
+          <a:effectRef idx="2">
+            <a:schemeClr val="accent1"/>
+          </a:effectRef>
+          <a:fontRef idx="minor"/>
+        </p:style>
+        <p:txBody>
+          <a:bodyPr lIns="90000" rIns="90000" tIns="45000" bIns="45000" anchor="ctr">
+            <a:noAutofit/>
+          </a:bodyPr>
+          <a:p>
+            <a:endParaRPr b="0" lang="en-US" sz="1800" spc="-1" strike="noStrike">
+              <a:solidFill>
+                <a:schemeClr val="lt1"/>
+              </a:solidFill>
+              <a:latin typeface="Calibri"/>
+              <a:ea typeface="DejaVu Sans"/>
+            </a:endParaRPr>
+          </a:p>
+        </p:txBody>
+      </p:sp>
+      <p:sp>
+        <p:nvSpPr>
+          <p:cNvPr id="193" name="Rounded Rectangle 46"/>
+          <p:cNvSpPr/>
+          <p:nvPr/>
+        </p:nvSpPr>
+        <p:spPr>
+          <a:xfrm>
+            <a:off x="8849160" y="3506040"/>
+            <a:ext cx="3622680" cy="3017880"/>
+          </a:xfrm>
+          <a:prstGeom prst="roundRect">
+            <a:avLst>
+              <a:gd name="adj" fmla="val 16667"/>
+            </a:avLst>
+          </a:prstGeom>
+          <a:solidFill>
+            <a:srgbClr val="08080a"/>
+          </a:solidFill>
+          <a:ln>
+            <a:noFill/>
+          </a:ln>
+          <a:effectLst>
+            <a:outerShdw blurRad="39960" dir="5400000" dist="23040" rotWithShape="0">
+              <a:srgbClr val="000000">
+                <a:alpha val="35000"/>
+              </a:srgbClr>
+            </a:outerShdw>
+          </a:effectLst>
+        </p:spPr>
+        <p:style>
+          <a:lnRef idx="1">
+            <a:schemeClr val="accent1"/>
+          </a:lnRef>
+          <a:fillRef idx="3">
+            <a:schemeClr val="accent1"/>
+          </a:fillRef>
+          <a:effectRef idx="2">
+            <a:schemeClr val="accent1"/>
+          </a:effectRef>
+          <a:fontRef idx="minor"/>
+        </p:style>
+        <p:txBody>
+          <a:bodyPr lIns="90000" rIns="90000" tIns="45000" bIns="45000" anchor="ctr">
+            <a:noAutofit/>
+          </a:bodyPr>
+          <a:p>
+            <a:endParaRPr b="0" lang="en-US" sz="1800" spc="-1" strike="noStrike">
+              <a:solidFill>
+                <a:schemeClr val="lt1"/>
+              </a:solidFill>
+              <a:latin typeface="Calibri"/>
+              <a:ea typeface="DejaVu Sans"/>
+            </a:endParaRPr>
+          </a:p>
+        </p:txBody>
+      </p:sp>
+      <p:sp>
+        <p:nvSpPr>
+          <p:cNvPr id="194" name="Rounded Rectangle 47"/>
+          <p:cNvSpPr/>
+          <p:nvPr/>
+        </p:nvSpPr>
+        <p:spPr>
+          <a:xfrm>
+            <a:off x="8767440" y="3425760"/>
+            <a:ext cx="3623040" cy="3018240"/>
+          </a:xfrm>
+          <a:prstGeom prst="roundRect">
+            <a:avLst>
+              <a:gd name="adj" fmla="val 16667"/>
+            </a:avLst>
+          </a:prstGeom>
+          <a:solidFill>
+            <a:srgbClr val="16161c"/>
+          </a:solidFill>
+          <a:ln>
+            <a:solidFill>
+              <a:srgbClr val="464655"/>
+            </a:solidFill>
+            <a:round/>
+          </a:ln>
+          <a:effectLst>
+            <a:outerShdw blurRad="39960" dir="5400000" dist="23040" rotWithShape="0">
+              <a:srgbClr val="000000">
+                <a:alpha val="35000"/>
+              </a:srgbClr>
+            </a:outerShdw>
+          </a:effectLst>
+        </p:spPr>
+        <p:style>
+          <a:lnRef idx="1">
+            <a:schemeClr val="accent1"/>
+          </a:lnRef>
+          <a:fillRef idx="3">
+            <a:schemeClr val="accent1"/>
+          </a:fillRef>
+          <a:effectRef idx="2">
+            <a:schemeClr val="accent1"/>
+          </a:effectRef>
+          <a:fontRef idx="minor"/>
+        </p:style>
+        <p:txBody>
+          <a:bodyPr lIns="90000" rIns="90000" tIns="45000" bIns="45000" anchor="ctr">
+            <a:noAutofit/>
+          </a:bodyPr>
+          <a:p>
+            <a:pPr algn="ctr">
+              <a:lnSpc>
+                <a:spcPct val="100000"/>
+              </a:lnSpc>
+            </a:pPr>
+            <a:endParaRPr b="0" lang="en-US" sz="1100" spc="-1" strike="noStrike">
+              <a:solidFill>
+                <a:srgbClr val="ffffff"/>
+              </a:solidFill>
+              <a:latin typeface="Arial"/>
+            </a:endParaRPr>
+          </a:p>
+          <a:p>
+            <a:pPr algn="ctr">
+              <a:lnSpc>
+                <a:spcPct val="100000"/>
+              </a:lnSpc>
+            </a:pPr>
+            <a:endParaRPr b="0" lang="en-US" sz="1100" spc="-1" strike="noStrike">
+              <a:solidFill>
+                <a:srgbClr val="ffffff"/>
+              </a:solidFill>
+              <a:latin typeface="Arial"/>
+            </a:endParaRPr>
+          </a:p>
+          <a:p>
+            <a:pPr algn="ctr">
+              <a:lnSpc>
+                <a:spcPct val="100000"/>
+              </a:lnSpc>
+            </a:pPr>
+            <a:endParaRPr b="0" lang="en-US" sz="1100" spc="-1" strike="noStrike">
+              <a:solidFill>
+                <a:srgbClr val="ffffff"/>
+              </a:solidFill>
+              <a:latin typeface="Arial"/>
+            </a:endParaRPr>
+          </a:p>
+          <a:p>
+            <a:pPr algn="ctr">
+              <a:lnSpc>
+                <a:spcPct val="100000"/>
+              </a:lnSpc>
+            </a:pPr>
+            <a:r>
+              <a:rPr b="0" lang="en-US" sz="1100" spc="-1" strike="noStrike">
+                <a:solidFill>
+                  <a:srgbClr val="78ffc8"/>
+                </a:solidFill>
+                <a:latin typeface="Consolas"/>
+                <a:ea typeface="DejaVu Sans"/>
+              </a:rPr>
+              <a:t>public class OakIdea {</a:t>
+            </a:r>
+            <a:endParaRPr b="0" lang="en-US" sz="1100" spc="-1" strike="noStrike">
+              <a:solidFill>
+                <a:srgbClr val="ffffff"/>
+              </a:solidFill>
+              <a:latin typeface="Arial"/>
+            </a:endParaRPr>
+          </a:p>
+          <a:p>
+            <a:pPr algn="ctr">
+              <a:lnSpc>
+                <a:spcPct val="100000"/>
+              </a:lnSpc>
+            </a:pPr>
+            <a:endParaRPr b="0" lang="en-US" sz="1100" spc="-1" strike="noStrike">
+              <a:solidFill>
+                <a:srgbClr val="ffffff"/>
+              </a:solidFill>
+              <a:latin typeface="Arial"/>
+            </a:endParaRPr>
+          </a:p>
+          <a:p>
+            <a:pPr algn="ctr">
+              <a:lnSpc>
+                <a:spcPct val="100000"/>
+              </a:lnSpc>
+            </a:pPr>
+            <a:r>
+              <a:rPr b="0" lang="en-US" sz="1100" spc="-1" strike="noStrike">
+                <a:solidFill>
+                  <a:srgbClr val="78ffc8"/>
+                </a:solidFill>
+                <a:latin typeface="Consolas"/>
+                <a:ea typeface="DejaVu Sans"/>
+              </a:rPr>
+              <a:t>    </a:t>
+            </a:r>
+            <a:r>
+              <a:rPr b="0" lang="en-US" sz="1100" spc="-1" strike="noStrike">
+                <a:solidFill>
+                  <a:srgbClr val="78ffc8"/>
+                </a:solidFill>
+                <a:latin typeface="Consolas"/>
+                <a:ea typeface="DejaVu Sans"/>
+              </a:rPr>
+              <a:t>public static void main(String[] args) {</a:t>
+            </a:r>
+            <a:endParaRPr b="0" lang="en-US" sz="1100" spc="-1" strike="noStrike">
+              <a:solidFill>
+                <a:srgbClr val="ffffff"/>
+              </a:solidFill>
+              <a:latin typeface="Arial"/>
+            </a:endParaRPr>
+          </a:p>
+          <a:p>
+            <a:pPr algn="ctr">
+              <a:lnSpc>
+                <a:spcPct val="100000"/>
+              </a:lnSpc>
+            </a:pPr>
+            <a:endParaRPr b="0" lang="en-US" sz="1100" spc="-1" strike="noStrike">
+              <a:solidFill>
+                <a:srgbClr val="ffffff"/>
+              </a:solidFill>
+              <a:latin typeface="Arial"/>
+            </a:endParaRPr>
+          </a:p>
+          <a:p>
+            <a:pPr algn="ctr">
+              <a:lnSpc>
+                <a:spcPct val="100000"/>
+              </a:lnSpc>
+            </a:pPr>
+            <a:r>
+              <a:rPr b="0" lang="en-US" sz="1100" spc="-1" strike="noStrike">
+                <a:solidFill>
+                  <a:srgbClr val="78ffc8"/>
+                </a:solidFill>
+                <a:latin typeface="Consolas"/>
+                <a:ea typeface="DejaVu Sans"/>
+              </a:rPr>
+              <a:t>        </a:t>
+            </a:r>
+            <a:r>
+              <a:rPr b="0" lang="en-US" sz="1100" spc="-1" strike="noStrike">
+                <a:solidFill>
+                  <a:srgbClr val="78ffc8"/>
+                </a:solidFill>
+                <a:latin typeface="Consolas"/>
+                <a:ea typeface="DejaVu Sans"/>
+              </a:rPr>
+              <a:t>boolean runEverywhere = true;</a:t>
+            </a:r>
+            <a:endParaRPr b="0" lang="en-US" sz="1100" spc="-1" strike="noStrike">
+              <a:solidFill>
+                <a:srgbClr val="ffffff"/>
+              </a:solidFill>
+              <a:latin typeface="Arial"/>
+            </a:endParaRPr>
+          </a:p>
+          <a:p>
+            <a:pPr algn="ctr">
+              <a:lnSpc>
+                <a:spcPct val="100000"/>
+              </a:lnSpc>
+            </a:pPr>
+            <a:endParaRPr b="0" lang="en-US" sz="1100" spc="-1" strike="noStrike">
+              <a:solidFill>
+                <a:srgbClr val="ffffff"/>
+              </a:solidFill>
+              <a:latin typeface="Arial"/>
+            </a:endParaRPr>
+          </a:p>
+          <a:p>
+            <a:pPr algn="ctr">
+              <a:lnSpc>
+                <a:spcPct val="100000"/>
+              </a:lnSpc>
+            </a:pPr>
+            <a:r>
+              <a:rPr b="0" lang="en-US" sz="1100" spc="-1" strike="noStrike">
+                <a:solidFill>
+                  <a:srgbClr val="78ffc8"/>
+                </a:solidFill>
+                <a:latin typeface="Consolas"/>
+                <a:ea typeface="DejaVu Sans"/>
+              </a:rPr>
+              <a:t>        </a:t>
+            </a:r>
+            <a:r>
+              <a:rPr b="0" lang="en-US" sz="1100" spc="-1" strike="noStrike">
+                <a:solidFill>
+                  <a:srgbClr val="78ffc8"/>
+                </a:solidFill>
+                <a:latin typeface="Consolas"/>
+                <a:ea typeface="DejaVu Sans"/>
+              </a:rPr>
+              <a:t>if (runEverywhere) {</a:t>
+            </a:r>
+            <a:endParaRPr b="0" lang="en-US" sz="1100" spc="-1" strike="noStrike">
+              <a:solidFill>
+                <a:srgbClr val="ffffff"/>
+              </a:solidFill>
+              <a:latin typeface="Arial"/>
+            </a:endParaRPr>
+          </a:p>
+          <a:p>
+            <a:pPr algn="ctr">
+              <a:lnSpc>
+                <a:spcPct val="100000"/>
+              </a:lnSpc>
+            </a:pPr>
+            <a:r>
+              <a:rPr b="0" lang="en-US" sz="1100" spc="-1" strike="noStrike">
+                <a:solidFill>
+                  <a:srgbClr val="78ffc8"/>
+                </a:solidFill>
+                <a:latin typeface="Consolas"/>
+                <a:ea typeface="DejaVu Sans"/>
+              </a:rPr>
+              <a:t>            </a:t>
+            </a:r>
+            <a:r>
+              <a:rPr b="0" lang="en-US" sz="1100" spc="-1" strike="noStrike">
+                <a:solidFill>
+                  <a:srgbClr val="78ffc8"/>
+                </a:solidFill>
+                <a:latin typeface="Consolas"/>
+                <a:ea typeface="DejaVu Sans"/>
+              </a:rPr>
+              <a:t>System.out.println("Bu fikir yazılımı değiştirecek");</a:t>
+            </a:r>
+            <a:endParaRPr b="0" lang="en-US" sz="1100" spc="-1" strike="noStrike">
+              <a:solidFill>
+                <a:srgbClr val="ffffff"/>
+              </a:solidFill>
+              <a:latin typeface="Arial"/>
+            </a:endParaRPr>
+          </a:p>
+          <a:p>
+            <a:pPr algn="ctr">
+              <a:lnSpc>
+                <a:spcPct val="100000"/>
+              </a:lnSpc>
+            </a:pPr>
+            <a:r>
+              <a:rPr b="0" lang="en-US" sz="1100" spc="-1" strike="noStrike">
+                <a:solidFill>
+                  <a:srgbClr val="78ffc8"/>
+                </a:solidFill>
+                <a:latin typeface="Consolas"/>
+                <a:ea typeface="DejaVu Sans"/>
+              </a:rPr>
+              <a:t>        </a:t>
+            </a:r>
+            <a:r>
+              <a:rPr b="0" lang="en-US" sz="1100" spc="-1" strike="noStrike">
+                <a:solidFill>
+                  <a:srgbClr val="78ffc8"/>
+                </a:solidFill>
+                <a:latin typeface="Consolas"/>
+                <a:ea typeface="DejaVu Sans"/>
+              </a:rPr>
+              <a:t>}</a:t>
+            </a:r>
+            <a:endParaRPr b="0" lang="en-US" sz="1100" spc="-1" strike="noStrike">
+              <a:solidFill>
+                <a:srgbClr val="ffffff"/>
+              </a:solidFill>
+              <a:latin typeface="Arial"/>
+            </a:endParaRPr>
+          </a:p>
+          <a:p>
+            <a:pPr algn="ctr">
+              <a:lnSpc>
+                <a:spcPct val="100000"/>
+              </a:lnSpc>
+            </a:pPr>
+            <a:r>
+              <a:rPr b="0" lang="en-US" sz="1100" spc="-1" strike="noStrike">
+                <a:solidFill>
+                  <a:srgbClr val="78ffc8"/>
+                </a:solidFill>
+                <a:latin typeface="Consolas"/>
+                <a:ea typeface="DejaVu Sans"/>
+              </a:rPr>
+              <a:t>    </a:t>
+            </a:r>
+            <a:r>
+              <a:rPr b="0" lang="en-US" sz="1100" spc="-1" strike="noStrike">
+                <a:solidFill>
+                  <a:srgbClr val="78ffc8"/>
+                </a:solidFill>
+                <a:latin typeface="Consolas"/>
+                <a:ea typeface="DejaVu Sans"/>
+              </a:rPr>
+              <a:t>}</a:t>
+            </a:r>
+            <a:endParaRPr b="0" lang="en-US" sz="1100" spc="-1" strike="noStrike">
+              <a:solidFill>
+                <a:srgbClr val="ffffff"/>
+              </a:solidFill>
+              <a:latin typeface="Arial"/>
+            </a:endParaRPr>
+          </a:p>
+          <a:p>
+            <a:pPr algn="ctr">
+              <a:lnSpc>
+                <a:spcPct val="100000"/>
+              </a:lnSpc>
+            </a:pPr>
+            <a:r>
+              <a:rPr b="0" lang="en-US" sz="1100" spc="-1" strike="noStrike">
+                <a:solidFill>
+                  <a:srgbClr val="78ffc8"/>
+                </a:solidFill>
+                <a:latin typeface="Consolas"/>
+                <a:ea typeface="DejaVu Sans"/>
+              </a:rPr>
+              <a:t>}</a:t>
+            </a:r>
+            <a:endParaRPr b="0" lang="en-US" sz="1100" spc="-1" strike="noStrike">
+              <a:solidFill>
+                <a:srgbClr val="ffffff"/>
+              </a:solidFill>
+              <a:latin typeface="Arial"/>
+            </a:endParaRPr>
+          </a:p>
+          <a:p>
+            <a:pPr algn="ctr">
+              <a:lnSpc>
+                <a:spcPct val="100000"/>
+              </a:lnSpc>
+            </a:pPr>
+            <a:endParaRPr b="0" lang="en-US" sz="1100" spc="-1" strike="noStrike">
+              <a:solidFill>
+                <a:srgbClr val="ffffff"/>
+              </a:solidFill>
+              <a:latin typeface="Arial"/>
+            </a:endParaRPr>
+          </a:p>
+          <a:p>
+            <a:pPr algn="ctr">
+              <a:lnSpc>
+                <a:spcPct val="100000"/>
+              </a:lnSpc>
+            </a:pPr>
+            <a:endParaRPr b="0" lang="en-US" sz="1100" spc="-1" strike="noStrike">
+              <a:solidFill>
+                <a:srgbClr val="ffffff"/>
+              </a:solidFill>
+              <a:latin typeface="Arial"/>
+            </a:endParaRPr>
+          </a:p>
+          <a:p>
+            <a:pPr algn="ctr">
+              <a:lnSpc>
+                <a:spcPct val="100000"/>
+              </a:lnSpc>
+            </a:pPr>
+            <a:endParaRPr b="0" lang="en-US" sz="1100" spc="-1" strike="noStrike">
+              <a:solidFill>
+                <a:srgbClr val="ffffff"/>
+              </a:solidFill>
+              <a:latin typeface="Arial"/>
+            </a:endParaRPr>
+          </a:p>
+        </p:txBody>
+      </p:sp>
+      <p:sp>
+        <p:nvSpPr>
+          <p:cNvPr id="195" name="TextBox 20"/>
+          <p:cNvSpPr/>
+          <p:nvPr/>
+        </p:nvSpPr>
+        <p:spPr>
+          <a:xfrm>
+            <a:off x="5224320" y="7104600"/>
+            <a:ext cx="3051000" cy="363960"/>
+          </a:xfrm>
+          <a:prstGeom prst="rect">
+            <a:avLst/>
+          </a:prstGeom>
+          <a:noFill/>
+          <a:ln w="0">
+            <a:noFill/>
+          </a:ln>
+        </p:spPr>
+        <p:style>
+          <a:lnRef idx="0"/>
+          <a:fillRef idx="0"/>
+          <a:effectRef idx="0"/>
+          <a:fontRef idx="minor"/>
+        </p:style>
+        <p:txBody>
+          <a:bodyPr wrap="none" lIns="90000" rIns="90000" tIns="45000" bIns="45000" anchor="t">
+            <a:spAutoFit/>
+          </a:bodyPr>
+          <a:p>
+            <a:pPr>
+              <a:lnSpc>
+                <a:spcPct val="100000"/>
+              </a:lnSpc>
+            </a:pPr>
+            <a:r>
+              <a:rPr b="0" lang="en-US" sz="1800" spc="-1" strike="noStrike">
+                <a:solidFill>
+                  <a:srgbClr val="000000"/>
+                </a:solidFill>
+                <a:latin typeface="Calibri"/>
+                <a:ea typeface="DejaVu Sans"/>
+              </a:rPr>
+              <a:t>Java • Ultra Premium Template</a:t>
+            </a:r>
+            <a:endParaRPr b="0" lang="en-US" sz="1800" spc="-1" strike="noStrike">
+              <a:solidFill>
+                <a:srgbClr val="000000"/>
+              </a:solidFill>
+              <a:latin typeface="Arial"/>
+            </a:endParaRPr>
+          </a:p>
+        </p:txBody>
+      </p:sp>
+      <p:sp>
+        <p:nvSpPr>
+          <p:cNvPr id="196" name="Rounded Rectangle 48"/>
+          <p:cNvSpPr/>
+          <p:nvPr/>
+        </p:nvSpPr>
+        <p:spPr>
+          <a:xfrm>
+            <a:off x="4941000" y="3449880"/>
+            <a:ext cx="3623040" cy="3018240"/>
+          </a:xfrm>
+          <a:prstGeom prst="roundRect">
+            <a:avLst>
+              <a:gd name="adj" fmla="val 16667"/>
+            </a:avLst>
+          </a:prstGeom>
+          <a:solidFill>
+            <a:srgbClr val="16161c"/>
+          </a:solidFill>
+          <a:ln>
+            <a:solidFill>
+              <a:srgbClr val="464655"/>
+            </a:solidFill>
+            <a:round/>
+          </a:ln>
+          <a:effectLst>
+            <a:outerShdw blurRad="39960" dir="5400000" dist="23040" rotWithShape="0">
+              <a:srgbClr val="000000">
+                <a:alpha val="35000"/>
+              </a:srgbClr>
+            </a:outerShdw>
+          </a:effectLst>
+        </p:spPr>
+        <p:style>
+          <a:lnRef idx="1">
+            <a:schemeClr val="accent1"/>
+          </a:lnRef>
+          <a:fillRef idx="3">
+            <a:schemeClr val="accent1"/>
+          </a:fillRef>
+          <a:effectRef idx="2">
+            <a:schemeClr val="accent1"/>
+          </a:effectRef>
+          <a:fontRef idx="minor"/>
+        </p:style>
+        <p:txBody>
+          <a:bodyPr lIns="90000" rIns="90000" tIns="45000" bIns="45000" anchor="ctr">
+            <a:noAutofit/>
+          </a:bodyPr>
+          <a:p>
+            <a:pPr>
+              <a:lnSpc>
+                <a:spcPct val="100000"/>
+              </a:lnSpc>
+            </a:pPr>
+            <a:r>
+              <a:rPr b="1" lang="en-US" sz="1500" spc="-1" strike="noStrike">
+                <a:solidFill>
+                  <a:schemeClr val="lt1"/>
+                </a:solidFill>
+                <a:latin typeface="Calibri"/>
+                <a:ea typeface="DejaVu Sans"/>
+              </a:rPr>
+              <a:t>Oak’ın Arkasındaki Temel Fikir</a:t>
+            </a:r>
+            <a:endParaRPr b="0" lang="en-US" sz="1500" spc="-1" strike="noStrike">
+              <a:solidFill>
+                <a:srgbClr val="ffffff"/>
+              </a:solidFill>
+              <a:latin typeface="Arial"/>
+            </a:endParaRPr>
+          </a:p>
+          <a:p>
+            <a:pPr>
+              <a:lnSpc>
+                <a:spcPct val="100000"/>
+              </a:lnSpc>
+            </a:pPr>
+            <a:endParaRPr b="0" lang="en-US" sz="1500" spc="-1" strike="noStrike">
+              <a:solidFill>
+                <a:srgbClr val="ffffff"/>
+              </a:solidFill>
+              <a:latin typeface="Arial"/>
+            </a:endParaRPr>
+          </a:p>
+          <a:p>
+            <a:pPr marL="216000" indent="-216000">
+              <a:lnSpc>
+                <a:spcPct val="100000"/>
+              </a:lnSpc>
+              <a:buClr>
+                <a:srgbClr val="ffffff"/>
+              </a:buClr>
+              <a:buFont typeface="Wingdings" charset="2"/>
+              <a:buChar char=""/>
+            </a:pPr>
+            <a:r>
+              <a:rPr b="0" lang="en-US" sz="1500" spc="-1" strike="noStrike">
+                <a:solidFill>
+                  <a:schemeClr val="lt1"/>
+                </a:solidFill>
+                <a:latin typeface="Calibri"/>
+                <a:ea typeface="DejaVu Sans"/>
+              </a:rPr>
+              <a:t>Basit sözdizimi</a:t>
+            </a:r>
+            <a:endParaRPr b="0" lang="en-US" sz="1500" spc="-1" strike="noStrike">
+              <a:solidFill>
+                <a:srgbClr val="ffffff"/>
+              </a:solidFill>
+              <a:latin typeface="Arial"/>
+            </a:endParaRPr>
+          </a:p>
+          <a:p>
+            <a:pPr marL="216000" indent="-216000">
+              <a:lnSpc>
+                <a:spcPct val="100000"/>
+              </a:lnSpc>
+              <a:buClr>
+                <a:srgbClr val="ffffff"/>
+              </a:buClr>
+              <a:buFont typeface="Wingdings" charset="2"/>
+              <a:buChar char=""/>
+            </a:pPr>
+            <a:r>
+              <a:rPr b="0" lang="en-US" sz="1500" spc="-1" strike="noStrike">
+                <a:solidFill>
+                  <a:schemeClr val="lt1"/>
+                </a:solidFill>
+                <a:latin typeface="Calibri"/>
+                <a:ea typeface="DejaVu Sans"/>
+              </a:rPr>
+              <a:t>Güçlü güvenlik</a:t>
+            </a:r>
+            <a:endParaRPr b="0" lang="en-US" sz="1500" spc="-1" strike="noStrike">
+              <a:solidFill>
+                <a:srgbClr val="ffffff"/>
+              </a:solidFill>
+              <a:latin typeface="Arial"/>
+            </a:endParaRPr>
+          </a:p>
+          <a:p>
+            <a:pPr marL="216000" indent="-216000">
+              <a:lnSpc>
+                <a:spcPct val="100000"/>
+              </a:lnSpc>
+              <a:buClr>
+                <a:srgbClr val="ffffff"/>
+              </a:buClr>
+              <a:buFont typeface="Wingdings" charset="2"/>
+              <a:buChar char=""/>
+            </a:pPr>
+            <a:r>
+              <a:rPr b="0" lang="en-US" sz="1500" spc="-1" strike="noStrike">
+                <a:solidFill>
+                  <a:schemeClr val="lt1"/>
+                </a:solidFill>
+                <a:latin typeface="Calibri"/>
+                <a:ea typeface="DejaVu Sans"/>
+              </a:rPr>
+              <a:t>Donanıma doğrudan bağımlılık yok</a:t>
+            </a:r>
+            <a:endParaRPr b="0" lang="en-US" sz="1500" spc="-1" strike="noStrike">
+              <a:solidFill>
+                <a:srgbClr val="ffffff"/>
+              </a:solidFill>
+              <a:latin typeface="Arial"/>
+            </a:endParaRPr>
+          </a:p>
+          <a:p>
+            <a:pPr marL="216000" indent="-216000">
+              <a:lnSpc>
+                <a:spcPct val="100000"/>
+              </a:lnSpc>
+              <a:buClr>
+                <a:srgbClr val="ffffff"/>
+              </a:buClr>
+              <a:buFont typeface="Wingdings" charset="2"/>
+              <a:buChar char=""/>
+            </a:pPr>
+            <a:r>
+              <a:rPr b="0" lang="en-US" sz="1500" spc="-1" strike="noStrike">
+                <a:solidFill>
+                  <a:schemeClr val="lt1"/>
+                </a:solidFill>
+                <a:latin typeface="Calibri"/>
+                <a:ea typeface="DejaVu Sans"/>
+              </a:rPr>
+              <a:t>Otomatik bellek yönetimi</a:t>
+            </a:r>
+            <a:endParaRPr b="0" lang="en-US" sz="1500" spc="-1" strike="noStrike">
+              <a:solidFill>
+                <a:srgbClr val="ffffff"/>
+              </a:solidFill>
+              <a:latin typeface="Arial"/>
+            </a:endParaRPr>
+          </a:p>
+          <a:p>
+            <a:pPr>
+              <a:lnSpc>
+                <a:spcPct val="100000"/>
+              </a:lnSpc>
+            </a:pPr>
+            <a:endParaRPr b="0" lang="en-US" sz="1500" spc="-1" strike="noStrike">
+              <a:solidFill>
+                <a:srgbClr val="ffffff"/>
+              </a:solidFill>
+              <a:latin typeface="Arial"/>
+            </a:endParaRPr>
+          </a:p>
+          <a:p>
+            <a:pPr>
+              <a:lnSpc>
+                <a:spcPct val="100000"/>
+              </a:lnSpc>
+            </a:pPr>
+            <a:r>
+              <a:rPr b="1" lang="en-US" sz="1500" spc="-1" strike="noStrike">
+                <a:solidFill>
+                  <a:schemeClr val="lt1"/>
+                </a:solidFill>
+                <a:latin typeface="Calibri"/>
+                <a:ea typeface="DejaVu Sans"/>
+              </a:rPr>
+              <a:t>Devrimsel düşünce:</a:t>
+            </a:r>
+            <a:endParaRPr b="0" lang="en-US" sz="1500" spc="-1" strike="noStrike">
+              <a:solidFill>
+                <a:srgbClr val="ffffff"/>
+              </a:solidFill>
+              <a:latin typeface="Arial"/>
+            </a:endParaRPr>
+          </a:p>
+          <a:p>
+            <a:pPr>
+              <a:lnSpc>
+                <a:spcPct val="100000"/>
+              </a:lnSpc>
+            </a:pPr>
+            <a:r>
+              <a:rPr b="0" lang="en-US" sz="1500" spc="-1" strike="noStrike">
+                <a:solidFill>
+                  <a:schemeClr val="lt1"/>
+                </a:solidFill>
+                <a:latin typeface="Calibri"/>
+                <a:ea typeface="DejaVu Sans"/>
+              </a:rPr>
+              <a:t>Birçok cihaz için tek bir dil.</a:t>
+            </a:r>
+            <a:endParaRPr b="0" lang="en-US" sz="1500" spc="-1" strike="noStrike">
+              <a:solidFill>
+                <a:srgbClr val="ffffff"/>
+              </a:solidFill>
+              <a:latin typeface="Arial"/>
+            </a:endParaRPr>
+          </a:p>
+          <a:p>
+            <a:pPr>
+              <a:lnSpc>
+                <a:spcPct val="100000"/>
+              </a:lnSpc>
+            </a:pPr>
+            <a:endParaRPr b="0" lang="en-US" sz="1500" spc="-1" strike="noStrike">
+              <a:solidFill>
+                <a:srgbClr val="ffffff"/>
+              </a:solidFill>
+              <a:latin typeface="Arial"/>
+            </a:endParaRPr>
+          </a:p>
+          <a:p>
+            <a:pPr>
+              <a:lnSpc>
+                <a:spcPct val="100000"/>
+              </a:lnSpc>
+            </a:pPr>
+            <a:r>
+              <a:rPr b="1" lang="en-US" sz="1500" spc="-1" strike="noStrike">
+                <a:solidFill>
+                  <a:schemeClr val="lt1"/>
+                </a:solidFill>
+                <a:latin typeface="Calibri"/>
+                <a:ea typeface="DejaVu Sans"/>
+              </a:rPr>
+              <a:t>“</a:t>
+            </a:r>
+            <a:r>
+              <a:rPr b="1" lang="en-US" sz="1500" spc="-1" strike="noStrike">
+                <a:solidFill>
+                  <a:schemeClr val="lt1"/>
+                </a:solidFill>
+                <a:latin typeface="Calibri"/>
+                <a:ea typeface="DejaVu Sans"/>
+              </a:rPr>
+              <a:t>Aynı kod her yerde çalışmalı.”</a:t>
+            </a:r>
+            <a:endParaRPr b="0" lang="en-US" sz="1500" spc="-1" strike="noStrike">
+              <a:solidFill>
+                <a:srgbClr val="ffffff"/>
               </a:solidFill>
               <a:latin typeface="Arial"/>
             </a:endParaRPr>

--- a/Java/Java #1/TR/Java #1.pptx
+++ b/Java/Java #1/TR/Java #1.pptx
@@ -11,8 +11,10 @@
     <p:sldId id="259" r:id="rId6"/>
     <p:sldId id="260" r:id="rId7"/>
     <p:sldId id="261" r:id="rId8"/>
+    <p:sldId id="262" r:id="rId9"/>
+    <p:sldId id="263" r:id="rId10"/>
   </p:sldIdLst>
-  <p:sldSz cx="10080625" cy="7559675"/>
+  <p:sldSz cx="10077450" cy="7562850"/>
   <p:notesSz cx="7772400" cy="10058400"/>
 </p:presentation>
 </file>
@@ -68,7 +70,7 @@
         <p:txBody>
           <a:bodyPr/>
           <a:p>
-            <a:fld id="{7E1E1530-95C4-425A-8468-514829151C99}" type="slidenum">
+            <a:fld id="{0CB0ED85-3ACE-4486-91FE-9EE22FFA34B1}" type="slidenum">
               <a:t>&lt;#&gt;</a:t>
             </a:fld>
           </a:p>
@@ -129,8 +131,8 @@
         </p:nvSpPr>
         <p:spPr>
           <a:xfrm>
-            <a:off x="504000" y="301320"/>
-            <a:ext cx="9072000" cy="1261800"/>
+            <a:off x="503640" y="301320"/>
+            <a:ext cx="9068400" cy="1262160"/>
           </a:xfrm>
           <a:prstGeom prst="rect">
             <a:avLst/>
@@ -169,8 +171,8 @@
         </p:nvSpPr>
         <p:spPr>
           <a:xfrm>
-            <a:off x="504000" y="1768680"/>
-            <a:ext cx="9072000" cy="2090880"/>
+            <a:off x="503640" y="1769040"/>
+            <a:ext cx="9068400" cy="2091600"/>
           </a:xfrm>
           <a:prstGeom prst="rect">
             <a:avLst/>
@@ -212,8 +214,8 @@
         </p:nvSpPr>
         <p:spPr>
           <a:xfrm>
-            <a:off x="504000" y="4058640"/>
-            <a:ext cx="9072000" cy="2090880"/>
+            <a:off x="503640" y="4059720"/>
+            <a:ext cx="9068400" cy="2091600"/>
           </a:xfrm>
           <a:prstGeom prst="rect">
             <a:avLst/>
@@ -277,7 +279,7 @@
         <p:txBody>
           <a:bodyPr/>
           <a:p>
-            <a:fld id="{DBD507F9-A916-4DF3-A61A-30DB37E2C799}" type="slidenum">
+            <a:fld id="{604528BD-1028-4A30-82CD-13935F00A505}" type="slidenum">
               <a:t>&lt;#&gt;</a:t>
             </a:fld>
           </a:p>
@@ -338,8 +340,8 @@
         </p:nvSpPr>
         <p:spPr>
           <a:xfrm>
-            <a:off x="504000" y="301320"/>
-            <a:ext cx="9072000" cy="1261800"/>
+            <a:off x="503640" y="301320"/>
+            <a:ext cx="9068400" cy="1262160"/>
           </a:xfrm>
           <a:prstGeom prst="rect">
             <a:avLst/>
@@ -378,8 +380,8 @@
         </p:nvSpPr>
         <p:spPr>
           <a:xfrm>
-            <a:off x="504000" y="1768680"/>
-            <a:ext cx="4426920" cy="2090880"/>
+            <a:off x="503640" y="1769040"/>
+            <a:ext cx="4425120" cy="2091600"/>
           </a:xfrm>
           <a:prstGeom prst="rect">
             <a:avLst/>
@@ -421,8 +423,8 @@
         </p:nvSpPr>
         <p:spPr>
           <a:xfrm>
-            <a:off x="5152680" y="1768680"/>
-            <a:ext cx="4426920" cy="2090880"/>
+            <a:off x="5150520" y="1769040"/>
+            <a:ext cx="4425120" cy="2091600"/>
           </a:xfrm>
           <a:prstGeom prst="rect">
             <a:avLst/>
@@ -464,8 +466,8 @@
         </p:nvSpPr>
         <p:spPr>
           <a:xfrm>
-            <a:off x="504000" y="4058640"/>
-            <a:ext cx="4426920" cy="2090880"/>
+            <a:off x="503640" y="4059720"/>
+            <a:ext cx="4425120" cy="2091600"/>
           </a:xfrm>
           <a:prstGeom prst="rect">
             <a:avLst/>
@@ -507,8 +509,8 @@
         </p:nvSpPr>
         <p:spPr>
           <a:xfrm>
-            <a:off x="5152680" y="4058640"/>
-            <a:ext cx="4426920" cy="2090880"/>
+            <a:off x="5150520" y="4059720"/>
+            <a:ext cx="4425120" cy="2091600"/>
           </a:xfrm>
           <a:prstGeom prst="rect">
             <a:avLst/>
@@ -572,7 +574,7 @@
         <p:txBody>
           <a:bodyPr/>
           <a:p>
-            <a:fld id="{301F230F-7697-47AC-8007-D5E28CD937D1}" type="slidenum">
+            <a:fld id="{71759E34-E15B-4B4B-841D-76DD312C2263}" type="slidenum">
               <a:t>&lt;#&gt;</a:t>
             </a:fld>
           </a:p>
@@ -633,8 +635,8 @@
         </p:nvSpPr>
         <p:spPr>
           <a:xfrm>
-            <a:off x="504000" y="301320"/>
-            <a:ext cx="9072000" cy="1261800"/>
+            <a:off x="503640" y="301320"/>
+            <a:ext cx="9068400" cy="1262160"/>
           </a:xfrm>
           <a:prstGeom prst="rect">
             <a:avLst/>
@@ -673,8 +675,8 @@
         </p:nvSpPr>
         <p:spPr>
           <a:xfrm>
-            <a:off x="504000" y="1768680"/>
-            <a:ext cx="2921040" cy="2090880"/>
+            <a:off x="503640" y="1769040"/>
+            <a:ext cx="2919960" cy="2091600"/>
           </a:xfrm>
           <a:prstGeom prst="rect">
             <a:avLst/>
@@ -716,8 +718,8 @@
         </p:nvSpPr>
         <p:spPr>
           <a:xfrm>
-            <a:off x="3571560" y="1768680"/>
-            <a:ext cx="2921040" cy="2090880"/>
+            <a:off x="3570120" y="1769040"/>
+            <a:ext cx="2919960" cy="2091600"/>
           </a:xfrm>
           <a:prstGeom prst="rect">
             <a:avLst/>
@@ -759,8 +761,8 @@
         </p:nvSpPr>
         <p:spPr>
           <a:xfrm>
-            <a:off x="6639120" y="1768680"/>
-            <a:ext cx="2921040" cy="2090880"/>
+            <a:off x="6636240" y="1769040"/>
+            <a:ext cx="2919960" cy="2091600"/>
           </a:xfrm>
           <a:prstGeom prst="rect">
             <a:avLst/>
@@ -802,8 +804,8 @@
         </p:nvSpPr>
         <p:spPr>
           <a:xfrm>
-            <a:off x="504000" y="4058640"/>
-            <a:ext cx="2921040" cy="2090880"/>
+            <a:off x="503640" y="4059720"/>
+            <a:ext cx="2919960" cy="2091600"/>
           </a:xfrm>
           <a:prstGeom prst="rect">
             <a:avLst/>
@@ -845,8 +847,8 @@
         </p:nvSpPr>
         <p:spPr>
           <a:xfrm>
-            <a:off x="3571560" y="4058640"/>
-            <a:ext cx="2921040" cy="2090880"/>
+            <a:off x="3570120" y="4059720"/>
+            <a:ext cx="2919960" cy="2091600"/>
           </a:xfrm>
           <a:prstGeom prst="rect">
             <a:avLst/>
@@ -888,8 +890,8 @@
         </p:nvSpPr>
         <p:spPr>
           <a:xfrm>
-            <a:off x="6639120" y="4058640"/>
-            <a:ext cx="2921040" cy="2090880"/>
+            <a:off x="6636240" y="4059720"/>
+            <a:ext cx="2919960" cy="2091600"/>
           </a:xfrm>
           <a:prstGeom prst="rect">
             <a:avLst/>
@@ -953,7 +955,7 @@
         <p:txBody>
           <a:bodyPr/>
           <a:p>
-            <a:fld id="{9CBF397B-30D9-47F4-B22F-B43E74A51411}" type="slidenum">
+            <a:fld id="{DE6744E0-414C-4889-B071-575FC6CBC38F}" type="slidenum">
               <a:t>&lt;#&gt;</a:t>
             </a:fld>
           </a:p>
@@ -1014,8 +1016,8 @@
         </p:nvSpPr>
         <p:spPr>
           <a:xfrm>
-            <a:off x="504000" y="301320"/>
-            <a:ext cx="9072000" cy="1261800"/>
+            <a:off x="503640" y="301320"/>
+            <a:ext cx="9068400" cy="1262160"/>
           </a:xfrm>
           <a:prstGeom prst="rect">
             <a:avLst/>
@@ -1054,8 +1056,8 @@
         </p:nvSpPr>
         <p:spPr>
           <a:xfrm>
-            <a:off x="504000" y="1768680"/>
-            <a:ext cx="9072000" cy="4384080"/>
+            <a:off x="503640" y="1769040"/>
+            <a:ext cx="9068400" cy="4385520"/>
           </a:xfrm>
           <a:prstGeom prst="rect">
             <a:avLst/>
@@ -1116,7 +1118,7 @@
         <p:txBody>
           <a:bodyPr/>
           <a:p>
-            <a:fld id="{EC5531A2-0585-4B4C-88CB-6C6828695943}" type="slidenum">
+            <a:fld id="{BC619B31-4B46-44C0-A6BE-DB2B05127B3B}" type="slidenum">
               <a:t>&lt;#&gt;</a:t>
             </a:fld>
           </a:p>
@@ -1177,8 +1179,8 @@
         </p:nvSpPr>
         <p:spPr>
           <a:xfrm>
-            <a:off x="504000" y="301320"/>
-            <a:ext cx="9072000" cy="1261800"/>
+            <a:off x="503640" y="301320"/>
+            <a:ext cx="9068400" cy="1262160"/>
           </a:xfrm>
           <a:prstGeom prst="rect">
             <a:avLst/>
@@ -1217,8 +1219,8 @@
         </p:nvSpPr>
         <p:spPr>
           <a:xfrm>
-            <a:off x="504000" y="1768680"/>
-            <a:ext cx="9072000" cy="4384080"/>
+            <a:off x="503640" y="1769040"/>
+            <a:ext cx="9068400" cy="4385520"/>
           </a:xfrm>
           <a:prstGeom prst="rect">
             <a:avLst/>
@@ -1282,7 +1284,7 @@
         <p:txBody>
           <a:bodyPr/>
           <a:p>
-            <a:fld id="{3685131C-A4FB-4795-B255-D1AEBCEF3ECC}" type="slidenum">
+            <a:fld id="{E8377B50-7DE2-428A-9E03-828E2B29C94F}" type="slidenum">
               <a:t>&lt;#&gt;</a:t>
             </a:fld>
           </a:p>
@@ -1343,8 +1345,8 @@
         </p:nvSpPr>
         <p:spPr>
           <a:xfrm>
-            <a:off x="504000" y="301320"/>
-            <a:ext cx="9072000" cy="1261800"/>
+            <a:off x="503640" y="301320"/>
+            <a:ext cx="9068400" cy="1262160"/>
           </a:xfrm>
           <a:prstGeom prst="rect">
             <a:avLst/>
@@ -1383,8 +1385,8 @@
         </p:nvSpPr>
         <p:spPr>
           <a:xfrm>
-            <a:off x="504000" y="1768680"/>
-            <a:ext cx="4426920" cy="4384080"/>
+            <a:off x="503640" y="1769040"/>
+            <a:ext cx="4425120" cy="4385520"/>
           </a:xfrm>
           <a:prstGeom prst="rect">
             <a:avLst/>
@@ -1426,8 +1428,8 @@
         </p:nvSpPr>
         <p:spPr>
           <a:xfrm>
-            <a:off x="5152680" y="1768680"/>
-            <a:ext cx="4426920" cy="4384080"/>
+            <a:off x="5150520" y="1769040"/>
+            <a:ext cx="4425120" cy="4385520"/>
           </a:xfrm>
           <a:prstGeom prst="rect">
             <a:avLst/>
@@ -1491,7 +1493,7 @@
         <p:txBody>
           <a:bodyPr/>
           <a:p>
-            <a:fld id="{63D15633-16B9-47D2-BEC6-03ECDCC9D158}" type="slidenum">
+            <a:fld id="{2A7F4C28-7A0E-40B2-83F2-8FDFF2CADE96}" type="slidenum">
               <a:t>&lt;#&gt;</a:t>
             </a:fld>
           </a:p>
@@ -1552,8 +1554,8 @@
         </p:nvSpPr>
         <p:spPr>
           <a:xfrm>
-            <a:off x="504000" y="301320"/>
-            <a:ext cx="9072000" cy="1261800"/>
+            <a:off x="503640" y="301320"/>
+            <a:ext cx="9068400" cy="1262160"/>
           </a:xfrm>
           <a:prstGeom prst="rect">
             <a:avLst/>
@@ -1614,7 +1616,7 @@
         <p:txBody>
           <a:bodyPr/>
           <a:p>
-            <a:fld id="{5E6CE624-F2EC-44F9-88AD-D6ADF473DD69}" type="slidenum">
+            <a:fld id="{754362FE-1AC0-414D-B484-ED246E7E62B1}" type="slidenum">
               <a:t>&lt;#&gt;</a:t>
             </a:fld>
           </a:p>
@@ -1675,8 +1677,8 @@
         </p:nvSpPr>
         <p:spPr>
           <a:xfrm>
-            <a:off x="504000" y="301320"/>
-            <a:ext cx="9072000" cy="5850360"/>
+            <a:off x="503640" y="301320"/>
+            <a:ext cx="9068400" cy="5851800"/>
           </a:xfrm>
           <a:prstGeom prst="rect">
             <a:avLst/>
@@ -1735,7 +1737,7 @@
         <p:txBody>
           <a:bodyPr/>
           <a:p>
-            <a:fld id="{02240399-81E4-42F4-88A8-696CCAC24666}" type="slidenum">
+            <a:fld id="{D4AD98B0-2764-4788-A2F9-CA3889B9342D}" type="slidenum">
               <a:t>&lt;#&gt;</a:t>
             </a:fld>
           </a:p>
@@ -1796,8 +1798,8 @@
         </p:nvSpPr>
         <p:spPr>
           <a:xfrm>
-            <a:off x="504000" y="301320"/>
-            <a:ext cx="9072000" cy="1261800"/>
+            <a:off x="503640" y="301320"/>
+            <a:ext cx="9068400" cy="1262160"/>
           </a:xfrm>
           <a:prstGeom prst="rect">
             <a:avLst/>
@@ -1836,8 +1838,8 @@
         </p:nvSpPr>
         <p:spPr>
           <a:xfrm>
-            <a:off x="504000" y="1768680"/>
-            <a:ext cx="4426920" cy="2090880"/>
+            <a:off x="503640" y="1769040"/>
+            <a:ext cx="4425120" cy="2091600"/>
           </a:xfrm>
           <a:prstGeom prst="rect">
             <a:avLst/>
@@ -1879,8 +1881,8 @@
         </p:nvSpPr>
         <p:spPr>
           <a:xfrm>
-            <a:off x="5152680" y="1768680"/>
-            <a:ext cx="4426920" cy="4384080"/>
+            <a:off x="5150520" y="1769040"/>
+            <a:ext cx="4425120" cy="4385520"/>
           </a:xfrm>
           <a:prstGeom prst="rect">
             <a:avLst/>
@@ -1922,8 +1924,8 @@
         </p:nvSpPr>
         <p:spPr>
           <a:xfrm>
-            <a:off x="504000" y="4058640"/>
-            <a:ext cx="4426920" cy="2090880"/>
+            <a:off x="503640" y="4059720"/>
+            <a:ext cx="4425120" cy="2091600"/>
           </a:xfrm>
           <a:prstGeom prst="rect">
             <a:avLst/>
@@ -1987,7 +1989,7 @@
         <p:txBody>
           <a:bodyPr/>
           <a:p>
-            <a:fld id="{22D61E1F-3D00-4A5C-A626-171D220367B0}" type="slidenum">
+            <a:fld id="{4C7907BC-60BB-4549-B37C-483C1B3900DD}" type="slidenum">
               <a:t>&lt;#&gt;</a:t>
             </a:fld>
           </a:p>
@@ -2048,8 +2050,8 @@
         </p:nvSpPr>
         <p:spPr>
           <a:xfrm>
-            <a:off x="504000" y="301320"/>
-            <a:ext cx="9072000" cy="1261800"/>
+            <a:off x="503640" y="301320"/>
+            <a:ext cx="9068400" cy="1262160"/>
           </a:xfrm>
           <a:prstGeom prst="rect">
             <a:avLst/>
@@ -2088,8 +2090,8 @@
         </p:nvSpPr>
         <p:spPr>
           <a:xfrm>
-            <a:off x="504000" y="1768680"/>
-            <a:ext cx="4426920" cy="4384080"/>
+            <a:off x="503640" y="1769040"/>
+            <a:ext cx="4425120" cy="4385520"/>
           </a:xfrm>
           <a:prstGeom prst="rect">
             <a:avLst/>
@@ -2131,8 +2133,8 @@
         </p:nvSpPr>
         <p:spPr>
           <a:xfrm>
-            <a:off x="5152680" y="1768680"/>
-            <a:ext cx="4426920" cy="2090880"/>
+            <a:off x="5150520" y="1769040"/>
+            <a:ext cx="4425120" cy="2091600"/>
           </a:xfrm>
           <a:prstGeom prst="rect">
             <a:avLst/>
@@ -2174,8 +2176,8 @@
         </p:nvSpPr>
         <p:spPr>
           <a:xfrm>
-            <a:off x="5152680" y="4058640"/>
-            <a:ext cx="4426920" cy="2090880"/>
+            <a:off x="5150520" y="4059720"/>
+            <a:ext cx="4425120" cy="2091600"/>
           </a:xfrm>
           <a:prstGeom prst="rect">
             <a:avLst/>
@@ -2239,7 +2241,7 @@
         <p:txBody>
           <a:bodyPr/>
           <a:p>
-            <a:fld id="{11C2F3EC-FBBC-4C19-972F-72EF2CF691AA}" type="slidenum">
+            <a:fld id="{7F45DBE8-2EB7-4C77-B74E-A42B0C150EA7}" type="slidenum">
               <a:t>&lt;#&gt;</a:t>
             </a:fld>
           </a:p>
@@ -2300,8 +2302,8 @@
         </p:nvSpPr>
         <p:spPr>
           <a:xfrm>
-            <a:off x="504000" y="301320"/>
-            <a:ext cx="9072000" cy="1261800"/>
+            <a:off x="503640" y="301320"/>
+            <a:ext cx="9068400" cy="1262160"/>
           </a:xfrm>
           <a:prstGeom prst="rect">
             <a:avLst/>
@@ -2340,8 +2342,8 @@
         </p:nvSpPr>
         <p:spPr>
           <a:xfrm>
-            <a:off x="504000" y="1768680"/>
-            <a:ext cx="4426920" cy="2090880"/>
+            <a:off x="503640" y="1769040"/>
+            <a:ext cx="4425120" cy="2091600"/>
           </a:xfrm>
           <a:prstGeom prst="rect">
             <a:avLst/>
@@ -2383,8 +2385,8 @@
         </p:nvSpPr>
         <p:spPr>
           <a:xfrm>
-            <a:off x="5152680" y="1768680"/>
-            <a:ext cx="4426920" cy="2090880"/>
+            <a:off x="5150520" y="1769040"/>
+            <a:ext cx="4425120" cy="2091600"/>
           </a:xfrm>
           <a:prstGeom prst="rect">
             <a:avLst/>
@@ -2426,8 +2428,8 @@
         </p:nvSpPr>
         <p:spPr>
           <a:xfrm>
-            <a:off x="504000" y="4058640"/>
-            <a:ext cx="9072000" cy="2090880"/>
+            <a:off x="503640" y="4059720"/>
+            <a:ext cx="9068400" cy="2091600"/>
           </a:xfrm>
           <a:prstGeom prst="rect">
             <a:avLst/>
@@ -2491,7 +2493,7 @@
         <p:txBody>
           <a:bodyPr/>
           <a:p>
-            <a:fld id="{EFE797D2-3F11-48F6-91B9-BEF8978E363C}" type="slidenum">
+            <a:fld id="{13F69F87-A2E5-47DF-8F39-A4262080D815}" type="slidenum">
               <a:t>&lt;#&gt;</a:t>
             </a:fld>
           </a:p>
@@ -2559,8 +2561,8 @@
         </p:nvSpPr>
         <p:spPr>
           <a:xfrm>
-            <a:off x="3442320" y="7005240"/>
-            <a:ext cx="3185280" cy="395640"/>
+            <a:off x="3440880" y="7007400"/>
+            <a:ext cx="3183840" cy="395280"/>
           </a:xfrm>
           <a:prstGeom prst="rect">
             <a:avLst/>
@@ -2631,8 +2633,8 @@
         </p:nvSpPr>
         <p:spPr>
           <a:xfrm>
-            <a:off x="7223040" y="7005240"/>
-            <a:ext cx="2345760" cy="395640"/>
+            <a:off x="7220160" y="7007400"/>
+            <a:ext cx="2344320" cy="395280"/>
           </a:xfrm>
           <a:prstGeom prst="rect">
             <a:avLst/>
@@ -2673,7 +2675,7 @@
                 <a:tab algn="l" pos="0"/>
               </a:tabLst>
             </a:pPr>
-            <a:fld id="{EE15CD11-66A5-4993-9B90-821A59F08393}" type="slidenum">
+            <a:fld id="{A7F5F6F0-BB9F-4B98-AA31-D90884EC815D}" type="slidenum">
               <a:rPr b="0" lang="en-US" sz="1200" spc="-1" strike="noStrike">
                 <a:solidFill>
                   <a:srgbClr val="8b8b8b"/>
@@ -2703,8 +2705,8 @@
         </p:nvSpPr>
         <p:spPr>
           <a:xfrm>
-            <a:off x="502920" y="7005240"/>
-            <a:ext cx="2345760" cy="395640"/>
+            <a:off x="502560" y="7007400"/>
+            <a:ext cx="2344320" cy="395280"/>
           </a:xfrm>
           <a:prstGeom prst="rect">
             <a:avLst/>
@@ -2763,8 +2765,8 @@
         </p:nvSpPr>
         <p:spPr>
           <a:xfrm>
-            <a:off x="504000" y="301320"/>
-            <a:ext cx="9072000" cy="1261800"/>
+            <a:off x="503640" y="301320"/>
+            <a:ext cx="9068400" cy="1262160"/>
           </a:xfrm>
           <a:prstGeom prst="rect">
             <a:avLst/>
@@ -2812,8 +2814,8 @@
         </p:nvSpPr>
         <p:spPr>
           <a:xfrm>
-            <a:off x="504000" y="1768680"/>
-            <a:ext cx="9072000" cy="4384080"/>
+            <a:off x="503640" y="1769040"/>
+            <a:ext cx="9068400" cy="4385520"/>
           </a:xfrm>
           <a:prstGeom prst="rect">
             <a:avLst/>
@@ -3070,8 +3072,8 @@
         </p:nvSpPr>
         <p:spPr>
           <a:xfrm>
-            <a:off x="1440" y="1800"/>
-            <a:ext cx="13430160" cy="7553520"/>
+            <a:off x="1800" y="1800"/>
+            <a:ext cx="13424400" cy="7555680"/>
           </a:xfrm>
           <a:prstGeom prst="rect">
             <a:avLst/>
@@ -3130,8 +3132,8 @@
         </p:nvSpPr>
         <p:spPr>
           <a:xfrm>
-            <a:off x="1440" y="1800"/>
-            <a:ext cx="14400" cy="7553520"/>
+            <a:off x="1800" y="1800"/>
+            <a:ext cx="14040" cy="7555680"/>
           </a:xfrm>
           <a:prstGeom prst="rect">
             <a:avLst/>
@@ -3190,8 +3192,8 @@
         </p:nvSpPr>
         <p:spPr>
           <a:xfrm>
-            <a:off x="1005480" y="1800"/>
-            <a:ext cx="14400" cy="7553520"/>
+            <a:off x="1004760" y="1800"/>
+            <a:ext cx="14040" cy="7555680"/>
           </a:xfrm>
           <a:prstGeom prst="rect">
             <a:avLst/>
@@ -3250,8 +3252,8 @@
         </p:nvSpPr>
         <p:spPr>
           <a:xfrm>
-            <a:off x="2013480" y="1800"/>
-            <a:ext cx="14400" cy="7553520"/>
+            <a:off x="2012400" y="1800"/>
+            <a:ext cx="14040" cy="7555680"/>
           </a:xfrm>
           <a:prstGeom prst="rect">
             <a:avLst/>
@@ -3310,8 +3312,8 @@
         </p:nvSpPr>
         <p:spPr>
           <a:xfrm>
-            <a:off x="3021480" y="1800"/>
-            <a:ext cx="14400" cy="7553520"/>
+            <a:off x="3020040" y="1800"/>
+            <a:ext cx="14040" cy="7555680"/>
           </a:xfrm>
           <a:prstGeom prst="rect">
             <a:avLst/>
@@ -3370,8 +3372,8 @@
         </p:nvSpPr>
         <p:spPr>
           <a:xfrm>
-            <a:off x="4029480" y="1800"/>
-            <a:ext cx="14400" cy="7553520"/>
+            <a:off x="4027680" y="1800"/>
+            <a:ext cx="14040" cy="7555680"/>
           </a:xfrm>
           <a:prstGeom prst="rect">
             <a:avLst/>
@@ -3430,8 +3432,8 @@
         </p:nvSpPr>
         <p:spPr>
           <a:xfrm>
-            <a:off x="5037480" y="1800"/>
-            <a:ext cx="14400" cy="7553520"/>
+            <a:off x="5035320" y="1800"/>
+            <a:ext cx="14040" cy="7555680"/>
           </a:xfrm>
           <a:prstGeom prst="rect">
             <a:avLst/>
@@ -3490,8 +3492,8 @@
         </p:nvSpPr>
         <p:spPr>
           <a:xfrm>
-            <a:off x="6045480" y="1800"/>
-            <a:ext cx="14400" cy="7553520"/>
+            <a:off x="6042960" y="1800"/>
+            <a:ext cx="14040" cy="7555680"/>
           </a:xfrm>
           <a:prstGeom prst="rect">
             <a:avLst/>
@@ -3550,8 +3552,8 @@
         </p:nvSpPr>
         <p:spPr>
           <a:xfrm>
-            <a:off x="7053480" y="1800"/>
-            <a:ext cx="14400" cy="7553520"/>
+            <a:off x="7050600" y="1800"/>
+            <a:ext cx="14040" cy="7555680"/>
           </a:xfrm>
           <a:prstGeom prst="rect">
             <a:avLst/>
@@ -3610,8 +3612,8 @@
         </p:nvSpPr>
         <p:spPr>
           <a:xfrm>
-            <a:off x="8061480" y="1800"/>
-            <a:ext cx="14400" cy="7553520"/>
+            <a:off x="8058240" y="1800"/>
+            <a:ext cx="14040" cy="7555680"/>
           </a:xfrm>
           <a:prstGeom prst="rect">
             <a:avLst/>
@@ -3670,8 +3672,8 @@
         </p:nvSpPr>
         <p:spPr>
           <a:xfrm>
-            <a:off x="9069480" y="1800"/>
-            <a:ext cx="14400" cy="7553520"/>
+            <a:off x="9065880" y="1800"/>
+            <a:ext cx="14040" cy="7555680"/>
           </a:xfrm>
           <a:prstGeom prst="rect">
             <a:avLst/>
@@ -3730,8 +3732,8 @@
         </p:nvSpPr>
         <p:spPr>
           <a:xfrm>
-            <a:off x="10077480" y="1800"/>
-            <a:ext cx="14400" cy="7553520"/>
+            <a:off x="10073520" y="1800"/>
+            <a:ext cx="14040" cy="7555680"/>
           </a:xfrm>
           <a:prstGeom prst="rect">
             <a:avLst/>
@@ -3790,8 +3792,8 @@
         </p:nvSpPr>
         <p:spPr>
           <a:xfrm>
-            <a:off x="11085480" y="1800"/>
-            <a:ext cx="14400" cy="7553520"/>
+            <a:off x="11080800" y="1800"/>
+            <a:ext cx="14040" cy="7555680"/>
           </a:xfrm>
           <a:prstGeom prst="rect">
             <a:avLst/>
@@ -3850,8 +3852,8 @@
         </p:nvSpPr>
         <p:spPr>
           <a:xfrm>
-            <a:off x="12093480" y="1800"/>
-            <a:ext cx="14400" cy="7553520"/>
+            <a:off x="12088440" y="1800"/>
+            <a:ext cx="14040" cy="7555680"/>
           </a:xfrm>
           <a:prstGeom prst="rect">
             <a:avLst/>
@@ -3910,8 +3912,8 @@
         </p:nvSpPr>
         <p:spPr>
           <a:xfrm>
-            <a:off x="13101480" y="1800"/>
-            <a:ext cx="14400" cy="7553520"/>
+            <a:off x="13096080" y="1800"/>
+            <a:ext cx="14040" cy="7555680"/>
           </a:xfrm>
           <a:prstGeom prst="rect">
             <a:avLst/>
@@ -3970,8 +3972,8 @@
         </p:nvSpPr>
         <p:spPr>
           <a:xfrm>
-            <a:off x="1440" y="1800"/>
-            <a:ext cx="346320" cy="7553520"/>
+            <a:off x="1800" y="1800"/>
+            <a:ext cx="345960" cy="7555680"/>
           </a:xfrm>
           <a:prstGeom prst="rect">
             <a:avLst/>
@@ -4030,8 +4032,8 @@
         </p:nvSpPr>
         <p:spPr>
           <a:xfrm>
-            <a:off x="10884960" y="401400"/>
-            <a:ext cx="2210760" cy="546840"/>
+            <a:off x="10880640" y="401400"/>
+            <a:ext cx="2209680" cy="546840"/>
           </a:xfrm>
           <a:prstGeom prst="roundRect">
             <a:avLst>
@@ -4104,8 +4106,8 @@
         </p:nvSpPr>
         <p:spPr>
           <a:xfrm>
-            <a:off x="5379480" y="1107000"/>
-            <a:ext cx="1328400" cy="820800"/>
+            <a:off x="5377320" y="1107360"/>
+            <a:ext cx="1327680" cy="821160"/>
           </a:xfrm>
           <a:prstGeom prst="rect">
             <a:avLst/>
@@ -4158,8 +4160,8 @@
         </p:nvSpPr>
         <p:spPr>
           <a:xfrm>
-            <a:off x="2611080" y="2266200"/>
-            <a:ext cx="7520400" cy="379080"/>
+            <a:off x="2608920" y="2266920"/>
+            <a:ext cx="7519320" cy="379080"/>
           </a:xfrm>
           <a:prstGeom prst="rect">
             <a:avLst/>
@@ -4212,8 +4214,8 @@
         </p:nvSpPr>
         <p:spPr>
           <a:xfrm>
-            <a:off x="1086840" y="3506040"/>
-            <a:ext cx="3622320" cy="3017520"/>
+            <a:off x="1086120" y="3507120"/>
+            <a:ext cx="3620520" cy="3018240"/>
           </a:xfrm>
           <a:prstGeom prst="roundRect">
             <a:avLst>
@@ -4274,8 +4276,8 @@
         </p:nvSpPr>
         <p:spPr>
           <a:xfrm>
-            <a:off x="1020240" y="3425760"/>
-            <a:ext cx="3622680" cy="3017880"/>
+            <a:off x="1019520" y="3426840"/>
+            <a:ext cx="3620880" cy="3018600"/>
           </a:xfrm>
           <a:prstGeom prst="roundRect">
             <a:avLst>
@@ -4424,8 +4426,8 @@
         </p:nvSpPr>
         <p:spPr>
           <a:xfrm>
-            <a:off x="4968360" y="3506040"/>
-            <a:ext cx="3622320" cy="3017520"/>
+            <a:off x="4966200" y="3507120"/>
+            <a:ext cx="3620520" cy="3018240"/>
           </a:xfrm>
           <a:prstGeom prst="roundRect">
             <a:avLst>
@@ -4486,8 +4488,8 @@
         </p:nvSpPr>
         <p:spPr>
           <a:xfrm>
-            <a:off x="4886640" y="3425760"/>
-            <a:ext cx="3622680" cy="3017880"/>
+            <a:off x="4884480" y="3426840"/>
+            <a:ext cx="3620880" cy="3018600"/>
           </a:xfrm>
           <a:prstGeom prst="roundRect">
             <a:avLst>
@@ -4698,8 +4700,8 @@
         </p:nvSpPr>
         <p:spPr>
           <a:xfrm>
-            <a:off x="8849160" y="3506040"/>
-            <a:ext cx="3622320" cy="3017520"/>
+            <a:off x="8845560" y="3507120"/>
+            <a:ext cx="3620520" cy="3018240"/>
           </a:xfrm>
           <a:prstGeom prst="roundRect">
             <a:avLst>
@@ -4760,8 +4762,8 @@
         </p:nvSpPr>
         <p:spPr>
           <a:xfrm>
-            <a:off x="8767440" y="3425760"/>
-            <a:ext cx="3622680" cy="3017880"/>
+            <a:off x="8763840" y="3426840"/>
+            <a:ext cx="3620880" cy="3018600"/>
           </a:xfrm>
           <a:prstGeom prst="roundRect">
             <a:avLst>
@@ -4834,7 +4836,7 @@
         </p:nvSpPr>
         <p:spPr>
           <a:xfrm>
-            <a:off x="5224320" y="7104600"/>
+            <a:off x="5221800" y="7106760"/>
             <a:ext cx="3051000" cy="363960"/>
           </a:xfrm>
           <a:prstGeom prst="rect">
@@ -4918,8 +4920,8 @@
         </p:nvSpPr>
         <p:spPr>
           <a:xfrm>
-            <a:off x="1440" y="1800"/>
-            <a:ext cx="13430160" cy="7553520"/>
+            <a:off x="1800" y="1800"/>
+            <a:ext cx="13424400" cy="7555680"/>
           </a:xfrm>
           <a:prstGeom prst="rect">
             <a:avLst/>
@@ -4978,8 +4980,8 @@
         </p:nvSpPr>
         <p:spPr>
           <a:xfrm>
-            <a:off x="1440" y="1800"/>
-            <a:ext cx="14400" cy="7553520"/>
+            <a:off x="1800" y="1800"/>
+            <a:ext cx="14040" cy="7555680"/>
           </a:xfrm>
           <a:prstGeom prst="rect">
             <a:avLst/>
@@ -5038,8 +5040,8 @@
         </p:nvSpPr>
         <p:spPr>
           <a:xfrm>
-            <a:off x="1005480" y="1800"/>
-            <a:ext cx="14400" cy="7553520"/>
+            <a:off x="1004760" y="1800"/>
+            <a:ext cx="14040" cy="7555680"/>
           </a:xfrm>
           <a:prstGeom prst="rect">
             <a:avLst/>
@@ -5098,8 +5100,8 @@
         </p:nvSpPr>
         <p:spPr>
           <a:xfrm>
-            <a:off x="2013480" y="1800"/>
-            <a:ext cx="14400" cy="7553520"/>
+            <a:off x="2012400" y="1800"/>
+            <a:ext cx="14040" cy="7555680"/>
           </a:xfrm>
           <a:prstGeom prst="rect">
             <a:avLst/>
@@ -5158,8 +5160,8 @@
         </p:nvSpPr>
         <p:spPr>
           <a:xfrm>
-            <a:off x="3021480" y="1800"/>
-            <a:ext cx="14400" cy="7553520"/>
+            <a:off x="3020040" y="1800"/>
+            <a:ext cx="14040" cy="7555680"/>
           </a:xfrm>
           <a:prstGeom prst="rect">
             <a:avLst/>
@@ -5218,8 +5220,8 @@
         </p:nvSpPr>
         <p:spPr>
           <a:xfrm>
-            <a:off x="4029480" y="1800"/>
-            <a:ext cx="14400" cy="7553520"/>
+            <a:off x="4027680" y="1800"/>
+            <a:ext cx="14040" cy="7555680"/>
           </a:xfrm>
           <a:prstGeom prst="rect">
             <a:avLst/>
@@ -5278,8 +5280,8 @@
         </p:nvSpPr>
         <p:spPr>
           <a:xfrm>
-            <a:off x="5037480" y="1800"/>
-            <a:ext cx="14400" cy="7553520"/>
+            <a:off x="5035320" y="1800"/>
+            <a:ext cx="14040" cy="7555680"/>
           </a:xfrm>
           <a:prstGeom prst="rect">
             <a:avLst/>
@@ -5338,8 +5340,8 @@
         </p:nvSpPr>
         <p:spPr>
           <a:xfrm>
-            <a:off x="6045480" y="1800"/>
-            <a:ext cx="14400" cy="7553520"/>
+            <a:off x="6042960" y="1800"/>
+            <a:ext cx="14040" cy="7555680"/>
           </a:xfrm>
           <a:prstGeom prst="rect">
             <a:avLst/>
@@ -5398,8 +5400,8 @@
         </p:nvSpPr>
         <p:spPr>
           <a:xfrm>
-            <a:off x="7053480" y="1800"/>
-            <a:ext cx="14400" cy="7553520"/>
+            <a:off x="7050600" y="1800"/>
+            <a:ext cx="14040" cy="7555680"/>
           </a:xfrm>
           <a:prstGeom prst="rect">
             <a:avLst/>
@@ -5458,8 +5460,8 @@
         </p:nvSpPr>
         <p:spPr>
           <a:xfrm>
-            <a:off x="8061480" y="1800"/>
-            <a:ext cx="14400" cy="7553520"/>
+            <a:off x="8058240" y="1800"/>
+            <a:ext cx="14040" cy="7555680"/>
           </a:xfrm>
           <a:prstGeom prst="rect">
             <a:avLst/>
@@ -5518,8 +5520,8 @@
         </p:nvSpPr>
         <p:spPr>
           <a:xfrm>
-            <a:off x="9069480" y="1800"/>
-            <a:ext cx="14400" cy="7553520"/>
+            <a:off x="9065880" y="1800"/>
+            <a:ext cx="14040" cy="7555680"/>
           </a:xfrm>
           <a:prstGeom prst="rect">
             <a:avLst/>
@@ -5578,8 +5580,8 @@
         </p:nvSpPr>
         <p:spPr>
           <a:xfrm>
-            <a:off x="10077480" y="1800"/>
-            <a:ext cx="14400" cy="7553520"/>
+            <a:off x="10073520" y="1800"/>
+            <a:ext cx="14040" cy="7555680"/>
           </a:xfrm>
           <a:prstGeom prst="rect">
             <a:avLst/>
@@ -5638,8 +5640,8 @@
         </p:nvSpPr>
         <p:spPr>
           <a:xfrm>
-            <a:off x="11085480" y="1800"/>
-            <a:ext cx="14400" cy="7553520"/>
+            <a:off x="11080800" y="1800"/>
+            <a:ext cx="14040" cy="7555680"/>
           </a:xfrm>
           <a:prstGeom prst="rect">
             <a:avLst/>
@@ -5698,8 +5700,8 @@
         </p:nvSpPr>
         <p:spPr>
           <a:xfrm>
-            <a:off x="12093480" y="1800"/>
-            <a:ext cx="14400" cy="7553520"/>
+            <a:off x="12088440" y="1800"/>
+            <a:ext cx="14040" cy="7555680"/>
           </a:xfrm>
           <a:prstGeom prst="rect">
             <a:avLst/>
@@ -5758,8 +5760,8 @@
         </p:nvSpPr>
         <p:spPr>
           <a:xfrm>
-            <a:off x="13101480" y="1800"/>
-            <a:ext cx="14400" cy="7553520"/>
+            <a:off x="13096080" y="1800"/>
+            <a:ext cx="14040" cy="7555680"/>
           </a:xfrm>
           <a:prstGeom prst="rect">
             <a:avLst/>
@@ -5818,8 +5820,8 @@
         </p:nvSpPr>
         <p:spPr>
           <a:xfrm>
-            <a:off x="1440" y="1800"/>
-            <a:ext cx="346320" cy="7553520"/>
+            <a:off x="1800" y="1800"/>
+            <a:ext cx="345960" cy="7555680"/>
           </a:xfrm>
           <a:prstGeom prst="rect">
             <a:avLst/>
@@ -5878,8 +5880,8 @@
         </p:nvSpPr>
         <p:spPr>
           <a:xfrm>
-            <a:off x="10884960" y="401400"/>
-            <a:ext cx="2210760" cy="546840"/>
+            <a:off x="10880640" y="401400"/>
+            <a:ext cx="2209680" cy="546840"/>
           </a:xfrm>
           <a:prstGeom prst="roundRect">
             <a:avLst>
@@ -5952,8 +5954,8 @@
         </p:nvSpPr>
         <p:spPr>
           <a:xfrm>
-            <a:off x="4507920" y="1107000"/>
-            <a:ext cx="3073320" cy="820800"/>
+            <a:off x="4506120" y="1107360"/>
+            <a:ext cx="3072240" cy="821160"/>
           </a:xfrm>
           <a:prstGeom prst="rect">
             <a:avLst/>
@@ -6006,8 +6008,8 @@
         </p:nvSpPr>
         <p:spPr>
           <a:xfrm>
-            <a:off x="3048840" y="2266200"/>
-            <a:ext cx="6641280" cy="668520"/>
+            <a:off x="3046320" y="2266920"/>
+            <a:ext cx="6641280" cy="668880"/>
           </a:xfrm>
           <a:prstGeom prst="rect">
             <a:avLst/>
@@ -6083,8 +6085,8 @@
         </p:nvSpPr>
         <p:spPr>
           <a:xfrm>
-            <a:off x="1086840" y="3506040"/>
-            <a:ext cx="3622320" cy="3017520"/>
+            <a:off x="1086120" y="3507120"/>
+            <a:ext cx="3620520" cy="3018240"/>
           </a:xfrm>
           <a:prstGeom prst="roundRect">
             <a:avLst>
@@ -6145,8 +6147,8 @@
         </p:nvSpPr>
         <p:spPr>
           <a:xfrm>
-            <a:off x="1006560" y="3425040"/>
-            <a:ext cx="3622680" cy="3017880"/>
+            <a:off x="1005840" y="3426120"/>
+            <a:ext cx="3620880" cy="3018600"/>
           </a:xfrm>
           <a:prstGeom prst="roundRect">
             <a:avLst>
@@ -6336,8 +6338,8 @@
         </p:nvSpPr>
         <p:spPr>
           <a:xfrm>
-            <a:off x="4968360" y="3506040"/>
-            <a:ext cx="3622320" cy="3017520"/>
+            <a:off x="4966200" y="3507120"/>
+            <a:ext cx="3620520" cy="3018240"/>
           </a:xfrm>
           <a:prstGeom prst="roundRect">
             <a:avLst>
@@ -6398,8 +6400,8 @@
         </p:nvSpPr>
         <p:spPr>
           <a:xfrm>
-            <a:off x="4886640" y="3425040"/>
-            <a:ext cx="3622680" cy="3017880"/>
+            <a:off x="4884480" y="3426120"/>
+            <a:ext cx="3620880" cy="3018600"/>
           </a:xfrm>
           <a:prstGeom prst="roundRect">
             <a:avLst>
@@ -6751,8 +6753,8 @@
         </p:nvSpPr>
         <p:spPr>
           <a:xfrm>
-            <a:off x="8849160" y="3506040"/>
-            <a:ext cx="3622320" cy="3017520"/>
+            <a:off x="8845560" y="3507120"/>
+            <a:ext cx="3620520" cy="3018240"/>
           </a:xfrm>
           <a:prstGeom prst="roundRect">
             <a:avLst>
@@ -6813,8 +6815,8 @@
         </p:nvSpPr>
         <p:spPr>
           <a:xfrm>
-            <a:off x="8767440" y="3425760"/>
-            <a:ext cx="3622680" cy="3017880"/>
+            <a:off x="8763840" y="3426840"/>
+            <a:ext cx="3620880" cy="3018600"/>
           </a:xfrm>
           <a:prstGeom prst="roundRect">
             <a:avLst>
@@ -7035,7 +7037,7 @@
         </p:nvSpPr>
         <p:spPr>
           <a:xfrm>
-            <a:off x="5224320" y="7104600"/>
+            <a:off x="5221800" y="7106760"/>
             <a:ext cx="3051000" cy="363960"/>
           </a:xfrm>
           <a:prstGeom prst="rect">
@@ -7119,8 +7121,8 @@
         </p:nvSpPr>
         <p:spPr>
           <a:xfrm>
-            <a:off x="1440" y="1800"/>
-            <a:ext cx="13430160" cy="7553520"/>
+            <a:off x="1800" y="1800"/>
+            <a:ext cx="13424400" cy="7555680"/>
           </a:xfrm>
           <a:prstGeom prst="rect">
             <a:avLst/>
@@ -7179,8 +7181,8 @@
         </p:nvSpPr>
         <p:spPr>
           <a:xfrm>
-            <a:off x="1440" y="1800"/>
-            <a:ext cx="14400" cy="7553520"/>
+            <a:off x="1800" y="1800"/>
+            <a:ext cx="14040" cy="7555680"/>
           </a:xfrm>
           <a:prstGeom prst="rect">
             <a:avLst/>
@@ -7239,8 +7241,8 @@
         </p:nvSpPr>
         <p:spPr>
           <a:xfrm>
-            <a:off x="1005480" y="1800"/>
-            <a:ext cx="14400" cy="7553520"/>
+            <a:off x="1004760" y="1800"/>
+            <a:ext cx="14040" cy="7555680"/>
           </a:xfrm>
           <a:prstGeom prst="rect">
             <a:avLst/>
@@ -7299,8 +7301,8 @@
         </p:nvSpPr>
         <p:spPr>
           <a:xfrm>
-            <a:off x="2013480" y="1800"/>
-            <a:ext cx="14400" cy="7553520"/>
+            <a:off x="2012400" y="1800"/>
+            <a:ext cx="14040" cy="7555680"/>
           </a:xfrm>
           <a:prstGeom prst="rect">
             <a:avLst/>
@@ -7359,8 +7361,8 @@
         </p:nvSpPr>
         <p:spPr>
           <a:xfrm>
-            <a:off x="3021480" y="1800"/>
-            <a:ext cx="14400" cy="7553520"/>
+            <a:off x="3020040" y="1800"/>
+            <a:ext cx="14040" cy="7555680"/>
           </a:xfrm>
           <a:prstGeom prst="rect">
             <a:avLst/>
@@ -7419,8 +7421,8 @@
         </p:nvSpPr>
         <p:spPr>
           <a:xfrm>
-            <a:off x="4029480" y="1800"/>
-            <a:ext cx="14400" cy="7553520"/>
+            <a:off x="4027680" y="1800"/>
+            <a:ext cx="14040" cy="7555680"/>
           </a:xfrm>
           <a:prstGeom prst="rect">
             <a:avLst/>
@@ -7479,8 +7481,8 @@
         </p:nvSpPr>
         <p:spPr>
           <a:xfrm>
-            <a:off x="5037480" y="1800"/>
-            <a:ext cx="14400" cy="7553520"/>
+            <a:off x="5035320" y="1800"/>
+            <a:ext cx="14040" cy="7555680"/>
           </a:xfrm>
           <a:prstGeom prst="rect">
             <a:avLst/>
@@ -7539,8 +7541,8 @@
         </p:nvSpPr>
         <p:spPr>
           <a:xfrm>
-            <a:off x="6045480" y="1800"/>
-            <a:ext cx="14400" cy="7553520"/>
+            <a:off x="6042960" y="1800"/>
+            <a:ext cx="14040" cy="7555680"/>
           </a:xfrm>
           <a:prstGeom prst="rect">
             <a:avLst/>
@@ -7599,8 +7601,8 @@
         </p:nvSpPr>
         <p:spPr>
           <a:xfrm>
-            <a:off x="7053480" y="1800"/>
-            <a:ext cx="14400" cy="7553520"/>
+            <a:off x="7050600" y="1800"/>
+            <a:ext cx="14040" cy="7555680"/>
           </a:xfrm>
           <a:prstGeom prst="rect">
             <a:avLst/>
@@ -7659,8 +7661,8 @@
         </p:nvSpPr>
         <p:spPr>
           <a:xfrm>
-            <a:off x="8061480" y="1800"/>
-            <a:ext cx="14400" cy="7553520"/>
+            <a:off x="8058240" y="1800"/>
+            <a:ext cx="14040" cy="7555680"/>
           </a:xfrm>
           <a:prstGeom prst="rect">
             <a:avLst/>
@@ -7719,8 +7721,8 @@
         </p:nvSpPr>
         <p:spPr>
           <a:xfrm>
-            <a:off x="9069480" y="1800"/>
-            <a:ext cx="14400" cy="7553520"/>
+            <a:off x="9065880" y="1800"/>
+            <a:ext cx="14040" cy="7555680"/>
           </a:xfrm>
           <a:prstGeom prst="rect">
             <a:avLst/>
@@ -7779,8 +7781,8 @@
         </p:nvSpPr>
         <p:spPr>
           <a:xfrm>
-            <a:off x="10077480" y="1800"/>
-            <a:ext cx="14400" cy="7553520"/>
+            <a:off x="10073520" y="1800"/>
+            <a:ext cx="14040" cy="7555680"/>
           </a:xfrm>
           <a:prstGeom prst="rect">
             <a:avLst/>
@@ -7839,8 +7841,8 @@
         </p:nvSpPr>
         <p:spPr>
           <a:xfrm>
-            <a:off x="11085480" y="1800"/>
-            <a:ext cx="14400" cy="7553520"/>
+            <a:off x="11080800" y="1800"/>
+            <a:ext cx="14040" cy="7555680"/>
           </a:xfrm>
           <a:prstGeom prst="rect">
             <a:avLst/>
@@ -7899,8 +7901,8 @@
         </p:nvSpPr>
         <p:spPr>
           <a:xfrm>
-            <a:off x="12093480" y="1800"/>
-            <a:ext cx="14400" cy="7553520"/>
+            <a:off x="12088440" y="1800"/>
+            <a:ext cx="14040" cy="7555680"/>
           </a:xfrm>
           <a:prstGeom prst="rect">
             <a:avLst/>
@@ -7959,8 +7961,8 @@
         </p:nvSpPr>
         <p:spPr>
           <a:xfrm>
-            <a:off x="13101480" y="1800"/>
-            <a:ext cx="14400" cy="7553520"/>
+            <a:off x="13096080" y="1800"/>
+            <a:ext cx="14040" cy="7555680"/>
           </a:xfrm>
           <a:prstGeom prst="rect">
             <a:avLst/>
@@ -8019,8 +8021,8 @@
         </p:nvSpPr>
         <p:spPr>
           <a:xfrm>
-            <a:off x="1440" y="1800"/>
-            <a:ext cx="346320" cy="7553520"/>
+            <a:off x="1800" y="1800"/>
+            <a:ext cx="345960" cy="7555680"/>
           </a:xfrm>
           <a:prstGeom prst="rect">
             <a:avLst/>
@@ -8079,8 +8081,8 @@
         </p:nvSpPr>
         <p:spPr>
           <a:xfrm>
-            <a:off x="10884960" y="401400"/>
-            <a:ext cx="2210760" cy="546840"/>
+            <a:off x="10880640" y="401400"/>
+            <a:ext cx="2209680" cy="546840"/>
           </a:xfrm>
           <a:prstGeom prst="roundRect">
             <a:avLst>
@@ -8153,8 +8155,8 @@
         </p:nvSpPr>
         <p:spPr>
           <a:xfrm>
-            <a:off x="3484440" y="1107000"/>
-            <a:ext cx="5121360" cy="820800"/>
+            <a:off x="3482280" y="1107360"/>
+            <a:ext cx="5120280" cy="821160"/>
           </a:xfrm>
           <a:prstGeom prst="rect">
             <a:avLst/>
@@ -8207,7 +8209,7 @@
         </p:nvSpPr>
         <p:spPr>
           <a:xfrm>
-            <a:off x="2706840" y="2266200"/>
+            <a:off x="2704320" y="2266920"/>
             <a:ext cx="7325640" cy="379080"/>
           </a:xfrm>
           <a:prstGeom prst="rect">
@@ -8261,8 +8263,8 @@
         </p:nvSpPr>
         <p:spPr>
           <a:xfrm>
-            <a:off x="1086840" y="3506040"/>
-            <a:ext cx="3622320" cy="3017520"/>
+            <a:off x="1086120" y="3507120"/>
+            <a:ext cx="3620520" cy="3018240"/>
           </a:xfrm>
           <a:prstGeom prst="roundRect">
             <a:avLst>
@@ -8323,8 +8325,8 @@
         </p:nvSpPr>
         <p:spPr>
           <a:xfrm>
-            <a:off x="1006560" y="3425760"/>
-            <a:ext cx="3622680" cy="3017880"/>
+            <a:off x="1005840" y="3426840"/>
+            <a:ext cx="3620880" cy="3018600"/>
           </a:xfrm>
           <a:prstGeom prst="roundRect">
             <a:avLst>
@@ -8486,8 +8488,8 @@
         </p:nvSpPr>
         <p:spPr>
           <a:xfrm>
-            <a:off x="4968360" y="3506040"/>
-            <a:ext cx="3622320" cy="3017520"/>
+            <a:off x="4966200" y="3507120"/>
+            <a:ext cx="3620520" cy="3018240"/>
           </a:xfrm>
           <a:prstGeom prst="roundRect">
             <a:avLst>
@@ -8548,8 +8550,8 @@
         </p:nvSpPr>
         <p:spPr>
           <a:xfrm>
-            <a:off x="4886640" y="3424320"/>
-            <a:ext cx="3622680" cy="3017880"/>
+            <a:off x="4884480" y="3425400"/>
+            <a:ext cx="3620880" cy="3018600"/>
           </a:xfrm>
           <a:prstGeom prst="roundRect">
             <a:avLst>
@@ -8806,8 +8808,8 @@
         </p:nvSpPr>
         <p:spPr>
           <a:xfrm>
-            <a:off x="8849160" y="3506040"/>
-            <a:ext cx="3622320" cy="3017520"/>
+            <a:off x="8845560" y="3507120"/>
+            <a:ext cx="3620520" cy="3018240"/>
           </a:xfrm>
           <a:prstGeom prst="roundRect">
             <a:avLst>
@@ -8868,8 +8870,8 @@
         </p:nvSpPr>
         <p:spPr>
           <a:xfrm>
-            <a:off x="8767440" y="3425040"/>
-            <a:ext cx="3622680" cy="3017880"/>
+            <a:off x="8763840" y="3426120"/>
+            <a:ext cx="3620880" cy="3018600"/>
           </a:xfrm>
           <a:prstGeom prst="roundRect">
             <a:avLst>
@@ -9152,7 +9154,7 @@
         </p:nvSpPr>
         <p:spPr>
           <a:xfrm>
-            <a:off x="5224320" y="7104600"/>
+            <a:off x="5221800" y="7106760"/>
             <a:ext cx="3051000" cy="363960"/>
           </a:xfrm>
           <a:prstGeom prst="rect">
@@ -9236,8 +9238,8 @@
         </p:nvSpPr>
         <p:spPr>
           <a:xfrm>
-            <a:off x="1440" y="1800"/>
-            <a:ext cx="13430160" cy="7553520"/>
+            <a:off x="1800" y="1800"/>
+            <a:ext cx="13424400" cy="7555680"/>
           </a:xfrm>
           <a:prstGeom prst="rect">
             <a:avLst/>
@@ -9296,8 +9298,8 @@
         </p:nvSpPr>
         <p:spPr>
           <a:xfrm>
-            <a:off x="1440" y="1800"/>
-            <a:ext cx="14400" cy="7553520"/>
+            <a:off x="1800" y="1800"/>
+            <a:ext cx="14040" cy="7555680"/>
           </a:xfrm>
           <a:prstGeom prst="rect">
             <a:avLst/>
@@ -9356,8 +9358,8 @@
         </p:nvSpPr>
         <p:spPr>
           <a:xfrm>
-            <a:off x="1005480" y="1800"/>
-            <a:ext cx="14400" cy="7553520"/>
+            <a:off x="1004760" y="1800"/>
+            <a:ext cx="14040" cy="7555680"/>
           </a:xfrm>
           <a:prstGeom prst="rect">
             <a:avLst/>
@@ -9416,8 +9418,8 @@
         </p:nvSpPr>
         <p:spPr>
           <a:xfrm>
-            <a:off x="2013480" y="1800"/>
-            <a:ext cx="14400" cy="7553520"/>
+            <a:off x="2012400" y="1800"/>
+            <a:ext cx="14040" cy="7555680"/>
           </a:xfrm>
           <a:prstGeom prst="rect">
             <a:avLst/>
@@ -9476,8 +9478,8 @@
         </p:nvSpPr>
         <p:spPr>
           <a:xfrm>
-            <a:off x="3021480" y="1800"/>
-            <a:ext cx="14400" cy="7553520"/>
+            <a:off x="3020040" y="1800"/>
+            <a:ext cx="14040" cy="7555680"/>
           </a:xfrm>
           <a:prstGeom prst="rect">
             <a:avLst/>
@@ -9536,8 +9538,8 @@
         </p:nvSpPr>
         <p:spPr>
           <a:xfrm>
-            <a:off x="4029480" y="1800"/>
-            <a:ext cx="14400" cy="7553520"/>
+            <a:off x="4027680" y="1800"/>
+            <a:ext cx="14040" cy="7555680"/>
           </a:xfrm>
           <a:prstGeom prst="rect">
             <a:avLst/>
@@ -9596,8 +9598,8 @@
         </p:nvSpPr>
         <p:spPr>
           <a:xfrm>
-            <a:off x="5037480" y="1800"/>
-            <a:ext cx="14400" cy="7553520"/>
+            <a:off x="5035320" y="1800"/>
+            <a:ext cx="14040" cy="7555680"/>
           </a:xfrm>
           <a:prstGeom prst="rect">
             <a:avLst/>
@@ -9656,8 +9658,8 @@
         </p:nvSpPr>
         <p:spPr>
           <a:xfrm>
-            <a:off x="6045480" y="1800"/>
-            <a:ext cx="14400" cy="7553520"/>
+            <a:off x="6042960" y="1800"/>
+            <a:ext cx="14040" cy="7555680"/>
           </a:xfrm>
           <a:prstGeom prst="rect">
             <a:avLst/>
@@ -9716,8 +9718,8 @@
         </p:nvSpPr>
         <p:spPr>
           <a:xfrm>
-            <a:off x="7053480" y="1800"/>
-            <a:ext cx="14400" cy="7553520"/>
+            <a:off x="7050600" y="1800"/>
+            <a:ext cx="14040" cy="7555680"/>
           </a:xfrm>
           <a:prstGeom prst="rect">
             <a:avLst/>
@@ -9776,8 +9778,8 @@
         </p:nvSpPr>
         <p:spPr>
           <a:xfrm>
-            <a:off x="8061480" y="1800"/>
-            <a:ext cx="14400" cy="7553520"/>
+            <a:off x="8058240" y="1800"/>
+            <a:ext cx="14040" cy="7555680"/>
           </a:xfrm>
           <a:prstGeom prst="rect">
             <a:avLst/>
@@ -9836,8 +9838,8 @@
         </p:nvSpPr>
         <p:spPr>
           <a:xfrm>
-            <a:off x="9069480" y="1800"/>
-            <a:ext cx="14400" cy="7553520"/>
+            <a:off x="9065880" y="1800"/>
+            <a:ext cx="14040" cy="7555680"/>
           </a:xfrm>
           <a:prstGeom prst="rect">
             <a:avLst/>
@@ -9896,8 +9898,8 @@
         </p:nvSpPr>
         <p:spPr>
           <a:xfrm>
-            <a:off x="10077480" y="1800"/>
-            <a:ext cx="14400" cy="7553520"/>
+            <a:off x="10073520" y="1800"/>
+            <a:ext cx="14040" cy="7555680"/>
           </a:xfrm>
           <a:prstGeom prst="rect">
             <a:avLst/>
@@ -9956,8 +9958,8 @@
         </p:nvSpPr>
         <p:spPr>
           <a:xfrm>
-            <a:off x="11085480" y="1800"/>
-            <a:ext cx="14400" cy="7553520"/>
+            <a:off x="11080800" y="1800"/>
+            <a:ext cx="14040" cy="7555680"/>
           </a:xfrm>
           <a:prstGeom prst="rect">
             <a:avLst/>
@@ -10016,8 +10018,8 @@
         </p:nvSpPr>
         <p:spPr>
           <a:xfrm>
-            <a:off x="12093480" y="1800"/>
-            <a:ext cx="14400" cy="7553520"/>
+            <a:off x="12088440" y="1800"/>
+            <a:ext cx="14040" cy="7555680"/>
           </a:xfrm>
           <a:prstGeom prst="rect">
             <a:avLst/>
@@ -10076,8 +10078,8 @@
         </p:nvSpPr>
         <p:spPr>
           <a:xfrm>
-            <a:off x="13101480" y="1800"/>
-            <a:ext cx="14400" cy="7553520"/>
+            <a:off x="13096080" y="1800"/>
+            <a:ext cx="14040" cy="7555680"/>
           </a:xfrm>
           <a:prstGeom prst="rect">
             <a:avLst/>
@@ -10136,8 +10138,8 @@
         </p:nvSpPr>
         <p:spPr>
           <a:xfrm>
-            <a:off x="1440" y="1800"/>
-            <a:ext cx="346320" cy="7553520"/>
+            <a:off x="1800" y="1800"/>
+            <a:ext cx="345960" cy="7555680"/>
           </a:xfrm>
           <a:prstGeom prst="rect">
             <a:avLst/>
@@ -10196,8 +10198,8 @@
         </p:nvSpPr>
         <p:spPr>
           <a:xfrm>
-            <a:off x="10884960" y="401400"/>
-            <a:ext cx="2210760" cy="546840"/>
+            <a:off x="10880640" y="401400"/>
+            <a:ext cx="2209680" cy="546840"/>
           </a:xfrm>
           <a:prstGeom prst="roundRect">
             <a:avLst>
@@ -10270,8 +10272,8 @@
         </p:nvSpPr>
         <p:spPr>
           <a:xfrm>
-            <a:off x="4173840" y="1107000"/>
-            <a:ext cx="3739680" cy="820800"/>
+            <a:off x="4171320" y="1107360"/>
+            <a:ext cx="3739680" cy="821160"/>
           </a:xfrm>
           <a:prstGeom prst="rect">
             <a:avLst/>
@@ -10324,8 +10326,8 @@
         </p:nvSpPr>
         <p:spPr>
           <a:xfrm>
-            <a:off x="1952280" y="2266200"/>
-            <a:ext cx="8838720" cy="379080"/>
+            <a:off x="1949760" y="2266920"/>
+            <a:ext cx="8837640" cy="379080"/>
           </a:xfrm>
           <a:prstGeom prst="rect">
             <a:avLst/>
@@ -10378,8 +10380,8 @@
         </p:nvSpPr>
         <p:spPr>
           <a:xfrm>
-            <a:off x="1086840" y="3506040"/>
-            <a:ext cx="3622320" cy="3017520"/>
+            <a:off x="1086120" y="3507120"/>
+            <a:ext cx="3620520" cy="3018240"/>
           </a:xfrm>
           <a:prstGeom prst="roundRect">
             <a:avLst>
@@ -10440,8 +10442,8 @@
         </p:nvSpPr>
         <p:spPr>
           <a:xfrm>
-            <a:off x="1006560" y="3425040"/>
-            <a:ext cx="3622680" cy="3017880"/>
+            <a:off x="1005840" y="3426120"/>
+            <a:ext cx="3620880" cy="3018600"/>
           </a:xfrm>
           <a:prstGeom prst="roundRect">
             <a:avLst>
@@ -10770,8 +10772,8 @@
         </p:nvSpPr>
         <p:spPr>
           <a:xfrm>
-            <a:off x="4968360" y="3506040"/>
-            <a:ext cx="3622320" cy="3017520"/>
+            <a:off x="4966200" y="3507120"/>
+            <a:ext cx="3620520" cy="3018240"/>
           </a:xfrm>
           <a:prstGeom prst="roundRect">
             <a:avLst>
@@ -10832,8 +10834,8 @@
         </p:nvSpPr>
         <p:spPr>
           <a:xfrm>
-            <a:off x="4886640" y="3425040"/>
-            <a:ext cx="3622680" cy="3017880"/>
+            <a:off x="4884480" y="3426120"/>
+            <a:ext cx="3620880" cy="3018600"/>
           </a:xfrm>
           <a:prstGeom prst="roundRect">
             <a:avLst>
@@ -11155,8 +11157,8 @@
         </p:nvSpPr>
         <p:spPr>
           <a:xfrm>
-            <a:off x="8849160" y="3506040"/>
-            <a:ext cx="3622320" cy="3017520"/>
+            <a:off x="8845560" y="3507120"/>
+            <a:ext cx="3620520" cy="3018240"/>
           </a:xfrm>
           <a:prstGeom prst="roundRect">
             <a:avLst>
@@ -11217,8 +11219,8 @@
         </p:nvSpPr>
         <p:spPr>
           <a:xfrm>
-            <a:off x="8767440" y="3425040"/>
-            <a:ext cx="3622680" cy="3017880"/>
+            <a:off x="8763840" y="3426120"/>
+            <a:ext cx="3620880" cy="3018600"/>
           </a:xfrm>
           <a:prstGeom prst="roundRect">
             <a:avLst>
@@ -11623,7 +11625,7 @@
         </p:nvSpPr>
         <p:spPr>
           <a:xfrm>
-            <a:off x="5224320" y="7104600"/>
+            <a:off x="5221800" y="7106760"/>
             <a:ext cx="3051000" cy="363960"/>
           </a:xfrm>
           <a:prstGeom prst="rect">
@@ -11707,8 +11709,8 @@
         </p:nvSpPr>
         <p:spPr>
           <a:xfrm>
-            <a:off x="1440" y="1800"/>
-            <a:ext cx="13430520" cy="7553880"/>
+            <a:off x="1800" y="1800"/>
+            <a:ext cx="13424760" cy="7556040"/>
           </a:xfrm>
           <a:prstGeom prst="rect">
             <a:avLst/>
@@ -11744,6 +11746,11 @@
             <a:noAutofit/>
           </a:bodyPr>
           <a:p>
+            <a:pPr>
+              <a:lnSpc>
+                <a:spcPct val="100000"/>
+              </a:lnSpc>
+            </a:pPr>
             <a:endParaRPr b="0" lang="en-US" sz="1800" spc="-1" strike="noStrike">
               <a:solidFill>
                 <a:schemeClr val="lt1"/>
@@ -11762,8 +11769,8 @@
         </p:nvSpPr>
         <p:spPr>
           <a:xfrm>
-            <a:off x="1440" y="1800"/>
-            <a:ext cx="14760" cy="7553880"/>
+            <a:off x="1800" y="1800"/>
+            <a:ext cx="14400" cy="7556040"/>
           </a:xfrm>
           <a:prstGeom prst="rect">
             <a:avLst/>
@@ -11799,6 +11806,11 @@
             <a:noAutofit/>
           </a:bodyPr>
           <a:p>
+            <a:pPr>
+              <a:lnSpc>
+                <a:spcPct val="100000"/>
+              </a:lnSpc>
+            </a:pPr>
             <a:endParaRPr b="0" lang="en-US" sz="1800" spc="-1" strike="noStrike">
               <a:solidFill>
                 <a:schemeClr val="lt1"/>
@@ -11817,8 +11829,8 @@
         </p:nvSpPr>
         <p:spPr>
           <a:xfrm>
-            <a:off x="1005480" y="1800"/>
-            <a:ext cx="14760" cy="7553880"/>
+            <a:off x="1004760" y="1800"/>
+            <a:ext cx="14400" cy="7556040"/>
           </a:xfrm>
           <a:prstGeom prst="rect">
             <a:avLst/>
@@ -11854,6 +11866,11 @@
             <a:noAutofit/>
           </a:bodyPr>
           <a:p>
+            <a:pPr>
+              <a:lnSpc>
+                <a:spcPct val="100000"/>
+              </a:lnSpc>
+            </a:pPr>
             <a:endParaRPr b="0" lang="en-US" sz="1800" spc="-1" strike="noStrike">
               <a:solidFill>
                 <a:schemeClr val="lt1"/>
@@ -11872,8 +11889,8 @@
         </p:nvSpPr>
         <p:spPr>
           <a:xfrm>
-            <a:off x="2013480" y="1800"/>
-            <a:ext cx="14760" cy="7553880"/>
+            <a:off x="2012400" y="1800"/>
+            <a:ext cx="14400" cy="7556040"/>
           </a:xfrm>
           <a:prstGeom prst="rect">
             <a:avLst/>
@@ -11909,6 +11926,11 @@
             <a:noAutofit/>
           </a:bodyPr>
           <a:p>
+            <a:pPr>
+              <a:lnSpc>
+                <a:spcPct val="100000"/>
+              </a:lnSpc>
+            </a:pPr>
             <a:endParaRPr b="0" lang="en-US" sz="1800" spc="-1" strike="noStrike">
               <a:solidFill>
                 <a:schemeClr val="lt1"/>
@@ -11927,8 +11949,8 @@
         </p:nvSpPr>
         <p:spPr>
           <a:xfrm>
-            <a:off x="3021480" y="1800"/>
-            <a:ext cx="14760" cy="7553880"/>
+            <a:off x="3020040" y="1800"/>
+            <a:ext cx="14400" cy="7556040"/>
           </a:xfrm>
           <a:prstGeom prst="rect">
             <a:avLst/>
@@ -11964,6 +11986,11 @@
             <a:noAutofit/>
           </a:bodyPr>
           <a:p>
+            <a:pPr>
+              <a:lnSpc>
+                <a:spcPct val="100000"/>
+              </a:lnSpc>
+            </a:pPr>
             <a:endParaRPr b="0" lang="en-US" sz="1800" spc="-1" strike="noStrike">
               <a:solidFill>
                 <a:schemeClr val="lt1"/>
@@ -11982,8 +12009,8 @@
         </p:nvSpPr>
         <p:spPr>
           <a:xfrm>
-            <a:off x="4029480" y="1800"/>
-            <a:ext cx="14760" cy="7553880"/>
+            <a:off x="4027680" y="1800"/>
+            <a:ext cx="14400" cy="7556040"/>
           </a:xfrm>
           <a:prstGeom prst="rect">
             <a:avLst/>
@@ -12019,6 +12046,11 @@
             <a:noAutofit/>
           </a:bodyPr>
           <a:p>
+            <a:pPr>
+              <a:lnSpc>
+                <a:spcPct val="100000"/>
+              </a:lnSpc>
+            </a:pPr>
             <a:endParaRPr b="0" lang="en-US" sz="1800" spc="-1" strike="noStrike">
               <a:solidFill>
                 <a:schemeClr val="lt1"/>
@@ -12037,8 +12069,8 @@
         </p:nvSpPr>
         <p:spPr>
           <a:xfrm>
-            <a:off x="5037480" y="1800"/>
-            <a:ext cx="14760" cy="7553880"/>
+            <a:off x="5035320" y="1800"/>
+            <a:ext cx="14400" cy="7556040"/>
           </a:xfrm>
           <a:prstGeom prst="rect">
             <a:avLst/>
@@ -12074,6 +12106,11 @@
             <a:noAutofit/>
           </a:bodyPr>
           <a:p>
+            <a:pPr>
+              <a:lnSpc>
+                <a:spcPct val="100000"/>
+              </a:lnSpc>
+            </a:pPr>
             <a:endParaRPr b="0" lang="en-US" sz="1800" spc="-1" strike="noStrike">
               <a:solidFill>
                 <a:schemeClr val="lt1"/>
@@ -12092,8 +12129,8 @@
         </p:nvSpPr>
         <p:spPr>
           <a:xfrm>
-            <a:off x="6045480" y="1800"/>
-            <a:ext cx="14760" cy="7553880"/>
+            <a:off x="6042960" y="1800"/>
+            <a:ext cx="14400" cy="7556040"/>
           </a:xfrm>
           <a:prstGeom prst="rect">
             <a:avLst/>
@@ -12129,6 +12166,11 @@
             <a:noAutofit/>
           </a:bodyPr>
           <a:p>
+            <a:pPr>
+              <a:lnSpc>
+                <a:spcPct val="100000"/>
+              </a:lnSpc>
+            </a:pPr>
             <a:endParaRPr b="0" lang="en-US" sz="1800" spc="-1" strike="noStrike">
               <a:solidFill>
                 <a:schemeClr val="lt1"/>
@@ -12147,8 +12189,8 @@
         </p:nvSpPr>
         <p:spPr>
           <a:xfrm>
-            <a:off x="7053480" y="1800"/>
-            <a:ext cx="14760" cy="7553880"/>
+            <a:off x="7050600" y="1800"/>
+            <a:ext cx="14400" cy="7556040"/>
           </a:xfrm>
           <a:prstGeom prst="rect">
             <a:avLst/>
@@ -12184,6 +12226,11 @@
             <a:noAutofit/>
           </a:bodyPr>
           <a:p>
+            <a:pPr>
+              <a:lnSpc>
+                <a:spcPct val="100000"/>
+              </a:lnSpc>
+            </a:pPr>
             <a:endParaRPr b="0" lang="en-US" sz="1800" spc="-1" strike="noStrike">
               <a:solidFill>
                 <a:schemeClr val="lt1"/>
@@ -12202,8 +12249,8 @@
         </p:nvSpPr>
         <p:spPr>
           <a:xfrm>
-            <a:off x="8061480" y="1800"/>
-            <a:ext cx="14760" cy="7553880"/>
+            <a:off x="8058240" y="1800"/>
+            <a:ext cx="14400" cy="7556040"/>
           </a:xfrm>
           <a:prstGeom prst="rect">
             <a:avLst/>
@@ -12239,6 +12286,11 @@
             <a:noAutofit/>
           </a:bodyPr>
           <a:p>
+            <a:pPr>
+              <a:lnSpc>
+                <a:spcPct val="100000"/>
+              </a:lnSpc>
+            </a:pPr>
             <a:endParaRPr b="0" lang="en-US" sz="1800" spc="-1" strike="noStrike">
               <a:solidFill>
                 <a:schemeClr val="lt1"/>
@@ -12257,8 +12309,8 @@
         </p:nvSpPr>
         <p:spPr>
           <a:xfrm>
-            <a:off x="9069480" y="1800"/>
-            <a:ext cx="14760" cy="7553880"/>
+            <a:off x="9065880" y="1800"/>
+            <a:ext cx="14400" cy="7556040"/>
           </a:xfrm>
           <a:prstGeom prst="rect">
             <a:avLst/>
@@ -12294,6 +12346,11 @@
             <a:noAutofit/>
           </a:bodyPr>
           <a:p>
+            <a:pPr>
+              <a:lnSpc>
+                <a:spcPct val="100000"/>
+              </a:lnSpc>
+            </a:pPr>
             <a:endParaRPr b="0" lang="en-US" sz="1800" spc="-1" strike="noStrike">
               <a:solidFill>
                 <a:schemeClr val="lt1"/>
@@ -12312,8 +12369,8 @@
         </p:nvSpPr>
         <p:spPr>
           <a:xfrm>
-            <a:off x="10077480" y="1800"/>
-            <a:ext cx="14760" cy="7553880"/>
+            <a:off x="10073520" y="1800"/>
+            <a:ext cx="14400" cy="7556040"/>
           </a:xfrm>
           <a:prstGeom prst="rect">
             <a:avLst/>
@@ -12349,6 +12406,11 @@
             <a:noAutofit/>
           </a:bodyPr>
           <a:p>
+            <a:pPr>
+              <a:lnSpc>
+                <a:spcPct val="100000"/>
+              </a:lnSpc>
+            </a:pPr>
             <a:endParaRPr b="0" lang="en-US" sz="1800" spc="-1" strike="noStrike">
               <a:solidFill>
                 <a:schemeClr val="lt1"/>
@@ -12367,8 +12429,8 @@
         </p:nvSpPr>
         <p:spPr>
           <a:xfrm>
-            <a:off x="11085480" y="1800"/>
-            <a:ext cx="14760" cy="7553880"/>
+            <a:off x="11080800" y="1800"/>
+            <a:ext cx="14400" cy="7556040"/>
           </a:xfrm>
           <a:prstGeom prst="rect">
             <a:avLst/>
@@ -12404,6 +12466,11 @@
             <a:noAutofit/>
           </a:bodyPr>
           <a:p>
+            <a:pPr>
+              <a:lnSpc>
+                <a:spcPct val="100000"/>
+              </a:lnSpc>
+            </a:pPr>
             <a:endParaRPr b="0" lang="en-US" sz="1800" spc="-1" strike="noStrike">
               <a:solidFill>
                 <a:schemeClr val="lt1"/>
@@ -12422,8 +12489,8 @@
         </p:nvSpPr>
         <p:spPr>
           <a:xfrm>
-            <a:off x="12093480" y="1800"/>
-            <a:ext cx="14760" cy="7553880"/>
+            <a:off x="12088440" y="1800"/>
+            <a:ext cx="14400" cy="7556040"/>
           </a:xfrm>
           <a:prstGeom prst="rect">
             <a:avLst/>
@@ -12459,6 +12526,11 @@
             <a:noAutofit/>
           </a:bodyPr>
           <a:p>
+            <a:pPr>
+              <a:lnSpc>
+                <a:spcPct val="100000"/>
+              </a:lnSpc>
+            </a:pPr>
             <a:endParaRPr b="0" lang="en-US" sz="1800" spc="-1" strike="noStrike">
               <a:solidFill>
                 <a:schemeClr val="lt1"/>
@@ -12477,8 +12549,8 @@
         </p:nvSpPr>
         <p:spPr>
           <a:xfrm>
-            <a:off x="13101480" y="1800"/>
-            <a:ext cx="14760" cy="7553880"/>
+            <a:off x="13096080" y="1800"/>
+            <a:ext cx="14400" cy="7556040"/>
           </a:xfrm>
           <a:prstGeom prst="rect">
             <a:avLst/>
@@ -12514,6 +12586,11 @@
             <a:noAutofit/>
           </a:bodyPr>
           <a:p>
+            <a:pPr>
+              <a:lnSpc>
+                <a:spcPct val="100000"/>
+              </a:lnSpc>
+            </a:pPr>
             <a:endParaRPr b="0" lang="en-US" sz="1800" spc="-1" strike="noStrike">
               <a:solidFill>
                 <a:schemeClr val="lt1"/>
@@ -12532,8 +12609,8 @@
         </p:nvSpPr>
         <p:spPr>
           <a:xfrm>
-            <a:off x="1440" y="1800"/>
-            <a:ext cx="346680" cy="7553880"/>
+            <a:off x="1800" y="1800"/>
+            <a:ext cx="346320" cy="7556040"/>
           </a:xfrm>
           <a:prstGeom prst="rect">
             <a:avLst/>
@@ -12569,6 +12646,11 @@
             <a:noAutofit/>
           </a:bodyPr>
           <a:p>
+            <a:pPr>
+              <a:lnSpc>
+                <a:spcPct val="100000"/>
+              </a:lnSpc>
+            </a:pPr>
             <a:endParaRPr b="0" lang="en-US" sz="1800" spc="-1" strike="noStrike">
               <a:solidFill>
                 <a:schemeClr val="lt1"/>
@@ -12587,8 +12669,8 @@
         </p:nvSpPr>
         <p:spPr>
           <a:xfrm>
-            <a:off x="10884960" y="401400"/>
-            <a:ext cx="2211120" cy="547200"/>
+            <a:off x="10880640" y="401400"/>
+            <a:ext cx="2210040" cy="547200"/>
           </a:xfrm>
           <a:prstGeom prst="roundRect">
             <a:avLst>
@@ -12661,8 +12743,8 @@
         </p:nvSpPr>
         <p:spPr>
           <a:xfrm>
-            <a:off x="2803320" y="1107000"/>
-            <a:ext cx="6484320" cy="820800"/>
+            <a:off x="2801160" y="1107360"/>
+            <a:ext cx="6482880" cy="821160"/>
           </a:xfrm>
           <a:prstGeom prst="rect">
             <a:avLst/>
@@ -12715,7 +12797,7 @@
         </p:nvSpPr>
         <p:spPr>
           <a:xfrm>
-            <a:off x="2823480" y="2266200"/>
+            <a:off x="2820600" y="2266920"/>
             <a:ext cx="7094160" cy="379080"/>
           </a:xfrm>
           <a:prstGeom prst="rect">
@@ -12769,8 +12851,8 @@
         </p:nvSpPr>
         <p:spPr>
           <a:xfrm>
-            <a:off x="1086840" y="3506040"/>
-            <a:ext cx="3622680" cy="3017880"/>
+            <a:off x="1086120" y="3507120"/>
+            <a:ext cx="3620880" cy="3018600"/>
           </a:xfrm>
           <a:prstGeom prst="roundRect">
             <a:avLst>
@@ -12808,6 +12890,11 @@
             <a:noAutofit/>
           </a:bodyPr>
           <a:p>
+            <a:pPr>
+              <a:lnSpc>
+                <a:spcPct val="100000"/>
+              </a:lnSpc>
+            </a:pPr>
             <a:endParaRPr b="0" lang="en-US" sz="1800" spc="-1" strike="noStrike">
               <a:solidFill>
                 <a:schemeClr val="lt1"/>
@@ -12826,8 +12913,8 @@
         </p:nvSpPr>
         <p:spPr>
           <a:xfrm>
-            <a:off x="679680" y="3273840"/>
-            <a:ext cx="4030200" cy="3168360"/>
+            <a:off x="679320" y="3274920"/>
+            <a:ext cx="4028400" cy="3169080"/>
           </a:xfrm>
           <a:prstGeom prst="roundRect">
             <a:avLst>
@@ -13201,8 +13288,8 @@
         </p:nvSpPr>
         <p:spPr>
           <a:xfrm>
-            <a:off x="4968360" y="3506040"/>
-            <a:ext cx="3622680" cy="3017880"/>
+            <a:off x="4966200" y="3507120"/>
+            <a:ext cx="3620880" cy="3018600"/>
           </a:xfrm>
           <a:prstGeom prst="roundRect">
             <a:avLst>
@@ -13240,6 +13327,11 @@
             <a:noAutofit/>
           </a:bodyPr>
           <a:p>
+            <a:pPr>
+              <a:lnSpc>
+                <a:spcPct val="100000"/>
+              </a:lnSpc>
+            </a:pPr>
             <a:endParaRPr b="0" lang="en-US" sz="1800" spc="-1" strike="noStrike">
               <a:solidFill>
                 <a:schemeClr val="lt1"/>
@@ -13258,8 +13350,8 @@
         </p:nvSpPr>
         <p:spPr>
           <a:xfrm>
-            <a:off x="4886640" y="3425760"/>
-            <a:ext cx="3623040" cy="3018240"/>
+            <a:off x="4884480" y="3426840"/>
+            <a:ext cx="3621240" cy="3018960"/>
           </a:xfrm>
           <a:prstGeom prst="roundRect">
             <a:avLst>
@@ -13552,8 +13644,8 @@
         </p:nvSpPr>
         <p:spPr>
           <a:xfrm>
-            <a:off x="8849160" y="3506040"/>
-            <a:ext cx="3622680" cy="3017880"/>
+            <a:off x="8845560" y="3507120"/>
+            <a:ext cx="3620880" cy="3018600"/>
           </a:xfrm>
           <a:prstGeom prst="roundRect">
             <a:avLst>
@@ -13591,6 +13683,11 @@
             <a:noAutofit/>
           </a:bodyPr>
           <a:p>
+            <a:pPr>
+              <a:lnSpc>
+                <a:spcPct val="100000"/>
+              </a:lnSpc>
+            </a:pPr>
             <a:endParaRPr b="0" lang="en-US" sz="1800" spc="-1" strike="noStrike">
               <a:solidFill>
                 <a:schemeClr val="lt1"/>
@@ -13609,8 +13706,8 @@
         </p:nvSpPr>
         <p:spPr>
           <a:xfrm>
-            <a:off x="8767440" y="3425040"/>
-            <a:ext cx="3623040" cy="3018240"/>
+            <a:off x="8763840" y="3426120"/>
+            <a:ext cx="3621240" cy="3018960"/>
           </a:xfrm>
           <a:prstGeom prst="roundRect">
             <a:avLst>
@@ -13863,7 +13960,7 @@
         </p:nvSpPr>
         <p:spPr>
           <a:xfrm>
-            <a:off x="5224320" y="7104600"/>
+            <a:off x="5221800" y="7106760"/>
             <a:ext cx="3051000" cy="363960"/>
           </a:xfrm>
           <a:prstGeom prst="rect">
@@ -13947,8 +14044,8 @@
         </p:nvSpPr>
         <p:spPr>
           <a:xfrm>
-            <a:off x="1440" y="1800"/>
-            <a:ext cx="13430520" cy="7553880"/>
+            <a:off x="1800" y="1800"/>
+            <a:ext cx="13424760" cy="7556040"/>
           </a:xfrm>
           <a:prstGeom prst="rect">
             <a:avLst/>
@@ -13984,6 +14081,11 @@
             <a:noAutofit/>
           </a:bodyPr>
           <a:p>
+            <a:pPr>
+              <a:lnSpc>
+                <a:spcPct val="100000"/>
+              </a:lnSpc>
+            </a:pPr>
             <a:endParaRPr b="0" lang="en-US" sz="1800" spc="-1" strike="noStrike">
               <a:solidFill>
                 <a:schemeClr val="lt1"/>
@@ -14002,8 +14104,8 @@
         </p:nvSpPr>
         <p:spPr>
           <a:xfrm>
-            <a:off x="1440" y="1800"/>
-            <a:ext cx="14760" cy="7553880"/>
+            <a:off x="1800" y="1800"/>
+            <a:ext cx="14400" cy="7556040"/>
           </a:xfrm>
           <a:prstGeom prst="rect">
             <a:avLst/>
@@ -14039,6 +14141,11 @@
             <a:noAutofit/>
           </a:bodyPr>
           <a:p>
+            <a:pPr>
+              <a:lnSpc>
+                <a:spcPct val="100000"/>
+              </a:lnSpc>
+            </a:pPr>
             <a:endParaRPr b="0" lang="en-US" sz="1800" spc="-1" strike="noStrike">
               <a:solidFill>
                 <a:schemeClr val="lt1"/>
@@ -14057,8 +14164,8 @@
         </p:nvSpPr>
         <p:spPr>
           <a:xfrm>
-            <a:off x="1005480" y="1800"/>
-            <a:ext cx="14760" cy="7553880"/>
+            <a:off x="1004760" y="1800"/>
+            <a:ext cx="14400" cy="7556040"/>
           </a:xfrm>
           <a:prstGeom prst="rect">
             <a:avLst/>
@@ -14094,6 +14201,11 @@
             <a:noAutofit/>
           </a:bodyPr>
           <a:p>
+            <a:pPr>
+              <a:lnSpc>
+                <a:spcPct val="100000"/>
+              </a:lnSpc>
+            </a:pPr>
             <a:endParaRPr b="0" lang="en-US" sz="1800" spc="-1" strike="noStrike">
               <a:solidFill>
                 <a:schemeClr val="lt1"/>
@@ -14112,8 +14224,8 @@
         </p:nvSpPr>
         <p:spPr>
           <a:xfrm>
-            <a:off x="2013480" y="1800"/>
-            <a:ext cx="14760" cy="7553880"/>
+            <a:off x="2012400" y="1800"/>
+            <a:ext cx="14400" cy="7556040"/>
           </a:xfrm>
           <a:prstGeom prst="rect">
             <a:avLst/>
@@ -14149,6 +14261,11 @@
             <a:noAutofit/>
           </a:bodyPr>
           <a:p>
+            <a:pPr>
+              <a:lnSpc>
+                <a:spcPct val="100000"/>
+              </a:lnSpc>
+            </a:pPr>
             <a:endParaRPr b="0" lang="en-US" sz="1800" spc="-1" strike="noStrike">
               <a:solidFill>
                 <a:schemeClr val="lt1"/>
@@ -14167,8 +14284,8 @@
         </p:nvSpPr>
         <p:spPr>
           <a:xfrm>
-            <a:off x="3021480" y="1800"/>
-            <a:ext cx="14760" cy="7553880"/>
+            <a:off x="3020040" y="1800"/>
+            <a:ext cx="14400" cy="7556040"/>
           </a:xfrm>
           <a:prstGeom prst="rect">
             <a:avLst/>
@@ -14204,6 +14321,11 @@
             <a:noAutofit/>
           </a:bodyPr>
           <a:p>
+            <a:pPr>
+              <a:lnSpc>
+                <a:spcPct val="100000"/>
+              </a:lnSpc>
+            </a:pPr>
             <a:endParaRPr b="0" lang="en-US" sz="1800" spc="-1" strike="noStrike">
               <a:solidFill>
                 <a:schemeClr val="lt1"/>
@@ -14222,8 +14344,8 @@
         </p:nvSpPr>
         <p:spPr>
           <a:xfrm>
-            <a:off x="4029480" y="1800"/>
-            <a:ext cx="14760" cy="7553880"/>
+            <a:off x="4027680" y="1800"/>
+            <a:ext cx="14400" cy="7556040"/>
           </a:xfrm>
           <a:prstGeom prst="rect">
             <a:avLst/>
@@ -14259,6 +14381,11 @@
             <a:noAutofit/>
           </a:bodyPr>
           <a:p>
+            <a:pPr>
+              <a:lnSpc>
+                <a:spcPct val="100000"/>
+              </a:lnSpc>
+            </a:pPr>
             <a:endParaRPr b="0" lang="en-US" sz="1800" spc="-1" strike="noStrike">
               <a:solidFill>
                 <a:schemeClr val="lt1"/>
@@ -14277,8 +14404,8 @@
         </p:nvSpPr>
         <p:spPr>
           <a:xfrm>
-            <a:off x="5037480" y="1800"/>
-            <a:ext cx="14760" cy="7553880"/>
+            <a:off x="5035320" y="1800"/>
+            <a:ext cx="14400" cy="7556040"/>
           </a:xfrm>
           <a:prstGeom prst="rect">
             <a:avLst/>
@@ -14314,6 +14441,11 @@
             <a:noAutofit/>
           </a:bodyPr>
           <a:p>
+            <a:pPr>
+              <a:lnSpc>
+                <a:spcPct val="100000"/>
+              </a:lnSpc>
+            </a:pPr>
             <a:endParaRPr b="0" lang="en-US" sz="1800" spc="-1" strike="noStrike">
               <a:solidFill>
                 <a:schemeClr val="lt1"/>
@@ -14332,8 +14464,8 @@
         </p:nvSpPr>
         <p:spPr>
           <a:xfrm>
-            <a:off x="6045480" y="1800"/>
-            <a:ext cx="14760" cy="7553880"/>
+            <a:off x="6042960" y="1800"/>
+            <a:ext cx="14400" cy="7556040"/>
           </a:xfrm>
           <a:prstGeom prst="rect">
             <a:avLst/>
@@ -14369,6 +14501,11 @@
             <a:noAutofit/>
           </a:bodyPr>
           <a:p>
+            <a:pPr>
+              <a:lnSpc>
+                <a:spcPct val="100000"/>
+              </a:lnSpc>
+            </a:pPr>
             <a:endParaRPr b="0" lang="en-US" sz="1800" spc="-1" strike="noStrike">
               <a:solidFill>
                 <a:schemeClr val="lt1"/>
@@ -14387,8 +14524,8 @@
         </p:nvSpPr>
         <p:spPr>
           <a:xfrm>
-            <a:off x="7053480" y="1800"/>
-            <a:ext cx="14760" cy="7553880"/>
+            <a:off x="7050600" y="1800"/>
+            <a:ext cx="14400" cy="7556040"/>
           </a:xfrm>
           <a:prstGeom prst="rect">
             <a:avLst/>
@@ -14424,6 +14561,11 @@
             <a:noAutofit/>
           </a:bodyPr>
           <a:p>
+            <a:pPr>
+              <a:lnSpc>
+                <a:spcPct val="100000"/>
+              </a:lnSpc>
+            </a:pPr>
             <a:endParaRPr b="0" lang="en-US" sz="1800" spc="-1" strike="noStrike">
               <a:solidFill>
                 <a:schemeClr val="lt1"/>
@@ -14442,8 +14584,8 @@
         </p:nvSpPr>
         <p:spPr>
           <a:xfrm>
-            <a:off x="8061480" y="1800"/>
-            <a:ext cx="14760" cy="7553880"/>
+            <a:off x="8058240" y="1800"/>
+            <a:ext cx="14400" cy="7556040"/>
           </a:xfrm>
           <a:prstGeom prst="rect">
             <a:avLst/>
@@ -14479,6 +14621,11 @@
             <a:noAutofit/>
           </a:bodyPr>
           <a:p>
+            <a:pPr>
+              <a:lnSpc>
+                <a:spcPct val="100000"/>
+              </a:lnSpc>
+            </a:pPr>
             <a:endParaRPr b="0" lang="en-US" sz="1800" spc="-1" strike="noStrike">
               <a:solidFill>
                 <a:schemeClr val="lt1"/>
@@ -14497,8 +14644,8 @@
         </p:nvSpPr>
         <p:spPr>
           <a:xfrm>
-            <a:off x="9069480" y="1800"/>
-            <a:ext cx="14760" cy="7553880"/>
+            <a:off x="9065880" y="1800"/>
+            <a:ext cx="14400" cy="7556040"/>
           </a:xfrm>
           <a:prstGeom prst="rect">
             <a:avLst/>
@@ -14534,6 +14681,11 @@
             <a:noAutofit/>
           </a:bodyPr>
           <a:p>
+            <a:pPr>
+              <a:lnSpc>
+                <a:spcPct val="100000"/>
+              </a:lnSpc>
+            </a:pPr>
             <a:endParaRPr b="0" lang="en-US" sz="1800" spc="-1" strike="noStrike">
               <a:solidFill>
                 <a:schemeClr val="lt1"/>
@@ -14552,8 +14704,8 @@
         </p:nvSpPr>
         <p:spPr>
           <a:xfrm>
-            <a:off x="10077480" y="1800"/>
-            <a:ext cx="14760" cy="7553880"/>
+            <a:off x="10073520" y="1800"/>
+            <a:ext cx="14400" cy="7556040"/>
           </a:xfrm>
           <a:prstGeom prst="rect">
             <a:avLst/>
@@ -14589,6 +14741,11 @@
             <a:noAutofit/>
           </a:bodyPr>
           <a:p>
+            <a:pPr>
+              <a:lnSpc>
+                <a:spcPct val="100000"/>
+              </a:lnSpc>
+            </a:pPr>
             <a:endParaRPr b="0" lang="en-US" sz="1800" spc="-1" strike="noStrike">
               <a:solidFill>
                 <a:schemeClr val="lt1"/>
@@ -14607,8 +14764,8 @@
         </p:nvSpPr>
         <p:spPr>
           <a:xfrm>
-            <a:off x="11085480" y="1800"/>
-            <a:ext cx="14760" cy="7553880"/>
+            <a:off x="11080800" y="1800"/>
+            <a:ext cx="14400" cy="7556040"/>
           </a:xfrm>
           <a:prstGeom prst="rect">
             <a:avLst/>
@@ -14644,6 +14801,11 @@
             <a:noAutofit/>
           </a:bodyPr>
           <a:p>
+            <a:pPr>
+              <a:lnSpc>
+                <a:spcPct val="100000"/>
+              </a:lnSpc>
+            </a:pPr>
             <a:endParaRPr b="0" lang="en-US" sz="1800" spc="-1" strike="noStrike">
               <a:solidFill>
                 <a:schemeClr val="lt1"/>
@@ -14662,8 +14824,8 @@
         </p:nvSpPr>
         <p:spPr>
           <a:xfrm>
-            <a:off x="12093480" y="1800"/>
-            <a:ext cx="14760" cy="7553880"/>
+            <a:off x="12088440" y="1800"/>
+            <a:ext cx="14400" cy="7556040"/>
           </a:xfrm>
           <a:prstGeom prst="rect">
             <a:avLst/>
@@ -14699,6 +14861,11 @@
             <a:noAutofit/>
           </a:bodyPr>
           <a:p>
+            <a:pPr>
+              <a:lnSpc>
+                <a:spcPct val="100000"/>
+              </a:lnSpc>
+            </a:pPr>
             <a:endParaRPr b="0" lang="en-US" sz="1800" spc="-1" strike="noStrike">
               <a:solidFill>
                 <a:schemeClr val="lt1"/>
@@ -14717,8 +14884,8 @@
         </p:nvSpPr>
         <p:spPr>
           <a:xfrm>
-            <a:off x="13101480" y="1800"/>
-            <a:ext cx="14760" cy="7553880"/>
+            <a:off x="13096080" y="1800"/>
+            <a:ext cx="14400" cy="7556040"/>
           </a:xfrm>
           <a:prstGeom prst="rect">
             <a:avLst/>
@@ -14754,6 +14921,11 @@
             <a:noAutofit/>
           </a:bodyPr>
           <a:p>
+            <a:pPr>
+              <a:lnSpc>
+                <a:spcPct val="100000"/>
+              </a:lnSpc>
+            </a:pPr>
             <a:endParaRPr b="0" lang="en-US" sz="1800" spc="-1" strike="noStrike">
               <a:solidFill>
                 <a:schemeClr val="lt1"/>
@@ -14772,8 +14944,8 @@
         </p:nvSpPr>
         <p:spPr>
           <a:xfrm>
-            <a:off x="1440" y="1800"/>
-            <a:ext cx="346680" cy="7553880"/>
+            <a:off x="1800" y="1800"/>
+            <a:ext cx="346320" cy="7556040"/>
           </a:xfrm>
           <a:prstGeom prst="rect">
             <a:avLst/>
@@ -14809,6 +14981,11 @@
             <a:noAutofit/>
           </a:bodyPr>
           <a:p>
+            <a:pPr>
+              <a:lnSpc>
+                <a:spcPct val="100000"/>
+              </a:lnSpc>
+            </a:pPr>
             <a:endParaRPr b="0" lang="en-US" sz="1800" spc="-1" strike="noStrike">
               <a:solidFill>
                 <a:schemeClr val="lt1"/>
@@ -14827,8 +15004,8 @@
         </p:nvSpPr>
         <p:spPr>
           <a:xfrm>
-            <a:off x="10884960" y="401400"/>
-            <a:ext cx="2211120" cy="547200"/>
+            <a:off x="10880640" y="401400"/>
+            <a:ext cx="2210040" cy="547200"/>
           </a:xfrm>
           <a:prstGeom prst="roundRect">
             <a:avLst>
@@ -14901,8 +15078,8 @@
         </p:nvSpPr>
         <p:spPr>
           <a:xfrm>
-            <a:off x="2594880" y="1107000"/>
-            <a:ext cx="6911280" cy="820800"/>
+            <a:off x="2592360" y="1107360"/>
+            <a:ext cx="6911280" cy="821160"/>
           </a:xfrm>
           <a:prstGeom prst="rect">
             <a:avLst/>
@@ -14965,7 +15142,7 @@
         </p:nvSpPr>
         <p:spPr>
           <a:xfrm>
-            <a:off x="4431240" y="2266200"/>
+            <a:off x="4428720" y="2266920"/>
             <a:ext cx="3876840" cy="363960"/>
           </a:xfrm>
           <a:prstGeom prst="rect">
@@ -15019,8 +15196,8 @@
         </p:nvSpPr>
         <p:spPr>
           <a:xfrm>
-            <a:off x="1086840" y="3506040"/>
-            <a:ext cx="3622680" cy="3017880"/>
+            <a:off x="1086120" y="3507120"/>
+            <a:ext cx="3620880" cy="3018600"/>
           </a:xfrm>
           <a:prstGeom prst="roundRect">
             <a:avLst>
@@ -15058,6 +15235,11 @@
             <a:noAutofit/>
           </a:bodyPr>
           <a:p>
+            <a:pPr>
+              <a:lnSpc>
+                <a:spcPct val="100000"/>
+              </a:lnSpc>
+            </a:pPr>
             <a:endParaRPr b="0" lang="en-US" sz="1800" spc="-1" strike="noStrike">
               <a:solidFill>
                 <a:schemeClr val="lt1"/>
@@ -15076,8 +15258,8 @@
         </p:nvSpPr>
         <p:spPr>
           <a:xfrm>
-            <a:off x="1006560" y="3424320"/>
-            <a:ext cx="3623040" cy="3018240"/>
+            <a:off x="1005840" y="3425400"/>
+            <a:ext cx="3621240" cy="3018960"/>
           </a:xfrm>
           <a:prstGeom prst="roundRect">
             <a:avLst>
@@ -15400,8 +15582,8 @@
         </p:nvSpPr>
         <p:spPr>
           <a:xfrm>
-            <a:off x="4968360" y="3506040"/>
-            <a:ext cx="3622680" cy="3017880"/>
+            <a:off x="4966200" y="3507120"/>
+            <a:ext cx="3620880" cy="3018600"/>
           </a:xfrm>
           <a:prstGeom prst="roundRect">
             <a:avLst>
@@ -15439,6 +15621,11 @@
             <a:noAutofit/>
           </a:bodyPr>
           <a:p>
+            <a:pPr>
+              <a:lnSpc>
+                <a:spcPct val="100000"/>
+              </a:lnSpc>
+            </a:pPr>
             <a:endParaRPr b="0" lang="en-US" sz="1800" spc="-1" strike="noStrike">
               <a:solidFill>
                 <a:schemeClr val="lt1"/>
@@ -15457,8 +15644,8 @@
         </p:nvSpPr>
         <p:spPr>
           <a:xfrm>
-            <a:off x="8849160" y="3506040"/>
-            <a:ext cx="3622680" cy="3017880"/>
+            <a:off x="8845560" y="3507120"/>
+            <a:ext cx="3620880" cy="3018600"/>
           </a:xfrm>
           <a:prstGeom prst="roundRect">
             <a:avLst>
@@ -15496,6 +15683,11 @@
             <a:noAutofit/>
           </a:bodyPr>
           <a:p>
+            <a:pPr>
+              <a:lnSpc>
+                <a:spcPct val="100000"/>
+              </a:lnSpc>
+            </a:pPr>
             <a:endParaRPr b="0" lang="en-US" sz="1800" spc="-1" strike="noStrike">
               <a:solidFill>
                 <a:schemeClr val="lt1"/>
@@ -15514,8 +15706,8 @@
         </p:nvSpPr>
         <p:spPr>
           <a:xfrm>
-            <a:off x="8767440" y="3425760"/>
-            <a:ext cx="3623040" cy="3018240"/>
+            <a:off x="8763840" y="3426840"/>
+            <a:ext cx="3621240" cy="3018960"/>
           </a:xfrm>
           <a:prstGeom prst="roundRect">
             <a:avLst>
@@ -15926,7 +16118,7 @@
         </p:nvSpPr>
         <p:spPr>
           <a:xfrm>
-            <a:off x="5224320" y="7104600"/>
+            <a:off x="5221800" y="7106760"/>
             <a:ext cx="3051000" cy="363960"/>
           </a:xfrm>
           <a:prstGeom prst="rect">
@@ -15980,8 +16172,8 @@
         </p:nvSpPr>
         <p:spPr>
           <a:xfrm>
-            <a:off x="4941000" y="3449880"/>
-            <a:ext cx="3623040" cy="3018240"/>
+            <a:off x="4938840" y="3450960"/>
+            <a:ext cx="3621240" cy="3018960"/>
           </a:xfrm>
           <a:prstGeom prst="roundRect">
             <a:avLst>
@@ -16268,6 +16460,5236 @@
               <a:t>Aynı kod her yerde çalışmalı.”</a:t>
             </a:r>
             <a:endParaRPr b="0" lang="en-US" sz="1500" spc="-1" strike="noStrike">
+              <a:solidFill>
+                <a:srgbClr val="ffffff"/>
+              </a:solidFill>
+              <a:latin typeface="Arial"/>
+            </a:endParaRPr>
+          </a:p>
+        </p:txBody>
+      </p:sp>
+    </p:spTree>
+  </p:cSld>
+  <mc:AlternateContent>
+    <mc:Choice Requires="p14">
+      <p:transition spd="slow" p14:dur="2000"/>
+    </mc:Choice>
+    <mc:Fallback>
+      <p:transition spd="slow"/>
+    </mc:Fallback>
+  </mc:AlternateContent>
+</p:sld>
+</file>
+
+<file path=ppt/slides/slide7.xml><?xml version="1.0" encoding="utf-8"?>
+<p:sld xmlns:a="http://schemas.openxmlformats.org/drawingml/2006/main" xmlns:p="http://schemas.openxmlformats.org/presentationml/2006/main" xmlns:r="http://schemas.openxmlformats.org/officeDocument/2006/relationships" xmlns:p14="http://schemas.microsoft.com/office/powerpoint/2010/main" xmlns:p15="http://schemas.microsoft.com/office/powerpoint/2012/main" xmlns:mc="http://schemas.openxmlformats.org/markup-compatibility/2006">
+  <p:cSld>
+    <p:spTree>
+      <p:nvGrpSpPr>
+        <p:cNvPr id="1" name=""/>
+        <p:cNvGrpSpPr/>
+        <p:nvPr/>
+      </p:nvGrpSpPr>
+      <p:grpSpPr>
+        <a:xfrm>
+          <a:off x="0" y="0"/>
+          <a:ext cx="0" cy="0"/>
+          <a:chOff x="0" y="0"/>
+          <a:chExt cx="0" cy="0"/>
+        </a:xfrm>
+      </p:grpSpPr>
+      <p:sp>
+        <p:nvSpPr>
+          <p:cNvPr id="197" name="Rectangle 97"/>
+          <p:cNvSpPr/>
+          <p:nvPr/>
+        </p:nvSpPr>
+        <p:spPr>
+          <a:xfrm>
+            <a:off x="1800" y="1800"/>
+            <a:ext cx="13425120" cy="7556400"/>
+          </a:xfrm>
+          <a:prstGeom prst="rect">
+            <a:avLst/>
+          </a:prstGeom>
+          <a:solidFill>
+            <a:srgbClr val="0b0b0d"/>
+          </a:solidFill>
+          <a:ln>
+            <a:noFill/>
+          </a:ln>
+          <a:effectLst>
+            <a:outerShdw blurRad="39960" dir="5400000" dist="23040" rotWithShape="0">
+              <a:srgbClr val="000000">
+                <a:alpha val="35000"/>
+              </a:srgbClr>
+            </a:outerShdw>
+          </a:effectLst>
+        </p:spPr>
+        <p:style>
+          <a:lnRef idx="1">
+            <a:schemeClr val="accent1"/>
+          </a:lnRef>
+          <a:fillRef idx="3">
+            <a:schemeClr val="accent1"/>
+          </a:fillRef>
+          <a:effectRef idx="2">
+            <a:schemeClr val="accent1"/>
+          </a:effectRef>
+          <a:fontRef idx="minor"/>
+        </p:style>
+        <p:txBody>
+          <a:bodyPr lIns="90000" rIns="90000" tIns="45000" bIns="45000" anchor="ctr">
+            <a:noAutofit/>
+          </a:bodyPr>
+          <a:p>
+            <a:endParaRPr b="0" lang="en-US" sz="1800" spc="-1" strike="noStrike">
+              <a:solidFill>
+                <a:schemeClr val="lt1"/>
+              </a:solidFill>
+              <a:latin typeface="Calibri"/>
+              <a:ea typeface="DejaVu Sans"/>
+            </a:endParaRPr>
+          </a:p>
+        </p:txBody>
+      </p:sp>
+      <p:sp>
+        <p:nvSpPr>
+          <p:cNvPr id="198" name="Rectangle 98"/>
+          <p:cNvSpPr/>
+          <p:nvPr/>
+        </p:nvSpPr>
+        <p:spPr>
+          <a:xfrm>
+            <a:off x="1800" y="1800"/>
+            <a:ext cx="14760" cy="7556400"/>
+          </a:xfrm>
+          <a:prstGeom prst="rect">
+            <a:avLst/>
+          </a:prstGeom>
+          <a:solidFill>
+            <a:srgbClr val="121216"/>
+          </a:solidFill>
+          <a:ln>
+            <a:noFill/>
+          </a:ln>
+          <a:effectLst>
+            <a:outerShdw blurRad="39960" dir="5400000" dist="23040" rotWithShape="0">
+              <a:srgbClr val="000000">
+                <a:alpha val="35000"/>
+              </a:srgbClr>
+            </a:outerShdw>
+          </a:effectLst>
+        </p:spPr>
+        <p:style>
+          <a:lnRef idx="1">
+            <a:schemeClr val="accent1"/>
+          </a:lnRef>
+          <a:fillRef idx="3">
+            <a:schemeClr val="accent1"/>
+          </a:fillRef>
+          <a:effectRef idx="2">
+            <a:schemeClr val="accent1"/>
+          </a:effectRef>
+          <a:fontRef idx="minor"/>
+        </p:style>
+        <p:txBody>
+          <a:bodyPr lIns="90000" rIns="90000" tIns="45000" bIns="45000" anchor="ctr">
+            <a:noAutofit/>
+          </a:bodyPr>
+          <a:p>
+            <a:endParaRPr b="0" lang="en-US" sz="1800" spc="-1" strike="noStrike">
+              <a:solidFill>
+                <a:schemeClr val="lt1"/>
+              </a:solidFill>
+              <a:latin typeface="Calibri"/>
+              <a:ea typeface="DejaVu Sans"/>
+            </a:endParaRPr>
+          </a:p>
+        </p:txBody>
+      </p:sp>
+      <p:sp>
+        <p:nvSpPr>
+          <p:cNvPr id="199" name="Rectangle 99"/>
+          <p:cNvSpPr/>
+          <p:nvPr/>
+        </p:nvSpPr>
+        <p:spPr>
+          <a:xfrm>
+            <a:off x="1004760" y="1800"/>
+            <a:ext cx="14760" cy="7556400"/>
+          </a:xfrm>
+          <a:prstGeom prst="rect">
+            <a:avLst/>
+          </a:prstGeom>
+          <a:solidFill>
+            <a:srgbClr val="121216"/>
+          </a:solidFill>
+          <a:ln>
+            <a:noFill/>
+          </a:ln>
+          <a:effectLst>
+            <a:outerShdw blurRad="39960" dir="5400000" dist="23040" rotWithShape="0">
+              <a:srgbClr val="000000">
+                <a:alpha val="35000"/>
+              </a:srgbClr>
+            </a:outerShdw>
+          </a:effectLst>
+        </p:spPr>
+        <p:style>
+          <a:lnRef idx="1">
+            <a:schemeClr val="accent1"/>
+          </a:lnRef>
+          <a:fillRef idx="3">
+            <a:schemeClr val="accent1"/>
+          </a:fillRef>
+          <a:effectRef idx="2">
+            <a:schemeClr val="accent1"/>
+          </a:effectRef>
+          <a:fontRef idx="minor"/>
+        </p:style>
+        <p:txBody>
+          <a:bodyPr lIns="90000" rIns="90000" tIns="45000" bIns="45000" anchor="ctr">
+            <a:noAutofit/>
+          </a:bodyPr>
+          <a:p>
+            <a:endParaRPr b="0" lang="en-US" sz="1800" spc="-1" strike="noStrike">
+              <a:solidFill>
+                <a:schemeClr val="lt1"/>
+              </a:solidFill>
+              <a:latin typeface="Calibri"/>
+              <a:ea typeface="DejaVu Sans"/>
+            </a:endParaRPr>
+          </a:p>
+        </p:txBody>
+      </p:sp>
+      <p:sp>
+        <p:nvSpPr>
+          <p:cNvPr id="200" name="Rectangle 100"/>
+          <p:cNvSpPr/>
+          <p:nvPr/>
+        </p:nvSpPr>
+        <p:spPr>
+          <a:xfrm>
+            <a:off x="2012400" y="1800"/>
+            <a:ext cx="14760" cy="7556400"/>
+          </a:xfrm>
+          <a:prstGeom prst="rect">
+            <a:avLst/>
+          </a:prstGeom>
+          <a:solidFill>
+            <a:srgbClr val="121216"/>
+          </a:solidFill>
+          <a:ln>
+            <a:noFill/>
+          </a:ln>
+          <a:effectLst>
+            <a:outerShdw blurRad="39960" dir="5400000" dist="23040" rotWithShape="0">
+              <a:srgbClr val="000000">
+                <a:alpha val="35000"/>
+              </a:srgbClr>
+            </a:outerShdw>
+          </a:effectLst>
+        </p:spPr>
+        <p:style>
+          <a:lnRef idx="1">
+            <a:schemeClr val="accent1"/>
+          </a:lnRef>
+          <a:fillRef idx="3">
+            <a:schemeClr val="accent1"/>
+          </a:fillRef>
+          <a:effectRef idx="2">
+            <a:schemeClr val="accent1"/>
+          </a:effectRef>
+          <a:fontRef idx="minor"/>
+        </p:style>
+        <p:txBody>
+          <a:bodyPr lIns="90000" rIns="90000" tIns="45000" bIns="45000" anchor="ctr">
+            <a:noAutofit/>
+          </a:bodyPr>
+          <a:p>
+            <a:endParaRPr b="0" lang="en-US" sz="1800" spc="-1" strike="noStrike">
+              <a:solidFill>
+                <a:schemeClr val="lt1"/>
+              </a:solidFill>
+              <a:latin typeface="Calibri"/>
+              <a:ea typeface="DejaVu Sans"/>
+            </a:endParaRPr>
+          </a:p>
+        </p:txBody>
+      </p:sp>
+      <p:sp>
+        <p:nvSpPr>
+          <p:cNvPr id="201" name="Rectangle 101"/>
+          <p:cNvSpPr/>
+          <p:nvPr/>
+        </p:nvSpPr>
+        <p:spPr>
+          <a:xfrm>
+            <a:off x="3020040" y="1800"/>
+            <a:ext cx="14760" cy="7556400"/>
+          </a:xfrm>
+          <a:prstGeom prst="rect">
+            <a:avLst/>
+          </a:prstGeom>
+          <a:solidFill>
+            <a:srgbClr val="121216"/>
+          </a:solidFill>
+          <a:ln>
+            <a:noFill/>
+          </a:ln>
+          <a:effectLst>
+            <a:outerShdw blurRad="39960" dir="5400000" dist="23040" rotWithShape="0">
+              <a:srgbClr val="000000">
+                <a:alpha val="35000"/>
+              </a:srgbClr>
+            </a:outerShdw>
+          </a:effectLst>
+        </p:spPr>
+        <p:style>
+          <a:lnRef idx="1">
+            <a:schemeClr val="accent1"/>
+          </a:lnRef>
+          <a:fillRef idx="3">
+            <a:schemeClr val="accent1"/>
+          </a:fillRef>
+          <a:effectRef idx="2">
+            <a:schemeClr val="accent1"/>
+          </a:effectRef>
+          <a:fontRef idx="minor"/>
+        </p:style>
+        <p:txBody>
+          <a:bodyPr lIns="90000" rIns="90000" tIns="45000" bIns="45000" anchor="ctr">
+            <a:noAutofit/>
+          </a:bodyPr>
+          <a:p>
+            <a:endParaRPr b="0" lang="en-US" sz="1800" spc="-1" strike="noStrike">
+              <a:solidFill>
+                <a:schemeClr val="lt1"/>
+              </a:solidFill>
+              <a:latin typeface="Calibri"/>
+              <a:ea typeface="DejaVu Sans"/>
+            </a:endParaRPr>
+          </a:p>
+        </p:txBody>
+      </p:sp>
+      <p:sp>
+        <p:nvSpPr>
+          <p:cNvPr id="202" name="Rectangle 102"/>
+          <p:cNvSpPr/>
+          <p:nvPr/>
+        </p:nvSpPr>
+        <p:spPr>
+          <a:xfrm>
+            <a:off x="4027680" y="1800"/>
+            <a:ext cx="14760" cy="7556400"/>
+          </a:xfrm>
+          <a:prstGeom prst="rect">
+            <a:avLst/>
+          </a:prstGeom>
+          <a:solidFill>
+            <a:srgbClr val="121216"/>
+          </a:solidFill>
+          <a:ln>
+            <a:noFill/>
+          </a:ln>
+          <a:effectLst>
+            <a:outerShdw blurRad="39960" dir="5400000" dist="23040" rotWithShape="0">
+              <a:srgbClr val="000000">
+                <a:alpha val="35000"/>
+              </a:srgbClr>
+            </a:outerShdw>
+          </a:effectLst>
+        </p:spPr>
+        <p:style>
+          <a:lnRef idx="1">
+            <a:schemeClr val="accent1"/>
+          </a:lnRef>
+          <a:fillRef idx="3">
+            <a:schemeClr val="accent1"/>
+          </a:fillRef>
+          <a:effectRef idx="2">
+            <a:schemeClr val="accent1"/>
+          </a:effectRef>
+          <a:fontRef idx="minor"/>
+        </p:style>
+        <p:txBody>
+          <a:bodyPr lIns="90000" rIns="90000" tIns="45000" bIns="45000" anchor="ctr">
+            <a:noAutofit/>
+          </a:bodyPr>
+          <a:p>
+            <a:endParaRPr b="0" lang="en-US" sz="1800" spc="-1" strike="noStrike">
+              <a:solidFill>
+                <a:schemeClr val="lt1"/>
+              </a:solidFill>
+              <a:latin typeface="Calibri"/>
+              <a:ea typeface="DejaVu Sans"/>
+            </a:endParaRPr>
+          </a:p>
+        </p:txBody>
+      </p:sp>
+      <p:sp>
+        <p:nvSpPr>
+          <p:cNvPr id="203" name="Rectangle 103"/>
+          <p:cNvSpPr/>
+          <p:nvPr/>
+        </p:nvSpPr>
+        <p:spPr>
+          <a:xfrm>
+            <a:off x="5035320" y="1800"/>
+            <a:ext cx="14760" cy="7556400"/>
+          </a:xfrm>
+          <a:prstGeom prst="rect">
+            <a:avLst/>
+          </a:prstGeom>
+          <a:solidFill>
+            <a:srgbClr val="121216"/>
+          </a:solidFill>
+          <a:ln>
+            <a:noFill/>
+          </a:ln>
+          <a:effectLst>
+            <a:outerShdw blurRad="39960" dir="5400000" dist="23040" rotWithShape="0">
+              <a:srgbClr val="000000">
+                <a:alpha val="35000"/>
+              </a:srgbClr>
+            </a:outerShdw>
+          </a:effectLst>
+        </p:spPr>
+        <p:style>
+          <a:lnRef idx="1">
+            <a:schemeClr val="accent1"/>
+          </a:lnRef>
+          <a:fillRef idx="3">
+            <a:schemeClr val="accent1"/>
+          </a:fillRef>
+          <a:effectRef idx="2">
+            <a:schemeClr val="accent1"/>
+          </a:effectRef>
+          <a:fontRef idx="minor"/>
+        </p:style>
+        <p:txBody>
+          <a:bodyPr lIns="90000" rIns="90000" tIns="45000" bIns="45000" anchor="ctr">
+            <a:noAutofit/>
+          </a:bodyPr>
+          <a:p>
+            <a:endParaRPr b="0" lang="en-US" sz="1800" spc="-1" strike="noStrike">
+              <a:solidFill>
+                <a:schemeClr val="lt1"/>
+              </a:solidFill>
+              <a:latin typeface="Calibri"/>
+              <a:ea typeface="DejaVu Sans"/>
+            </a:endParaRPr>
+          </a:p>
+        </p:txBody>
+      </p:sp>
+      <p:sp>
+        <p:nvSpPr>
+          <p:cNvPr id="204" name="Rectangle 104"/>
+          <p:cNvSpPr/>
+          <p:nvPr/>
+        </p:nvSpPr>
+        <p:spPr>
+          <a:xfrm>
+            <a:off x="6042960" y="1800"/>
+            <a:ext cx="14760" cy="7556400"/>
+          </a:xfrm>
+          <a:prstGeom prst="rect">
+            <a:avLst/>
+          </a:prstGeom>
+          <a:solidFill>
+            <a:srgbClr val="121216"/>
+          </a:solidFill>
+          <a:ln>
+            <a:noFill/>
+          </a:ln>
+          <a:effectLst>
+            <a:outerShdw blurRad="39960" dir="5400000" dist="23040" rotWithShape="0">
+              <a:srgbClr val="000000">
+                <a:alpha val="35000"/>
+              </a:srgbClr>
+            </a:outerShdw>
+          </a:effectLst>
+        </p:spPr>
+        <p:style>
+          <a:lnRef idx="1">
+            <a:schemeClr val="accent1"/>
+          </a:lnRef>
+          <a:fillRef idx="3">
+            <a:schemeClr val="accent1"/>
+          </a:fillRef>
+          <a:effectRef idx="2">
+            <a:schemeClr val="accent1"/>
+          </a:effectRef>
+          <a:fontRef idx="minor"/>
+        </p:style>
+        <p:txBody>
+          <a:bodyPr lIns="90000" rIns="90000" tIns="45000" bIns="45000" anchor="ctr">
+            <a:noAutofit/>
+          </a:bodyPr>
+          <a:p>
+            <a:endParaRPr b="0" lang="en-US" sz="1800" spc="-1" strike="noStrike">
+              <a:solidFill>
+                <a:schemeClr val="lt1"/>
+              </a:solidFill>
+              <a:latin typeface="Calibri"/>
+              <a:ea typeface="DejaVu Sans"/>
+            </a:endParaRPr>
+          </a:p>
+        </p:txBody>
+      </p:sp>
+      <p:sp>
+        <p:nvSpPr>
+          <p:cNvPr id="205" name="Rectangle 105"/>
+          <p:cNvSpPr/>
+          <p:nvPr/>
+        </p:nvSpPr>
+        <p:spPr>
+          <a:xfrm>
+            <a:off x="7050600" y="1800"/>
+            <a:ext cx="14760" cy="7556400"/>
+          </a:xfrm>
+          <a:prstGeom prst="rect">
+            <a:avLst/>
+          </a:prstGeom>
+          <a:solidFill>
+            <a:srgbClr val="121216"/>
+          </a:solidFill>
+          <a:ln>
+            <a:noFill/>
+          </a:ln>
+          <a:effectLst>
+            <a:outerShdw blurRad="39960" dir="5400000" dist="23040" rotWithShape="0">
+              <a:srgbClr val="000000">
+                <a:alpha val="35000"/>
+              </a:srgbClr>
+            </a:outerShdw>
+          </a:effectLst>
+        </p:spPr>
+        <p:style>
+          <a:lnRef idx="1">
+            <a:schemeClr val="accent1"/>
+          </a:lnRef>
+          <a:fillRef idx="3">
+            <a:schemeClr val="accent1"/>
+          </a:fillRef>
+          <a:effectRef idx="2">
+            <a:schemeClr val="accent1"/>
+          </a:effectRef>
+          <a:fontRef idx="minor"/>
+        </p:style>
+        <p:txBody>
+          <a:bodyPr lIns="90000" rIns="90000" tIns="45000" bIns="45000" anchor="ctr">
+            <a:noAutofit/>
+          </a:bodyPr>
+          <a:p>
+            <a:endParaRPr b="0" lang="en-US" sz="1800" spc="-1" strike="noStrike">
+              <a:solidFill>
+                <a:schemeClr val="lt1"/>
+              </a:solidFill>
+              <a:latin typeface="Calibri"/>
+              <a:ea typeface="DejaVu Sans"/>
+            </a:endParaRPr>
+          </a:p>
+        </p:txBody>
+      </p:sp>
+      <p:sp>
+        <p:nvSpPr>
+          <p:cNvPr id="206" name="Rectangle 106"/>
+          <p:cNvSpPr/>
+          <p:nvPr/>
+        </p:nvSpPr>
+        <p:spPr>
+          <a:xfrm>
+            <a:off x="8058240" y="1800"/>
+            <a:ext cx="14760" cy="7556400"/>
+          </a:xfrm>
+          <a:prstGeom prst="rect">
+            <a:avLst/>
+          </a:prstGeom>
+          <a:solidFill>
+            <a:srgbClr val="121216"/>
+          </a:solidFill>
+          <a:ln>
+            <a:noFill/>
+          </a:ln>
+          <a:effectLst>
+            <a:outerShdw blurRad="39960" dir="5400000" dist="23040" rotWithShape="0">
+              <a:srgbClr val="000000">
+                <a:alpha val="35000"/>
+              </a:srgbClr>
+            </a:outerShdw>
+          </a:effectLst>
+        </p:spPr>
+        <p:style>
+          <a:lnRef idx="1">
+            <a:schemeClr val="accent1"/>
+          </a:lnRef>
+          <a:fillRef idx="3">
+            <a:schemeClr val="accent1"/>
+          </a:fillRef>
+          <a:effectRef idx="2">
+            <a:schemeClr val="accent1"/>
+          </a:effectRef>
+          <a:fontRef idx="minor"/>
+        </p:style>
+        <p:txBody>
+          <a:bodyPr lIns="90000" rIns="90000" tIns="45000" bIns="45000" anchor="ctr">
+            <a:noAutofit/>
+          </a:bodyPr>
+          <a:p>
+            <a:endParaRPr b="0" lang="en-US" sz="1800" spc="-1" strike="noStrike">
+              <a:solidFill>
+                <a:schemeClr val="lt1"/>
+              </a:solidFill>
+              <a:latin typeface="Calibri"/>
+              <a:ea typeface="DejaVu Sans"/>
+            </a:endParaRPr>
+          </a:p>
+        </p:txBody>
+      </p:sp>
+      <p:sp>
+        <p:nvSpPr>
+          <p:cNvPr id="207" name="Rectangle 107"/>
+          <p:cNvSpPr/>
+          <p:nvPr/>
+        </p:nvSpPr>
+        <p:spPr>
+          <a:xfrm>
+            <a:off x="9065880" y="1800"/>
+            <a:ext cx="14760" cy="7556400"/>
+          </a:xfrm>
+          <a:prstGeom prst="rect">
+            <a:avLst/>
+          </a:prstGeom>
+          <a:solidFill>
+            <a:srgbClr val="121216"/>
+          </a:solidFill>
+          <a:ln>
+            <a:noFill/>
+          </a:ln>
+          <a:effectLst>
+            <a:outerShdw blurRad="39960" dir="5400000" dist="23040" rotWithShape="0">
+              <a:srgbClr val="000000">
+                <a:alpha val="35000"/>
+              </a:srgbClr>
+            </a:outerShdw>
+          </a:effectLst>
+        </p:spPr>
+        <p:style>
+          <a:lnRef idx="1">
+            <a:schemeClr val="accent1"/>
+          </a:lnRef>
+          <a:fillRef idx="3">
+            <a:schemeClr val="accent1"/>
+          </a:fillRef>
+          <a:effectRef idx="2">
+            <a:schemeClr val="accent1"/>
+          </a:effectRef>
+          <a:fontRef idx="minor"/>
+        </p:style>
+        <p:txBody>
+          <a:bodyPr lIns="90000" rIns="90000" tIns="45000" bIns="45000" anchor="ctr">
+            <a:noAutofit/>
+          </a:bodyPr>
+          <a:p>
+            <a:endParaRPr b="0" lang="en-US" sz="1800" spc="-1" strike="noStrike">
+              <a:solidFill>
+                <a:schemeClr val="lt1"/>
+              </a:solidFill>
+              <a:latin typeface="Calibri"/>
+              <a:ea typeface="DejaVu Sans"/>
+            </a:endParaRPr>
+          </a:p>
+        </p:txBody>
+      </p:sp>
+      <p:sp>
+        <p:nvSpPr>
+          <p:cNvPr id="208" name="Rectangle 108"/>
+          <p:cNvSpPr/>
+          <p:nvPr/>
+        </p:nvSpPr>
+        <p:spPr>
+          <a:xfrm>
+            <a:off x="10073520" y="1800"/>
+            <a:ext cx="14760" cy="7556400"/>
+          </a:xfrm>
+          <a:prstGeom prst="rect">
+            <a:avLst/>
+          </a:prstGeom>
+          <a:solidFill>
+            <a:srgbClr val="121216"/>
+          </a:solidFill>
+          <a:ln>
+            <a:noFill/>
+          </a:ln>
+          <a:effectLst>
+            <a:outerShdw blurRad="39960" dir="5400000" dist="23040" rotWithShape="0">
+              <a:srgbClr val="000000">
+                <a:alpha val="35000"/>
+              </a:srgbClr>
+            </a:outerShdw>
+          </a:effectLst>
+        </p:spPr>
+        <p:style>
+          <a:lnRef idx="1">
+            <a:schemeClr val="accent1"/>
+          </a:lnRef>
+          <a:fillRef idx="3">
+            <a:schemeClr val="accent1"/>
+          </a:fillRef>
+          <a:effectRef idx="2">
+            <a:schemeClr val="accent1"/>
+          </a:effectRef>
+          <a:fontRef idx="minor"/>
+        </p:style>
+        <p:txBody>
+          <a:bodyPr lIns="90000" rIns="90000" tIns="45000" bIns="45000" anchor="ctr">
+            <a:noAutofit/>
+          </a:bodyPr>
+          <a:p>
+            <a:endParaRPr b="0" lang="en-US" sz="1800" spc="-1" strike="noStrike">
+              <a:solidFill>
+                <a:schemeClr val="lt1"/>
+              </a:solidFill>
+              <a:latin typeface="Calibri"/>
+              <a:ea typeface="DejaVu Sans"/>
+            </a:endParaRPr>
+          </a:p>
+        </p:txBody>
+      </p:sp>
+      <p:sp>
+        <p:nvSpPr>
+          <p:cNvPr id="209" name="Rectangle 109"/>
+          <p:cNvSpPr/>
+          <p:nvPr/>
+        </p:nvSpPr>
+        <p:spPr>
+          <a:xfrm>
+            <a:off x="11080800" y="1800"/>
+            <a:ext cx="14760" cy="7556400"/>
+          </a:xfrm>
+          <a:prstGeom prst="rect">
+            <a:avLst/>
+          </a:prstGeom>
+          <a:solidFill>
+            <a:srgbClr val="121216"/>
+          </a:solidFill>
+          <a:ln>
+            <a:noFill/>
+          </a:ln>
+          <a:effectLst>
+            <a:outerShdw blurRad="39960" dir="5400000" dist="23040" rotWithShape="0">
+              <a:srgbClr val="000000">
+                <a:alpha val="35000"/>
+              </a:srgbClr>
+            </a:outerShdw>
+          </a:effectLst>
+        </p:spPr>
+        <p:style>
+          <a:lnRef idx="1">
+            <a:schemeClr val="accent1"/>
+          </a:lnRef>
+          <a:fillRef idx="3">
+            <a:schemeClr val="accent1"/>
+          </a:fillRef>
+          <a:effectRef idx="2">
+            <a:schemeClr val="accent1"/>
+          </a:effectRef>
+          <a:fontRef idx="minor"/>
+        </p:style>
+        <p:txBody>
+          <a:bodyPr lIns="90000" rIns="90000" tIns="45000" bIns="45000" anchor="ctr">
+            <a:noAutofit/>
+          </a:bodyPr>
+          <a:p>
+            <a:endParaRPr b="0" lang="en-US" sz="1800" spc="-1" strike="noStrike">
+              <a:solidFill>
+                <a:schemeClr val="lt1"/>
+              </a:solidFill>
+              <a:latin typeface="Calibri"/>
+              <a:ea typeface="DejaVu Sans"/>
+            </a:endParaRPr>
+          </a:p>
+        </p:txBody>
+      </p:sp>
+      <p:sp>
+        <p:nvSpPr>
+          <p:cNvPr id="210" name="Rectangle 110"/>
+          <p:cNvSpPr/>
+          <p:nvPr/>
+        </p:nvSpPr>
+        <p:spPr>
+          <a:xfrm>
+            <a:off x="12088440" y="1800"/>
+            <a:ext cx="14760" cy="7556400"/>
+          </a:xfrm>
+          <a:prstGeom prst="rect">
+            <a:avLst/>
+          </a:prstGeom>
+          <a:solidFill>
+            <a:srgbClr val="121216"/>
+          </a:solidFill>
+          <a:ln>
+            <a:noFill/>
+          </a:ln>
+          <a:effectLst>
+            <a:outerShdw blurRad="39960" dir="5400000" dist="23040" rotWithShape="0">
+              <a:srgbClr val="000000">
+                <a:alpha val="35000"/>
+              </a:srgbClr>
+            </a:outerShdw>
+          </a:effectLst>
+        </p:spPr>
+        <p:style>
+          <a:lnRef idx="1">
+            <a:schemeClr val="accent1"/>
+          </a:lnRef>
+          <a:fillRef idx="3">
+            <a:schemeClr val="accent1"/>
+          </a:fillRef>
+          <a:effectRef idx="2">
+            <a:schemeClr val="accent1"/>
+          </a:effectRef>
+          <a:fontRef idx="minor"/>
+        </p:style>
+        <p:txBody>
+          <a:bodyPr lIns="90000" rIns="90000" tIns="45000" bIns="45000" anchor="ctr">
+            <a:noAutofit/>
+          </a:bodyPr>
+          <a:p>
+            <a:endParaRPr b="0" lang="en-US" sz="1800" spc="-1" strike="noStrike">
+              <a:solidFill>
+                <a:schemeClr val="lt1"/>
+              </a:solidFill>
+              <a:latin typeface="Calibri"/>
+              <a:ea typeface="DejaVu Sans"/>
+            </a:endParaRPr>
+          </a:p>
+        </p:txBody>
+      </p:sp>
+      <p:sp>
+        <p:nvSpPr>
+          <p:cNvPr id="211" name="Rectangle 111"/>
+          <p:cNvSpPr/>
+          <p:nvPr/>
+        </p:nvSpPr>
+        <p:spPr>
+          <a:xfrm>
+            <a:off x="13096080" y="1800"/>
+            <a:ext cx="14760" cy="7556400"/>
+          </a:xfrm>
+          <a:prstGeom prst="rect">
+            <a:avLst/>
+          </a:prstGeom>
+          <a:solidFill>
+            <a:srgbClr val="121216"/>
+          </a:solidFill>
+          <a:ln>
+            <a:noFill/>
+          </a:ln>
+          <a:effectLst>
+            <a:outerShdw blurRad="39960" dir="5400000" dist="23040" rotWithShape="0">
+              <a:srgbClr val="000000">
+                <a:alpha val="35000"/>
+              </a:srgbClr>
+            </a:outerShdw>
+          </a:effectLst>
+        </p:spPr>
+        <p:style>
+          <a:lnRef idx="1">
+            <a:schemeClr val="accent1"/>
+          </a:lnRef>
+          <a:fillRef idx="3">
+            <a:schemeClr val="accent1"/>
+          </a:fillRef>
+          <a:effectRef idx="2">
+            <a:schemeClr val="accent1"/>
+          </a:effectRef>
+          <a:fontRef idx="minor"/>
+        </p:style>
+        <p:txBody>
+          <a:bodyPr lIns="90000" rIns="90000" tIns="45000" bIns="45000" anchor="ctr">
+            <a:noAutofit/>
+          </a:bodyPr>
+          <a:p>
+            <a:endParaRPr b="0" lang="en-US" sz="1800" spc="-1" strike="noStrike">
+              <a:solidFill>
+                <a:schemeClr val="lt1"/>
+              </a:solidFill>
+              <a:latin typeface="Calibri"/>
+              <a:ea typeface="DejaVu Sans"/>
+            </a:endParaRPr>
+          </a:p>
+        </p:txBody>
+      </p:sp>
+      <p:sp>
+        <p:nvSpPr>
+          <p:cNvPr id="212" name="Rectangle 112"/>
+          <p:cNvSpPr/>
+          <p:nvPr/>
+        </p:nvSpPr>
+        <p:spPr>
+          <a:xfrm>
+            <a:off x="1800" y="1800"/>
+            <a:ext cx="346680" cy="7556400"/>
+          </a:xfrm>
+          <a:prstGeom prst="rect">
+            <a:avLst/>
+          </a:prstGeom>
+          <a:solidFill>
+            <a:srgbClr val="ff8c00"/>
+          </a:solidFill>
+          <a:ln>
+            <a:noFill/>
+          </a:ln>
+          <a:effectLst>
+            <a:outerShdw blurRad="39960" dir="5400000" dist="23040" rotWithShape="0">
+              <a:srgbClr val="000000">
+                <a:alpha val="35000"/>
+              </a:srgbClr>
+            </a:outerShdw>
+          </a:effectLst>
+        </p:spPr>
+        <p:style>
+          <a:lnRef idx="1">
+            <a:schemeClr val="accent1"/>
+          </a:lnRef>
+          <a:fillRef idx="3">
+            <a:schemeClr val="accent1"/>
+          </a:fillRef>
+          <a:effectRef idx="2">
+            <a:schemeClr val="accent1"/>
+          </a:effectRef>
+          <a:fontRef idx="minor"/>
+        </p:style>
+        <p:txBody>
+          <a:bodyPr lIns="90000" rIns="90000" tIns="45000" bIns="45000" anchor="ctr">
+            <a:noAutofit/>
+          </a:bodyPr>
+          <a:p>
+            <a:endParaRPr b="0" lang="en-US" sz="1800" spc="-1" strike="noStrike">
+              <a:solidFill>
+                <a:schemeClr val="lt1"/>
+              </a:solidFill>
+              <a:latin typeface="Calibri"/>
+              <a:ea typeface="DejaVu Sans"/>
+            </a:endParaRPr>
+          </a:p>
+        </p:txBody>
+      </p:sp>
+      <p:sp>
+        <p:nvSpPr>
+          <p:cNvPr id="213" name="Rounded Rectangle 49"/>
+          <p:cNvSpPr/>
+          <p:nvPr/>
+        </p:nvSpPr>
+        <p:spPr>
+          <a:xfrm>
+            <a:off x="10880640" y="401400"/>
+            <a:ext cx="2210400" cy="547560"/>
+          </a:xfrm>
+          <a:prstGeom prst="roundRect">
+            <a:avLst>
+              <a:gd name="adj" fmla="val 16667"/>
+            </a:avLst>
+          </a:prstGeom>
+          <a:solidFill>
+            <a:srgbClr val="1e1e24"/>
+          </a:solidFill>
+          <a:ln>
+            <a:solidFill>
+              <a:srgbClr val="ff8c00"/>
+            </a:solidFill>
+            <a:round/>
+          </a:ln>
+          <a:effectLst>
+            <a:outerShdw blurRad="39960" dir="5400000" dist="23040" rotWithShape="0">
+              <a:srgbClr val="000000">
+                <a:alpha val="35000"/>
+              </a:srgbClr>
+            </a:outerShdw>
+          </a:effectLst>
+        </p:spPr>
+        <p:style>
+          <a:lnRef idx="1">
+            <a:schemeClr val="accent1"/>
+          </a:lnRef>
+          <a:fillRef idx="3">
+            <a:schemeClr val="accent1"/>
+          </a:fillRef>
+          <a:effectRef idx="2">
+            <a:schemeClr val="accent1"/>
+          </a:effectRef>
+          <a:fontRef idx="minor"/>
+        </p:style>
+        <p:txBody>
+          <a:bodyPr lIns="90000" rIns="90000" tIns="45000" bIns="45000" anchor="ctr">
+            <a:noAutofit/>
+          </a:bodyPr>
+          <a:p>
+            <a:pPr algn="ctr">
+              <a:lnSpc>
+                <a:spcPct val="100000"/>
+              </a:lnSpc>
+            </a:pPr>
+            <a:r>
+              <a:rPr b="1" lang="en-US" sz="1400" spc="-1" strike="noStrike">
+                <a:solidFill>
+                  <a:srgbClr val="ffb45a"/>
+                </a:solidFill>
+                <a:latin typeface="Calibri"/>
+                <a:ea typeface="DejaVu Sans"/>
+              </a:rPr>
+              <a:t>JAVA TEMELLERİ</a:t>
+            </a:r>
+            <a:endParaRPr b="0" lang="en-US" sz="1400" spc="-1" strike="noStrike">
+              <a:solidFill>
+                <a:srgbClr val="ffffff"/>
+              </a:solidFill>
+              <a:latin typeface="Arial"/>
+            </a:endParaRPr>
+          </a:p>
+        </p:txBody>
+      </p:sp>
+      <p:sp>
+        <p:nvSpPr>
+          <p:cNvPr id="214" name="TextBox 21"/>
+          <p:cNvSpPr/>
+          <p:nvPr/>
+        </p:nvSpPr>
+        <p:spPr>
+          <a:xfrm>
+            <a:off x="2608920" y="1107720"/>
+            <a:ext cx="6882120" cy="730080"/>
+          </a:xfrm>
+          <a:prstGeom prst="rect">
+            <a:avLst/>
+          </a:prstGeom>
+          <a:noFill/>
+          <a:ln w="0">
+            <a:noFill/>
+          </a:ln>
+        </p:spPr>
+        <p:style>
+          <a:lnRef idx="0"/>
+          <a:fillRef idx="0"/>
+          <a:effectRef idx="0"/>
+          <a:fontRef idx="minor"/>
+        </p:style>
+        <p:txBody>
+          <a:bodyPr wrap="none" lIns="90000" rIns="90000" tIns="45000" bIns="45000" anchor="t">
+            <a:spAutoFit/>
+          </a:bodyPr>
+          <a:p>
+            <a:pPr>
+              <a:lnSpc>
+                <a:spcPct val="100000"/>
+              </a:lnSpc>
+            </a:pPr>
+            <a:r>
+              <a:rPr b="1" lang="en-US" sz="4200" spc="-1" strike="noStrike">
+                <a:solidFill>
+                  <a:srgbClr val="f5f5f5"/>
+                </a:solidFill>
+                <a:latin typeface="Calibri"/>
+                <a:ea typeface="DejaVu Sans"/>
+              </a:rPr>
+              <a:t>    </a:t>
+            </a:r>
+            <a:r>
+              <a:rPr b="1" lang="en-US" sz="4200" spc="-1" strike="noStrike">
+                <a:solidFill>
+                  <a:srgbClr val="f5f5f5"/>
+                </a:solidFill>
+                <a:latin typeface="Calibri"/>
+                <a:ea typeface="DejaVu Sans"/>
+              </a:rPr>
+              <a:t>Java Tarihi – Oak'tan Java'ya</a:t>
+            </a:r>
+            <a:endParaRPr b="0" lang="en-US" sz="4200" spc="-1" strike="noStrike">
+              <a:solidFill>
+                <a:srgbClr val="000000"/>
+              </a:solidFill>
+              <a:latin typeface="Arial"/>
+            </a:endParaRPr>
+          </a:p>
+        </p:txBody>
+      </p:sp>
+      <p:sp>
+        <p:nvSpPr>
+          <p:cNvPr id="215" name="TextBox 22"/>
+          <p:cNvSpPr/>
+          <p:nvPr/>
+        </p:nvSpPr>
+        <p:spPr>
+          <a:xfrm>
+            <a:off x="3687120" y="2266920"/>
+            <a:ext cx="5359680" cy="364680"/>
+          </a:xfrm>
+          <a:prstGeom prst="rect">
+            <a:avLst/>
+          </a:prstGeom>
+          <a:noFill/>
+          <a:ln w="0">
+            <a:noFill/>
+          </a:ln>
+        </p:spPr>
+        <p:style>
+          <a:lnRef idx="0"/>
+          <a:fillRef idx="0"/>
+          <a:effectRef idx="0"/>
+          <a:fontRef idx="minor"/>
+        </p:style>
+        <p:txBody>
+          <a:bodyPr wrap="none" lIns="90000" rIns="90000" tIns="45000" bIns="45000" anchor="t">
+            <a:spAutoFit/>
+          </a:bodyPr>
+          <a:p>
+            <a:pPr>
+              <a:lnSpc>
+                <a:spcPct val="100000"/>
+              </a:lnSpc>
+            </a:pPr>
+            <a:r>
+              <a:rPr b="0" lang="en-US" sz="1800" spc="-1" strike="noStrike">
+                <a:solidFill>
+                  <a:srgbClr val="aaaaaa"/>
+                </a:solidFill>
+                <a:latin typeface="Calibri"/>
+                <a:ea typeface="DejaVu Sans"/>
+              </a:rPr>
+              <a:t>Oak nasıl Java’ya dönüştü ve gerçek amacını nasıl buldu.</a:t>
+            </a:r>
+            <a:endParaRPr b="0" lang="en-US" sz="1800" spc="-1" strike="noStrike">
+              <a:solidFill>
+                <a:srgbClr val="000000"/>
+              </a:solidFill>
+              <a:latin typeface="Arial"/>
+            </a:endParaRPr>
+          </a:p>
+        </p:txBody>
+      </p:sp>
+      <p:sp>
+        <p:nvSpPr>
+          <p:cNvPr id="216" name="Rounded Rectangle 50"/>
+          <p:cNvSpPr/>
+          <p:nvPr/>
+        </p:nvSpPr>
+        <p:spPr>
+          <a:xfrm>
+            <a:off x="1086120" y="3507120"/>
+            <a:ext cx="3621240" cy="3018960"/>
+          </a:xfrm>
+          <a:prstGeom prst="roundRect">
+            <a:avLst>
+              <a:gd name="adj" fmla="val 16667"/>
+            </a:avLst>
+          </a:prstGeom>
+          <a:solidFill>
+            <a:srgbClr val="08080a"/>
+          </a:solidFill>
+          <a:ln>
+            <a:noFill/>
+          </a:ln>
+          <a:effectLst>
+            <a:outerShdw blurRad="39960" dir="5400000" dist="23040" rotWithShape="0">
+              <a:srgbClr val="000000">
+                <a:alpha val="35000"/>
+              </a:srgbClr>
+            </a:outerShdw>
+          </a:effectLst>
+        </p:spPr>
+        <p:style>
+          <a:lnRef idx="1">
+            <a:schemeClr val="accent1"/>
+          </a:lnRef>
+          <a:fillRef idx="3">
+            <a:schemeClr val="accent1"/>
+          </a:fillRef>
+          <a:effectRef idx="2">
+            <a:schemeClr val="accent1"/>
+          </a:effectRef>
+          <a:fontRef idx="minor"/>
+        </p:style>
+        <p:txBody>
+          <a:bodyPr lIns="90000" rIns="90000" tIns="45000" bIns="45000" anchor="ctr">
+            <a:noAutofit/>
+          </a:bodyPr>
+          <a:p>
+            <a:endParaRPr b="0" lang="en-US" sz="1800" spc="-1" strike="noStrike">
+              <a:solidFill>
+                <a:schemeClr val="lt1"/>
+              </a:solidFill>
+              <a:latin typeface="Calibri"/>
+              <a:ea typeface="DejaVu Sans"/>
+            </a:endParaRPr>
+          </a:p>
+        </p:txBody>
+      </p:sp>
+      <p:sp>
+        <p:nvSpPr>
+          <p:cNvPr id="217" name="Rounded Rectangle 51"/>
+          <p:cNvSpPr/>
+          <p:nvPr/>
+        </p:nvSpPr>
+        <p:spPr>
+          <a:xfrm>
+            <a:off x="1005840" y="3426120"/>
+            <a:ext cx="3621600" cy="3019320"/>
+          </a:xfrm>
+          <a:prstGeom prst="roundRect">
+            <a:avLst>
+              <a:gd name="adj" fmla="val 16667"/>
+            </a:avLst>
+          </a:prstGeom>
+          <a:solidFill>
+            <a:srgbClr val="16161c"/>
+          </a:solidFill>
+          <a:ln>
+            <a:solidFill>
+              <a:srgbClr val="464655"/>
+            </a:solidFill>
+            <a:round/>
+          </a:ln>
+          <a:effectLst>
+            <a:outerShdw blurRad="39960" dir="5400000" dist="23040" rotWithShape="0">
+              <a:srgbClr val="000000">
+                <a:alpha val="35000"/>
+              </a:srgbClr>
+            </a:outerShdw>
+          </a:effectLst>
+        </p:spPr>
+        <p:style>
+          <a:lnRef idx="1">
+            <a:schemeClr val="accent1"/>
+          </a:lnRef>
+          <a:fillRef idx="3">
+            <a:schemeClr val="accent1"/>
+          </a:fillRef>
+          <a:effectRef idx="2">
+            <a:schemeClr val="accent1"/>
+          </a:effectRef>
+          <a:fontRef idx="minor"/>
+        </p:style>
+        <p:txBody>
+          <a:bodyPr lIns="90000" rIns="90000" tIns="45000" bIns="45000" anchor="ctr">
+            <a:noAutofit/>
+          </a:bodyPr>
+          <a:p>
+            <a:pPr>
+              <a:lnSpc>
+                <a:spcPct val="100000"/>
+              </a:lnSpc>
+            </a:pPr>
+            <a:r>
+              <a:rPr b="1" lang="en-US" sz="1300" spc="-1" strike="noStrike">
+                <a:solidFill>
+                  <a:schemeClr val="lt1"/>
+                </a:solidFill>
+                <a:latin typeface="Calibri"/>
+                <a:ea typeface="DejaVu Sans"/>
+              </a:rPr>
+              <a:t>Dönüm Noktası (1994)</a:t>
+            </a:r>
+            <a:endParaRPr b="0" lang="en-US" sz="1300" spc="-1" strike="noStrike">
+              <a:solidFill>
+                <a:srgbClr val="ffffff"/>
+              </a:solidFill>
+              <a:latin typeface="Arial"/>
+            </a:endParaRPr>
+          </a:p>
+          <a:p>
+            <a:pPr>
+              <a:lnSpc>
+                <a:spcPct val="100000"/>
+              </a:lnSpc>
+            </a:pPr>
+            <a:r>
+              <a:rPr b="0" lang="en-US" sz="1300" spc="-1" strike="noStrike">
+                <a:solidFill>
+                  <a:schemeClr val="lt1"/>
+                </a:solidFill>
+                <a:latin typeface="Calibri"/>
+                <a:ea typeface="DejaVu Sans"/>
+              </a:rPr>
+              <a:t>Ne ters gitti?</a:t>
+            </a:r>
+            <a:endParaRPr b="0" lang="en-US" sz="1300" spc="-1" strike="noStrike">
+              <a:solidFill>
+                <a:srgbClr val="ffffff"/>
+              </a:solidFill>
+              <a:latin typeface="Arial"/>
+            </a:endParaRPr>
+          </a:p>
+          <a:p>
+            <a:pPr>
+              <a:lnSpc>
+                <a:spcPct val="100000"/>
+              </a:lnSpc>
+            </a:pPr>
+            <a:r>
+              <a:rPr b="1" lang="en-US" sz="1300" spc="-1" strike="noStrike">
+                <a:solidFill>
+                  <a:schemeClr val="lt1"/>
+                </a:solidFill>
+                <a:latin typeface="Calibri"/>
+                <a:ea typeface="DejaVu Sans"/>
+              </a:rPr>
+              <a:t>• </a:t>
+            </a:r>
+            <a:r>
+              <a:rPr b="1" lang="en-US" sz="1300" spc="-1" strike="noStrike">
+                <a:solidFill>
+                  <a:schemeClr val="lt1"/>
+                </a:solidFill>
+                <a:latin typeface="Calibri"/>
+                <a:ea typeface="DejaVu Sans"/>
+              </a:rPr>
+              <a:t>Akıllı TV pazarı başarısız oldu</a:t>
+            </a:r>
+            <a:endParaRPr b="0" lang="en-US" sz="1300" spc="-1" strike="noStrike">
+              <a:solidFill>
+                <a:srgbClr val="ffffff"/>
+              </a:solidFill>
+              <a:latin typeface="Arial"/>
+            </a:endParaRPr>
+          </a:p>
+          <a:p>
+            <a:pPr>
+              <a:lnSpc>
+                <a:spcPct val="100000"/>
+              </a:lnSpc>
+            </a:pPr>
+            <a:r>
+              <a:rPr b="1" lang="en-US" sz="1300" spc="-1" strike="noStrike">
+                <a:solidFill>
+                  <a:schemeClr val="lt1"/>
+                </a:solidFill>
+                <a:latin typeface="Calibri"/>
+                <a:ea typeface="DejaVu Sans"/>
+              </a:rPr>
+              <a:t>• </a:t>
+            </a:r>
+            <a:r>
+              <a:rPr b="1" lang="en-US" sz="1300" spc="-1" strike="noStrike">
+                <a:solidFill>
+                  <a:schemeClr val="lt1"/>
+                </a:solidFill>
+                <a:latin typeface="Calibri"/>
+                <a:ea typeface="DejaVu Sans"/>
+              </a:rPr>
+              <a:t>Oak’ın ticari bir geleceği yoktu</a:t>
+            </a:r>
+            <a:endParaRPr b="0" lang="en-US" sz="1300" spc="-1" strike="noStrike">
+              <a:solidFill>
+                <a:srgbClr val="ffffff"/>
+              </a:solidFill>
+              <a:latin typeface="Arial"/>
+            </a:endParaRPr>
+          </a:p>
+          <a:p>
+            <a:pPr>
+              <a:lnSpc>
+                <a:spcPct val="100000"/>
+              </a:lnSpc>
+            </a:pPr>
+            <a:r>
+              <a:rPr b="1" lang="en-US" sz="1300" spc="-1" strike="noStrike">
+                <a:solidFill>
+                  <a:schemeClr val="lt1"/>
+                </a:solidFill>
+                <a:latin typeface="Calibri"/>
+                <a:ea typeface="DejaVu Sans"/>
+              </a:rPr>
+              <a:t>• </a:t>
+            </a:r>
+            <a:r>
+              <a:rPr b="1" lang="en-US" sz="1300" spc="-1" strike="noStrike">
+                <a:solidFill>
+                  <a:schemeClr val="lt1"/>
+                </a:solidFill>
+                <a:latin typeface="Calibri"/>
+                <a:ea typeface="DejaVu Sans"/>
+              </a:rPr>
+              <a:t>Proje neredeyse iptal ediliyordu ❌</a:t>
+            </a:r>
+            <a:endParaRPr b="0" lang="en-US" sz="1300" spc="-1" strike="noStrike">
+              <a:solidFill>
+                <a:srgbClr val="ffffff"/>
+              </a:solidFill>
+              <a:latin typeface="Arial"/>
+            </a:endParaRPr>
+          </a:p>
+          <a:p>
+            <a:pPr>
+              <a:lnSpc>
+                <a:spcPct val="100000"/>
+              </a:lnSpc>
+            </a:pPr>
+            <a:r>
+              <a:rPr b="0" lang="en-US" sz="1300" spc="-1" strike="noStrike">
+                <a:solidFill>
+                  <a:schemeClr val="lt1"/>
+                </a:solidFill>
+                <a:latin typeface="Calibri"/>
+                <a:ea typeface="DejaVu Sans"/>
+              </a:rPr>
+              <a:t>Ama bir şey değişti…</a:t>
+            </a:r>
+            <a:endParaRPr b="0" lang="en-US" sz="1300" spc="-1" strike="noStrike">
+              <a:solidFill>
+                <a:srgbClr val="ffffff"/>
+              </a:solidFill>
+              <a:latin typeface="Arial"/>
+            </a:endParaRPr>
+          </a:p>
+          <a:p>
+            <a:pPr>
+              <a:lnSpc>
+                <a:spcPct val="100000"/>
+              </a:lnSpc>
+            </a:pPr>
+            <a:r>
+              <a:rPr b="1" lang="en-US" sz="1300" spc="-1" strike="noStrike">
+                <a:solidFill>
+                  <a:schemeClr val="lt1"/>
+                </a:solidFill>
+                <a:latin typeface="Calibri"/>
+                <a:ea typeface="DejaVu Sans"/>
+              </a:rPr>
+              <a:t>• </a:t>
+            </a:r>
+            <a:r>
+              <a:rPr b="1" lang="en-US" sz="1300" spc="-1" strike="noStrike">
+                <a:solidFill>
+                  <a:schemeClr val="lt1"/>
+                </a:solidFill>
+                <a:latin typeface="Calibri"/>
+                <a:ea typeface="DejaVu Sans"/>
+              </a:rPr>
+              <a:t>İnternet büyümeye başladı</a:t>
+            </a:r>
+            <a:endParaRPr b="0" lang="en-US" sz="1300" spc="-1" strike="noStrike">
+              <a:solidFill>
+                <a:srgbClr val="ffffff"/>
+              </a:solidFill>
+              <a:latin typeface="Arial"/>
+            </a:endParaRPr>
+          </a:p>
+          <a:p>
+            <a:pPr>
+              <a:lnSpc>
+                <a:spcPct val="100000"/>
+              </a:lnSpc>
+            </a:pPr>
+            <a:r>
+              <a:rPr b="1" lang="en-US" sz="1300" spc="-1" strike="noStrike">
+                <a:solidFill>
+                  <a:schemeClr val="lt1"/>
+                </a:solidFill>
+                <a:latin typeface="Calibri"/>
+                <a:ea typeface="DejaVu Sans"/>
+              </a:rPr>
+              <a:t>• </a:t>
+            </a:r>
+            <a:r>
+              <a:rPr b="1" lang="en-US" sz="1300" spc="-1" strike="noStrike">
+                <a:solidFill>
+                  <a:schemeClr val="lt1"/>
+                </a:solidFill>
+                <a:latin typeface="Calibri"/>
+                <a:ea typeface="DejaVu Sans"/>
+              </a:rPr>
+              <a:t>Web tarayıcıları popülerleşti</a:t>
+            </a:r>
+            <a:endParaRPr b="0" lang="en-US" sz="1300" spc="-1" strike="noStrike">
+              <a:solidFill>
+                <a:srgbClr val="ffffff"/>
+              </a:solidFill>
+              <a:latin typeface="Arial"/>
+            </a:endParaRPr>
+          </a:p>
+          <a:p>
+            <a:pPr>
+              <a:lnSpc>
+                <a:spcPct val="100000"/>
+              </a:lnSpc>
+            </a:pPr>
+            <a:r>
+              <a:rPr b="1" lang="en-US" sz="1300" spc="-1" strike="noStrike">
+                <a:solidFill>
+                  <a:schemeClr val="lt1"/>
+                </a:solidFill>
+                <a:latin typeface="Calibri"/>
+                <a:ea typeface="DejaVu Sans"/>
+              </a:rPr>
+              <a:t>• </a:t>
+            </a:r>
+            <a:r>
+              <a:rPr b="1" lang="en-US" sz="1300" spc="-1" strike="noStrike">
+                <a:solidFill>
+                  <a:schemeClr val="lt1"/>
+                </a:solidFill>
+                <a:latin typeface="Calibri"/>
+                <a:ea typeface="DejaVu Sans"/>
+              </a:rPr>
+              <a:t>Taşınabilir ve güvenli koda ihtiyaç doğdu</a:t>
+            </a:r>
+            <a:endParaRPr b="0" lang="en-US" sz="1300" spc="-1" strike="noStrike">
+              <a:solidFill>
+                <a:srgbClr val="ffffff"/>
+              </a:solidFill>
+              <a:latin typeface="Arial"/>
+            </a:endParaRPr>
+          </a:p>
+          <a:p>
+            <a:pPr>
+              <a:lnSpc>
+                <a:spcPct val="100000"/>
+              </a:lnSpc>
+            </a:pPr>
+            <a:endParaRPr b="0" lang="en-US" sz="1300" spc="-1" strike="noStrike">
+              <a:solidFill>
+                <a:srgbClr val="ffffff"/>
+              </a:solidFill>
+              <a:latin typeface="Arial"/>
+            </a:endParaRPr>
+          </a:p>
+          <a:p>
+            <a:pPr>
+              <a:lnSpc>
+                <a:spcPct val="100000"/>
+              </a:lnSpc>
+            </a:pPr>
+            <a:r>
+              <a:rPr b="1" lang="en-US" sz="1300" spc="-1" strike="noStrike">
+                <a:solidFill>
+                  <a:schemeClr val="lt1"/>
+                </a:solidFill>
+                <a:latin typeface="Calibri"/>
+                <a:ea typeface="DejaVu Sans"/>
+              </a:rPr>
+              <a:t>Kritik farkındalık:</a:t>
+            </a:r>
+            <a:endParaRPr b="0" lang="en-US" sz="1300" spc="-1" strike="noStrike">
+              <a:solidFill>
+                <a:srgbClr val="ffffff"/>
+              </a:solidFill>
+              <a:latin typeface="Arial"/>
+            </a:endParaRPr>
+          </a:p>
+          <a:p>
+            <a:pPr>
+              <a:lnSpc>
+                <a:spcPct val="100000"/>
+              </a:lnSpc>
+            </a:pPr>
+            <a:r>
+              <a:rPr b="1" lang="en-US" sz="1300" spc="-1" strike="noStrike">
+                <a:solidFill>
+                  <a:schemeClr val="lt1"/>
+                </a:solidFill>
+                <a:latin typeface="Calibri"/>
+                <a:ea typeface="DejaVu Sans"/>
+              </a:rPr>
+              <a:t>“</a:t>
+            </a:r>
+            <a:r>
+              <a:rPr b="1" lang="en-US" sz="1300" spc="-1" strike="noStrike">
+                <a:solidFill>
+                  <a:schemeClr val="lt1"/>
+                </a:solidFill>
+                <a:latin typeface="Calibri"/>
+                <a:ea typeface="DejaVu Sans"/>
+              </a:rPr>
+              <a:t>Gelecek televizyonlar değil — Web’tir.”</a:t>
+            </a:r>
+            <a:endParaRPr b="0" lang="en-US" sz="1300" spc="-1" strike="noStrike">
+              <a:solidFill>
+                <a:srgbClr val="ffffff"/>
+              </a:solidFill>
+              <a:latin typeface="Arial"/>
+            </a:endParaRPr>
+          </a:p>
+        </p:txBody>
+      </p:sp>
+      <p:sp>
+        <p:nvSpPr>
+          <p:cNvPr id="218" name="Rounded Rectangle 52"/>
+          <p:cNvSpPr/>
+          <p:nvPr/>
+        </p:nvSpPr>
+        <p:spPr>
+          <a:xfrm>
+            <a:off x="4966200" y="3507120"/>
+            <a:ext cx="3621240" cy="3018960"/>
+          </a:xfrm>
+          <a:prstGeom prst="roundRect">
+            <a:avLst>
+              <a:gd name="adj" fmla="val 16667"/>
+            </a:avLst>
+          </a:prstGeom>
+          <a:solidFill>
+            <a:srgbClr val="08080a"/>
+          </a:solidFill>
+          <a:ln>
+            <a:noFill/>
+          </a:ln>
+          <a:effectLst>
+            <a:outerShdw blurRad="39960" dir="5400000" dist="23040" rotWithShape="0">
+              <a:srgbClr val="000000">
+                <a:alpha val="35000"/>
+              </a:srgbClr>
+            </a:outerShdw>
+          </a:effectLst>
+        </p:spPr>
+        <p:style>
+          <a:lnRef idx="1">
+            <a:schemeClr val="accent1"/>
+          </a:lnRef>
+          <a:fillRef idx="3">
+            <a:schemeClr val="accent1"/>
+          </a:fillRef>
+          <a:effectRef idx="2">
+            <a:schemeClr val="accent1"/>
+          </a:effectRef>
+          <a:fontRef idx="minor"/>
+        </p:style>
+        <p:txBody>
+          <a:bodyPr lIns="90000" rIns="90000" tIns="45000" bIns="45000" anchor="ctr">
+            <a:noAutofit/>
+          </a:bodyPr>
+          <a:p>
+            <a:endParaRPr b="0" lang="en-US" sz="1800" spc="-1" strike="noStrike">
+              <a:solidFill>
+                <a:schemeClr val="lt1"/>
+              </a:solidFill>
+              <a:latin typeface="Calibri"/>
+              <a:ea typeface="DejaVu Sans"/>
+            </a:endParaRPr>
+          </a:p>
+        </p:txBody>
+      </p:sp>
+      <p:sp>
+        <p:nvSpPr>
+          <p:cNvPr id="219" name="Rounded Rectangle 53"/>
+          <p:cNvSpPr/>
+          <p:nvPr/>
+        </p:nvSpPr>
+        <p:spPr>
+          <a:xfrm>
+            <a:off x="8845560" y="3507120"/>
+            <a:ext cx="3621240" cy="3018960"/>
+          </a:xfrm>
+          <a:prstGeom prst="roundRect">
+            <a:avLst>
+              <a:gd name="adj" fmla="val 16667"/>
+            </a:avLst>
+          </a:prstGeom>
+          <a:solidFill>
+            <a:srgbClr val="08080a"/>
+          </a:solidFill>
+          <a:ln>
+            <a:noFill/>
+          </a:ln>
+          <a:effectLst>
+            <a:outerShdw blurRad="39960" dir="5400000" dist="23040" rotWithShape="0">
+              <a:srgbClr val="000000">
+                <a:alpha val="35000"/>
+              </a:srgbClr>
+            </a:outerShdw>
+          </a:effectLst>
+        </p:spPr>
+        <p:style>
+          <a:lnRef idx="1">
+            <a:schemeClr val="accent1"/>
+          </a:lnRef>
+          <a:fillRef idx="3">
+            <a:schemeClr val="accent1"/>
+          </a:fillRef>
+          <a:effectRef idx="2">
+            <a:schemeClr val="accent1"/>
+          </a:effectRef>
+          <a:fontRef idx="minor"/>
+        </p:style>
+        <p:txBody>
+          <a:bodyPr lIns="90000" rIns="90000" tIns="45000" bIns="45000" anchor="ctr">
+            <a:noAutofit/>
+          </a:bodyPr>
+          <a:p>
+            <a:endParaRPr b="0" lang="en-US" sz="1800" spc="-1" strike="noStrike">
+              <a:solidFill>
+                <a:schemeClr val="lt1"/>
+              </a:solidFill>
+              <a:latin typeface="Calibri"/>
+              <a:ea typeface="DejaVu Sans"/>
+            </a:endParaRPr>
+          </a:p>
+        </p:txBody>
+      </p:sp>
+      <p:sp>
+        <p:nvSpPr>
+          <p:cNvPr id="220" name="Rounded Rectangle 54"/>
+          <p:cNvSpPr/>
+          <p:nvPr/>
+        </p:nvSpPr>
+        <p:spPr>
+          <a:xfrm>
+            <a:off x="8763840" y="3426120"/>
+            <a:ext cx="3621600" cy="3019320"/>
+          </a:xfrm>
+          <a:prstGeom prst="roundRect">
+            <a:avLst>
+              <a:gd name="adj" fmla="val 16667"/>
+            </a:avLst>
+          </a:prstGeom>
+          <a:solidFill>
+            <a:srgbClr val="16161c"/>
+          </a:solidFill>
+          <a:ln>
+            <a:solidFill>
+              <a:srgbClr val="464655"/>
+            </a:solidFill>
+            <a:round/>
+          </a:ln>
+          <a:effectLst>
+            <a:outerShdw blurRad="39960" dir="5400000" dist="23040" rotWithShape="0">
+              <a:srgbClr val="000000">
+                <a:alpha val="35000"/>
+              </a:srgbClr>
+            </a:outerShdw>
+          </a:effectLst>
+        </p:spPr>
+        <p:style>
+          <a:lnRef idx="1">
+            <a:schemeClr val="accent1"/>
+          </a:lnRef>
+          <a:fillRef idx="3">
+            <a:schemeClr val="accent1"/>
+          </a:fillRef>
+          <a:effectRef idx="2">
+            <a:schemeClr val="accent1"/>
+          </a:effectRef>
+          <a:fontRef idx="minor"/>
+        </p:style>
+        <p:txBody>
+          <a:bodyPr lIns="90000" rIns="90000" tIns="45000" bIns="45000" anchor="ctr">
+            <a:noAutofit/>
+          </a:bodyPr>
+          <a:p>
+            <a:pPr algn="ctr">
+              <a:lnSpc>
+                <a:spcPct val="100000"/>
+              </a:lnSpc>
+            </a:pPr>
+            <a:endParaRPr b="0" lang="en-US" sz="1300" spc="-1" strike="noStrike">
+              <a:solidFill>
+                <a:srgbClr val="ffffff"/>
+              </a:solidFill>
+              <a:latin typeface="Arial"/>
+            </a:endParaRPr>
+          </a:p>
+          <a:p>
+            <a:pPr algn="ctr">
+              <a:lnSpc>
+                <a:spcPct val="100000"/>
+              </a:lnSpc>
+            </a:pPr>
+            <a:endParaRPr b="0" lang="en-US" sz="1300" spc="-1" strike="noStrike">
+              <a:solidFill>
+                <a:srgbClr val="ffffff"/>
+              </a:solidFill>
+              <a:latin typeface="Arial"/>
+            </a:endParaRPr>
+          </a:p>
+          <a:p>
+            <a:pPr algn="ctr">
+              <a:lnSpc>
+                <a:spcPct val="100000"/>
+              </a:lnSpc>
+            </a:pPr>
+            <a:endParaRPr b="0" lang="en-US" sz="1300" spc="-1" strike="noStrike">
+              <a:solidFill>
+                <a:srgbClr val="ffffff"/>
+              </a:solidFill>
+              <a:latin typeface="Arial"/>
+            </a:endParaRPr>
+          </a:p>
+          <a:p>
+            <a:pPr algn="ctr">
+              <a:lnSpc>
+                <a:spcPct val="100000"/>
+              </a:lnSpc>
+            </a:pPr>
+            <a:r>
+              <a:rPr b="0" lang="en-US" sz="1300" spc="-1" strike="noStrike">
+                <a:solidFill>
+                  <a:srgbClr val="78ffc8"/>
+                </a:solidFill>
+                <a:latin typeface="Consolas"/>
+                <a:ea typeface="DejaVu Sans"/>
+              </a:rPr>
+              <a:t>public class WebFuture {</a:t>
+            </a:r>
+            <a:endParaRPr b="0" lang="en-US" sz="1300" spc="-1" strike="noStrike">
+              <a:solidFill>
+                <a:srgbClr val="ffffff"/>
+              </a:solidFill>
+              <a:latin typeface="Arial"/>
+            </a:endParaRPr>
+          </a:p>
+          <a:p>
+            <a:pPr algn="ctr">
+              <a:lnSpc>
+                <a:spcPct val="100000"/>
+              </a:lnSpc>
+            </a:pPr>
+            <a:r>
+              <a:rPr b="0" lang="en-US" sz="1300" spc="-1" strike="noStrike">
+                <a:solidFill>
+                  <a:srgbClr val="78ffc8"/>
+                </a:solidFill>
+                <a:latin typeface="Consolas"/>
+                <a:ea typeface="DejaVu Sans"/>
+              </a:rPr>
+              <a:t>    </a:t>
+            </a:r>
+            <a:r>
+              <a:rPr b="0" lang="en-US" sz="1300" spc="-1" strike="noStrike">
+                <a:solidFill>
+                  <a:srgbClr val="78ffc8"/>
+                </a:solidFill>
+                <a:latin typeface="Consolas"/>
+                <a:ea typeface="DejaVu Sans"/>
+              </a:rPr>
+              <a:t>public static void main(String[] args) {</a:t>
+            </a:r>
+            <a:endParaRPr b="0" lang="en-US" sz="1300" spc="-1" strike="noStrike">
+              <a:solidFill>
+                <a:srgbClr val="ffffff"/>
+              </a:solidFill>
+              <a:latin typeface="Arial"/>
+            </a:endParaRPr>
+          </a:p>
+          <a:p>
+            <a:pPr algn="ctr">
+              <a:lnSpc>
+                <a:spcPct val="100000"/>
+              </a:lnSpc>
+            </a:pPr>
+            <a:endParaRPr b="0" lang="en-US" sz="1300" spc="-1" strike="noStrike">
+              <a:solidFill>
+                <a:srgbClr val="ffffff"/>
+              </a:solidFill>
+              <a:latin typeface="Arial"/>
+            </a:endParaRPr>
+          </a:p>
+          <a:p>
+            <a:pPr algn="ctr">
+              <a:lnSpc>
+                <a:spcPct val="100000"/>
+              </a:lnSpc>
+            </a:pPr>
+            <a:r>
+              <a:rPr b="0" lang="en-US" sz="1300" spc="-1" strike="noStrike">
+                <a:solidFill>
+                  <a:srgbClr val="78ffc8"/>
+                </a:solidFill>
+                <a:latin typeface="Consolas"/>
+                <a:ea typeface="DejaVu Sans"/>
+              </a:rPr>
+              <a:t>        </a:t>
+            </a:r>
+            <a:r>
+              <a:rPr b="0" lang="en-US" sz="1300" spc="-1" strike="noStrike">
+                <a:solidFill>
+                  <a:srgbClr val="78ffc8"/>
+                </a:solidFill>
+                <a:latin typeface="Consolas"/>
+                <a:ea typeface="DejaVu Sans"/>
+              </a:rPr>
+              <a:t>boolean internetEra = true;</a:t>
+            </a:r>
+            <a:endParaRPr b="0" lang="en-US" sz="1300" spc="-1" strike="noStrike">
+              <a:solidFill>
+                <a:srgbClr val="ffffff"/>
+              </a:solidFill>
+              <a:latin typeface="Arial"/>
+            </a:endParaRPr>
+          </a:p>
+          <a:p>
+            <a:pPr algn="ctr">
+              <a:lnSpc>
+                <a:spcPct val="100000"/>
+              </a:lnSpc>
+            </a:pPr>
+            <a:endParaRPr b="0" lang="en-US" sz="1300" spc="-1" strike="noStrike">
+              <a:solidFill>
+                <a:srgbClr val="ffffff"/>
+              </a:solidFill>
+              <a:latin typeface="Arial"/>
+            </a:endParaRPr>
+          </a:p>
+          <a:p>
+            <a:pPr algn="ctr">
+              <a:lnSpc>
+                <a:spcPct val="100000"/>
+              </a:lnSpc>
+            </a:pPr>
+            <a:r>
+              <a:rPr b="0" lang="en-US" sz="1300" spc="-1" strike="noStrike">
+                <a:solidFill>
+                  <a:srgbClr val="78ffc8"/>
+                </a:solidFill>
+                <a:latin typeface="Consolas"/>
+                <a:ea typeface="DejaVu Sans"/>
+              </a:rPr>
+              <a:t>        </a:t>
+            </a:r>
+            <a:r>
+              <a:rPr b="0" lang="en-US" sz="1300" spc="-1" strike="noStrike">
+                <a:solidFill>
+                  <a:srgbClr val="78ffc8"/>
+                </a:solidFill>
+                <a:latin typeface="Consolas"/>
+                <a:ea typeface="DejaVu Sans"/>
+              </a:rPr>
+              <a:t>if (internetEra) {</a:t>
+            </a:r>
+            <a:endParaRPr b="0" lang="en-US" sz="1300" spc="-1" strike="noStrike">
+              <a:solidFill>
+                <a:srgbClr val="ffffff"/>
+              </a:solidFill>
+              <a:latin typeface="Arial"/>
+            </a:endParaRPr>
+          </a:p>
+          <a:p>
+            <a:pPr algn="ctr">
+              <a:lnSpc>
+                <a:spcPct val="100000"/>
+              </a:lnSpc>
+            </a:pPr>
+            <a:r>
+              <a:rPr b="0" lang="en-US" sz="1300" spc="-1" strike="noStrike">
+                <a:solidFill>
+                  <a:srgbClr val="78ffc8"/>
+                </a:solidFill>
+                <a:latin typeface="Consolas"/>
+                <a:ea typeface="DejaVu Sans"/>
+              </a:rPr>
+              <a:t>            </a:t>
+            </a:r>
+            <a:r>
+              <a:rPr b="0" lang="en-US" sz="1300" spc="-1" strike="noStrike">
+                <a:solidFill>
+                  <a:srgbClr val="78ffc8"/>
+                </a:solidFill>
+                <a:latin typeface="Consolas"/>
+                <a:ea typeface="DejaVu Sans"/>
+              </a:rPr>
+              <a:t>System.out.println(</a:t>
+            </a:r>
+            <a:endParaRPr b="0" lang="en-US" sz="1300" spc="-1" strike="noStrike">
+              <a:solidFill>
+                <a:srgbClr val="ffffff"/>
+              </a:solidFill>
+              <a:latin typeface="Arial"/>
+            </a:endParaRPr>
+          </a:p>
+          <a:p>
+            <a:pPr algn="ctr">
+              <a:lnSpc>
+                <a:spcPct val="100000"/>
+              </a:lnSpc>
+            </a:pPr>
+            <a:r>
+              <a:rPr b="0" lang="en-US" sz="1300" spc="-1" strike="noStrike">
+                <a:solidFill>
+                  <a:srgbClr val="78ffc8"/>
+                </a:solidFill>
+                <a:latin typeface="Consolas"/>
+                <a:ea typeface="DejaVu Sans"/>
+              </a:rPr>
+              <a:t>                </a:t>
+            </a:r>
+            <a:r>
+              <a:rPr b="0" lang="en-US" sz="1300" spc="-1" strike="noStrike">
+                <a:solidFill>
+                  <a:srgbClr val="78ffc8"/>
+                </a:solidFill>
+                <a:latin typeface="Consolas"/>
+                <a:ea typeface="DejaVu Sans"/>
+              </a:rPr>
+              <a:t>"Java Web için hazır!"</a:t>
+            </a:r>
+            <a:endParaRPr b="0" lang="en-US" sz="1300" spc="-1" strike="noStrike">
+              <a:solidFill>
+                <a:srgbClr val="ffffff"/>
+              </a:solidFill>
+              <a:latin typeface="Arial"/>
+            </a:endParaRPr>
+          </a:p>
+          <a:p>
+            <a:pPr algn="ctr">
+              <a:lnSpc>
+                <a:spcPct val="100000"/>
+              </a:lnSpc>
+            </a:pPr>
+            <a:r>
+              <a:rPr b="0" lang="en-US" sz="1300" spc="-1" strike="noStrike">
+                <a:solidFill>
+                  <a:srgbClr val="78ffc8"/>
+                </a:solidFill>
+                <a:latin typeface="Consolas"/>
+                <a:ea typeface="DejaVu Sans"/>
+              </a:rPr>
+              <a:t>            </a:t>
+            </a:r>
+            <a:r>
+              <a:rPr b="0" lang="en-US" sz="1300" spc="-1" strike="noStrike">
+                <a:solidFill>
+                  <a:srgbClr val="78ffc8"/>
+                </a:solidFill>
+                <a:latin typeface="Consolas"/>
+                <a:ea typeface="DejaVu Sans"/>
+              </a:rPr>
+              <a:t>);</a:t>
+            </a:r>
+            <a:endParaRPr b="0" lang="en-US" sz="1300" spc="-1" strike="noStrike">
+              <a:solidFill>
+                <a:srgbClr val="ffffff"/>
+              </a:solidFill>
+              <a:latin typeface="Arial"/>
+            </a:endParaRPr>
+          </a:p>
+          <a:p>
+            <a:pPr algn="ctr">
+              <a:lnSpc>
+                <a:spcPct val="100000"/>
+              </a:lnSpc>
+            </a:pPr>
+            <a:r>
+              <a:rPr b="0" lang="en-US" sz="1300" spc="-1" strike="noStrike">
+                <a:solidFill>
+                  <a:srgbClr val="78ffc8"/>
+                </a:solidFill>
+                <a:latin typeface="Consolas"/>
+                <a:ea typeface="DejaVu Sans"/>
+              </a:rPr>
+              <a:t>        </a:t>
+            </a:r>
+            <a:r>
+              <a:rPr b="0" lang="en-US" sz="1300" spc="-1" strike="noStrike">
+                <a:solidFill>
+                  <a:srgbClr val="78ffc8"/>
+                </a:solidFill>
+                <a:latin typeface="Consolas"/>
+                <a:ea typeface="DejaVu Sans"/>
+              </a:rPr>
+              <a:t>}</a:t>
+            </a:r>
+            <a:endParaRPr b="0" lang="en-US" sz="1300" spc="-1" strike="noStrike">
+              <a:solidFill>
+                <a:srgbClr val="ffffff"/>
+              </a:solidFill>
+              <a:latin typeface="Arial"/>
+            </a:endParaRPr>
+          </a:p>
+          <a:p>
+            <a:pPr algn="ctr">
+              <a:lnSpc>
+                <a:spcPct val="100000"/>
+              </a:lnSpc>
+            </a:pPr>
+            <a:r>
+              <a:rPr b="0" lang="en-US" sz="1300" spc="-1" strike="noStrike">
+                <a:solidFill>
+                  <a:srgbClr val="78ffc8"/>
+                </a:solidFill>
+                <a:latin typeface="Consolas"/>
+                <a:ea typeface="DejaVu Sans"/>
+              </a:rPr>
+              <a:t>    </a:t>
+            </a:r>
+            <a:r>
+              <a:rPr b="0" lang="en-US" sz="1300" spc="-1" strike="noStrike">
+                <a:solidFill>
+                  <a:srgbClr val="78ffc8"/>
+                </a:solidFill>
+                <a:latin typeface="Consolas"/>
+                <a:ea typeface="DejaVu Sans"/>
+              </a:rPr>
+              <a:t>}</a:t>
+            </a:r>
+            <a:endParaRPr b="0" lang="en-US" sz="1300" spc="-1" strike="noStrike">
+              <a:solidFill>
+                <a:srgbClr val="ffffff"/>
+              </a:solidFill>
+              <a:latin typeface="Arial"/>
+            </a:endParaRPr>
+          </a:p>
+          <a:p>
+            <a:pPr algn="ctr">
+              <a:lnSpc>
+                <a:spcPct val="100000"/>
+              </a:lnSpc>
+            </a:pPr>
+            <a:r>
+              <a:rPr b="0" lang="en-US" sz="1300" spc="-1" strike="noStrike">
+                <a:solidFill>
+                  <a:srgbClr val="78ffc8"/>
+                </a:solidFill>
+                <a:latin typeface="Consolas"/>
+                <a:ea typeface="DejaVu Sans"/>
+              </a:rPr>
+              <a:t>}</a:t>
+            </a:r>
+            <a:endParaRPr b="0" lang="en-US" sz="1300" spc="-1" strike="noStrike">
+              <a:solidFill>
+                <a:srgbClr val="ffffff"/>
+              </a:solidFill>
+              <a:latin typeface="Arial"/>
+            </a:endParaRPr>
+          </a:p>
+          <a:p>
+            <a:pPr algn="ctr">
+              <a:lnSpc>
+                <a:spcPct val="100000"/>
+              </a:lnSpc>
+            </a:pPr>
+            <a:endParaRPr b="0" lang="en-US" sz="1300" spc="-1" strike="noStrike">
+              <a:solidFill>
+                <a:srgbClr val="ffffff"/>
+              </a:solidFill>
+              <a:latin typeface="Arial"/>
+            </a:endParaRPr>
+          </a:p>
+          <a:p>
+            <a:pPr algn="ctr">
+              <a:lnSpc>
+                <a:spcPct val="100000"/>
+              </a:lnSpc>
+            </a:pPr>
+            <a:endParaRPr b="0" lang="en-US" sz="1300" spc="-1" strike="noStrike">
+              <a:solidFill>
+                <a:srgbClr val="ffffff"/>
+              </a:solidFill>
+              <a:latin typeface="Arial"/>
+            </a:endParaRPr>
+          </a:p>
+          <a:p>
+            <a:pPr algn="ctr">
+              <a:lnSpc>
+                <a:spcPct val="100000"/>
+              </a:lnSpc>
+            </a:pPr>
+            <a:endParaRPr b="0" lang="en-US" sz="1300" spc="-1" strike="noStrike">
+              <a:solidFill>
+                <a:srgbClr val="ffffff"/>
+              </a:solidFill>
+              <a:latin typeface="Arial"/>
+            </a:endParaRPr>
+          </a:p>
+          <a:p>
+            <a:pPr algn="ctr">
+              <a:lnSpc>
+                <a:spcPct val="100000"/>
+              </a:lnSpc>
+            </a:pPr>
+            <a:endParaRPr b="0" lang="en-US" sz="1300" spc="-1" strike="noStrike">
+              <a:solidFill>
+                <a:srgbClr val="ffffff"/>
+              </a:solidFill>
+              <a:latin typeface="Arial"/>
+            </a:endParaRPr>
+          </a:p>
+        </p:txBody>
+      </p:sp>
+      <p:sp>
+        <p:nvSpPr>
+          <p:cNvPr id="221" name="TextBox 23"/>
+          <p:cNvSpPr/>
+          <p:nvPr/>
+        </p:nvSpPr>
+        <p:spPr>
+          <a:xfrm>
+            <a:off x="5221800" y="7106760"/>
+            <a:ext cx="3051000" cy="363960"/>
+          </a:xfrm>
+          <a:prstGeom prst="rect">
+            <a:avLst/>
+          </a:prstGeom>
+          <a:noFill/>
+          <a:ln w="0">
+            <a:noFill/>
+          </a:ln>
+        </p:spPr>
+        <p:style>
+          <a:lnRef idx="0"/>
+          <a:fillRef idx="0"/>
+          <a:effectRef idx="0"/>
+          <a:fontRef idx="minor"/>
+        </p:style>
+        <p:txBody>
+          <a:bodyPr wrap="none" lIns="90000" rIns="90000" tIns="45000" bIns="45000" anchor="t">
+            <a:spAutoFit/>
+          </a:bodyPr>
+          <a:p>
+            <a:pPr>
+              <a:lnSpc>
+                <a:spcPct val="100000"/>
+              </a:lnSpc>
+            </a:pPr>
+            <a:r>
+              <a:rPr b="0" lang="en-US" sz="1800" spc="-1" strike="noStrike">
+                <a:solidFill>
+                  <a:srgbClr val="000000"/>
+                </a:solidFill>
+                <a:latin typeface="Calibri"/>
+                <a:ea typeface="DejaVu Sans"/>
+              </a:rPr>
+              <a:t>Java • Ultra Premium Template</a:t>
+            </a:r>
+            <a:endParaRPr b="0" lang="en-US" sz="1800" spc="-1" strike="noStrike">
+              <a:solidFill>
+                <a:srgbClr val="000000"/>
+              </a:solidFill>
+              <a:latin typeface="Arial"/>
+            </a:endParaRPr>
+          </a:p>
+        </p:txBody>
+      </p:sp>
+      <p:sp>
+        <p:nvSpPr>
+          <p:cNvPr id="222" name="Rounded Rectangle 55"/>
+          <p:cNvSpPr/>
+          <p:nvPr/>
+        </p:nvSpPr>
+        <p:spPr>
+          <a:xfrm>
+            <a:off x="4938840" y="3450600"/>
+            <a:ext cx="3621600" cy="3019320"/>
+          </a:xfrm>
+          <a:prstGeom prst="roundRect">
+            <a:avLst>
+              <a:gd name="adj" fmla="val 16667"/>
+            </a:avLst>
+          </a:prstGeom>
+          <a:solidFill>
+            <a:srgbClr val="16161c"/>
+          </a:solidFill>
+          <a:ln>
+            <a:solidFill>
+              <a:srgbClr val="464655"/>
+            </a:solidFill>
+            <a:round/>
+          </a:ln>
+          <a:effectLst>
+            <a:outerShdw blurRad="39960" dir="5400000" dist="23040" rotWithShape="0">
+              <a:srgbClr val="000000">
+                <a:alpha val="35000"/>
+              </a:srgbClr>
+            </a:outerShdw>
+          </a:effectLst>
+        </p:spPr>
+        <p:style>
+          <a:lnRef idx="1">
+            <a:schemeClr val="accent1"/>
+          </a:lnRef>
+          <a:fillRef idx="3">
+            <a:schemeClr val="accent1"/>
+          </a:fillRef>
+          <a:effectRef idx="2">
+            <a:schemeClr val="accent1"/>
+          </a:effectRef>
+          <a:fontRef idx="minor"/>
+        </p:style>
+        <p:txBody>
+          <a:bodyPr lIns="90000" rIns="90000" tIns="45000" bIns="45000" anchor="ctr">
+            <a:noAutofit/>
+          </a:bodyPr>
+          <a:p>
+            <a:pPr>
+              <a:lnSpc>
+                <a:spcPct val="100000"/>
+              </a:lnSpc>
+            </a:pPr>
+            <a:r>
+              <a:rPr b="1" lang="en-US" sz="1400" spc="-1" strike="noStrike">
+                <a:solidFill>
+                  <a:schemeClr val="lt1"/>
+                </a:solidFill>
+                <a:latin typeface="Calibri"/>
+                <a:ea typeface="DejaVu Sans"/>
+              </a:rPr>
+              <a:t>Web Fırsatı</a:t>
+            </a:r>
+            <a:endParaRPr b="0" lang="en-US" sz="1400" spc="-1" strike="noStrike">
+              <a:solidFill>
+                <a:srgbClr val="ffffff"/>
+              </a:solidFill>
+              <a:latin typeface="Arial"/>
+            </a:endParaRPr>
+          </a:p>
+          <a:p>
+            <a:pPr>
+              <a:lnSpc>
+                <a:spcPct val="100000"/>
+              </a:lnSpc>
+            </a:pPr>
+            <a:r>
+              <a:rPr b="0" lang="en-US" sz="1400" spc="-1" strike="noStrike">
+                <a:solidFill>
+                  <a:schemeClr val="lt1"/>
+                </a:solidFill>
+                <a:latin typeface="Calibri"/>
+                <a:ea typeface="DejaVu Sans"/>
+              </a:rPr>
+              <a:t>Oak neden İnternet için mükemmeldi?</a:t>
+            </a:r>
+            <a:endParaRPr b="0" lang="en-US" sz="1400" spc="-1" strike="noStrike">
+              <a:solidFill>
+                <a:srgbClr val="ffffff"/>
+              </a:solidFill>
+              <a:latin typeface="Arial"/>
+            </a:endParaRPr>
+          </a:p>
+          <a:p>
+            <a:pPr>
+              <a:lnSpc>
+                <a:spcPct val="100000"/>
+              </a:lnSpc>
+            </a:pPr>
+            <a:r>
+              <a:rPr b="1" lang="en-US" sz="1400" spc="-1" strike="noStrike">
+                <a:solidFill>
+                  <a:schemeClr val="lt1"/>
+                </a:solidFill>
+                <a:latin typeface="Calibri"/>
+                <a:ea typeface="DejaVu Sans"/>
+              </a:rPr>
+              <a:t>• </a:t>
+            </a:r>
+            <a:r>
+              <a:rPr b="1" lang="en-US" sz="1400" spc="-1" strike="noStrike">
+                <a:solidFill>
+                  <a:schemeClr val="lt1"/>
+                </a:solidFill>
+                <a:latin typeface="Calibri"/>
+                <a:ea typeface="DejaVu Sans"/>
+              </a:rPr>
+              <a:t>Platformdan bağımsız</a:t>
+            </a:r>
+            <a:endParaRPr b="0" lang="en-US" sz="1400" spc="-1" strike="noStrike">
+              <a:solidFill>
+                <a:srgbClr val="ffffff"/>
+              </a:solidFill>
+              <a:latin typeface="Arial"/>
+            </a:endParaRPr>
+          </a:p>
+          <a:p>
+            <a:pPr>
+              <a:lnSpc>
+                <a:spcPct val="100000"/>
+              </a:lnSpc>
+            </a:pPr>
+            <a:r>
+              <a:rPr b="1" lang="en-US" sz="1400" spc="-1" strike="noStrike">
+                <a:solidFill>
+                  <a:schemeClr val="lt1"/>
+                </a:solidFill>
+                <a:latin typeface="Calibri"/>
+                <a:ea typeface="DejaVu Sans"/>
+              </a:rPr>
+              <a:t>• </a:t>
+            </a:r>
+            <a:r>
+              <a:rPr b="1" lang="en-US" sz="1400" spc="-1" strike="noStrike">
+                <a:solidFill>
+                  <a:schemeClr val="lt1"/>
+                </a:solidFill>
+                <a:latin typeface="Calibri"/>
+                <a:ea typeface="DejaVu Sans"/>
+              </a:rPr>
+              <a:t>Tasarım gereği güvenli</a:t>
+            </a:r>
+            <a:endParaRPr b="0" lang="en-US" sz="1400" spc="-1" strike="noStrike">
+              <a:solidFill>
+                <a:srgbClr val="ffffff"/>
+              </a:solidFill>
+              <a:latin typeface="Arial"/>
+            </a:endParaRPr>
+          </a:p>
+          <a:p>
+            <a:pPr>
+              <a:lnSpc>
+                <a:spcPct val="100000"/>
+              </a:lnSpc>
+            </a:pPr>
+            <a:r>
+              <a:rPr b="1" lang="en-US" sz="1400" spc="-1" strike="noStrike">
+                <a:solidFill>
+                  <a:schemeClr val="lt1"/>
+                </a:solidFill>
+                <a:latin typeface="Calibri"/>
+                <a:ea typeface="DejaVu Sans"/>
+              </a:rPr>
+              <a:t>• </a:t>
+            </a:r>
+            <a:r>
+              <a:rPr b="1" lang="en-US" sz="1400" spc="-1" strike="noStrike">
+                <a:solidFill>
+                  <a:schemeClr val="lt1"/>
+                </a:solidFill>
+                <a:latin typeface="Calibri"/>
+                <a:ea typeface="DejaVu Sans"/>
+              </a:rPr>
+              <a:t>Küçük ve verimli</a:t>
+            </a:r>
+            <a:endParaRPr b="0" lang="en-US" sz="1400" spc="-1" strike="noStrike">
+              <a:solidFill>
+                <a:srgbClr val="ffffff"/>
+              </a:solidFill>
+              <a:latin typeface="Arial"/>
+            </a:endParaRPr>
+          </a:p>
+          <a:p>
+            <a:pPr>
+              <a:lnSpc>
+                <a:spcPct val="100000"/>
+              </a:lnSpc>
+            </a:pPr>
+            <a:r>
+              <a:rPr b="1" lang="en-US" sz="1400" spc="-1" strike="noStrike">
+                <a:solidFill>
+                  <a:schemeClr val="lt1"/>
+                </a:solidFill>
+                <a:latin typeface="Calibri"/>
+                <a:ea typeface="DejaVu Sans"/>
+              </a:rPr>
+              <a:t>• </a:t>
+            </a:r>
+            <a:r>
+              <a:rPr b="1" lang="en-US" sz="1400" spc="-1" strike="noStrike">
+                <a:solidFill>
+                  <a:schemeClr val="lt1"/>
+                </a:solidFill>
+                <a:latin typeface="Calibri"/>
+                <a:ea typeface="DejaVu Sans"/>
+              </a:rPr>
+              <a:t>Doğrudan donanım bağımlılığı yok</a:t>
+            </a:r>
+            <a:endParaRPr b="0" lang="en-US" sz="1400" spc="-1" strike="noStrike">
+              <a:solidFill>
+                <a:srgbClr val="ffffff"/>
+              </a:solidFill>
+              <a:latin typeface="Arial"/>
+            </a:endParaRPr>
+          </a:p>
+          <a:p>
+            <a:pPr>
+              <a:lnSpc>
+                <a:spcPct val="100000"/>
+              </a:lnSpc>
+            </a:pPr>
+            <a:endParaRPr b="0" lang="en-US" sz="1400" spc="-1" strike="noStrike">
+              <a:solidFill>
+                <a:srgbClr val="ffffff"/>
+              </a:solidFill>
+              <a:latin typeface="Arial"/>
+            </a:endParaRPr>
+          </a:p>
+          <a:p>
+            <a:pPr>
+              <a:lnSpc>
+                <a:spcPct val="100000"/>
+              </a:lnSpc>
+            </a:pPr>
+            <a:r>
+              <a:rPr b="0" lang="en-US" sz="1400" spc="-1" strike="noStrike">
+                <a:solidFill>
+                  <a:schemeClr val="lt1"/>
+                </a:solidFill>
+                <a:latin typeface="Calibri"/>
+                <a:ea typeface="DejaVu Sans"/>
+              </a:rPr>
+              <a:t>Yeni yön:</a:t>
+            </a:r>
+            <a:endParaRPr b="0" lang="en-US" sz="1400" spc="-1" strike="noStrike">
+              <a:solidFill>
+                <a:srgbClr val="ffffff"/>
+              </a:solidFill>
+              <a:latin typeface="Arial"/>
+            </a:endParaRPr>
+          </a:p>
+          <a:p>
+            <a:pPr>
+              <a:lnSpc>
+                <a:spcPct val="100000"/>
+              </a:lnSpc>
+            </a:pPr>
+            <a:r>
+              <a:rPr b="1" lang="en-US" sz="1400" spc="-1" strike="noStrike">
+                <a:solidFill>
+                  <a:schemeClr val="lt1"/>
+                </a:solidFill>
+                <a:latin typeface="Calibri"/>
+                <a:ea typeface="DejaVu Sans"/>
+              </a:rPr>
+              <a:t>• </a:t>
+            </a:r>
+            <a:r>
+              <a:rPr b="1" lang="en-US" sz="1400" spc="-1" strike="noStrike">
+                <a:solidFill>
+                  <a:schemeClr val="lt1"/>
+                </a:solidFill>
+                <a:latin typeface="Calibri"/>
+                <a:ea typeface="DejaVu Sans"/>
+              </a:rPr>
+              <a:t>Cihazlardan → tarayıcılara</a:t>
+            </a:r>
+            <a:endParaRPr b="0" lang="en-US" sz="1400" spc="-1" strike="noStrike">
+              <a:solidFill>
+                <a:srgbClr val="ffffff"/>
+              </a:solidFill>
+              <a:latin typeface="Arial"/>
+            </a:endParaRPr>
+          </a:p>
+          <a:p>
+            <a:pPr>
+              <a:lnSpc>
+                <a:spcPct val="100000"/>
+              </a:lnSpc>
+            </a:pPr>
+            <a:r>
+              <a:rPr b="1" lang="en-US" sz="1400" spc="-1" strike="noStrike">
+                <a:solidFill>
+                  <a:schemeClr val="lt1"/>
+                </a:solidFill>
+                <a:latin typeface="Calibri"/>
+                <a:ea typeface="DejaVu Sans"/>
+              </a:rPr>
+              <a:t>• </a:t>
+            </a:r>
+            <a:r>
+              <a:rPr b="1" lang="en-US" sz="1400" spc="-1" strike="noStrike">
+                <a:solidFill>
+                  <a:schemeClr val="lt1"/>
+                </a:solidFill>
+                <a:latin typeface="Calibri"/>
+                <a:ea typeface="DejaVu Sans"/>
+              </a:rPr>
+              <a:t>Oak’tan → Java’ya ☕</a:t>
+            </a:r>
+            <a:endParaRPr b="0" lang="en-US" sz="1400" spc="-1" strike="noStrike">
+              <a:solidFill>
+                <a:srgbClr val="ffffff"/>
+              </a:solidFill>
+              <a:latin typeface="Arial"/>
+            </a:endParaRPr>
+          </a:p>
+          <a:p>
+            <a:pPr>
+              <a:lnSpc>
+                <a:spcPct val="100000"/>
+              </a:lnSpc>
+            </a:pPr>
+            <a:r>
+              <a:rPr b="1" lang="en-US" sz="1400" spc="-1" strike="noStrike">
+                <a:solidFill>
+                  <a:schemeClr val="lt1"/>
+                </a:solidFill>
+                <a:latin typeface="Calibri"/>
+                <a:ea typeface="DejaVu Sans"/>
+              </a:rPr>
+              <a:t>1995:</a:t>
+            </a:r>
+            <a:endParaRPr b="0" lang="en-US" sz="1400" spc="-1" strike="noStrike">
+              <a:solidFill>
+                <a:srgbClr val="ffffff"/>
+              </a:solidFill>
+              <a:latin typeface="Arial"/>
+            </a:endParaRPr>
+          </a:p>
+          <a:p>
+            <a:pPr>
+              <a:lnSpc>
+                <a:spcPct val="100000"/>
+              </a:lnSpc>
+            </a:pPr>
+            <a:r>
+              <a:rPr b="0" lang="en-US" sz="1400" spc="-1" strike="noStrike">
+                <a:solidFill>
+                  <a:schemeClr val="lt1"/>
+                </a:solidFill>
+                <a:latin typeface="Calibri"/>
+                <a:ea typeface="DejaVu Sans"/>
+              </a:rPr>
+              <a:t>Java, dünyaya resmen tanıtıldı.</a:t>
+            </a:r>
+            <a:endParaRPr b="0" lang="en-US" sz="1400" spc="-1" strike="noStrike">
+              <a:solidFill>
+                <a:srgbClr val="ffffff"/>
+              </a:solidFill>
+              <a:latin typeface="Arial"/>
+            </a:endParaRPr>
+          </a:p>
+        </p:txBody>
+      </p:sp>
+    </p:spTree>
+  </p:cSld>
+  <mc:AlternateContent>
+    <mc:Choice Requires="p14">
+      <p:transition spd="slow" p14:dur="2000"/>
+    </mc:Choice>
+    <mc:Fallback>
+      <p:transition spd="slow"/>
+    </mc:Fallback>
+  </mc:AlternateContent>
+</p:sld>
+</file>
+
+<file path=ppt/slides/slide8.xml><?xml version="1.0" encoding="utf-8"?>
+<p:sld xmlns:a="http://schemas.openxmlformats.org/drawingml/2006/main" xmlns:p="http://schemas.openxmlformats.org/presentationml/2006/main" xmlns:r="http://schemas.openxmlformats.org/officeDocument/2006/relationships" xmlns:p14="http://schemas.microsoft.com/office/powerpoint/2010/main" xmlns:p15="http://schemas.microsoft.com/office/powerpoint/2012/main" xmlns:mc="http://schemas.openxmlformats.org/markup-compatibility/2006">
+  <p:cSld>
+    <p:bg>
+      <p:bgPr>
+        <a:solidFill>
+          <a:srgbClr val="ffffff"/>
+        </a:solidFill>
+      </p:bgPr>
+    </p:bg>
+    <p:spTree>
+      <p:nvGrpSpPr>
+        <p:cNvPr id="1" name=""/>
+        <p:cNvGrpSpPr/>
+        <p:nvPr/>
+      </p:nvGrpSpPr>
+      <p:grpSpPr>
+        <a:xfrm>
+          <a:off x="0" y="0"/>
+          <a:ext cx="0" cy="0"/>
+          <a:chOff x="0" y="0"/>
+          <a:chExt cx="0" cy="0"/>
+        </a:xfrm>
+      </p:grpSpPr>
+      <p:sp>
+        <p:nvSpPr>
+          <p:cNvPr id="223" name="Rectangle 113"/>
+          <p:cNvSpPr/>
+          <p:nvPr/>
+        </p:nvSpPr>
+        <p:spPr>
+          <a:xfrm>
+            <a:off x="1800" y="1800"/>
+            <a:ext cx="13425120" cy="7556400"/>
+          </a:xfrm>
+          <a:prstGeom prst="rect">
+            <a:avLst/>
+          </a:prstGeom>
+          <a:solidFill>
+            <a:srgbClr val="0b0b0d"/>
+          </a:solidFill>
+          <a:ln>
+            <a:noFill/>
+          </a:ln>
+          <a:effectLst>
+            <a:outerShdw blurRad="39960" dir="5400000" dist="23040" rotWithShape="0">
+              <a:srgbClr val="000000">
+                <a:alpha val="35000"/>
+              </a:srgbClr>
+            </a:outerShdw>
+          </a:effectLst>
+        </p:spPr>
+        <p:style>
+          <a:lnRef idx="1">
+            <a:schemeClr val="accent1"/>
+          </a:lnRef>
+          <a:fillRef idx="3">
+            <a:schemeClr val="accent1"/>
+          </a:fillRef>
+          <a:effectRef idx="2">
+            <a:schemeClr val="accent1"/>
+          </a:effectRef>
+          <a:fontRef idx="minor"/>
+        </p:style>
+        <p:txBody>
+          <a:bodyPr lIns="90000" rIns="90000" tIns="45000" bIns="45000" anchor="ctr">
+            <a:noAutofit/>
+          </a:bodyPr>
+          <a:p>
+            <a:endParaRPr b="0" lang="en-US" sz="1800" spc="-1" strike="noStrike">
+              <a:solidFill>
+                <a:schemeClr val="lt1"/>
+              </a:solidFill>
+              <a:latin typeface="Calibri"/>
+              <a:ea typeface="DejaVu Sans"/>
+            </a:endParaRPr>
+          </a:p>
+        </p:txBody>
+      </p:sp>
+      <p:sp>
+        <p:nvSpPr>
+          <p:cNvPr id="224" name="Rectangle 114"/>
+          <p:cNvSpPr/>
+          <p:nvPr/>
+        </p:nvSpPr>
+        <p:spPr>
+          <a:xfrm>
+            <a:off x="1800" y="1800"/>
+            <a:ext cx="14760" cy="7556400"/>
+          </a:xfrm>
+          <a:prstGeom prst="rect">
+            <a:avLst/>
+          </a:prstGeom>
+          <a:solidFill>
+            <a:srgbClr val="121216"/>
+          </a:solidFill>
+          <a:ln>
+            <a:noFill/>
+          </a:ln>
+          <a:effectLst>
+            <a:outerShdw blurRad="39960" dir="5400000" dist="23040" rotWithShape="0">
+              <a:srgbClr val="000000">
+                <a:alpha val="35000"/>
+              </a:srgbClr>
+            </a:outerShdw>
+          </a:effectLst>
+        </p:spPr>
+        <p:style>
+          <a:lnRef idx="1">
+            <a:schemeClr val="accent1"/>
+          </a:lnRef>
+          <a:fillRef idx="3">
+            <a:schemeClr val="accent1"/>
+          </a:fillRef>
+          <a:effectRef idx="2">
+            <a:schemeClr val="accent1"/>
+          </a:effectRef>
+          <a:fontRef idx="minor"/>
+        </p:style>
+        <p:txBody>
+          <a:bodyPr lIns="90000" rIns="90000" tIns="45000" bIns="45000" anchor="ctr">
+            <a:noAutofit/>
+          </a:bodyPr>
+          <a:p>
+            <a:endParaRPr b="0" lang="en-US" sz="1800" spc="-1" strike="noStrike">
+              <a:solidFill>
+                <a:schemeClr val="lt1"/>
+              </a:solidFill>
+              <a:latin typeface="Calibri"/>
+              <a:ea typeface="DejaVu Sans"/>
+            </a:endParaRPr>
+          </a:p>
+        </p:txBody>
+      </p:sp>
+      <p:sp>
+        <p:nvSpPr>
+          <p:cNvPr id="225" name="Rectangle 115"/>
+          <p:cNvSpPr/>
+          <p:nvPr/>
+        </p:nvSpPr>
+        <p:spPr>
+          <a:xfrm>
+            <a:off x="1004760" y="1800"/>
+            <a:ext cx="14760" cy="7556400"/>
+          </a:xfrm>
+          <a:prstGeom prst="rect">
+            <a:avLst/>
+          </a:prstGeom>
+          <a:solidFill>
+            <a:srgbClr val="121216"/>
+          </a:solidFill>
+          <a:ln>
+            <a:noFill/>
+          </a:ln>
+          <a:effectLst>
+            <a:outerShdw blurRad="39960" dir="5400000" dist="23040" rotWithShape="0">
+              <a:srgbClr val="000000">
+                <a:alpha val="35000"/>
+              </a:srgbClr>
+            </a:outerShdw>
+          </a:effectLst>
+        </p:spPr>
+        <p:style>
+          <a:lnRef idx="1">
+            <a:schemeClr val="accent1"/>
+          </a:lnRef>
+          <a:fillRef idx="3">
+            <a:schemeClr val="accent1"/>
+          </a:fillRef>
+          <a:effectRef idx="2">
+            <a:schemeClr val="accent1"/>
+          </a:effectRef>
+          <a:fontRef idx="minor"/>
+        </p:style>
+        <p:txBody>
+          <a:bodyPr lIns="90000" rIns="90000" tIns="45000" bIns="45000" anchor="ctr">
+            <a:noAutofit/>
+          </a:bodyPr>
+          <a:p>
+            <a:endParaRPr b="0" lang="en-US" sz="1800" spc="-1" strike="noStrike">
+              <a:solidFill>
+                <a:schemeClr val="lt1"/>
+              </a:solidFill>
+              <a:latin typeface="Calibri"/>
+              <a:ea typeface="DejaVu Sans"/>
+            </a:endParaRPr>
+          </a:p>
+        </p:txBody>
+      </p:sp>
+      <p:sp>
+        <p:nvSpPr>
+          <p:cNvPr id="226" name="Rectangle 116"/>
+          <p:cNvSpPr/>
+          <p:nvPr/>
+        </p:nvSpPr>
+        <p:spPr>
+          <a:xfrm>
+            <a:off x="2012400" y="1800"/>
+            <a:ext cx="14760" cy="7556400"/>
+          </a:xfrm>
+          <a:prstGeom prst="rect">
+            <a:avLst/>
+          </a:prstGeom>
+          <a:solidFill>
+            <a:srgbClr val="121216"/>
+          </a:solidFill>
+          <a:ln>
+            <a:noFill/>
+          </a:ln>
+          <a:effectLst>
+            <a:outerShdw blurRad="39960" dir="5400000" dist="23040" rotWithShape="0">
+              <a:srgbClr val="000000">
+                <a:alpha val="35000"/>
+              </a:srgbClr>
+            </a:outerShdw>
+          </a:effectLst>
+        </p:spPr>
+        <p:style>
+          <a:lnRef idx="1">
+            <a:schemeClr val="accent1"/>
+          </a:lnRef>
+          <a:fillRef idx="3">
+            <a:schemeClr val="accent1"/>
+          </a:fillRef>
+          <a:effectRef idx="2">
+            <a:schemeClr val="accent1"/>
+          </a:effectRef>
+          <a:fontRef idx="minor"/>
+        </p:style>
+        <p:txBody>
+          <a:bodyPr lIns="90000" rIns="90000" tIns="45000" bIns="45000" anchor="ctr">
+            <a:noAutofit/>
+          </a:bodyPr>
+          <a:p>
+            <a:endParaRPr b="0" lang="en-US" sz="1800" spc="-1" strike="noStrike">
+              <a:solidFill>
+                <a:schemeClr val="lt1"/>
+              </a:solidFill>
+              <a:latin typeface="Calibri"/>
+              <a:ea typeface="DejaVu Sans"/>
+            </a:endParaRPr>
+          </a:p>
+        </p:txBody>
+      </p:sp>
+      <p:sp>
+        <p:nvSpPr>
+          <p:cNvPr id="227" name="Rectangle 117"/>
+          <p:cNvSpPr/>
+          <p:nvPr/>
+        </p:nvSpPr>
+        <p:spPr>
+          <a:xfrm>
+            <a:off x="3020040" y="1800"/>
+            <a:ext cx="14760" cy="7556400"/>
+          </a:xfrm>
+          <a:prstGeom prst="rect">
+            <a:avLst/>
+          </a:prstGeom>
+          <a:solidFill>
+            <a:srgbClr val="121216"/>
+          </a:solidFill>
+          <a:ln>
+            <a:noFill/>
+          </a:ln>
+          <a:effectLst>
+            <a:outerShdw blurRad="39960" dir="5400000" dist="23040" rotWithShape="0">
+              <a:srgbClr val="000000">
+                <a:alpha val="35000"/>
+              </a:srgbClr>
+            </a:outerShdw>
+          </a:effectLst>
+        </p:spPr>
+        <p:style>
+          <a:lnRef idx="1">
+            <a:schemeClr val="accent1"/>
+          </a:lnRef>
+          <a:fillRef idx="3">
+            <a:schemeClr val="accent1"/>
+          </a:fillRef>
+          <a:effectRef idx="2">
+            <a:schemeClr val="accent1"/>
+          </a:effectRef>
+          <a:fontRef idx="minor"/>
+        </p:style>
+        <p:txBody>
+          <a:bodyPr lIns="90000" rIns="90000" tIns="45000" bIns="45000" anchor="ctr">
+            <a:noAutofit/>
+          </a:bodyPr>
+          <a:p>
+            <a:endParaRPr b="0" lang="en-US" sz="1800" spc="-1" strike="noStrike">
+              <a:solidFill>
+                <a:schemeClr val="lt1"/>
+              </a:solidFill>
+              <a:latin typeface="Calibri"/>
+              <a:ea typeface="DejaVu Sans"/>
+            </a:endParaRPr>
+          </a:p>
+        </p:txBody>
+      </p:sp>
+      <p:sp>
+        <p:nvSpPr>
+          <p:cNvPr id="228" name="Rectangle 118"/>
+          <p:cNvSpPr/>
+          <p:nvPr/>
+        </p:nvSpPr>
+        <p:spPr>
+          <a:xfrm>
+            <a:off x="4027680" y="1800"/>
+            <a:ext cx="14760" cy="7556400"/>
+          </a:xfrm>
+          <a:prstGeom prst="rect">
+            <a:avLst/>
+          </a:prstGeom>
+          <a:solidFill>
+            <a:srgbClr val="121216"/>
+          </a:solidFill>
+          <a:ln>
+            <a:noFill/>
+          </a:ln>
+          <a:effectLst>
+            <a:outerShdw blurRad="39960" dir="5400000" dist="23040" rotWithShape="0">
+              <a:srgbClr val="000000">
+                <a:alpha val="35000"/>
+              </a:srgbClr>
+            </a:outerShdw>
+          </a:effectLst>
+        </p:spPr>
+        <p:style>
+          <a:lnRef idx="1">
+            <a:schemeClr val="accent1"/>
+          </a:lnRef>
+          <a:fillRef idx="3">
+            <a:schemeClr val="accent1"/>
+          </a:fillRef>
+          <a:effectRef idx="2">
+            <a:schemeClr val="accent1"/>
+          </a:effectRef>
+          <a:fontRef idx="minor"/>
+        </p:style>
+        <p:txBody>
+          <a:bodyPr lIns="90000" rIns="90000" tIns="45000" bIns="45000" anchor="ctr">
+            <a:noAutofit/>
+          </a:bodyPr>
+          <a:p>
+            <a:endParaRPr b="0" lang="en-US" sz="1800" spc="-1" strike="noStrike">
+              <a:solidFill>
+                <a:schemeClr val="lt1"/>
+              </a:solidFill>
+              <a:latin typeface="Calibri"/>
+              <a:ea typeface="DejaVu Sans"/>
+            </a:endParaRPr>
+          </a:p>
+        </p:txBody>
+      </p:sp>
+      <p:sp>
+        <p:nvSpPr>
+          <p:cNvPr id="229" name="Rectangle 119"/>
+          <p:cNvSpPr/>
+          <p:nvPr/>
+        </p:nvSpPr>
+        <p:spPr>
+          <a:xfrm>
+            <a:off x="5035320" y="1800"/>
+            <a:ext cx="14760" cy="7556400"/>
+          </a:xfrm>
+          <a:prstGeom prst="rect">
+            <a:avLst/>
+          </a:prstGeom>
+          <a:solidFill>
+            <a:srgbClr val="121216"/>
+          </a:solidFill>
+          <a:ln>
+            <a:noFill/>
+          </a:ln>
+          <a:effectLst>
+            <a:outerShdw blurRad="39960" dir="5400000" dist="23040" rotWithShape="0">
+              <a:srgbClr val="000000">
+                <a:alpha val="35000"/>
+              </a:srgbClr>
+            </a:outerShdw>
+          </a:effectLst>
+        </p:spPr>
+        <p:style>
+          <a:lnRef idx="1">
+            <a:schemeClr val="accent1"/>
+          </a:lnRef>
+          <a:fillRef idx="3">
+            <a:schemeClr val="accent1"/>
+          </a:fillRef>
+          <a:effectRef idx="2">
+            <a:schemeClr val="accent1"/>
+          </a:effectRef>
+          <a:fontRef idx="minor"/>
+        </p:style>
+        <p:txBody>
+          <a:bodyPr lIns="90000" rIns="90000" tIns="45000" bIns="45000" anchor="ctr">
+            <a:noAutofit/>
+          </a:bodyPr>
+          <a:p>
+            <a:endParaRPr b="0" lang="en-US" sz="1800" spc="-1" strike="noStrike">
+              <a:solidFill>
+                <a:schemeClr val="lt1"/>
+              </a:solidFill>
+              <a:latin typeface="Calibri"/>
+              <a:ea typeface="DejaVu Sans"/>
+            </a:endParaRPr>
+          </a:p>
+        </p:txBody>
+      </p:sp>
+      <p:sp>
+        <p:nvSpPr>
+          <p:cNvPr id="230" name="Rectangle 120"/>
+          <p:cNvSpPr/>
+          <p:nvPr/>
+        </p:nvSpPr>
+        <p:spPr>
+          <a:xfrm>
+            <a:off x="6042960" y="1800"/>
+            <a:ext cx="14760" cy="7556400"/>
+          </a:xfrm>
+          <a:prstGeom prst="rect">
+            <a:avLst/>
+          </a:prstGeom>
+          <a:solidFill>
+            <a:srgbClr val="121216"/>
+          </a:solidFill>
+          <a:ln>
+            <a:noFill/>
+          </a:ln>
+          <a:effectLst>
+            <a:outerShdw blurRad="39960" dir="5400000" dist="23040" rotWithShape="0">
+              <a:srgbClr val="000000">
+                <a:alpha val="35000"/>
+              </a:srgbClr>
+            </a:outerShdw>
+          </a:effectLst>
+        </p:spPr>
+        <p:style>
+          <a:lnRef idx="1">
+            <a:schemeClr val="accent1"/>
+          </a:lnRef>
+          <a:fillRef idx="3">
+            <a:schemeClr val="accent1"/>
+          </a:fillRef>
+          <a:effectRef idx="2">
+            <a:schemeClr val="accent1"/>
+          </a:effectRef>
+          <a:fontRef idx="minor"/>
+        </p:style>
+        <p:txBody>
+          <a:bodyPr lIns="90000" rIns="90000" tIns="45000" bIns="45000" anchor="ctr">
+            <a:noAutofit/>
+          </a:bodyPr>
+          <a:p>
+            <a:endParaRPr b="0" lang="en-US" sz="1800" spc="-1" strike="noStrike">
+              <a:solidFill>
+                <a:schemeClr val="lt1"/>
+              </a:solidFill>
+              <a:latin typeface="Calibri"/>
+              <a:ea typeface="DejaVu Sans"/>
+            </a:endParaRPr>
+          </a:p>
+        </p:txBody>
+      </p:sp>
+      <p:sp>
+        <p:nvSpPr>
+          <p:cNvPr id="231" name="Rectangle 121"/>
+          <p:cNvSpPr/>
+          <p:nvPr/>
+        </p:nvSpPr>
+        <p:spPr>
+          <a:xfrm>
+            <a:off x="7050600" y="1800"/>
+            <a:ext cx="14760" cy="7556400"/>
+          </a:xfrm>
+          <a:prstGeom prst="rect">
+            <a:avLst/>
+          </a:prstGeom>
+          <a:solidFill>
+            <a:srgbClr val="121216"/>
+          </a:solidFill>
+          <a:ln>
+            <a:noFill/>
+          </a:ln>
+          <a:effectLst>
+            <a:outerShdw blurRad="39960" dir="5400000" dist="23040" rotWithShape="0">
+              <a:srgbClr val="000000">
+                <a:alpha val="35000"/>
+              </a:srgbClr>
+            </a:outerShdw>
+          </a:effectLst>
+        </p:spPr>
+        <p:style>
+          <a:lnRef idx="1">
+            <a:schemeClr val="accent1"/>
+          </a:lnRef>
+          <a:fillRef idx="3">
+            <a:schemeClr val="accent1"/>
+          </a:fillRef>
+          <a:effectRef idx="2">
+            <a:schemeClr val="accent1"/>
+          </a:effectRef>
+          <a:fontRef idx="minor"/>
+        </p:style>
+        <p:txBody>
+          <a:bodyPr lIns="90000" rIns="90000" tIns="45000" bIns="45000" anchor="ctr">
+            <a:noAutofit/>
+          </a:bodyPr>
+          <a:p>
+            <a:endParaRPr b="0" lang="en-US" sz="1800" spc="-1" strike="noStrike">
+              <a:solidFill>
+                <a:schemeClr val="lt1"/>
+              </a:solidFill>
+              <a:latin typeface="Calibri"/>
+              <a:ea typeface="DejaVu Sans"/>
+            </a:endParaRPr>
+          </a:p>
+        </p:txBody>
+      </p:sp>
+      <p:sp>
+        <p:nvSpPr>
+          <p:cNvPr id="232" name="Rectangle 122"/>
+          <p:cNvSpPr/>
+          <p:nvPr/>
+        </p:nvSpPr>
+        <p:spPr>
+          <a:xfrm>
+            <a:off x="8058240" y="1800"/>
+            <a:ext cx="14760" cy="7556400"/>
+          </a:xfrm>
+          <a:prstGeom prst="rect">
+            <a:avLst/>
+          </a:prstGeom>
+          <a:solidFill>
+            <a:srgbClr val="121216"/>
+          </a:solidFill>
+          <a:ln>
+            <a:noFill/>
+          </a:ln>
+          <a:effectLst>
+            <a:outerShdw blurRad="39960" dir="5400000" dist="23040" rotWithShape="0">
+              <a:srgbClr val="000000">
+                <a:alpha val="35000"/>
+              </a:srgbClr>
+            </a:outerShdw>
+          </a:effectLst>
+        </p:spPr>
+        <p:style>
+          <a:lnRef idx="1">
+            <a:schemeClr val="accent1"/>
+          </a:lnRef>
+          <a:fillRef idx="3">
+            <a:schemeClr val="accent1"/>
+          </a:fillRef>
+          <a:effectRef idx="2">
+            <a:schemeClr val="accent1"/>
+          </a:effectRef>
+          <a:fontRef idx="minor"/>
+        </p:style>
+        <p:txBody>
+          <a:bodyPr lIns="90000" rIns="90000" tIns="45000" bIns="45000" anchor="ctr">
+            <a:noAutofit/>
+          </a:bodyPr>
+          <a:p>
+            <a:endParaRPr b="0" lang="en-US" sz="1800" spc="-1" strike="noStrike">
+              <a:solidFill>
+                <a:schemeClr val="lt1"/>
+              </a:solidFill>
+              <a:latin typeface="Calibri"/>
+              <a:ea typeface="DejaVu Sans"/>
+            </a:endParaRPr>
+          </a:p>
+        </p:txBody>
+      </p:sp>
+      <p:sp>
+        <p:nvSpPr>
+          <p:cNvPr id="233" name="Rectangle 123"/>
+          <p:cNvSpPr/>
+          <p:nvPr/>
+        </p:nvSpPr>
+        <p:spPr>
+          <a:xfrm>
+            <a:off x="9065880" y="1800"/>
+            <a:ext cx="14760" cy="7556400"/>
+          </a:xfrm>
+          <a:prstGeom prst="rect">
+            <a:avLst/>
+          </a:prstGeom>
+          <a:solidFill>
+            <a:srgbClr val="121216"/>
+          </a:solidFill>
+          <a:ln>
+            <a:noFill/>
+          </a:ln>
+          <a:effectLst>
+            <a:outerShdw blurRad="39960" dir="5400000" dist="23040" rotWithShape="0">
+              <a:srgbClr val="000000">
+                <a:alpha val="35000"/>
+              </a:srgbClr>
+            </a:outerShdw>
+          </a:effectLst>
+        </p:spPr>
+        <p:style>
+          <a:lnRef idx="1">
+            <a:schemeClr val="accent1"/>
+          </a:lnRef>
+          <a:fillRef idx="3">
+            <a:schemeClr val="accent1"/>
+          </a:fillRef>
+          <a:effectRef idx="2">
+            <a:schemeClr val="accent1"/>
+          </a:effectRef>
+          <a:fontRef idx="minor"/>
+        </p:style>
+        <p:txBody>
+          <a:bodyPr lIns="90000" rIns="90000" tIns="45000" bIns="45000" anchor="ctr">
+            <a:noAutofit/>
+          </a:bodyPr>
+          <a:p>
+            <a:endParaRPr b="0" lang="en-US" sz="1800" spc="-1" strike="noStrike">
+              <a:solidFill>
+                <a:schemeClr val="lt1"/>
+              </a:solidFill>
+              <a:latin typeface="Calibri"/>
+              <a:ea typeface="DejaVu Sans"/>
+            </a:endParaRPr>
+          </a:p>
+        </p:txBody>
+      </p:sp>
+      <p:sp>
+        <p:nvSpPr>
+          <p:cNvPr id="234" name="Rectangle 124"/>
+          <p:cNvSpPr/>
+          <p:nvPr/>
+        </p:nvSpPr>
+        <p:spPr>
+          <a:xfrm>
+            <a:off x="10073520" y="1800"/>
+            <a:ext cx="14760" cy="7556400"/>
+          </a:xfrm>
+          <a:prstGeom prst="rect">
+            <a:avLst/>
+          </a:prstGeom>
+          <a:solidFill>
+            <a:srgbClr val="121216"/>
+          </a:solidFill>
+          <a:ln>
+            <a:noFill/>
+          </a:ln>
+          <a:effectLst>
+            <a:outerShdw blurRad="39960" dir="5400000" dist="23040" rotWithShape="0">
+              <a:srgbClr val="000000">
+                <a:alpha val="35000"/>
+              </a:srgbClr>
+            </a:outerShdw>
+          </a:effectLst>
+        </p:spPr>
+        <p:style>
+          <a:lnRef idx="1">
+            <a:schemeClr val="accent1"/>
+          </a:lnRef>
+          <a:fillRef idx="3">
+            <a:schemeClr val="accent1"/>
+          </a:fillRef>
+          <a:effectRef idx="2">
+            <a:schemeClr val="accent1"/>
+          </a:effectRef>
+          <a:fontRef idx="minor"/>
+        </p:style>
+        <p:txBody>
+          <a:bodyPr lIns="90000" rIns="90000" tIns="45000" bIns="45000" anchor="ctr">
+            <a:noAutofit/>
+          </a:bodyPr>
+          <a:p>
+            <a:endParaRPr b="0" lang="en-US" sz="1800" spc="-1" strike="noStrike">
+              <a:solidFill>
+                <a:schemeClr val="lt1"/>
+              </a:solidFill>
+              <a:latin typeface="Calibri"/>
+              <a:ea typeface="DejaVu Sans"/>
+            </a:endParaRPr>
+          </a:p>
+        </p:txBody>
+      </p:sp>
+      <p:sp>
+        <p:nvSpPr>
+          <p:cNvPr id="235" name="Rectangle 125"/>
+          <p:cNvSpPr/>
+          <p:nvPr/>
+        </p:nvSpPr>
+        <p:spPr>
+          <a:xfrm>
+            <a:off x="11080800" y="1800"/>
+            <a:ext cx="14760" cy="7556400"/>
+          </a:xfrm>
+          <a:prstGeom prst="rect">
+            <a:avLst/>
+          </a:prstGeom>
+          <a:solidFill>
+            <a:srgbClr val="121216"/>
+          </a:solidFill>
+          <a:ln>
+            <a:noFill/>
+          </a:ln>
+          <a:effectLst>
+            <a:outerShdw blurRad="39960" dir="5400000" dist="23040" rotWithShape="0">
+              <a:srgbClr val="000000">
+                <a:alpha val="35000"/>
+              </a:srgbClr>
+            </a:outerShdw>
+          </a:effectLst>
+        </p:spPr>
+        <p:style>
+          <a:lnRef idx="1">
+            <a:schemeClr val="accent1"/>
+          </a:lnRef>
+          <a:fillRef idx="3">
+            <a:schemeClr val="accent1"/>
+          </a:fillRef>
+          <a:effectRef idx="2">
+            <a:schemeClr val="accent1"/>
+          </a:effectRef>
+          <a:fontRef idx="minor"/>
+        </p:style>
+        <p:txBody>
+          <a:bodyPr lIns="90000" rIns="90000" tIns="45000" bIns="45000" anchor="ctr">
+            <a:noAutofit/>
+          </a:bodyPr>
+          <a:p>
+            <a:endParaRPr b="0" lang="en-US" sz="1800" spc="-1" strike="noStrike">
+              <a:solidFill>
+                <a:schemeClr val="lt1"/>
+              </a:solidFill>
+              <a:latin typeface="Calibri"/>
+              <a:ea typeface="DejaVu Sans"/>
+            </a:endParaRPr>
+          </a:p>
+        </p:txBody>
+      </p:sp>
+      <p:sp>
+        <p:nvSpPr>
+          <p:cNvPr id="236" name="Rectangle 126"/>
+          <p:cNvSpPr/>
+          <p:nvPr/>
+        </p:nvSpPr>
+        <p:spPr>
+          <a:xfrm>
+            <a:off x="12088440" y="1800"/>
+            <a:ext cx="14760" cy="7556400"/>
+          </a:xfrm>
+          <a:prstGeom prst="rect">
+            <a:avLst/>
+          </a:prstGeom>
+          <a:solidFill>
+            <a:srgbClr val="121216"/>
+          </a:solidFill>
+          <a:ln>
+            <a:noFill/>
+          </a:ln>
+          <a:effectLst>
+            <a:outerShdw blurRad="39960" dir="5400000" dist="23040" rotWithShape="0">
+              <a:srgbClr val="000000">
+                <a:alpha val="35000"/>
+              </a:srgbClr>
+            </a:outerShdw>
+          </a:effectLst>
+        </p:spPr>
+        <p:style>
+          <a:lnRef idx="1">
+            <a:schemeClr val="accent1"/>
+          </a:lnRef>
+          <a:fillRef idx="3">
+            <a:schemeClr val="accent1"/>
+          </a:fillRef>
+          <a:effectRef idx="2">
+            <a:schemeClr val="accent1"/>
+          </a:effectRef>
+          <a:fontRef idx="minor"/>
+        </p:style>
+        <p:txBody>
+          <a:bodyPr lIns="90000" rIns="90000" tIns="45000" bIns="45000" anchor="ctr">
+            <a:noAutofit/>
+          </a:bodyPr>
+          <a:p>
+            <a:endParaRPr b="0" lang="en-US" sz="1800" spc="-1" strike="noStrike">
+              <a:solidFill>
+                <a:schemeClr val="lt1"/>
+              </a:solidFill>
+              <a:latin typeface="Calibri"/>
+              <a:ea typeface="DejaVu Sans"/>
+            </a:endParaRPr>
+          </a:p>
+        </p:txBody>
+      </p:sp>
+      <p:sp>
+        <p:nvSpPr>
+          <p:cNvPr id="237" name="Rectangle 127"/>
+          <p:cNvSpPr/>
+          <p:nvPr/>
+        </p:nvSpPr>
+        <p:spPr>
+          <a:xfrm>
+            <a:off x="13096080" y="1800"/>
+            <a:ext cx="14760" cy="7556400"/>
+          </a:xfrm>
+          <a:prstGeom prst="rect">
+            <a:avLst/>
+          </a:prstGeom>
+          <a:solidFill>
+            <a:srgbClr val="121216"/>
+          </a:solidFill>
+          <a:ln>
+            <a:noFill/>
+          </a:ln>
+          <a:effectLst>
+            <a:outerShdw blurRad="39960" dir="5400000" dist="23040" rotWithShape="0">
+              <a:srgbClr val="000000">
+                <a:alpha val="35000"/>
+              </a:srgbClr>
+            </a:outerShdw>
+          </a:effectLst>
+        </p:spPr>
+        <p:style>
+          <a:lnRef idx="1">
+            <a:schemeClr val="accent1"/>
+          </a:lnRef>
+          <a:fillRef idx="3">
+            <a:schemeClr val="accent1"/>
+          </a:fillRef>
+          <a:effectRef idx="2">
+            <a:schemeClr val="accent1"/>
+          </a:effectRef>
+          <a:fontRef idx="minor"/>
+        </p:style>
+        <p:txBody>
+          <a:bodyPr lIns="90000" rIns="90000" tIns="45000" bIns="45000" anchor="ctr">
+            <a:noAutofit/>
+          </a:bodyPr>
+          <a:p>
+            <a:endParaRPr b="0" lang="en-US" sz="1800" spc="-1" strike="noStrike">
+              <a:solidFill>
+                <a:schemeClr val="lt1"/>
+              </a:solidFill>
+              <a:latin typeface="Calibri"/>
+              <a:ea typeface="DejaVu Sans"/>
+            </a:endParaRPr>
+          </a:p>
+        </p:txBody>
+      </p:sp>
+      <p:sp>
+        <p:nvSpPr>
+          <p:cNvPr id="238" name="Rectangle 128"/>
+          <p:cNvSpPr/>
+          <p:nvPr/>
+        </p:nvSpPr>
+        <p:spPr>
+          <a:xfrm>
+            <a:off x="1800" y="1800"/>
+            <a:ext cx="346680" cy="7556400"/>
+          </a:xfrm>
+          <a:prstGeom prst="rect">
+            <a:avLst/>
+          </a:prstGeom>
+          <a:solidFill>
+            <a:srgbClr val="ff8c00"/>
+          </a:solidFill>
+          <a:ln>
+            <a:noFill/>
+          </a:ln>
+          <a:effectLst>
+            <a:outerShdw blurRad="39960" dir="5400000" dist="23040" rotWithShape="0">
+              <a:srgbClr val="000000">
+                <a:alpha val="35000"/>
+              </a:srgbClr>
+            </a:outerShdw>
+          </a:effectLst>
+        </p:spPr>
+        <p:style>
+          <a:lnRef idx="1">
+            <a:schemeClr val="accent1"/>
+          </a:lnRef>
+          <a:fillRef idx="3">
+            <a:schemeClr val="accent1"/>
+          </a:fillRef>
+          <a:effectRef idx="2">
+            <a:schemeClr val="accent1"/>
+          </a:effectRef>
+          <a:fontRef idx="minor"/>
+        </p:style>
+        <p:txBody>
+          <a:bodyPr lIns="90000" rIns="90000" tIns="45000" bIns="45000" anchor="ctr">
+            <a:noAutofit/>
+          </a:bodyPr>
+          <a:p>
+            <a:endParaRPr b="0" lang="en-US" sz="1800" spc="-1" strike="noStrike">
+              <a:solidFill>
+                <a:schemeClr val="lt1"/>
+              </a:solidFill>
+              <a:latin typeface="Calibri"/>
+              <a:ea typeface="DejaVu Sans"/>
+            </a:endParaRPr>
+          </a:p>
+        </p:txBody>
+      </p:sp>
+      <p:sp>
+        <p:nvSpPr>
+          <p:cNvPr id="239" name="Rounded Rectangle 56"/>
+          <p:cNvSpPr/>
+          <p:nvPr/>
+        </p:nvSpPr>
+        <p:spPr>
+          <a:xfrm>
+            <a:off x="10880640" y="401400"/>
+            <a:ext cx="2210400" cy="547560"/>
+          </a:xfrm>
+          <a:prstGeom prst="roundRect">
+            <a:avLst>
+              <a:gd name="adj" fmla="val 16667"/>
+            </a:avLst>
+          </a:prstGeom>
+          <a:solidFill>
+            <a:srgbClr val="1e1e24"/>
+          </a:solidFill>
+          <a:ln>
+            <a:solidFill>
+              <a:srgbClr val="ff8c00"/>
+            </a:solidFill>
+            <a:round/>
+          </a:ln>
+          <a:effectLst>
+            <a:outerShdw blurRad="39960" dir="5400000" dist="23040" rotWithShape="0">
+              <a:srgbClr val="000000">
+                <a:alpha val="35000"/>
+              </a:srgbClr>
+            </a:outerShdw>
+          </a:effectLst>
+        </p:spPr>
+        <p:style>
+          <a:lnRef idx="1">
+            <a:schemeClr val="accent1"/>
+          </a:lnRef>
+          <a:fillRef idx="3">
+            <a:schemeClr val="accent1"/>
+          </a:fillRef>
+          <a:effectRef idx="2">
+            <a:schemeClr val="accent1"/>
+          </a:effectRef>
+          <a:fontRef idx="minor"/>
+        </p:style>
+        <p:txBody>
+          <a:bodyPr lIns="90000" rIns="90000" tIns="45000" bIns="45000" anchor="ctr">
+            <a:noAutofit/>
+          </a:bodyPr>
+          <a:p>
+            <a:pPr algn="ctr">
+              <a:lnSpc>
+                <a:spcPct val="100000"/>
+              </a:lnSpc>
+            </a:pPr>
+            <a:r>
+              <a:rPr b="1" lang="en-US" sz="1400" spc="-1" strike="noStrike">
+                <a:solidFill>
+                  <a:srgbClr val="ffb45a"/>
+                </a:solidFill>
+                <a:latin typeface="Calibri"/>
+                <a:ea typeface="DejaVu Sans"/>
+              </a:rPr>
+              <a:t>JAVA TEMELLERİ</a:t>
+            </a:r>
+            <a:endParaRPr b="0" lang="en-US" sz="1400" spc="-1" strike="noStrike">
+              <a:solidFill>
+                <a:srgbClr val="ffffff"/>
+              </a:solidFill>
+              <a:latin typeface="Arial"/>
+            </a:endParaRPr>
+          </a:p>
+        </p:txBody>
+      </p:sp>
+      <p:sp>
+        <p:nvSpPr>
+          <p:cNvPr id="240" name="TextBox 24"/>
+          <p:cNvSpPr/>
+          <p:nvPr/>
+        </p:nvSpPr>
+        <p:spPr>
+          <a:xfrm>
+            <a:off x="562680" y="1107720"/>
+            <a:ext cx="10980000" cy="730080"/>
+          </a:xfrm>
+          <a:prstGeom prst="rect">
+            <a:avLst/>
+          </a:prstGeom>
+          <a:noFill/>
+          <a:ln w="0">
+            <a:noFill/>
+          </a:ln>
+        </p:spPr>
+        <p:style>
+          <a:lnRef idx="0"/>
+          <a:fillRef idx="0"/>
+          <a:effectRef idx="0"/>
+          <a:fontRef idx="minor"/>
+        </p:style>
+        <p:txBody>
+          <a:bodyPr wrap="none" lIns="90000" rIns="90000" tIns="45000" bIns="45000" anchor="t">
+            <a:spAutoFit/>
+          </a:bodyPr>
+          <a:p>
+            <a:pPr>
+              <a:lnSpc>
+                <a:spcPct val="100000"/>
+              </a:lnSpc>
+            </a:pPr>
+            <a:r>
+              <a:rPr b="1" lang="en-US" sz="4200" spc="-1" strike="noStrike">
+                <a:solidFill>
+                  <a:srgbClr val="f5f5f5"/>
+                </a:solidFill>
+                <a:latin typeface="Calibri"/>
+                <a:ea typeface="DejaVu Sans"/>
+              </a:rPr>
+              <a:t>        </a:t>
+            </a:r>
+            <a:r>
+              <a:rPr b="1" lang="en-US" sz="4200" spc="-1" strike="noStrike">
+                <a:solidFill>
+                  <a:srgbClr val="f5f5f5"/>
+                </a:solidFill>
+                <a:latin typeface="Calibri"/>
+                <a:ea typeface="DejaVu Sans"/>
+              </a:rPr>
+              <a:t>Java Felsefesi – Bir Kez Yaz, Her Yerde Çalıştır</a:t>
+            </a:r>
+            <a:endParaRPr b="0" lang="en-US" sz="4200" spc="-1" strike="noStrike">
+              <a:solidFill>
+                <a:srgbClr val="000000"/>
+              </a:solidFill>
+              <a:latin typeface="Arial"/>
+            </a:endParaRPr>
+          </a:p>
+        </p:txBody>
+      </p:sp>
+      <p:sp>
+        <p:nvSpPr>
+          <p:cNvPr id="241" name="TextBox 25"/>
+          <p:cNvSpPr/>
+          <p:nvPr/>
+        </p:nvSpPr>
+        <p:spPr>
+          <a:xfrm>
+            <a:off x="4013640" y="2266920"/>
+            <a:ext cx="4708800" cy="363960"/>
+          </a:xfrm>
+          <a:prstGeom prst="rect">
+            <a:avLst/>
+          </a:prstGeom>
+          <a:noFill/>
+          <a:ln w="0">
+            <a:noFill/>
+          </a:ln>
+        </p:spPr>
+        <p:style>
+          <a:lnRef idx="0"/>
+          <a:fillRef idx="0"/>
+          <a:effectRef idx="0"/>
+          <a:fontRef idx="minor"/>
+        </p:style>
+        <p:txBody>
+          <a:bodyPr wrap="none" lIns="90000" rIns="90000" tIns="45000" bIns="45000" anchor="t">
+            <a:spAutoFit/>
+          </a:bodyPr>
+          <a:p>
+            <a:pPr>
+              <a:lnSpc>
+                <a:spcPct val="100000"/>
+              </a:lnSpc>
+            </a:pPr>
+            <a:r>
+              <a:rPr b="0" lang="en-US" sz="1800" spc="-1" strike="noStrike">
+                <a:solidFill>
+                  <a:srgbClr val="aaaaaa"/>
+                </a:solidFill>
+                <a:latin typeface="Calibri"/>
+                <a:ea typeface="DejaVu Sans"/>
+              </a:rPr>
+              <a:t>Yazılım geliştirmeyi sonsuza kadar değiştiren fikir.</a:t>
+            </a:r>
+            <a:endParaRPr b="0" lang="en-US" sz="1800" spc="-1" strike="noStrike">
+              <a:solidFill>
+                <a:srgbClr val="000000"/>
+              </a:solidFill>
+              <a:latin typeface="Arial"/>
+            </a:endParaRPr>
+          </a:p>
+        </p:txBody>
+      </p:sp>
+      <p:sp>
+        <p:nvSpPr>
+          <p:cNvPr id="242" name="Rounded Rectangle 57"/>
+          <p:cNvSpPr/>
+          <p:nvPr/>
+        </p:nvSpPr>
+        <p:spPr>
+          <a:xfrm>
+            <a:off x="1086120" y="3507120"/>
+            <a:ext cx="3621240" cy="3018960"/>
+          </a:xfrm>
+          <a:prstGeom prst="roundRect">
+            <a:avLst>
+              <a:gd name="adj" fmla="val 16667"/>
+            </a:avLst>
+          </a:prstGeom>
+          <a:solidFill>
+            <a:srgbClr val="08080a"/>
+          </a:solidFill>
+          <a:ln>
+            <a:noFill/>
+          </a:ln>
+          <a:effectLst>
+            <a:outerShdw blurRad="39960" dir="5400000" dist="23040" rotWithShape="0">
+              <a:srgbClr val="000000">
+                <a:alpha val="35000"/>
+              </a:srgbClr>
+            </a:outerShdw>
+          </a:effectLst>
+        </p:spPr>
+        <p:style>
+          <a:lnRef idx="1">
+            <a:schemeClr val="accent1"/>
+          </a:lnRef>
+          <a:fillRef idx="3">
+            <a:schemeClr val="accent1"/>
+          </a:fillRef>
+          <a:effectRef idx="2">
+            <a:schemeClr val="accent1"/>
+          </a:effectRef>
+          <a:fontRef idx="minor"/>
+        </p:style>
+        <p:txBody>
+          <a:bodyPr lIns="90000" rIns="90000" tIns="45000" bIns="45000" anchor="ctr">
+            <a:noAutofit/>
+          </a:bodyPr>
+          <a:p>
+            <a:endParaRPr b="0" lang="en-US" sz="1800" spc="-1" strike="noStrike">
+              <a:solidFill>
+                <a:schemeClr val="lt1"/>
+              </a:solidFill>
+              <a:latin typeface="Calibri"/>
+              <a:ea typeface="DejaVu Sans"/>
+            </a:endParaRPr>
+          </a:p>
+        </p:txBody>
+      </p:sp>
+      <p:sp>
+        <p:nvSpPr>
+          <p:cNvPr id="243" name="Rounded Rectangle 58"/>
+          <p:cNvSpPr/>
+          <p:nvPr/>
+        </p:nvSpPr>
+        <p:spPr>
+          <a:xfrm>
+            <a:off x="1005840" y="3426120"/>
+            <a:ext cx="3621600" cy="3019320"/>
+          </a:xfrm>
+          <a:prstGeom prst="roundRect">
+            <a:avLst>
+              <a:gd name="adj" fmla="val 16667"/>
+            </a:avLst>
+          </a:prstGeom>
+          <a:solidFill>
+            <a:srgbClr val="16161c"/>
+          </a:solidFill>
+          <a:ln>
+            <a:solidFill>
+              <a:srgbClr val="464655"/>
+            </a:solidFill>
+            <a:round/>
+          </a:ln>
+          <a:effectLst>
+            <a:outerShdw blurRad="39960" dir="5400000" dist="23040" rotWithShape="0">
+              <a:srgbClr val="000000">
+                <a:alpha val="35000"/>
+              </a:srgbClr>
+            </a:outerShdw>
+          </a:effectLst>
+        </p:spPr>
+        <p:style>
+          <a:lnRef idx="1">
+            <a:schemeClr val="accent1"/>
+          </a:lnRef>
+          <a:fillRef idx="3">
+            <a:schemeClr val="accent1"/>
+          </a:fillRef>
+          <a:effectRef idx="2">
+            <a:schemeClr val="accent1"/>
+          </a:effectRef>
+          <a:fontRef idx="minor"/>
+        </p:style>
+        <p:txBody>
+          <a:bodyPr lIns="90000" rIns="90000" tIns="45000" bIns="45000" anchor="ctr">
+            <a:noAutofit/>
+          </a:bodyPr>
+          <a:p>
+            <a:pPr>
+              <a:lnSpc>
+                <a:spcPct val="100000"/>
+              </a:lnSpc>
+            </a:pPr>
+            <a:r>
+              <a:rPr b="1" lang="en-US" sz="1400" spc="-1" strike="noStrike">
+                <a:solidFill>
+                  <a:schemeClr val="lt1"/>
+                </a:solidFill>
+                <a:latin typeface="Calibri"/>
+                <a:ea typeface="DejaVu Sans"/>
+              </a:rPr>
+              <a:t>Büyük Vaat</a:t>
+            </a:r>
+            <a:endParaRPr b="0" lang="en-US" sz="1400" spc="-1" strike="noStrike">
+              <a:solidFill>
+                <a:srgbClr val="ffffff"/>
+              </a:solidFill>
+              <a:latin typeface="Arial"/>
+            </a:endParaRPr>
+          </a:p>
+          <a:p>
+            <a:pPr>
+              <a:lnSpc>
+                <a:spcPct val="100000"/>
+              </a:lnSpc>
+            </a:pPr>
+            <a:r>
+              <a:rPr b="0" lang="en-US" sz="1400" spc="-1" strike="noStrike">
+                <a:solidFill>
+                  <a:schemeClr val="lt1"/>
+                </a:solidFill>
+                <a:latin typeface="Calibri"/>
+                <a:ea typeface="DejaVu Sans"/>
+              </a:rPr>
+              <a:t>Java’dan önce:</a:t>
+            </a:r>
+            <a:endParaRPr b="0" lang="en-US" sz="1400" spc="-1" strike="noStrike">
+              <a:solidFill>
+                <a:srgbClr val="ffffff"/>
+              </a:solidFill>
+              <a:latin typeface="Arial"/>
+            </a:endParaRPr>
+          </a:p>
+          <a:p>
+            <a:pPr>
+              <a:lnSpc>
+                <a:spcPct val="100000"/>
+              </a:lnSpc>
+            </a:pPr>
+            <a:r>
+              <a:rPr b="1" lang="en-US" sz="1400" spc="-1" strike="noStrike">
+                <a:solidFill>
+                  <a:schemeClr val="lt1"/>
+                </a:solidFill>
+                <a:latin typeface="Calibri"/>
+                <a:ea typeface="DejaVu Sans"/>
+              </a:rPr>
+              <a:t>• </a:t>
+            </a:r>
+            <a:r>
+              <a:rPr b="1" lang="en-US" sz="1400" spc="-1" strike="noStrike">
+                <a:solidFill>
+                  <a:schemeClr val="lt1"/>
+                </a:solidFill>
+                <a:latin typeface="Calibri"/>
+                <a:ea typeface="DejaVu Sans"/>
+              </a:rPr>
+              <a:t>1 işletim sistemi = 1 derleme</a:t>
+            </a:r>
+            <a:endParaRPr b="0" lang="en-US" sz="1400" spc="-1" strike="noStrike">
+              <a:solidFill>
+                <a:srgbClr val="ffffff"/>
+              </a:solidFill>
+              <a:latin typeface="Arial"/>
+            </a:endParaRPr>
+          </a:p>
+          <a:p>
+            <a:pPr>
+              <a:lnSpc>
+                <a:spcPct val="100000"/>
+              </a:lnSpc>
+            </a:pPr>
+            <a:r>
+              <a:rPr b="1" lang="en-US" sz="1400" spc="-1" strike="noStrike">
+                <a:solidFill>
+                  <a:schemeClr val="lt1"/>
+                </a:solidFill>
+                <a:latin typeface="Calibri"/>
+                <a:ea typeface="DejaVu Sans"/>
+              </a:rPr>
+              <a:t>• </a:t>
+            </a:r>
+            <a:r>
+              <a:rPr b="1" lang="en-US" sz="1400" spc="-1" strike="noStrike">
+                <a:solidFill>
+                  <a:schemeClr val="lt1"/>
+                </a:solidFill>
+                <a:latin typeface="Calibri"/>
+                <a:ea typeface="DejaVu Sans"/>
+              </a:rPr>
+              <a:t>Her sistem için yeniden derleme</a:t>
+            </a:r>
+            <a:endParaRPr b="0" lang="en-US" sz="1400" spc="-1" strike="noStrike">
+              <a:solidFill>
+                <a:srgbClr val="ffffff"/>
+              </a:solidFill>
+              <a:latin typeface="Arial"/>
+            </a:endParaRPr>
+          </a:p>
+          <a:p>
+            <a:pPr>
+              <a:lnSpc>
+                <a:spcPct val="100000"/>
+              </a:lnSpc>
+            </a:pPr>
+            <a:r>
+              <a:rPr b="1" lang="en-US" sz="1400" spc="-1" strike="noStrike">
+                <a:solidFill>
+                  <a:schemeClr val="lt1"/>
+                </a:solidFill>
+                <a:latin typeface="Calibri"/>
+                <a:ea typeface="DejaVu Sans"/>
+              </a:rPr>
+              <a:t>• </a:t>
+            </a:r>
+            <a:r>
+              <a:rPr b="1" lang="en-US" sz="1400" spc="-1" strike="noStrike">
+                <a:solidFill>
+                  <a:schemeClr val="lt1"/>
+                </a:solidFill>
+                <a:latin typeface="Calibri"/>
+                <a:ea typeface="DejaVu Sans"/>
+              </a:rPr>
+              <a:t>Yüksek bakım maliyeti</a:t>
+            </a:r>
+            <a:endParaRPr b="0" lang="en-US" sz="1400" spc="-1" strike="noStrike">
+              <a:solidFill>
+                <a:srgbClr val="ffffff"/>
+              </a:solidFill>
+              <a:latin typeface="Arial"/>
+            </a:endParaRPr>
+          </a:p>
+          <a:p>
+            <a:pPr>
+              <a:lnSpc>
+                <a:spcPct val="100000"/>
+              </a:lnSpc>
+            </a:pPr>
+            <a:r>
+              <a:rPr b="0" lang="en-US" sz="1400" spc="-1" strike="noStrike">
+                <a:solidFill>
+                  <a:schemeClr val="lt1"/>
+                </a:solidFill>
+                <a:latin typeface="Calibri"/>
+                <a:ea typeface="DejaVu Sans"/>
+              </a:rPr>
+              <a:t>Java ile:</a:t>
+            </a:r>
+            <a:endParaRPr b="0" lang="en-US" sz="1400" spc="-1" strike="noStrike">
+              <a:solidFill>
+                <a:srgbClr val="ffffff"/>
+              </a:solidFill>
+              <a:latin typeface="Arial"/>
+            </a:endParaRPr>
+          </a:p>
+          <a:p>
+            <a:pPr>
+              <a:lnSpc>
+                <a:spcPct val="100000"/>
+              </a:lnSpc>
+            </a:pPr>
+            <a:r>
+              <a:rPr b="1" lang="en-US" sz="1400" spc="-1" strike="noStrike">
+                <a:solidFill>
+                  <a:schemeClr val="lt1"/>
+                </a:solidFill>
+                <a:latin typeface="Calibri"/>
+                <a:ea typeface="DejaVu Sans"/>
+              </a:rPr>
+              <a:t>• </a:t>
+            </a:r>
+            <a:r>
+              <a:rPr b="1" lang="en-US" sz="1400" spc="-1" strike="noStrike">
+                <a:solidFill>
+                  <a:schemeClr val="lt1"/>
+                </a:solidFill>
+                <a:latin typeface="Calibri"/>
+                <a:ea typeface="DejaVu Sans"/>
+              </a:rPr>
+              <a:t>Tek kaynak kod</a:t>
+            </a:r>
+            <a:endParaRPr b="0" lang="en-US" sz="1400" spc="-1" strike="noStrike">
+              <a:solidFill>
+                <a:srgbClr val="ffffff"/>
+              </a:solidFill>
+              <a:latin typeface="Arial"/>
+            </a:endParaRPr>
+          </a:p>
+          <a:p>
+            <a:pPr>
+              <a:lnSpc>
+                <a:spcPct val="100000"/>
+              </a:lnSpc>
+            </a:pPr>
+            <a:r>
+              <a:rPr b="1" lang="en-US" sz="1400" spc="-1" strike="noStrike">
+                <a:solidFill>
+                  <a:schemeClr val="lt1"/>
+                </a:solidFill>
+                <a:latin typeface="Calibri"/>
+                <a:ea typeface="DejaVu Sans"/>
+              </a:rPr>
+              <a:t>• </a:t>
+            </a:r>
+            <a:r>
+              <a:rPr b="1" lang="en-US" sz="1400" spc="-1" strike="noStrike">
+                <a:solidFill>
+                  <a:schemeClr val="lt1"/>
+                </a:solidFill>
+                <a:latin typeface="Calibri"/>
+                <a:ea typeface="DejaVu Sans"/>
+              </a:rPr>
+              <a:t>Tek kez derlenen bytecode</a:t>
+            </a:r>
+            <a:endParaRPr b="0" lang="en-US" sz="1400" spc="-1" strike="noStrike">
+              <a:solidFill>
+                <a:srgbClr val="ffffff"/>
+              </a:solidFill>
+              <a:latin typeface="Arial"/>
+            </a:endParaRPr>
+          </a:p>
+          <a:p>
+            <a:pPr>
+              <a:lnSpc>
+                <a:spcPct val="100000"/>
+              </a:lnSpc>
+            </a:pPr>
+            <a:r>
+              <a:rPr b="1" lang="en-US" sz="1400" spc="-1" strike="noStrike">
+                <a:solidFill>
+                  <a:schemeClr val="lt1"/>
+                </a:solidFill>
+                <a:latin typeface="Calibri"/>
+                <a:ea typeface="DejaVu Sans"/>
+              </a:rPr>
+              <a:t>• </a:t>
+            </a:r>
+            <a:r>
+              <a:rPr b="1" lang="en-US" sz="1400" spc="-1" strike="noStrike">
+                <a:solidFill>
+                  <a:schemeClr val="lt1"/>
+                </a:solidFill>
+                <a:latin typeface="Calibri"/>
+                <a:ea typeface="DejaVu Sans"/>
+              </a:rPr>
+              <a:t>Her yerde çalışır 🌍</a:t>
+            </a:r>
+            <a:endParaRPr b="0" lang="en-US" sz="1400" spc="-1" strike="noStrike">
+              <a:solidFill>
+                <a:srgbClr val="ffffff"/>
+              </a:solidFill>
+              <a:latin typeface="Arial"/>
+            </a:endParaRPr>
+          </a:p>
+          <a:p>
+            <a:pPr>
+              <a:lnSpc>
+                <a:spcPct val="100000"/>
+              </a:lnSpc>
+            </a:pPr>
+            <a:endParaRPr b="0" lang="en-US" sz="1400" spc="-1" strike="noStrike">
+              <a:solidFill>
+                <a:srgbClr val="ffffff"/>
+              </a:solidFill>
+              <a:latin typeface="Arial"/>
+            </a:endParaRPr>
+          </a:p>
+          <a:p>
+            <a:pPr>
+              <a:lnSpc>
+                <a:spcPct val="100000"/>
+              </a:lnSpc>
+            </a:pPr>
+            <a:r>
+              <a:rPr b="1" lang="en-US" sz="1400" spc="-1" strike="noStrike">
+                <a:solidFill>
+                  <a:schemeClr val="lt1"/>
+                </a:solidFill>
+                <a:latin typeface="Calibri"/>
+                <a:ea typeface="DejaVu Sans"/>
+              </a:rPr>
+              <a:t>Ünlü slogan:</a:t>
+            </a:r>
+            <a:endParaRPr b="0" lang="en-US" sz="1400" spc="-1" strike="noStrike">
+              <a:solidFill>
+                <a:srgbClr val="ffffff"/>
+              </a:solidFill>
+              <a:latin typeface="Arial"/>
+            </a:endParaRPr>
+          </a:p>
+          <a:p>
+            <a:pPr>
+              <a:lnSpc>
+                <a:spcPct val="100000"/>
+              </a:lnSpc>
+            </a:pPr>
+            <a:r>
+              <a:rPr b="1" lang="en-US" sz="1400" spc="-1" strike="noStrike">
+                <a:solidFill>
+                  <a:schemeClr val="lt1"/>
+                </a:solidFill>
+                <a:latin typeface="Calibri"/>
+                <a:ea typeface="DejaVu Sans"/>
+              </a:rPr>
+              <a:t>Bir Kez Yaz, Her Yerde Çalıştır</a:t>
+            </a:r>
+            <a:endParaRPr b="0" lang="en-US" sz="1400" spc="-1" strike="noStrike">
+              <a:solidFill>
+                <a:srgbClr val="ffffff"/>
+              </a:solidFill>
+              <a:latin typeface="Arial"/>
+            </a:endParaRPr>
+          </a:p>
+        </p:txBody>
+      </p:sp>
+      <p:sp>
+        <p:nvSpPr>
+          <p:cNvPr id="244" name="Rounded Rectangle 59"/>
+          <p:cNvSpPr/>
+          <p:nvPr/>
+        </p:nvSpPr>
+        <p:spPr>
+          <a:xfrm>
+            <a:off x="4966200" y="3507120"/>
+            <a:ext cx="3621240" cy="3018960"/>
+          </a:xfrm>
+          <a:prstGeom prst="roundRect">
+            <a:avLst>
+              <a:gd name="adj" fmla="val 16667"/>
+            </a:avLst>
+          </a:prstGeom>
+          <a:solidFill>
+            <a:srgbClr val="08080a"/>
+          </a:solidFill>
+          <a:ln>
+            <a:noFill/>
+          </a:ln>
+          <a:effectLst>
+            <a:outerShdw blurRad="39960" dir="5400000" dist="23040" rotWithShape="0">
+              <a:srgbClr val="000000">
+                <a:alpha val="35000"/>
+              </a:srgbClr>
+            </a:outerShdw>
+          </a:effectLst>
+        </p:spPr>
+        <p:style>
+          <a:lnRef idx="1">
+            <a:schemeClr val="accent1"/>
+          </a:lnRef>
+          <a:fillRef idx="3">
+            <a:schemeClr val="accent1"/>
+          </a:fillRef>
+          <a:effectRef idx="2">
+            <a:schemeClr val="accent1"/>
+          </a:effectRef>
+          <a:fontRef idx="minor"/>
+        </p:style>
+        <p:txBody>
+          <a:bodyPr lIns="90000" rIns="90000" tIns="45000" bIns="45000" anchor="ctr">
+            <a:noAutofit/>
+          </a:bodyPr>
+          <a:p>
+            <a:endParaRPr b="0" lang="en-US" sz="1800" spc="-1" strike="noStrike">
+              <a:solidFill>
+                <a:schemeClr val="lt1"/>
+              </a:solidFill>
+              <a:latin typeface="Calibri"/>
+              <a:ea typeface="DejaVu Sans"/>
+            </a:endParaRPr>
+          </a:p>
+        </p:txBody>
+      </p:sp>
+      <p:sp>
+        <p:nvSpPr>
+          <p:cNvPr id="245" name="Rounded Rectangle 60"/>
+          <p:cNvSpPr/>
+          <p:nvPr/>
+        </p:nvSpPr>
+        <p:spPr>
+          <a:xfrm>
+            <a:off x="8845560" y="3507120"/>
+            <a:ext cx="3621240" cy="3018960"/>
+          </a:xfrm>
+          <a:prstGeom prst="roundRect">
+            <a:avLst>
+              <a:gd name="adj" fmla="val 16667"/>
+            </a:avLst>
+          </a:prstGeom>
+          <a:solidFill>
+            <a:srgbClr val="08080a"/>
+          </a:solidFill>
+          <a:ln>
+            <a:noFill/>
+          </a:ln>
+          <a:effectLst>
+            <a:outerShdw blurRad="39960" dir="5400000" dist="23040" rotWithShape="0">
+              <a:srgbClr val="000000">
+                <a:alpha val="35000"/>
+              </a:srgbClr>
+            </a:outerShdw>
+          </a:effectLst>
+        </p:spPr>
+        <p:style>
+          <a:lnRef idx="1">
+            <a:schemeClr val="accent1"/>
+          </a:lnRef>
+          <a:fillRef idx="3">
+            <a:schemeClr val="accent1"/>
+          </a:fillRef>
+          <a:effectRef idx="2">
+            <a:schemeClr val="accent1"/>
+          </a:effectRef>
+          <a:fontRef idx="minor"/>
+        </p:style>
+        <p:txBody>
+          <a:bodyPr lIns="90000" rIns="90000" tIns="45000" bIns="45000" anchor="ctr">
+            <a:noAutofit/>
+          </a:bodyPr>
+          <a:p>
+            <a:endParaRPr b="0" lang="en-US" sz="1800" spc="-1" strike="noStrike">
+              <a:solidFill>
+                <a:schemeClr val="lt1"/>
+              </a:solidFill>
+              <a:latin typeface="Calibri"/>
+              <a:ea typeface="DejaVu Sans"/>
+            </a:endParaRPr>
+          </a:p>
+        </p:txBody>
+      </p:sp>
+      <p:sp>
+        <p:nvSpPr>
+          <p:cNvPr id="246" name="Rounded Rectangle 61"/>
+          <p:cNvSpPr/>
+          <p:nvPr/>
+        </p:nvSpPr>
+        <p:spPr>
+          <a:xfrm>
+            <a:off x="8763840" y="3426120"/>
+            <a:ext cx="3621600" cy="3019320"/>
+          </a:xfrm>
+          <a:prstGeom prst="roundRect">
+            <a:avLst>
+              <a:gd name="adj" fmla="val 16667"/>
+            </a:avLst>
+          </a:prstGeom>
+          <a:solidFill>
+            <a:srgbClr val="16161c"/>
+          </a:solidFill>
+          <a:ln>
+            <a:solidFill>
+              <a:srgbClr val="464655"/>
+            </a:solidFill>
+            <a:round/>
+          </a:ln>
+          <a:effectLst>
+            <a:outerShdw blurRad="39960" dir="5400000" dist="23040" rotWithShape="0">
+              <a:srgbClr val="000000">
+                <a:alpha val="35000"/>
+              </a:srgbClr>
+            </a:outerShdw>
+          </a:effectLst>
+        </p:spPr>
+        <p:style>
+          <a:lnRef idx="1">
+            <a:schemeClr val="accent1"/>
+          </a:lnRef>
+          <a:fillRef idx="3">
+            <a:schemeClr val="accent1"/>
+          </a:fillRef>
+          <a:effectRef idx="2">
+            <a:schemeClr val="accent1"/>
+          </a:effectRef>
+          <a:fontRef idx="minor"/>
+        </p:style>
+        <p:txBody>
+          <a:bodyPr lIns="90000" rIns="90000" tIns="45000" bIns="45000" anchor="ctr">
+            <a:noAutofit/>
+          </a:bodyPr>
+          <a:p>
+            <a:pPr algn="ctr">
+              <a:lnSpc>
+                <a:spcPct val="100000"/>
+              </a:lnSpc>
+            </a:pPr>
+            <a:endParaRPr b="0" lang="en-US" sz="1100" spc="-1" strike="noStrike">
+              <a:solidFill>
+                <a:srgbClr val="ffffff"/>
+              </a:solidFill>
+              <a:latin typeface="Arial"/>
+            </a:endParaRPr>
+          </a:p>
+          <a:p>
+            <a:pPr algn="ctr">
+              <a:lnSpc>
+                <a:spcPct val="100000"/>
+              </a:lnSpc>
+            </a:pPr>
+            <a:endParaRPr b="0" lang="en-US" sz="1100" spc="-1" strike="noStrike">
+              <a:solidFill>
+                <a:srgbClr val="ffffff"/>
+              </a:solidFill>
+              <a:latin typeface="Arial"/>
+            </a:endParaRPr>
+          </a:p>
+          <a:p>
+            <a:pPr algn="ctr">
+              <a:lnSpc>
+                <a:spcPct val="100000"/>
+              </a:lnSpc>
+            </a:pPr>
+            <a:endParaRPr b="0" lang="en-US" sz="1100" spc="-1" strike="noStrike">
+              <a:solidFill>
+                <a:srgbClr val="ffffff"/>
+              </a:solidFill>
+              <a:latin typeface="Arial"/>
+            </a:endParaRPr>
+          </a:p>
+          <a:p>
+            <a:pPr algn="ctr">
+              <a:lnSpc>
+                <a:spcPct val="100000"/>
+              </a:lnSpc>
+            </a:pPr>
+            <a:endParaRPr b="0" lang="en-US" sz="1100" spc="-1" strike="noStrike">
+              <a:solidFill>
+                <a:srgbClr val="ffffff"/>
+              </a:solidFill>
+              <a:latin typeface="Arial"/>
+            </a:endParaRPr>
+          </a:p>
+          <a:p>
+            <a:pPr algn="ctr">
+              <a:lnSpc>
+                <a:spcPct val="100000"/>
+              </a:lnSpc>
+            </a:pPr>
+            <a:r>
+              <a:rPr b="0" lang="en-US" sz="1100" spc="-1" strike="noStrike">
+                <a:solidFill>
+                  <a:srgbClr val="78ffc8"/>
+                </a:solidFill>
+                <a:latin typeface="Consolas"/>
+                <a:ea typeface="DejaVu Sans"/>
+              </a:rPr>
+              <a:t>public class Anywhere {</a:t>
+            </a:r>
+            <a:endParaRPr b="0" lang="en-US" sz="1100" spc="-1" strike="noStrike">
+              <a:solidFill>
+                <a:srgbClr val="ffffff"/>
+              </a:solidFill>
+              <a:latin typeface="Arial"/>
+            </a:endParaRPr>
+          </a:p>
+          <a:p>
+            <a:pPr algn="ctr">
+              <a:lnSpc>
+                <a:spcPct val="100000"/>
+              </a:lnSpc>
+            </a:pPr>
+            <a:endParaRPr b="0" lang="en-US" sz="1100" spc="-1" strike="noStrike">
+              <a:solidFill>
+                <a:srgbClr val="ffffff"/>
+              </a:solidFill>
+              <a:latin typeface="Arial"/>
+            </a:endParaRPr>
+          </a:p>
+          <a:p>
+            <a:pPr algn="ctr">
+              <a:lnSpc>
+                <a:spcPct val="100000"/>
+              </a:lnSpc>
+            </a:pPr>
+            <a:r>
+              <a:rPr b="0" lang="en-US" sz="1100" spc="-1" strike="noStrike">
+                <a:solidFill>
+                  <a:srgbClr val="78ffc8"/>
+                </a:solidFill>
+                <a:latin typeface="Consolas"/>
+                <a:ea typeface="DejaVu Sans"/>
+              </a:rPr>
+              <a:t>    </a:t>
+            </a:r>
+            <a:r>
+              <a:rPr b="0" lang="en-US" sz="1100" spc="-1" strike="noStrike">
+                <a:solidFill>
+                  <a:srgbClr val="78ffc8"/>
+                </a:solidFill>
+                <a:latin typeface="Consolas"/>
+                <a:ea typeface="DejaVu Sans"/>
+              </a:rPr>
+              <a:t>public static void main(String[] args) {</a:t>
+            </a:r>
+            <a:endParaRPr b="0" lang="en-US" sz="1100" spc="-1" strike="noStrike">
+              <a:solidFill>
+                <a:srgbClr val="ffffff"/>
+              </a:solidFill>
+              <a:latin typeface="Arial"/>
+            </a:endParaRPr>
+          </a:p>
+          <a:p>
+            <a:pPr algn="ctr">
+              <a:lnSpc>
+                <a:spcPct val="100000"/>
+              </a:lnSpc>
+            </a:pPr>
+            <a:endParaRPr b="0" lang="en-US" sz="1100" spc="-1" strike="noStrike">
+              <a:solidFill>
+                <a:srgbClr val="ffffff"/>
+              </a:solidFill>
+              <a:latin typeface="Arial"/>
+            </a:endParaRPr>
+          </a:p>
+          <a:p>
+            <a:pPr algn="ctr">
+              <a:lnSpc>
+                <a:spcPct val="100000"/>
+              </a:lnSpc>
+            </a:pPr>
+            <a:r>
+              <a:rPr b="0" lang="en-US" sz="1100" spc="-1" strike="noStrike">
+                <a:solidFill>
+                  <a:srgbClr val="78ffc8"/>
+                </a:solidFill>
+                <a:latin typeface="Consolas"/>
+                <a:ea typeface="DejaVu Sans"/>
+              </a:rPr>
+              <a:t>        </a:t>
+            </a:r>
+            <a:r>
+              <a:rPr b="0" lang="en-US" sz="1100" spc="-1" strike="noStrike">
+                <a:solidFill>
+                  <a:srgbClr val="78ffc8"/>
+                </a:solidFill>
+                <a:latin typeface="Consolas"/>
+                <a:ea typeface="DejaVu Sans"/>
+              </a:rPr>
+              <a:t>String os =</a:t>
+            </a:r>
+            <a:endParaRPr b="0" lang="en-US" sz="1100" spc="-1" strike="noStrike">
+              <a:solidFill>
+                <a:srgbClr val="ffffff"/>
+              </a:solidFill>
+              <a:latin typeface="Arial"/>
+            </a:endParaRPr>
+          </a:p>
+          <a:p>
+            <a:pPr algn="ctr">
+              <a:lnSpc>
+                <a:spcPct val="100000"/>
+              </a:lnSpc>
+            </a:pPr>
+            <a:r>
+              <a:rPr b="0" lang="en-US" sz="1100" spc="-1" strike="noStrike">
+                <a:solidFill>
+                  <a:srgbClr val="78ffc8"/>
+                </a:solidFill>
+                <a:latin typeface="Consolas"/>
+                <a:ea typeface="DejaVu Sans"/>
+              </a:rPr>
+              <a:t>            </a:t>
+            </a:r>
+            <a:r>
+              <a:rPr b="0" lang="en-US" sz="1100" spc="-1" strike="noStrike">
+                <a:solidFill>
+                  <a:srgbClr val="78ffc8"/>
+                </a:solidFill>
+                <a:latin typeface="Consolas"/>
+                <a:ea typeface="DejaVu Sans"/>
+              </a:rPr>
+              <a:t>System.getProperty("os.name");</a:t>
+            </a:r>
+            <a:endParaRPr b="0" lang="en-US" sz="1100" spc="-1" strike="noStrike">
+              <a:solidFill>
+                <a:srgbClr val="ffffff"/>
+              </a:solidFill>
+              <a:latin typeface="Arial"/>
+            </a:endParaRPr>
+          </a:p>
+          <a:p>
+            <a:pPr algn="ctr">
+              <a:lnSpc>
+                <a:spcPct val="100000"/>
+              </a:lnSpc>
+            </a:pPr>
+            <a:endParaRPr b="0" lang="en-US" sz="1100" spc="-1" strike="noStrike">
+              <a:solidFill>
+                <a:srgbClr val="ffffff"/>
+              </a:solidFill>
+              <a:latin typeface="Arial"/>
+            </a:endParaRPr>
+          </a:p>
+          <a:p>
+            <a:pPr algn="ctr">
+              <a:lnSpc>
+                <a:spcPct val="100000"/>
+              </a:lnSpc>
+            </a:pPr>
+            <a:r>
+              <a:rPr b="0" lang="en-US" sz="1100" spc="-1" strike="noStrike">
+                <a:solidFill>
+                  <a:srgbClr val="78ffc8"/>
+                </a:solidFill>
+                <a:latin typeface="Consolas"/>
+                <a:ea typeface="DejaVu Sans"/>
+              </a:rPr>
+              <a:t>        </a:t>
+            </a:r>
+            <a:r>
+              <a:rPr b="0" lang="en-US" sz="1100" spc="-1" strike="noStrike">
+                <a:solidFill>
+                  <a:srgbClr val="78ffc8"/>
+                </a:solidFill>
+                <a:latin typeface="Consolas"/>
+                <a:ea typeface="DejaVu Sans"/>
+              </a:rPr>
+              <a:t>System.out.println(</a:t>
+            </a:r>
+            <a:endParaRPr b="0" lang="en-US" sz="1100" spc="-1" strike="noStrike">
+              <a:solidFill>
+                <a:srgbClr val="ffffff"/>
+              </a:solidFill>
+              <a:latin typeface="Arial"/>
+            </a:endParaRPr>
+          </a:p>
+          <a:p>
+            <a:pPr algn="ctr">
+              <a:lnSpc>
+                <a:spcPct val="100000"/>
+              </a:lnSpc>
+            </a:pPr>
+            <a:r>
+              <a:rPr b="0" lang="en-US" sz="1100" spc="-1" strike="noStrike">
+                <a:solidFill>
+                  <a:srgbClr val="78ffc8"/>
+                </a:solidFill>
+                <a:latin typeface="Consolas"/>
+                <a:ea typeface="DejaVu Sans"/>
+              </a:rPr>
+              <a:t>            </a:t>
+            </a:r>
+            <a:r>
+              <a:rPr b="0" lang="en-US" sz="1100" spc="-1" strike="noStrike">
+                <a:solidFill>
+                  <a:srgbClr val="78ffc8"/>
+                </a:solidFill>
+                <a:latin typeface="Consolas"/>
+                <a:ea typeface="DejaVu Sans"/>
+              </a:rPr>
+              <a:t>"Çalıştığı sistem: " + os</a:t>
+            </a:r>
+            <a:endParaRPr b="0" lang="en-US" sz="1100" spc="-1" strike="noStrike">
+              <a:solidFill>
+                <a:srgbClr val="ffffff"/>
+              </a:solidFill>
+              <a:latin typeface="Arial"/>
+            </a:endParaRPr>
+          </a:p>
+          <a:p>
+            <a:pPr algn="ctr">
+              <a:lnSpc>
+                <a:spcPct val="100000"/>
+              </a:lnSpc>
+            </a:pPr>
+            <a:r>
+              <a:rPr b="0" lang="en-US" sz="1100" spc="-1" strike="noStrike">
+                <a:solidFill>
+                  <a:srgbClr val="78ffc8"/>
+                </a:solidFill>
+                <a:latin typeface="Consolas"/>
+                <a:ea typeface="DejaVu Sans"/>
+              </a:rPr>
+              <a:t>        </a:t>
+            </a:r>
+            <a:r>
+              <a:rPr b="0" lang="en-US" sz="1100" spc="-1" strike="noStrike">
+                <a:solidFill>
+                  <a:srgbClr val="78ffc8"/>
+                </a:solidFill>
+                <a:latin typeface="Consolas"/>
+                <a:ea typeface="DejaVu Sans"/>
+              </a:rPr>
+              <a:t>);</a:t>
+            </a:r>
+            <a:endParaRPr b="0" lang="en-US" sz="1100" spc="-1" strike="noStrike">
+              <a:solidFill>
+                <a:srgbClr val="ffffff"/>
+              </a:solidFill>
+              <a:latin typeface="Arial"/>
+            </a:endParaRPr>
+          </a:p>
+          <a:p>
+            <a:pPr algn="ctr">
+              <a:lnSpc>
+                <a:spcPct val="100000"/>
+              </a:lnSpc>
+            </a:pPr>
+            <a:endParaRPr b="0" lang="en-US" sz="1100" spc="-1" strike="noStrike">
+              <a:solidFill>
+                <a:srgbClr val="ffffff"/>
+              </a:solidFill>
+              <a:latin typeface="Arial"/>
+            </a:endParaRPr>
+          </a:p>
+          <a:p>
+            <a:pPr algn="ctr">
+              <a:lnSpc>
+                <a:spcPct val="100000"/>
+              </a:lnSpc>
+            </a:pPr>
+            <a:r>
+              <a:rPr b="0" lang="en-US" sz="1100" spc="-1" strike="noStrike">
+                <a:solidFill>
+                  <a:srgbClr val="78ffc8"/>
+                </a:solidFill>
+                <a:latin typeface="Consolas"/>
+                <a:ea typeface="DejaVu Sans"/>
+              </a:rPr>
+              <a:t>        </a:t>
+            </a:r>
+            <a:r>
+              <a:rPr b="0" lang="en-US" sz="1100" spc="-1" strike="noStrike">
+                <a:solidFill>
+                  <a:srgbClr val="78ffc8"/>
+                </a:solidFill>
+                <a:latin typeface="Consolas"/>
+                <a:ea typeface="DejaVu Sans"/>
+              </a:rPr>
+              <a:t>System.out.println(</a:t>
+            </a:r>
+            <a:endParaRPr b="0" lang="en-US" sz="1100" spc="-1" strike="noStrike">
+              <a:solidFill>
+                <a:srgbClr val="ffffff"/>
+              </a:solidFill>
+              <a:latin typeface="Arial"/>
+            </a:endParaRPr>
+          </a:p>
+          <a:p>
+            <a:pPr algn="ctr">
+              <a:lnSpc>
+                <a:spcPct val="100000"/>
+              </a:lnSpc>
+            </a:pPr>
+            <a:r>
+              <a:rPr b="0" lang="en-US" sz="1100" spc="-1" strike="noStrike">
+                <a:solidFill>
+                  <a:srgbClr val="78ffc8"/>
+                </a:solidFill>
+                <a:latin typeface="Consolas"/>
+                <a:ea typeface="DejaVu Sans"/>
+              </a:rPr>
+              <a:t>            </a:t>
+            </a:r>
+            <a:r>
+              <a:rPr b="0" lang="en-US" sz="1100" spc="-1" strike="noStrike">
+                <a:solidFill>
+                  <a:srgbClr val="78ffc8"/>
+                </a:solidFill>
+                <a:latin typeface="Consolas"/>
+                <a:ea typeface="DejaVu Sans"/>
+              </a:rPr>
+              <a:t>"Aynı kod. Aynı sonuç."</a:t>
+            </a:r>
+            <a:endParaRPr b="0" lang="en-US" sz="1100" spc="-1" strike="noStrike">
+              <a:solidFill>
+                <a:srgbClr val="ffffff"/>
+              </a:solidFill>
+              <a:latin typeface="Arial"/>
+            </a:endParaRPr>
+          </a:p>
+          <a:p>
+            <a:pPr algn="ctr">
+              <a:lnSpc>
+                <a:spcPct val="100000"/>
+              </a:lnSpc>
+            </a:pPr>
+            <a:r>
+              <a:rPr b="0" lang="en-US" sz="1100" spc="-1" strike="noStrike">
+                <a:solidFill>
+                  <a:srgbClr val="78ffc8"/>
+                </a:solidFill>
+                <a:latin typeface="Consolas"/>
+                <a:ea typeface="DejaVu Sans"/>
+              </a:rPr>
+              <a:t>        </a:t>
+            </a:r>
+            <a:r>
+              <a:rPr b="0" lang="en-US" sz="1100" spc="-1" strike="noStrike">
+                <a:solidFill>
+                  <a:srgbClr val="78ffc8"/>
+                </a:solidFill>
+                <a:latin typeface="Consolas"/>
+                <a:ea typeface="DejaVu Sans"/>
+              </a:rPr>
+              <a:t>);</a:t>
+            </a:r>
+            <a:endParaRPr b="0" lang="en-US" sz="1100" spc="-1" strike="noStrike">
+              <a:solidFill>
+                <a:srgbClr val="ffffff"/>
+              </a:solidFill>
+              <a:latin typeface="Arial"/>
+            </a:endParaRPr>
+          </a:p>
+          <a:p>
+            <a:pPr algn="ctr">
+              <a:lnSpc>
+                <a:spcPct val="100000"/>
+              </a:lnSpc>
+            </a:pPr>
+            <a:r>
+              <a:rPr b="0" lang="en-US" sz="1100" spc="-1" strike="noStrike">
+                <a:solidFill>
+                  <a:srgbClr val="78ffc8"/>
+                </a:solidFill>
+                <a:latin typeface="Consolas"/>
+                <a:ea typeface="DejaVu Sans"/>
+              </a:rPr>
+              <a:t>    </a:t>
+            </a:r>
+            <a:r>
+              <a:rPr b="0" lang="en-US" sz="1100" spc="-1" strike="noStrike">
+                <a:solidFill>
+                  <a:srgbClr val="78ffc8"/>
+                </a:solidFill>
+                <a:latin typeface="Consolas"/>
+                <a:ea typeface="DejaVu Sans"/>
+              </a:rPr>
+              <a:t>}</a:t>
+            </a:r>
+            <a:endParaRPr b="0" lang="en-US" sz="1100" spc="-1" strike="noStrike">
+              <a:solidFill>
+                <a:srgbClr val="ffffff"/>
+              </a:solidFill>
+              <a:latin typeface="Arial"/>
+            </a:endParaRPr>
+          </a:p>
+          <a:p>
+            <a:pPr algn="ctr">
+              <a:lnSpc>
+                <a:spcPct val="100000"/>
+              </a:lnSpc>
+            </a:pPr>
+            <a:r>
+              <a:rPr b="0" lang="en-US" sz="1100" spc="-1" strike="noStrike">
+                <a:solidFill>
+                  <a:srgbClr val="78ffc8"/>
+                </a:solidFill>
+                <a:latin typeface="Consolas"/>
+                <a:ea typeface="DejaVu Sans"/>
+              </a:rPr>
+              <a:t>}</a:t>
+            </a:r>
+            <a:endParaRPr b="0" lang="en-US" sz="1100" spc="-1" strike="noStrike">
+              <a:solidFill>
+                <a:srgbClr val="ffffff"/>
+              </a:solidFill>
+              <a:latin typeface="Arial"/>
+            </a:endParaRPr>
+          </a:p>
+          <a:p>
+            <a:pPr algn="ctr">
+              <a:lnSpc>
+                <a:spcPct val="100000"/>
+              </a:lnSpc>
+            </a:pPr>
+            <a:endParaRPr b="0" lang="en-US" sz="1100" spc="-1" strike="noStrike">
+              <a:solidFill>
+                <a:srgbClr val="ffffff"/>
+              </a:solidFill>
+              <a:latin typeface="Arial"/>
+            </a:endParaRPr>
+          </a:p>
+          <a:p>
+            <a:pPr algn="ctr">
+              <a:lnSpc>
+                <a:spcPct val="100000"/>
+              </a:lnSpc>
+            </a:pPr>
+            <a:endParaRPr b="0" lang="en-US" sz="1100" spc="-1" strike="noStrike">
+              <a:solidFill>
+                <a:srgbClr val="ffffff"/>
+              </a:solidFill>
+              <a:latin typeface="Arial"/>
+            </a:endParaRPr>
+          </a:p>
+          <a:p>
+            <a:pPr algn="ctr">
+              <a:lnSpc>
+                <a:spcPct val="100000"/>
+              </a:lnSpc>
+            </a:pPr>
+            <a:endParaRPr b="0" lang="en-US" sz="1100" spc="-1" strike="noStrike">
+              <a:solidFill>
+                <a:srgbClr val="ffffff"/>
+              </a:solidFill>
+              <a:latin typeface="Arial"/>
+            </a:endParaRPr>
+          </a:p>
+          <a:p>
+            <a:pPr algn="ctr">
+              <a:lnSpc>
+                <a:spcPct val="100000"/>
+              </a:lnSpc>
+            </a:pPr>
+            <a:endParaRPr b="0" lang="en-US" sz="1100" spc="-1" strike="noStrike">
+              <a:solidFill>
+                <a:srgbClr val="ffffff"/>
+              </a:solidFill>
+              <a:latin typeface="Arial"/>
+            </a:endParaRPr>
+          </a:p>
+        </p:txBody>
+      </p:sp>
+      <p:sp>
+        <p:nvSpPr>
+          <p:cNvPr id="247" name="TextBox 27"/>
+          <p:cNvSpPr/>
+          <p:nvPr/>
+        </p:nvSpPr>
+        <p:spPr>
+          <a:xfrm>
+            <a:off x="5221800" y="7106760"/>
+            <a:ext cx="3051000" cy="363960"/>
+          </a:xfrm>
+          <a:prstGeom prst="rect">
+            <a:avLst/>
+          </a:prstGeom>
+          <a:noFill/>
+          <a:ln w="0">
+            <a:noFill/>
+          </a:ln>
+        </p:spPr>
+        <p:style>
+          <a:lnRef idx="0"/>
+          <a:fillRef idx="0"/>
+          <a:effectRef idx="0"/>
+          <a:fontRef idx="minor"/>
+        </p:style>
+        <p:txBody>
+          <a:bodyPr wrap="none" lIns="90000" rIns="90000" tIns="45000" bIns="45000" anchor="t">
+            <a:spAutoFit/>
+          </a:bodyPr>
+          <a:p>
+            <a:pPr>
+              <a:lnSpc>
+                <a:spcPct val="100000"/>
+              </a:lnSpc>
+            </a:pPr>
+            <a:r>
+              <a:rPr b="0" lang="en-US" sz="1800" spc="-1" strike="noStrike">
+                <a:solidFill>
+                  <a:srgbClr val="000000"/>
+                </a:solidFill>
+                <a:latin typeface="Calibri"/>
+                <a:ea typeface="DejaVu Sans"/>
+              </a:rPr>
+              <a:t>Java • Ultra Premium Template</a:t>
+            </a:r>
+            <a:endParaRPr b="0" lang="en-US" sz="1800" spc="-1" strike="noStrike">
+              <a:solidFill>
+                <a:srgbClr val="000000"/>
+              </a:solidFill>
+              <a:latin typeface="Arial"/>
+            </a:endParaRPr>
+          </a:p>
+        </p:txBody>
+      </p:sp>
+      <p:sp>
+        <p:nvSpPr>
+          <p:cNvPr id="248" name="Rounded Rectangle 62"/>
+          <p:cNvSpPr/>
+          <p:nvPr/>
+        </p:nvSpPr>
+        <p:spPr>
+          <a:xfrm>
+            <a:off x="4938840" y="3452040"/>
+            <a:ext cx="3621600" cy="3019320"/>
+          </a:xfrm>
+          <a:prstGeom prst="roundRect">
+            <a:avLst>
+              <a:gd name="adj" fmla="val 16667"/>
+            </a:avLst>
+          </a:prstGeom>
+          <a:solidFill>
+            <a:srgbClr val="16161c"/>
+          </a:solidFill>
+          <a:ln>
+            <a:solidFill>
+              <a:srgbClr val="464655"/>
+            </a:solidFill>
+            <a:round/>
+          </a:ln>
+          <a:effectLst>
+            <a:outerShdw blurRad="39960" dir="5400000" dist="23040" rotWithShape="0">
+              <a:srgbClr val="000000">
+                <a:alpha val="35000"/>
+              </a:srgbClr>
+            </a:outerShdw>
+          </a:effectLst>
+        </p:spPr>
+        <p:style>
+          <a:lnRef idx="1">
+            <a:schemeClr val="accent1"/>
+          </a:lnRef>
+          <a:fillRef idx="3">
+            <a:schemeClr val="accent1"/>
+          </a:fillRef>
+          <a:effectRef idx="2">
+            <a:schemeClr val="accent1"/>
+          </a:effectRef>
+          <a:fontRef idx="minor"/>
+        </p:style>
+        <p:txBody>
+          <a:bodyPr lIns="90000" rIns="90000" tIns="45000" bIns="45000" anchor="ctr">
+            <a:noAutofit/>
+          </a:bodyPr>
+          <a:p>
+            <a:pPr>
+              <a:lnSpc>
+                <a:spcPct val="100000"/>
+              </a:lnSpc>
+            </a:pPr>
+            <a:r>
+              <a:rPr b="1" lang="en-US" sz="1400" spc="-1" strike="noStrike">
+                <a:solidFill>
+                  <a:schemeClr val="lt1"/>
+                </a:solidFill>
+                <a:latin typeface="Calibri"/>
+                <a:ea typeface="DejaVu Sans"/>
+              </a:rPr>
+              <a:t>Nasıl Çalışır? (Basit Anlatım)</a:t>
+            </a:r>
+            <a:endParaRPr b="0" lang="en-US" sz="1400" spc="-1" strike="noStrike">
+              <a:solidFill>
+                <a:srgbClr val="ffffff"/>
+              </a:solidFill>
+              <a:latin typeface="Arial"/>
+            </a:endParaRPr>
+          </a:p>
+          <a:p>
+            <a:pPr>
+              <a:lnSpc>
+                <a:spcPct val="100000"/>
+              </a:lnSpc>
+            </a:pPr>
+            <a:endParaRPr b="0" lang="en-US" sz="1400" spc="-1" strike="noStrike">
+              <a:solidFill>
+                <a:srgbClr val="ffffff"/>
+              </a:solidFill>
+              <a:latin typeface="Arial"/>
+            </a:endParaRPr>
+          </a:p>
+          <a:p>
+            <a:pPr>
+              <a:lnSpc>
+                <a:spcPct val="100000"/>
+              </a:lnSpc>
+            </a:pPr>
+            <a:r>
+              <a:rPr b="1" lang="en-US" sz="1400" spc="-1" strike="noStrike">
+                <a:solidFill>
+                  <a:schemeClr val="lt1"/>
+                </a:solidFill>
+                <a:latin typeface="Calibri"/>
+                <a:ea typeface="DejaVu Sans"/>
+              </a:rPr>
+              <a:t>Java çalışma modeli:</a:t>
+            </a:r>
+            <a:endParaRPr b="0" lang="en-US" sz="1400" spc="-1" strike="noStrike">
+              <a:solidFill>
+                <a:srgbClr val="ffffff"/>
+              </a:solidFill>
+              <a:latin typeface="Arial"/>
+            </a:endParaRPr>
+          </a:p>
+          <a:p>
+            <a:pPr>
+              <a:lnSpc>
+                <a:spcPct val="100000"/>
+              </a:lnSpc>
+            </a:pPr>
+            <a:r>
+              <a:rPr b="1" lang="en-US" sz="1400" spc="-1" strike="noStrike">
+                <a:solidFill>
+                  <a:schemeClr val="lt1"/>
+                </a:solidFill>
+                <a:latin typeface="Calibri"/>
+                <a:ea typeface="DejaVu Sans"/>
+              </a:rPr>
+              <a:t>• </a:t>
+            </a:r>
+            <a:r>
+              <a:rPr b="1" lang="en-US" sz="1400" spc="-1" strike="noStrike">
+                <a:solidFill>
+                  <a:schemeClr val="lt1"/>
+                </a:solidFill>
+                <a:latin typeface="Calibri"/>
+                <a:ea typeface="DejaVu Sans"/>
+              </a:rPr>
+              <a:t>Java Kaynak Kodu (.java)</a:t>
+            </a:r>
+            <a:endParaRPr b="0" lang="en-US" sz="1400" spc="-1" strike="noStrike">
+              <a:solidFill>
+                <a:srgbClr val="ffffff"/>
+              </a:solidFill>
+              <a:latin typeface="Arial"/>
+            </a:endParaRPr>
+          </a:p>
+          <a:p>
+            <a:pPr>
+              <a:lnSpc>
+                <a:spcPct val="100000"/>
+              </a:lnSpc>
+            </a:pPr>
+            <a:r>
+              <a:rPr b="1" lang="en-US" sz="1400" spc="-1" strike="noStrike">
+                <a:solidFill>
+                  <a:schemeClr val="lt1"/>
+                </a:solidFill>
+                <a:latin typeface="Calibri"/>
+                <a:ea typeface="DejaVu Sans"/>
+              </a:rPr>
+              <a:t>↓</a:t>
+            </a:r>
+            <a:endParaRPr b="0" lang="en-US" sz="1400" spc="-1" strike="noStrike">
+              <a:solidFill>
+                <a:srgbClr val="ffffff"/>
+              </a:solidFill>
+              <a:latin typeface="Arial"/>
+            </a:endParaRPr>
+          </a:p>
+          <a:p>
+            <a:pPr>
+              <a:lnSpc>
+                <a:spcPct val="100000"/>
+              </a:lnSpc>
+            </a:pPr>
+            <a:r>
+              <a:rPr b="1" lang="en-US" sz="1400" spc="-1" strike="noStrike">
+                <a:solidFill>
+                  <a:schemeClr val="lt1"/>
+                </a:solidFill>
+                <a:latin typeface="Calibri"/>
+                <a:ea typeface="DejaVu Sans"/>
+              </a:rPr>
+              <a:t>• </a:t>
+            </a:r>
+            <a:r>
+              <a:rPr b="1" lang="en-US" sz="1400" spc="-1" strike="noStrike">
+                <a:solidFill>
+                  <a:schemeClr val="lt1"/>
+                </a:solidFill>
+                <a:latin typeface="Calibri"/>
+                <a:ea typeface="DejaVu Sans"/>
+              </a:rPr>
+              <a:t>Java Derleyicisi</a:t>
+            </a:r>
+            <a:endParaRPr b="0" lang="en-US" sz="1400" spc="-1" strike="noStrike">
+              <a:solidFill>
+                <a:srgbClr val="ffffff"/>
+              </a:solidFill>
+              <a:latin typeface="Arial"/>
+            </a:endParaRPr>
+          </a:p>
+          <a:p>
+            <a:pPr>
+              <a:lnSpc>
+                <a:spcPct val="100000"/>
+              </a:lnSpc>
+            </a:pPr>
+            <a:r>
+              <a:rPr b="1" lang="en-US" sz="1400" spc="-1" strike="noStrike">
+                <a:solidFill>
+                  <a:schemeClr val="lt1"/>
+                </a:solidFill>
+                <a:latin typeface="Calibri"/>
+                <a:ea typeface="DejaVu Sans"/>
+              </a:rPr>
+              <a:t>↓</a:t>
+            </a:r>
+            <a:endParaRPr b="0" lang="en-US" sz="1400" spc="-1" strike="noStrike">
+              <a:solidFill>
+                <a:srgbClr val="ffffff"/>
+              </a:solidFill>
+              <a:latin typeface="Arial"/>
+            </a:endParaRPr>
+          </a:p>
+          <a:p>
+            <a:pPr>
+              <a:lnSpc>
+                <a:spcPct val="100000"/>
+              </a:lnSpc>
+            </a:pPr>
+            <a:r>
+              <a:rPr b="1" lang="en-US" sz="1400" spc="-1" strike="noStrike">
+                <a:solidFill>
+                  <a:schemeClr val="lt1"/>
+                </a:solidFill>
+                <a:latin typeface="Calibri"/>
+                <a:ea typeface="DejaVu Sans"/>
+              </a:rPr>
+              <a:t>• </a:t>
+            </a:r>
+            <a:r>
+              <a:rPr b="1" lang="en-US" sz="1400" spc="-1" strike="noStrike">
+                <a:solidFill>
+                  <a:schemeClr val="lt1"/>
+                </a:solidFill>
+                <a:latin typeface="Calibri"/>
+                <a:ea typeface="DejaVu Sans"/>
+              </a:rPr>
+              <a:t>Bytecode (.class)</a:t>
+            </a:r>
+            <a:endParaRPr b="0" lang="en-US" sz="1400" spc="-1" strike="noStrike">
+              <a:solidFill>
+                <a:srgbClr val="ffffff"/>
+              </a:solidFill>
+              <a:latin typeface="Arial"/>
+            </a:endParaRPr>
+          </a:p>
+          <a:p>
+            <a:pPr>
+              <a:lnSpc>
+                <a:spcPct val="100000"/>
+              </a:lnSpc>
+            </a:pPr>
+            <a:r>
+              <a:rPr b="1" lang="en-US" sz="1400" spc="-1" strike="noStrike">
+                <a:solidFill>
+                  <a:schemeClr val="lt1"/>
+                </a:solidFill>
+                <a:latin typeface="Calibri"/>
+                <a:ea typeface="DejaVu Sans"/>
+              </a:rPr>
+              <a:t>↓</a:t>
+            </a:r>
+            <a:endParaRPr b="0" lang="en-US" sz="1400" spc="-1" strike="noStrike">
+              <a:solidFill>
+                <a:srgbClr val="ffffff"/>
+              </a:solidFill>
+              <a:latin typeface="Arial"/>
+            </a:endParaRPr>
+          </a:p>
+          <a:p>
+            <a:pPr>
+              <a:lnSpc>
+                <a:spcPct val="100000"/>
+              </a:lnSpc>
+            </a:pPr>
+            <a:r>
+              <a:rPr b="1" lang="en-US" sz="1400" spc="-1" strike="noStrike">
+                <a:solidFill>
+                  <a:schemeClr val="lt1"/>
+                </a:solidFill>
+                <a:latin typeface="Calibri"/>
+                <a:ea typeface="DejaVu Sans"/>
+              </a:rPr>
+              <a:t>• </a:t>
+            </a:r>
+            <a:r>
+              <a:rPr b="1" lang="en-US" sz="1400" spc="-1" strike="noStrike">
+                <a:solidFill>
+                  <a:schemeClr val="lt1"/>
+                </a:solidFill>
+                <a:latin typeface="Calibri"/>
+                <a:ea typeface="DejaVu Sans"/>
+              </a:rPr>
+              <a:t>JVM (her işletim sistemi için)</a:t>
+            </a:r>
+            <a:endParaRPr b="0" lang="en-US" sz="1400" spc="-1" strike="noStrike">
+              <a:solidFill>
+                <a:srgbClr val="ffffff"/>
+              </a:solidFill>
+              <a:latin typeface="Arial"/>
+            </a:endParaRPr>
+          </a:p>
+          <a:p>
+            <a:pPr>
+              <a:lnSpc>
+                <a:spcPct val="100000"/>
+              </a:lnSpc>
+            </a:pPr>
+            <a:r>
+              <a:rPr b="1" lang="en-US" sz="1400" spc="-1" strike="noStrike">
+                <a:solidFill>
+                  <a:schemeClr val="lt1"/>
+                </a:solidFill>
+                <a:latin typeface="Calibri"/>
+                <a:ea typeface="DejaVu Sans"/>
+              </a:rPr>
+              <a:t>↓</a:t>
+            </a:r>
+            <a:endParaRPr b="0" lang="en-US" sz="1400" spc="-1" strike="noStrike">
+              <a:solidFill>
+                <a:srgbClr val="ffffff"/>
+              </a:solidFill>
+              <a:latin typeface="Arial"/>
+            </a:endParaRPr>
+          </a:p>
+          <a:p>
+            <a:pPr>
+              <a:lnSpc>
+                <a:spcPct val="100000"/>
+              </a:lnSpc>
+            </a:pPr>
+            <a:r>
+              <a:rPr b="1" lang="en-US" sz="1400" spc="-1" strike="noStrike">
+                <a:solidFill>
+                  <a:schemeClr val="lt1"/>
+                </a:solidFill>
+                <a:latin typeface="Calibri"/>
+                <a:ea typeface="DejaVu Sans"/>
+              </a:rPr>
+              <a:t>• </a:t>
+            </a:r>
+            <a:r>
+              <a:rPr b="1" lang="en-US" sz="1400" spc="-1" strike="noStrike">
+                <a:solidFill>
+                  <a:schemeClr val="lt1"/>
+                </a:solidFill>
+                <a:latin typeface="Calibri"/>
+                <a:ea typeface="DejaVu Sans"/>
+              </a:rPr>
+              <a:t>Her platformda çalışır</a:t>
+            </a:r>
+            <a:endParaRPr b="0" lang="en-US" sz="1400" spc="-1" strike="noStrike">
               <a:solidFill>
                 <a:srgbClr val="ffffff"/>
               </a:solidFill>
